--- a/doc/entwurf/präsentation/pres_entwurf.pptx
+++ b/doc/entwurf/präsentation/pres_entwurf.pptx
@@ -154,7 +154,7 @@
   </p:defaultTextStyle>
   <p:extLst>
     <p:ext uri="{EFAFB233-063F-42B5-8137-9DF3F51BA10A}">
-      <p15:sldGuideLst xmlns="" xmlns:p15="http://schemas.microsoft.com/office/powerpoint/2012/main">
+      <p15:sldGuideLst xmlns:p15="http://schemas.microsoft.com/office/powerpoint/2012/main" xmlns="">
         <p15:guide id="1" orient="horz" pos="2160">
           <p15:clr>
             <a:srgbClr val="A4A3A4"/>
@@ -168,22 +168,22 @@
       </p15:sldGuideLst>
     </p:ext>
     <p:ext uri="{2D200454-40CA-4A62-9FC3-DE9A4176ACB9}">
-      <p15:notesGuideLst xmlns="" xmlns:p15="http://schemas.microsoft.com/office/powerpoint/2012/main"/>
+      <p15:notesGuideLst xmlns:p15="http://schemas.microsoft.com/office/powerpoint/2012/main" xmlns=""/>
     </p:ext>
   </p:extLst>
 </p:presentation>
 </file>
 
 <file path=ppt/diagrams/colors1.xml><?xml version="1.0" encoding="utf-8"?>
-<dgm:colorsDef xmlns:dgm="http://schemas.openxmlformats.org/drawingml/2006/diagram" xmlns:a="http://schemas.openxmlformats.org/drawingml/2006/main" uniqueId="urn:microsoft.com/office/officeart/2005/8/colors/accent1_2">
+<dgm:colorsDef xmlns:dgm="http://schemas.openxmlformats.org/drawingml/2006/diagram" xmlns:a="http://schemas.openxmlformats.org/drawingml/2006/main" uniqueId="urn:microsoft.com/office/officeart/2005/8/colors/accent2_2">
   <dgm:title val=""/>
   <dgm:desc val=""/>
   <dgm:catLst>
-    <dgm:cat type="accent1" pri="11200"/>
+    <dgm:cat type="accent2" pri="11200"/>
   </dgm:catLst>
   <dgm:styleLbl name="node0">
     <dgm:fillClrLst meth="repeat">
-      <a:schemeClr val="accent1"/>
+      <a:schemeClr val="accent2"/>
     </dgm:fillClrLst>
     <dgm:linClrLst meth="repeat">
       <a:schemeClr val="lt1"/>
@@ -193,21 +193,9 @@
     <dgm:txFillClrLst/>
     <dgm:txEffectClrLst/>
   </dgm:styleLbl>
-  <dgm:styleLbl name="alignNode1">
-    <dgm:fillClrLst meth="repeat">
-      <a:schemeClr val="accent1"/>
-    </dgm:fillClrLst>
-    <dgm:linClrLst meth="repeat">
-      <a:schemeClr val="accent1"/>
-    </dgm:linClrLst>
-    <dgm:effectClrLst/>
-    <dgm:txLinClrLst/>
-    <dgm:txFillClrLst/>
-    <dgm:txEffectClrLst/>
-  </dgm:styleLbl>
   <dgm:styleLbl name="node1">
     <dgm:fillClrLst meth="repeat">
-      <a:schemeClr val="accent1"/>
+      <a:schemeClr val="accent2"/>
     </dgm:fillClrLst>
     <dgm:linClrLst meth="repeat">
       <a:schemeClr val="lt1"/>
@@ -217,9 +205,21 @@
     <dgm:txFillClrLst/>
     <dgm:txEffectClrLst/>
   </dgm:styleLbl>
+  <dgm:styleLbl name="alignNode1">
+    <dgm:fillClrLst meth="repeat">
+      <a:schemeClr val="accent2"/>
+    </dgm:fillClrLst>
+    <dgm:linClrLst meth="repeat">
+      <a:schemeClr val="accent2"/>
+    </dgm:linClrLst>
+    <dgm:effectClrLst/>
+    <dgm:txLinClrLst/>
+    <dgm:txFillClrLst/>
+    <dgm:txEffectClrLst/>
+  </dgm:styleLbl>
   <dgm:styleLbl name="lnNode1">
     <dgm:fillClrLst meth="repeat">
-      <a:schemeClr val="accent1"/>
+      <a:schemeClr val="accent2"/>
     </dgm:fillClrLst>
     <dgm:linClrLst meth="repeat">
       <a:schemeClr val="lt1"/>
@@ -231,7 +231,7 @@
   </dgm:styleLbl>
   <dgm:styleLbl name="vennNode1">
     <dgm:fillClrLst meth="repeat">
-      <a:schemeClr val="accent1">
+      <a:schemeClr val="accent2">
         <a:alpha val="50000"/>
       </a:schemeClr>
     </dgm:fillClrLst>
@@ -245,7 +245,7 @@
   </dgm:styleLbl>
   <dgm:styleLbl name="node2">
     <dgm:fillClrLst meth="repeat">
-      <a:schemeClr val="accent1"/>
+      <a:schemeClr val="accent2"/>
     </dgm:fillClrLst>
     <dgm:linClrLst meth="repeat">
       <a:schemeClr val="lt1"/>
@@ -257,7 +257,7 @@
   </dgm:styleLbl>
   <dgm:styleLbl name="node3">
     <dgm:fillClrLst meth="repeat">
-      <a:schemeClr val="accent1"/>
+      <a:schemeClr val="accent2"/>
     </dgm:fillClrLst>
     <dgm:linClrLst meth="repeat">
       <a:schemeClr val="lt1"/>
@@ -269,7 +269,7 @@
   </dgm:styleLbl>
   <dgm:styleLbl name="node4">
     <dgm:fillClrLst meth="repeat">
-      <a:schemeClr val="accent1"/>
+      <a:schemeClr val="accent2"/>
     </dgm:fillClrLst>
     <dgm:linClrLst meth="repeat">
       <a:schemeClr val="lt1"/>
@@ -281,7 +281,7 @@
   </dgm:styleLbl>
   <dgm:styleLbl name="fgImgPlace1">
     <dgm:fillClrLst meth="repeat">
-      <a:schemeClr val="accent1">
+      <a:schemeClr val="accent2">
         <a:tint val="50000"/>
       </a:schemeClr>
     </dgm:fillClrLst>
@@ -297,7 +297,7 @@
   </dgm:styleLbl>
   <dgm:styleLbl name="alignImgPlace1">
     <dgm:fillClrLst meth="repeat">
-      <a:schemeClr val="accent1">
+      <a:schemeClr val="accent2">
         <a:tint val="50000"/>
       </a:schemeClr>
     </dgm:fillClrLst>
@@ -313,7 +313,7 @@
   </dgm:styleLbl>
   <dgm:styleLbl name="bgImgPlace1">
     <dgm:fillClrLst meth="repeat">
-      <a:schemeClr val="accent1">
+      <a:schemeClr val="accent2">
         <a:tint val="50000"/>
       </a:schemeClr>
     </dgm:fillClrLst>
@@ -329,12 +329,12 @@
   </dgm:styleLbl>
   <dgm:styleLbl name="sibTrans2D1">
     <dgm:fillClrLst meth="repeat">
-      <a:schemeClr val="accent1">
+      <a:schemeClr val="accent2">
         <a:tint val="60000"/>
       </a:schemeClr>
     </dgm:fillClrLst>
     <dgm:linClrLst meth="repeat">
-      <a:schemeClr val="accent1">
+      <a:schemeClr val="accent2">
         <a:tint val="60000"/>
       </a:schemeClr>
     </dgm:linClrLst>
@@ -345,12 +345,12 @@
   </dgm:styleLbl>
   <dgm:styleLbl name="fgSibTrans2D1">
     <dgm:fillClrLst meth="repeat">
-      <a:schemeClr val="accent1">
+      <a:schemeClr val="accent2">
         <a:tint val="60000"/>
       </a:schemeClr>
     </dgm:fillClrLst>
     <dgm:linClrLst meth="repeat">
-      <a:schemeClr val="accent1">
+      <a:schemeClr val="accent2">
         <a:tint val="60000"/>
       </a:schemeClr>
     </dgm:linClrLst>
@@ -361,12 +361,12 @@
   </dgm:styleLbl>
   <dgm:styleLbl name="bgSibTrans2D1">
     <dgm:fillClrLst meth="repeat">
-      <a:schemeClr val="accent1">
+      <a:schemeClr val="accent2">
         <a:tint val="60000"/>
       </a:schemeClr>
     </dgm:fillClrLst>
     <dgm:linClrLst meth="repeat">
-      <a:schemeClr val="accent1">
+      <a:schemeClr val="accent2">
         <a:tint val="60000"/>
       </a:schemeClr>
     </dgm:linClrLst>
@@ -377,10 +377,10 @@
   </dgm:styleLbl>
   <dgm:styleLbl name="sibTrans1D1">
     <dgm:fillClrLst meth="repeat">
-      <a:schemeClr val="accent1"/>
+      <a:schemeClr val="accent2"/>
     </dgm:fillClrLst>
     <dgm:linClrLst meth="repeat">
-      <a:schemeClr val="accent1"/>
+      <a:schemeClr val="accent2"/>
     </dgm:linClrLst>
     <dgm:effectClrLst/>
     <dgm:txLinClrLst/>
@@ -391,10 +391,10 @@
   </dgm:styleLbl>
   <dgm:styleLbl name="callout">
     <dgm:fillClrLst meth="repeat">
-      <a:schemeClr val="accent1"/>
+      <a:schemeClr val="accent2"/>
     </dgm:fillClrLst>
     <dgm:linClrLst meth="repeat">
-      <a:schemeClr val="accent1">
+      <a:schemeClr val="accent2">
         <a:tint val="50000"/>
       </a:schemeClr>
     </dgm:linClrLst>
@@ -407,7 +407,7 @@
   </dgm:styleLbl>
   <dgm:styleLbl name="asst0">
     <dgm:fillClrLst meth="repeat">
-      <a:schemeClr val="accent1"/>
+      <a:schemeClr val="accent2"/>
     </dgm:fillClrLst>
     <dgm:linClrLst meth="repeat">
       <a:schemeClr val="lt1"/>
@@ -419,7 +419,7 @@
   </dgm:styleLbl>
   <dgm:styleLbl name="asst1">
     <dgm:fillClrLst meth="repeat">
-      <a:schemeClr val="accent1"/>
+      <a:schemeClr val="accent2"/>
     </dgm:fillClrLst>
     <dgm:linClrLst meth="repeat">
       <a:schemeClr val="lt1"/>
@@ -431,7 +431,7 @@
   </dgm:styleLbl>
   <dgm:styleLbl name="asst2">
     <dgm:fillClrLst meth="repeat">
-      <a:schemeClr val="accent1"/>
+      <a:schemeClr val="accent2"/>
     </dgm:fillClrLst>
     <dgm:linClrLst meth="repeat">
       <a:schemeClr val="lt1"/>
@@ -443,7 +443,7 @@
   </dgm:styleLbl>
   <dgm:styleLbl name="asst3">
     <dgm:fillClrLst meth="repeat">
-      <a:schemeClr val="accent1"/>
+      <a:schemeClr val="accent2"/>
     </dgm:fillClrLst>
     <dgm:linClrLst meth="repeat">
       <a:schemeClr val="lt1"/>
@@ -455,7 +455,7 @@
   </dgm:styleLbl>
   <dgm:styleLbl name="asst4">
     <dgm:fillClrLst meth="repeat">
-      <a:schemeClr val="accent1"/>
+      <a:schemeClr val="accent2"/>
     </dgm:fillClrLst>
     <dgm:linClrLst meth="repeat">
       <a:schemeClr val="lt1"/>
@@ -467,12 +467,12 @@
   </dgm:styleLbl>
   <dgm:styleLbl name="parChTrans2D1">
     <dgm:fillClrLst meth="repeat">
-      <a:schemeClr val="accent1">
+      <a:schemeClr val="accent2">
         <a:tint val="60000"/>
       </a:schemeClr>
     </dgm:fillClrLst>
     <dgm:linClrLst meth="repeat">
-      <a:schemeClr val="accent1">
+      <a:schemeClr val="accent2">
         <a:tint val="60000"/>
       </a:schemeClr>
     </dgm:linClrLst>
@@ -485,10 +485,10 @@
   </dgm:styleLbl>
   <dgm:styleLbl name="parChTrans2D2">
     <dgm:fillClrLst meth="repeat">
-      <a:schemeClr val="accent1"/>
+      <a:schemeClr val="accent2"/>
     </dgm:fillClrLst>
     <dgm:linClrLst meth="repeat">
-      <a:schemeClr val="accent1"/>
+      <a:schemeClr val="accent2"/>
     </dgm:linClrLst>
     <dgm:effectClrLst/>
     <dgm:txLinClrLst/>
@@ -499,10 +499,10 @@
   </dgm:styleLbl>
   <dgm:styleLbl name="parChTrans2D3">
     <dgm:fillClrLst meth="repeat">
-      <a:schemeClr val="accent1"/>
+      <a:schemeClr val="accent2"/>
     </dgm:fillClrLst>
     <dgm:linClrLst meth="repeat">
-      <a:schemeClr val="accent1"/>
+      <a:schemeClr val="accent2"/>
     </dgm:linClrLst>
     <dgm:effectClrLst/>
     <dgm:txLinClrLst/>
@@ -513,10 +513,10 @@
   </dgm:styleLbl>
   <dgm:styleLbl name="parChTrans2D4">
     <dgm:fillClrLst meth="repeat">
-      <a:schemeClr val="accent1"/>
+      <a:schemeClr val="accent2"/>
     </dgm:fillClrLst>
     <dgm:linClrLst meth="repeat">
-      <a:schemeClr val="accent1"/>
+      <a:schemeClr val="accent2"/>
     </dgm:linClrLst>
     <dgm:effectClrLst/>
     <dgm:txLinClrLst/>
@@ -527,10 +527,10 @@
   </dgm:styleLbl>
   <dgm:styleLbl name="parChTrans1D1">
     <dgm:fillClrLst meth="repeat">
-      <a:schemeClr val="accent1"/>
+      <a:schemeClr val="accent2"/>
     </dgm:fillClrLst>
     <dgm:linClrLst meth="repeat">
-      <a:schemeClr val="accent1">
+      <a:schemeClr val="accent2">
         <a:shade val="60000"/>
       </a:schemeClr>
     </dgm:linClrLst>
@@ -543,10 +543,10 @@
   </dgm:styleLbl>
   <dgm:styleLbl name="parChTrans1D2">
     <dgm:fillClrLst meth="repeat">
-      <a:schemeClr val="accent1"/>
+      <a:schemeClr val="accent2"/>
     </dgm:fillClrLst>
     <dgm:linClrLst meth="repeat">
-      <a:schemeClr val="accent1">
+      <a:schemeClr val="accent2">
         <a:shade val="60000"/>
       </a:schemeClr>
     </dgm:linClrLst>
@@ -559,10 +559,10 @@
   </dgm:styleLbl>
   <dgm:styleLbl name="parChTrans1D3">
     <dgm:fillClrLst meth="repeat">
-      <a:schemeClr val="accent1"/>
+      <a:schemeClr val="accent2"/>
     </dgm:fillClrLst>
     <dgm:linClrLst meth="repeat">
-      <a:schemeClr val="accent1">
+      <a:schemeClr val="accent2">
         <a:shade val="80000"/>
       </a:schemeClr>
     </dgm:linClrLst>
@@ -575,10 +575,10 @@
   </dgm:styleLbl>
   <dgm:styleLbl name="parChTrans1D4">
     <dgm:fillClrLst meth="repeat">
-      <a:schemeClr val="accent1"/>
+      <a:schemeClr val="accent2"/>
     </dgm:fillClrLst>
     <dgm:linClrLst meth="repeat">
-      <a:schemeClr val="accent1">
+      <a:schemeClr val="accent2">
         <a:shade val="80000"/>
       </a:schemeClr>
     </dgm:linClrLst>
@@ -596,7 +596,7 @@
       </a:schemeClr>
     </dgm:fillClrLst>
     <dgm:linClrLst meth="repeat">
-      <a:schemeClr val="accent1"/>
+      <a:schemeClr val="accent2"/>
     </dgm:linClrLst>
     <dgm:effectClrLst/>
     <dgm:txLinClrLst/>
@@ -612,7 +612,7 @@
       </a:schemeClr>
     </dgm:fillClrLst>
     <dgm:linClrLst meth="repeat">
-      <a:schemeClr val="accent1"/>
+      <a:schemeClr val="accent2"/>
     </dgm:linClrLst>
     <dgm:effectClrLst/>
     <dgm:txLinClrLst/>
@@ -628,7 +628,7 @@
       </a:schemeClr>
     </dgm:fillClrLst>
     <dgm:linClrLst meth="repeat">
-      <a:schemeClr val="accent1"/>
+      <a:schemeClr val="accent2"/>
     </dgm:linClrLst>
     <dgm:effectClrLst/>
     <dgm:txLinClrLst/>
@@ -644,7 +644,7 @@
       </a:schemeClr>
     </dgm:fillClrLst>
     <dgm:linClrLst meth="repeat">
-      <a:schemeClr val="accent1"/>
+      <a:schemeClr val="accent2"/>
     </dgm:linClrLst>
     <dgm:effectClrLst/>
     <dgm:txLinClrLst/>
@@ -660,7 +660,7 @@
       </a:schemeClr>
     </dgm:fillClrLst>
     <dgm:linClrLst meth="repeat">
-      <a:schemeClr val="accent1"/>
+      <a:schemeClr val="accent2"/>
     </dgm:linClrLst>
     <dgm:effectClrLst/>
     <dgm:txLinClrLst/>
@@ -674,7 +674,7 @@
       <a:schemeClr val="lt1"/>
     </dgm:fillClrLst>
     <dgm:linClrLst meth="repeat">
-      <a:schemeClr val="accent1"/>
+      <a:schemeClr val="accent2"/>
     </dgm:linClrLst>
     <dgm:effectClrLst/>
     <dgm:txLinClrLst/>
@@ -688,7 +688,7 @@
       <a:schemeClr val="lt1"/>
     </dgm:fillClrLst>
     <dgm:linClrLst meth="repeat">
-      <a:schemeClr val="accent1"/>
+      <a:schemeClr val="accent2"/>
     </dgm:linClrLst>
     <dgm:effectClrLst/>
     <dgm:txLinClrLst/>
@@ -702,7 +702,7 @@
       <a:schemeClr val="lt1"/>
     </dgm:fillClrLst>
     <dgm:linClrLst meth="repeat">
-      <a:schemeClr val="accent1"/>
+      <a:schemeClr val="accent2"/>
     </dgm:linClrLst>
     <dgm:effectClrLst/>
     <dgm:txLinClrLst/>
@@ -713,13 +713,13 @@
   </dgm:styleLbl>
   <dgm:styleLbl name="fgAccFollowNode1">
     <dgm:fillClrLst meth="repeat">
-      <a:schemeClr val="accent1">
+      <a:schemeClr val="accent2">
         <a:alpha val="90000"/>
         <a:tint val="40000"/>
       </a:schemeClr>
     </dgm:fillClrLst>
     <dgm:linClrLst meth="repeat">
-      <a:schemeClr val="accent1">
+      <a:schemeClr val="accent2">
         <a:alpha val="90000"/>
         <a:tint val="40000"/>
       </a:schemeClr>
@@ -733,13 +733,13 @@
   </dgm:styleLbl>
   <dgm:styleLbl name="alignAccFollowNode1">
     <dgm:fillClrLst meth="repeat">
-      <a:schemeClr val="accent1">
+      <a:schemeClr val="accent2">
         <a:alpha val="90000"/>
         <a:tint val="40000"/>
       </a:schemeClr>
     </dgm:fillClrLst>
     <dgm:linClrLst meth="repeat">
-      <a:schemeClr val="accent1">
+      <a:schemeClr val="accent2">
         <a:alpha val="90000"/>
         <a:tint val="40000"/>
       </a:schemeClr>
@@ -753,13 +753,13 @@
   </dgm:styleLbl>
   <dgm:styleLbl name="bgAccFollowNode1">
     <dgm:fillClrLst meth="repeat">
-      <a:schemeClr val="accent1">
+      <a:schemeClr val="accent2">
         <a:alpha val="90000"/>
         <a:tint val="40000"/>
       </a:schemeClr>
     </dgm:fillClrLst>
     <dgm:linClrLst meth="repeat">
-      <a:schemeClr val="accent1">
+      <a:schemeClr val="accent2">
         <a:alpha val="90000"/>
         <a:tint val="40000"/>
       </a:schemeClr>
@@ -778,7 +778,7 @@
       </a:schemeClr>
     </dgm:fillClrLst>
     <dgm:linClrLst meth="repeat">
-      <a:schemeClr val="accent1"/>
+      <a:schemeClr val="accent2"/>
     </dgm:linClrLst>
     <dgm:effectClrLst/>
     <dgm:txLinClrLst/>
@@ -794,7 +794,7 @@
       </a:schemeClr>
     </dgm:fillClrLst>
     <dgm:linClrLst meth="repeat">
-      <a:schemeClr val="accent1"/>
+      <a:schemeClr val="accent2"/>
     </dgm:linClrLst>
     <dgm:effectClrLst/>
     <dgm:txLinClrLst/>
@@ -810,7 +810,7 @@
       </a:schemeClr>
     </dgm:fillClrLst>
     <dgm:linClrLst meth="repeat">
-      <a:schemeClr val="accent1"/>
+      <a:schemeClr val="accent2"/>
     </dgm:linClrLst>
     <dgm:effectClrLst/>
     <dgm:txLinClrLst/>
@@ -826,7 +826,7 @@
       </a:schemeClr>
     </dgm:fillClrLst>
     <dgm:linClrLst meth="repeat">
-      <a:schemeClr val="accent1"/>
+      <a:schemeClr val="accent2"/>
     </dgm:linClrLst>
     <dgm:effectClrLst/>
     <dgm:txLinClrLst/>
@@ -837,12 +837,12 @@
   </dgm:styleLbl>
   <dgm:styleLbl name="bgShp">
     <dgm:fillClrLst meth="repeat">
-      <a:schemeClr val="accent1">
+      <a:schemeClr val="accent2">
         <a:tint val="40000"/>
       </a:schemeClr>
     </dgm:fillClrLst>
     <dgm:linClrLst meth="repeat">
-      <a:schemeClr val="accent1"/>
+      <a:schemeClr val="accent2"/>
     </dgm:linClrLst>
     <dgm:effectClrLst/>
     <dgm:txLinClrLst/>
@@ -853,12 +853,12 @@
   </dgm:styleLbl>
   <dgm:styleLbl name="dkBgShp">
     <dgm:fillClrLst meth="repeat">
-      <a:schemeClr val="accent1">
+      <a:schemeClr val="accent2">
         <a:shade val="80000"/>
       </a:schemeClr>
     </dgm:fillClrLst>
     <dgm:linClrLst meth="repeat">
-      <a:schemeClr val="accent1"/>
+      <a:schemeClr val="accent2"/>
     </dgm:linClrLst>
     <dgm:effectClrLst/>
     <dgm:txLinClrLst/>
@@ -869,13 +869,13 @@
   </dgm:styleLbl>
   <dgm:styleLbl name="trBgShp">
     <dgm:fillClrLst meth="repeat">
-      <a:schemeClr val="accent1">
+      <a:schemeClr val="accent2">
         <a:tint val="50000"/>
         <a:alpha val="40000"/>
       </a:schemeClr>
     </dgm:fillClrLst>
     <dgm:linClrLst meth="repeat">
-      <a:schemeClr val="accent1"/>
+      <a:schemeClr val="accent2"/>
     </dgm:linClrLst>
     <dgm:effectClrLst/>
     <dgm:txLinClrLst/>
@@ -886,7 +886,7 @@
   </dgm:styleLbl>
   <dgm:styleLbl name="fgShp">
     <dgm:fillClrLst meth="repeat">
-      <a:schemeClr val="accent1">
+      <a:schemeClr val="accent2">
         <a:tint val="60000"/>
       </a:schemeClr>
     </dgm:fillClrLst>
@@ -2416,15 +2416,17 @@
 </file>
 
 <file path=ppt/diagrams/colors4.xml><?xml version="1.0" encoding="utf-8"?>
-<dgm:colorsDef xmlns:dgm="http://schemas.openxmlformats.org/drawingml/2006/diagram" xmlns:a="http://schemas.openxmlformats.org/drawingml/2006/main" uniqueId="urn:microsoft.com/office/officeart/2005/8/colors/accent1_2">
+<dgm:colorsDef xmlns:dgm="http://schemas.openxmlformats.org/drawingml/2006/diagram" xmlns:a="http://schemas.openxmlformats.org/drawingml/2006/main" uniqueId="urn:microsoft.com/office/officeart/2005/8/colors/accent2_3">
   <dgm:title val=""/>
   <dgm:desc val=""/>
   <dgm:catLst>
-    <dgm:cat type="accent1" pri="11200"/>
+    <dgm:cat type="accent2" pri="11300"/>
   </dgm:catLst>
   <dgm:styleLbl name="node0">
     <dgm:fillClrLst meth="repeat">
-      <a:schemeClr val="accent1"/>
+      <a:schemeClr val="accent2">
+        <a:shade val="80000"/>
+      </a:schemeClr>
     </dgm:fillClrLst>
     <dgm:linClrLst meth="repeat">
       <a:schemeClr val="lt1"/>
@@ -2434,21 +2436,14 @@
     <dgm:txFillClrLst/>
     <dgm:txEffectClrLst/>
   </dgm:styleLbl>
-  <dgm:styleLbl name="alignNode1">
-    <dgm:fillClrLst meth="repeat">
-      <a:schemeClr val="accent1"/>
-    </dgm:fillClrLst>
-    <dgm:linClrLst meth="repeat">
-      <a:schemeClr val="accent1"/>
-    </dgm:linClrLst>
-    <dgm:effectClrLst/>
-    <dgm:txLinClrLst/>
-    <dgm:txFillClrLst/>
-    <dgm:txEffectClrLst/>
-  </dgm:styleLbl>
   <dgm:styleLbl name="node1">
-    <dgm:fillClrLst meth="repeat">
-      <a:schemeClr val="accent1"/>
+    <dgm:fillClrLst>
+      <a:schemeClr val="accent2">
+        <a:shade val="80000"/>
+      </a:schemeClr>
+      <a:schemeClr val="accent2">
+        <a:tint val="70000"/>
+      </a:schemeClr>
     </dgm:fillClrLst>
     <dgm:linClrLst meth="repeat">
       <a:schemeClr val="lt1"/>
@@ -2458,9 +2453,36 @@
     <dgm:txFillClrLst/>
     <dgm:txEffectClrLst/>
   </dgm:styleLbl>
+  <dgm:styleLbl name="alignNode1">
+    <dgm:fillClrLst>
+      <a:schemeClr val="accent2">
+        <a:shade val="80000"/>
+      </a:schemeClr>
+      <a:schemeClr val="accent2">
+        <a:tint val="70000"/>
+      </a:schemeClr>
+    </dgm:fillClrLst>
+    <dgm:linClrLst>
+      <a:schemeClr val="accent2">
+        <a:shade val="80000"/>
+      </a:schemeClr>
+      <a:schemeClr val="accent2">
+        <a:tint val="70000"/>
+      </a:schemeClr>
+    </dgm:linClrLst>
+    <dgm:effectClrLst/>
+    <dgm:txLinClrLst/>
+    <dgm:txFillClrLst/>
+    <dgm:txEffectClrLst/>
+  </dgm:styleLbl>
   <dgm:styleLbl name="lnNode1">
-    <dgm:fillClrLst meth="repeat">
-      <a:schemeClr val="accent1"/>
+    <dgm:fillClrLst>
+      <a:schemeClr val="accent2">
+        <a:shade val="80000"/>
+      </a:schemeClr>
+      <a:schemeClr val="accent2">
+        <a:tint val="70000"/>
+      </a:schemeClr>
     </dgm:fillClrLst>
     <dgm:linClrLst meth="repeat">
       <a:schemeClr val="lt1"/>
@@ -2471,8 +2493,13 @@
     <dgm:txEffectClrLst/>
   </dgm:styleLbl>
   <dgm:styleLbl name="vennNode1">
-    <dgm:fillClrLst meth="repeat">
-      <a:schemeClr val="accent1">
+    <dgm:fillClrLst>
+      <a:schemeClr val="accent2">
+        <a:shade val="80000"/>
+        <a:alpha val="50000"/>
+      </a:schemeClr>
+      <a:schemeClr val="accent2">
+        <a:tint val="70000"/>
         <a:alpha val="50000"/>
       </a:schemeClr>
     </dgm:fillClrLst>
@@ -2485,8 +2512,10 @@
     <dgm:txEffectClrLst/>
   </dgm:styleLbl>
   <dgm:styleLbl name="node2">
-    <dgm:fillClrLst meth="repeat">
-      <a:schemeClr val="accent1"/>
+    <dgm:fillClrLst>
+      <a:schemeClr val="accent2">
+        <a:tint val="99000"/>
+      </a:schemeClr>
     </dgm:fillClrLst>
     <dgm:linClrLst meth="repeat">
       <a:schemeClr val="lt1"/>
@@ -2497,8 +2526,10 @@
     <dgm:txEffectClrLst/>
   </dgm:styleLbl>
   <dgm:styleLbl name="node3">
-    <dgm:fillClrLst meth="repeat">
-      <a:schemeClr val="accent1"/>
+    <dgm:fillClrLst>
+      <a:schemeClr val="accent2">
+        <a:tint val="80000"/>
+      </a:schemeClr>
     </dgm:fillClrLst>
     <dgm:linClrLst meth="repeat">
       <a:schemeClr val="lt1"/>
@@ -2509,8 +2540,10 @@
     <dgm:txEffectClrLst/>
   </dgm:styleLbl>
   <dgm:styleLbl name="node4">
-    <dgm:fillClrLst meth="repeat">
-      <a:schemeClr val="accent1"/>
+    <dgm:fillClrLst>
+      <a:schemeClr val="accent2">
+        <a:tint val="70000"/>
+      </a:schemeClr>
     </dgm:fillClrLst>
     <dgm:linClrLst meth="repeat">
       <a:schemeClr val="lt1"/>
@@ -2521,9 +2554,12 @@
     <dgm:txEffectClrLst/>
   </dgm:styleLbl>
   <dgm:styleLbl name="fgImgPlace1">
-    <dgm:fillClrLst meth="repeat">
-      <a:schemeClr val="accent1">
+    <dgm:fillClrLst>
+      <a:schemeClr val="accent2">
         <a:tint val="50000"/>
+      </a:schemeClr>
+      <a:schemeClr val="accent2">
+        <a:tint val="20000"/>
       </a:schemeClr>
     </dgm:fillClrLst>
     <dgm:linClrLst meth="repeat">
@@ -2537,9 +2573,12 @@
     <dgm:txEffectClrLst/>
   </dgm:styleLbl>
   <dgm:styleLbl name="alignImgPlace1">
-    <dgm:fillClrLst meth="repeat">
-      <a:schemeClr val="accent1">
+    <dgm:fillClrLst>
+      <a:schemeClr val="accent2">
         <a:tint val="50000"/>
+      </a:schemeClr>
+      <a:schemeClr val="accent2">
+        <a:tint val="20000"/>
       </a:schemeClr>
     </dgm:fillClrLst>
     <dgm:linClrLst meth="repeat">
@@ -2553,9 +2592,12 @@
     <dgm:txEffectClrLst/>
   </dgm:styleLbl>
   <dgm:styleLbl name="bgImgPlace1">
-    <dgm:fillClrLst meth="repeat">
-      <a:schemeClr val="accent1">
+    <dgm:fillClrLst>
+      <a:schemeClr val="accent2">
         <a:tint val="50000"/>
+      </a:schemeClr>
+      <a:schemeClr val="accent2">
+        <a:tint val="20000"/>
       </a:schemeClr>
     </dgm:fillClrLst>
     <dgm:linClrLst meth="repeat">
@@ -2569,14 +2611,20 @@
     <dgm:txEffectClrLst/>
   </dgm:styleLbl>
   <dgm:styleLbl name="sibTrans2D1">
-    <dgm:fillClrLst meth="repeat">
-      <a:schemeClr val="accent1">
-        <a:tint val="60000"/>
+    <dgm:fillClrLst>
+      <a:schemeClr val="accent2">
+        <a:shade val="90000"/>
+      </a:schemeClr>
+      <a:schemeClr val="accent2">
+        <a:tint val="70000"/>
       </a:schemeClr>
     </dgm:fillClrLst>
-    <dgm:linClrLst meth="repeat">
-      <a:schemeClr val="accent1">
-        <a:tint val="60000"/>
+    <dgm:linClrLst>
+      <a:schemeClr val="accent2">
+        <a:shade val="90000"/>
+      </a:schemeClr>
+      <a:schemeClr val="accent2">
+        <a:tint val="70000"/>
       </a:schemeClr>
     </dgm:linClrLst>
     <dgm:effectClrLst/>
@@ -2585,58 +2633,68 @@
     <dgm:txEffectClrLst/>
   </dgm:styleLbl>
   <dgm:styleLbl name="fgSibTrans2D1">
-    <dgm:fillClrLst meth="repeat">
-      <a:schemeClr val="accent1">
-        <a:tint val="60000"/>
+    <dgm:fillClrLst>
+      <a:schemeClr val="accent2">
+        <a:shade val="90000"/>
+      </a:schemeClr>
+      <a:schemeClr val="accent2">
+        <a:tint val="70000"/>
       </a:schemeClr>
     </dgm:fillClrLst>
-    <dgm:linClrLst meth="repeat">
-      <a:schemeClr val="accent1">
-        <a:tint val="60000"/>
+    <dgm:linClrLst>
+      <a:schemeClr val="accent2">
+        <a:shade val="90000"/>
+      </a:schemeClr>
+      <a:schemeClr val="accent2">
+        <a:tint val="70000"/>
       </a:schemeClr>
     </dgm:linClrLst>
     <dgm:effectClrLst/>
     <dgm:txLinClrLst/>
-    <dgm:txFillClrLst/>
+    <dgm:txFillClrLst meth="repeat">
+      <a:schemeClr val="lt1"/>
+    </dgm:txFillClrLst>
     <dgm:txEffectClrLst/>
   </dgm:styleLbl>
   <dgm:styleLbl name="bgSibTrans2D1">
-    <dgm:fillClrLst meth="repeat">
-      <a:schemeClr val="accent1">
-        <a:tint val="60000"/>
+    <dgm:fillClrLst>
+      <a:schemeClr val="accent2">
+        <a:shade val="90000"/>
+      </a:schemeClr>
+      <a:schemeClr val="accent2">
+        <a:tint val="70000"/>
       </a:schemeClr>
     </dgm:fillClrLst>
-    <dgm:linClrLst meth="repeat">
-      <a:schemeClr val="accent1">
-        <a:tint val="60000"/>
+    <dgm:linClrLst>
+      <a:schemeClr val="accent2">
+        <a:shade val="90000"/>
+      </a:schemeClr>
+      <a:schemeClr val="accent2">
+        <a:tint val="70000"/>
       </a:schemeClr>
     </dgm:linClrLst>
     <dgm:effectClrLst/>
     <dgm:txLinClrLst/>
-    <dgm:txFillClrLst/>
-    <dgm:txEffectClrLst/>
-  </dgm:styleLbl>
-  <dgm:styleLbl name="sibTrans1D1">
-    <dgm:fillClrLst meth="repeat">
-      <a:schemeClr val="accent1"/>
-    </dgm:fillClrLst>
-    <dgm:linClrLst meth="repeat">
-      <a:schemeClr val="accent1"/>
-    </dgm:linClrLst>
-    <dgm:effectClrLst/>
-    <dgm:txLinClrLst/>
     <dgm:txFillClrLst meth="repeat">
-      <a:schemeClr val="tx1"/>
+      <a:schemeClr val="lt1"/>
     </dgm:txFillClrLst>
     <dgm:txEffectClrLst/>
   </dgm:styleLbl>
-  <dgm:styleLbl name="callout">
-    <dgm:fillClrLst meth="repeat">
-      <a:schemeClr val="accent1"/>
+  <dgm:styleLbl name="sibTrans1D1">
+    <dgm:fillClrLst>
+      <a:schemeClr val="accent2">
+        <a:shade val="90000"/>
+      </a:schemeClr>
+      <a:schemeClr val="accent2">
+        <a:tint val="70000"/>
+      </a:schemeClr>
     </dgm:fillClrLst>
-    <dgm:linClrLst meth="repeat">
-      <a:schemeClr val="accent1">
-        <a:tint val="50000"/>
+    <dgm:linClrLst>
+      <a:schemeClr val="accent2">
+        <a:shade val="90000"/>
+      </a:schemeClr>
+      <a:schemeClr val="accent2">
+        <a:tint val="70000"/>
       </a:schemeClr>
     </dgm:linClrLst>
     <dgm:effectClrLst/>
@@ -2646,9 +2704,25 @@
     </dgm:txFillClrLst>
     <dgm:txEffectClrLst/>
   </dgm:styleLbl>
+  <dgm:styleLbl name="callout">
+    <dgm:fillClrLst meth="repeat">
+      <a:schemeClr val="accent2"/>
+    </dgm:fillClrLst>
+    <dgm:linClrLst meth="repeat">
+      <a:schemeClr val="accent2"/>
+    </dgm:linClrLst>
+    <dgm:effectClrLst/>
+    <dgm:txLinClrLst/>
+    <dgm:txFillClrLst meth="repeat">
+      <a:schemeClr val="tx1"/>
+    </dgm:txFillClrLst>
+    <dgm:txEffectClrLst/>
+  </dgm:styleLbl>
   <dgm:styleLbl name="asst0">
     <dgm:fillClrLst meth="repeat">
-      <a:schemeClr val="accent1"/>
+      <a:schemeClr val="accent2">
+        <a:shade val="80000"/>
+      </a:schemeClr>
     </dgm:fillClrLst>
     <dgm:linClrLst meth="repeat">
       <a:schemeClr val="lt1"/>
@@ -2660,7 +2734,9 @@
   </dgm:styleLbl>
   <dgm:styleLbl name="asst1">
     <dgm:fillClrLst meth="repeat">
-      <a:schemeClr val="accent1"/>
+      <a:schemeClr val="accent2">
+        <a:shade val="80000"/>
+      </a:schemeClr>
     </dgm:fillClrLst>
     <dgm:linClrLst meth="repeat">
       <a:schemeClr val="lt1"/>
@@ -2671,8 +2747,10 @@
     <dgm:txEffectClrLst/>
   </dgm:styleLbl>
   <dgm:styleLbl name="asst2">
-    <dgm:fillClrLst meth="repeat">
-      <a:schemeClr val="accent1"/>
+    <dgm:fillClrLst>
+      <a:schemeClr val="accent2">
+        <a:tint val="99000"/>
+      </a:schemeClr>
     </dgm:fillClrLst>
     <dgm:linClrLst meth="repeat">
       <a:schemeClr val="lt1"/>
@@ -2683,8 +2761,10 @@
     <dgm:txEffectClrLst/>
   </dgm:styleLbl>
   <dgm:styleLbl name="asst3">
-    <dgm:fillClrLst meth="repeat">
-      <a:schemeClr val="accent1"/>
+    <dgm:fillClrLst>
+      <a:schemeClr val="accent2">
+        <a:tint val="80000"/>
+      </a:schemeClr>
     </dgm:fillClrLst>
     <dgm:linClrLst meth="repeat">
       <a:schemeClr val="lt1"/>
@@ -2695,8 +2775,10 @@
     <dgm:txEffectClrLst/>
   </dgm:styleLbl>
   <dgm:styleLbl name="asst4">
-    <dgm:fillClrLst meth="repeat">
-      <a:schemeClr val="accent1"/>
+    <dgm:fillClrLst>
+      <a:schemeClr val="accent2">
+        <a:tint val="70000"/>
+      </a:schemeClr>
     </dgm:fillClrLst>
     <dgm:linClrLst meth="repeat">
       <a:schemeClr val="lt1"/>
@@ -2708,12 +2790,12 @@
   </dgm:styleLbl>
   <dgm:styleLbl name="parChTrans2D1">
     <dgm:fillClrLst meth="repeat">
-      <a:schemeClr val="accent1">
+      <a:schemeClr val="accent2">
         <a:tint val="60000"/>
       </a:schemeClr>
     </dgm:fillClrLst>
     <dgm:linClrLst meth="repeat">
-      <a:schemeClr val="accent1">
+      <a:schemeClr val="accent2">
         <a:tint val="60000"/>
       </a:schemeClr>
     </dgm:linClrLst>
@@ -2726,10 +2808,46 @@
   </dgm:styleLbl>
   <dgm:styleLbl name="parChTrans2D2">
     <dgm:fillClrLst meth="repeat">
-      <a:schemeClr val="accent1"/>
+      <a:schemeClr val="accent2">
+        <a:tint val="90000"/>
+      </a:schemeClr>
     </dgm:fillClrLst>
     <dgm:linClrLst meth="repeat">
-      <a:schemeClr val="accent1"/>
+      <a:schemeClr val="accent2">
+        <a:tint val="90000"/>
+      </a:schemeClr>
+    </dgm:linClrLst>
+    <dgm:effectClrLst/>
+    <dgm:txLinClrLst/>
+    <dgm:txFillClrLst/>
+    <dgm:txEffectClrLst/>
+  </dgm:styleLbl>
+  <dgm:styleLbl name="parChTrans2D3">
+    <dgm:fillClrLst meth="repeat">
+      <a:schemeClr val="accent2">
+        <a:tint val="70000"/>
+      </a:schemeClr>
+    </dgm:fillClrLst>
+    <dgm:linClrLst meth="repeat">
+      <a:schemeClr val="accent2">
+        <a:tint val="70000"/>
+      </a:schemeClr>
+    </dgm:linClrLst>
+    <dgm:effectClrLst/>
+    <dgm:txLinClrLst/>
+    <dgm:txFillClrLst/>
+    <dgm:txEffectClrLst/>
+  </dgm:styleLbl>
+  <dgm:styleLbl name="parChTrans2D4">
+    <dgm:fillClrLst meth="repeat">
+      <a:schemeClr val="accent2">
+        <a:tint val="50000"/>
+      </a:schemeClr>
+    </dgm:fillClrLst>
+    <dgm:linClrLst meth="repeat">
+      <a:schemeClr val="accent2">
+        <a:tint val="50000"/>
+      </a:schemeClr>
     </dgm:linClrLst>
     <dgm:effectClrLst/>
     <dgm:txLinClrLst/>
@@ -2738,72 +2856,14 @@
     </dgm:txFillClrLst>
     <dgm:txEffectClrLst/>
   </dgm:styleLbl>
-  <dgm:styleLbl name="parChTrans2D3">
+  <dgm:styleLbl name="parChTrans1D1">
     <dgm:fillClrLst meth="repeat">
-      <a:schemeClr val="accent1"/>
+      <a:schemeClr val="accent2">
+        <a:shade val="80000"/>
+      </a:schemeClr>
     </dgm:fillClrLst>
     <dgm:linClrLst meth="repeat">
-      <a:schemeClr val="accent1"/>
-    </dgm:linClrLst>
-    <dgm:effectClrLst/>
-    <dgm:txLinClrLst/>
-    <dgm:txFillClrLst meth="repeat">
-      <a:schemeClr val="lt1"/>
-    </dgm:txFillClrLst>
-    <dgm:txEffectClrLst/>
-  </dgm:styleLbl>
-  <dgm:styleLbl name="parChTrans2D4">
-    <dgm:fillClrLst meth="repeat">
-      <a:schemeClr val="accent1"/>
-    </dgm:fillClrLst>
-    <dgm:linClrLst meth="repeat">
-      <a:schemeClr val="accent1"/>
-    </dgm:linClrLst>
-    <dgm:effectClrLst/>
-    <dgm:txLinClrLst/>
-    <dgm:txFillClrLst meth="repeat">
-      <a:schemeClr val="lt1"/>
-    </dgm:txFillClrLst>
-    <dgm:txEffectClrLst/>
-  </dgm:styleLbl>
-  <dgm:styleLbl name="parChTrans1D1">
-    <dgm:fillClrLst meth="repeat">
-      <a:schemeClr val="accent1"/>
-    </dgm:fillClrLst>
-    <dgm:linClrLst meth="repeat">
-      <a:schemeClr val="accent1">
-        <a:shade val="60000"/>
-      </a:schemeClr>
-    </dgm:linClrLst>
-    <dgm:effectClrLst/>
-    <dgm:txLinClrLst/>
-    <dgm:txFillClrLst meth="repeat">
-      <a:schemeClr val="tx1"/>
-    </dgm:txFillClrLst>
-    <dgm:txEffectClrLst/>
-  </dgm:styleLbl>
-  <dgm:styleLbl name="parChTrans1D2">
-    <dgm:fillClrLst meth="repeat">
-      <a:schemeClr val="accent1"/>
-    </dgm:fillClrLst>
-    <dgm:linClrLst meth="repeat">
-      <a:schemeClr val="accent1">
-        <a:shade val="60000"/>
-      </a:schemeClr>
-    </dgm:linClrLst>
-    <dgm:effectClrLst/>
-    <dgm:txLinClrLst/>
-    <dgm:txFillClrLst meth="repeat">
-      <a:schemeClr val="tx1"/>
-    </dgm:txFillClrLst>
-    <dgm:txEffectClrLst/>
-  </dgm:styleLbl>
-  <dgm:styleLbl name="parChTrans1D3">
-    <dgm:fillClrLst meth="repeat">
-      <a:schemeClr val="accent1"/>
-    </dgm:fillClrLst>
-    <dgm:linClrLst meth="repeat">
-      <a:schemeClr val="accent1">
+      <a:schemeClr val="accent2">
         <a:shade val="80000"/>
       </a:schemeClr>
     </dgm:linClrLst>
@@ -2814,13 +2874,15 @@
     </dgm:txFillClrLst>
     <dgm:txEffectClrLst/>
   </dgm:styleLbl>
-  <dgm:styleLbl name="parChTrans1D4">
+  <dgm:styleLbl name="parChTrans1D2">
     <dgm:fillClrLst meth="repeat">
-      <a:schemeClr val="accent1"/>
+      <a:schemeClr val="accent2">
+        <a:tint val="99000"/>
+      </a:schemeClr>
     </dgm:fillClrLst>
     <dgm:linClrLst meth="repeat">
-      <a:schemeClr val="accent1">
-        <a:shade val="80000"/>
+      <a:schemeClr val="accent2">
+        <a:tint val="99000"/>
       </a:schemeClr>
     </dgm:linClrLst>
     <dgm:effectClrLst/>
@@ -2830,14 +2892,55 @@
     </dgm:txFillClrLst>
     <dgm:txEffectClrLst/>
   </dgm:styleLbl>
+  <dgm:styleLbl name="parChTrans1D3">
+    <dgm:fillClrLst meth="repeat">
+      <a:schemeClr val="accent2">
+        <a:tint val="80000"/>
+      </a:schemeClr>
+    </dgm:fillClrLst>
+    <dgm:linClrLst meth="repeat">
+      <a:schemeClr val="accent2">
+        <a:tint val="80000"/>
+      </a:schemeClr>
+    </dgm:linClrLst>
+    <dgm:effectClrLst/>
+    <dgm:txLinClrLst/>
+    <dgm:txFillClrLst meth="repeat">
+      <a:schemeClr val="tx1"/>
+    </dgm:txFillClrLst>
+    <dgm:txEffectClrLst/>
+  </dgm:styleLbl>
+  <dgm:styleLbl name="parChTrans1D4">
+    <dgm:fillClrLst meth="repeat">
+      <a:schemeClr val="accent2">
+        <a:tint val="70000"/>
+      </a:schemeClr>
+    </dgm:fillClrLst>
+    <dgm:linClrLst meth="repeat">
+      <a:schemeClr val="accent2">
+        <a:tint val="70000"/>
+      </a:schemeClr>
+    </dgm:linClrLst>
+    <dgm:effectClrLst/>
+    <dgm:txLinClrLst/>
+    <dgm:txFillClrLst meth="repeat">
+      <a:schemeClr val="tx1"/>
+    </dgm:txFillClrLst>
+    <dgm:txEffectClrLst/>
+  </dgm:styleLbl>
   <dgm:styleLbl name="fgAcc1">
     <dgm:fillClrLst meth="repeat">
       <a:schemeClr val="lt1">
         <a:alpha val="90000"/>
       </a:schemeClr>
     </dgm:fillClrLst>
-    <dgm:linClrLst meth="repeat">
-      <a:schemeClr val="accent1"/>
+    <dgm:linClrLst>
+      <a:schemeClr val="accent2">
+        <a:shade val="80000"/>
+      </a:schemeClr>
+      <a:schemeClr val="accent2">
+        <a:tint val="70000"/>
+      </a:schemeClr>
     </dgm:linClrLst>
     <dgm:effectClrLst/>
     <dgm:txLinClrLst/>
@@ -2852,8 +2955,13 @@
         <a:alpha val="90000"/>
       </a:schemeClr>
     </dgm:fillClrLst>
-    <dgm:linClrLst meth="repeat">
-      <a:schemeClr val="accent1"/>
+    <dgm:linClrLst>
+      <a:schemeClr val="accent2">
+        <a:shade val="80000"/>
+      </a:schemeClr>
+      <a:schemeClr val="accent2">
+        <a:tint val="70000"/>
+      </a:schemeClr>
     </dgm:linClrLst>
     <dgm:effectClrLst/>
     <dgm:txLinClrLst/>
@@ -2868,8 +2976,13 @@
         <a:alpha val="90000"/>
       </a:schemeClr>
     </dgm:fillClrLst>
-    <dgm:linClrLst meth="repeat">
-      <a:schemeClr val="accent1"/>
+    <dgm:linClrLst>
+      <a:schemeClr val="accent2">
+        <a:shade val="80000"/>
+      </a:schemeClr>
+      <a:schemeClr val="accent2">
+        <a:tint val="70000"/>
+      </a:schemeClr>
     </dgm:linClrLst>
     <dgm:effectClrLst/>
     <dgm:txLinClrLst/>
@@ -2885,7 +2998,7 @@
       </a:schemeClr>
     </dgm:fillClrLst>
     <dgm:linClrLst meth="repeat">
-      <a:schemeClr val="accent1"/>
+      <a:schemeClr val="accent2"/>
     </dgm:linClrLst>
     <dgm:effectClrLst/>
     <dgm:txLinClrLst/>
@@ -2900,8 +3013,13 @@
         <a:alpha val="90000"/>
       </a:schemeClr>
     </dgm:fillClrLst>
-    <dgm:linClrLst meth="repeat">
-      <a:schemeClr val="accent1"/>
+    <dgm:linClrLst>
+      <a:schemeClr val="accent2">
+        <a:shade val="80000"/>
+      </a:schemeClr>
+      <a:schemeClr val="accent2">
+        <a:tint val="70000"/>
+      </a:schemeClr>
     </dgm:linClrLst>
     <dgm:effectClrLst/>
     <dgm:txLinClrLst/>
@@ -2914,8 +3032,13 @@
     <dgm:fillClrLst meth="repeat">
       <a:schemeClr val="lt1"/>
     </dgm:fillClrLst>
-    <dgm:linClrLst meth="repeat">
-      <a:schemeClr val="accent1"/>
+    <dgm:linClrLst>
+      <a:schemeClr val="accent2">
+        <a:shade val="80000"/>
+      </a:schemeClr>
+      <a:schemeClr val="accent2">
+        <a:tint val="70000"/>
+      </a:schemeClr>
     </dgm:linClrLst>
     <dgm:effectClrLst/>
     <dgm:txLinClrLst/>
@@ -2929,7 +3052,7 @@
       <a:schemeClr val="lt1"/>
     </dgm:fillClrLst>
     <dgm:linClrLst meth="repeat">
-      <a:schemeClr val="accent1"/>
+      <a:schemeClr val="accent2"/>
     </dgm:linClrLst>
     <dgm:effectClrLst/>
     <dgm:txLinClrLst/>
@@ -2943,7 +3066,7 @@
       <a:schemeClr val="lt1"/>
     </dgm:fillClrLst>
     <dgm:linClrLst meth="repeat">
-      <a:schemeClr val="accent1"/>
+      <a:schemeClr val="accent2"/>
     </dgm:linClrLst>
     <dgm:effectClrLst/>
     <dgm:txLinClrLst/>
@@ -2954,13 +3077,13 @@
   </dgm:styleLbl>
   <dgm:styleLbl name="fgAccFollowNode1">
     <dgm:fillClrLst meth="repeat">
-      <a:schemeClr val="accent1">
+      <a:schemeClr val="accent2">
         <a:alpha val="90000"/>
         <a:tint val="40000"/>
       </a:schemeClr>
     </dgm:fillClrLst>
     <dgm:linClrLst meth="repeat">
-      <a:schemeClr val="accent1">
+      <a:schemeClr val="accent2">
         <a:alpha val="90000"/>
         <a:tint val="40000"/>
       </a:schemeClr>
@@ -2974,13 +3097,13 @@
   </dgm:styleLbl>
   <dgm:styleLbl name="alignAccFollowNode1">
     <dgm:fillClrLst meth="repeat">
-      <a:schemeClr val="accent1">
+      <a:schemeClr val="accent2">
         <a:alpha val="90000"/>
         <a:tint val="40000"/>
       </a:schemeClr>
     </dgm:fillClrLst>
     <dgm:linClrLst meth="repeat">
-      <a:schemeClr val="accent1">
+      <a:schemeClr val="accent2">
         <a:alpha val="90000"/>
         <a:tint val="40000"/>
       </a:schemeClr>
@@ -2994,15 +3117,30 @@
   </dgm:styleLbl>
   <dgm:styleLbl name="bgAccFollowNode1">
     <dgm:fillClrLst meth="repeat">
-      <a:schemeClr val="accent1">
+      <a:schemeClr val="accent2">
         <a:alpha val="90000"/>
         <a:tint val="40000"/>
       </a:schemeClr>
     </dgm:fillClrLst>
     <dgm:linClrLst meth="repeat">
-      <a:schemeClr val="accent1">
+      <a:schemeClr val="lt1"/>
+    </dgm:linClrLst>
+    <dgm:effectClrLst/>
+    <dgm:txLinClrLst/>
+    <dgm:txFillClrLst meth="repeat">
+      <a:schemeClr val="dk1"/>
+    </dgm:txFillClrLst>
+    <dgm:txEffectClrLst/>
+  </dgm:styleLbl>
+  <dgm:styleLbl name="fgAcc0">
+    <dgm:fillClrLst meth="repeat">
+      <a:schemeClr val="lt1">
         <a:alpha val="90000"/>
-        <a:tint val="40000"/>
+      </a:schemeClr>
+    </dgm:fillClrLst>
+    <dgm:linClrLst meth="repeat">
+      <a:schemeClr val="accent2">
+        <a:shade val="80000"/>
       </a:schemeClr>
     </dgm:linClrLst>
     <dgm:effectClrLst/>
@@ -3012,14 +3150,16 @@
     </dgm:txFillClrLst>
     <dgm:txEffectClrLst/>
   </dgm:styleLbl>
-  <dgm:styleLbl name="fgAcc0">
+  <dgm:styleLbl name="fgAcc2">
     <dgm:fillClrLst meth="repeat">
       <a:schemeClr val="lt1">
         <a:alpha val="90000"/>
       </a:schemeClr>
     </dgm:fillClrLst>
     <dgm:linClrLst meth="repeat">
-      <a:schemeClr val="accent1"/>
+      <a:schemeClr val="accent2">
+        <a:tint val="99000"/>
+      </a:schemeClr>
     </dgm:linClrLst>
     <dgm:effectClrLst/>
     <dgm:txLinClrLst/>
@@ -3028,14 +3168,16 @@
     </dgm:txFillClrLst>
     <dgm:txEffectClrLst/>
   </dgm:styleLbl>
-  <dgm:styleLbl name="fgAcc2">
+  <dgm:styleLbl name="fgAcc3">
     <dgm:fillClrLst meth="repeat">
       <a:schemeClr val="lt1">
         <a:alpha val="90000"/>
       </a:schemeClr>
     </dgm:fillClrLst>
     <dgm:linClrLst meth="repeat">
-      <a:schemeClr val="accent1"/>
+      <a:schemeClr val="accent2">
+        <a:tint val="80000"/>
+      </a:schemeClr>
     </dgm:linClrLst>
     <dgm:effectClrLst/>
     <dgm:txLinClrLst/>
@@ -3044,14 +3186,16 @@
     </dgm:txFillClrLst>
     <dgm:txEffectClrLst/>
   </dgm:styleLbl>
-  <dgm:styleLbl name="fgAcc3">
+  <dgm:styleLbl name="fgAcc4">
     <dgm:fillClrLst meth="repeat">
       <a:schemeClr val="lt1">
         <a:alpha val="90000"/>
       </a:schemeClr>
     </dgm:fillClrLst>
     <dgm:linClrLst meth="repeat">
-      <a:schemeClr val="accent1"/>
+      <a:schemeClr val="accent2">
+        <a:tint val="70000"/>
+      </a:schemeClr>
     </dgm:linClrLst>
     <dgm:effectClrLst/>
     <dgm:txLinClrLst/>
@@ -3060,14 +3204,14 @@
     </dgm:txFillClrLst>
     <dgm:txEffectClrLst/>
   </dgm:styleLbl>
-  <dgm:styleLbl name="fgAcc4">
+  <dgm:styleLbl name="bgShp">
     <dgm:fillClrLst meth="repeat">
-      <a:schemeClr val="lt1">
-        <a:alpha val="90000"/>
+      <a:schemeClr val="accent2">
+        <a:tint val="40000"/>
       </a:schemeClr>
     </dgm:fillClrLst>
     <dgm:linClrLst meth="repeat">
-      <a:schemeClr val="accent1"/>
+      <a:schemeClr val="dk1"/>
     </dgm:linClrLst>
     <dgm:effectClrLst/>
     <dgm:txLinClrLst/>
@@ -3076,30 +3220,14 @@
     </dgm:txFillClrLst>
     <dgm:txEffectClrLst/>
   </dgm:styleLbl>
-  <dgm:styleLbl name="bgShp">
+  <dgm:styleLbl name="dkBgShp">
     <dgm:fillClrLst meth="repeat">
-      <a:schemeClr val="accent1">
-        <a:tint val="40000"/>
+      <a:schemeClr val="accent2">
+        <a:shade val="90000"/>
       </a:schemeClr>
     </dgm:fillClrLst>
     <dgm:linClrLst meth="repeat">
-      <a:schemeClr val="accent1"/>
-    </dgm:linClrLst>
-    <dgm:effectClrLst/>
-    <dgm:txLinClrLst/>
-    <dgm:txFillClrLst meth="repeat">
       <a:schemeClr val="dk1"/>
-    </dgm:txFillClrLst>
-    <dgm:txEffectClrLst/>
-  </dgm:styleLbl>
-  <dgm:styleLbl name="dkBgShp">
-    <dgm:fillClrLst meth="repeat">
-      <a:schemeClr val="accent1">
-        <a:shade val="80000"/>
-      </a:schemeClr>
-    </dgm:fillClrLst>
-    <dgm:linClrLst meth="repeat">
-      <a:schemeClr val="accent1"/>
     </dgm:linClrLst>
     <dgm:effectClrLst/>
     <dgm:txLinClrLst/>
@@ -3110,13 +3238,13 @@
   </dgm:styleLbl>
   <dgm:styleLbl name="trBgShp">
     <dgm:fillClrLst meth="repeat">
-      <a:schemeClr val="accent1">
+      <a:schemeClr val="accent2">
         <a:tint val="50000"/>
         <a:alpha val="40000"/>
       </a:schemeClr>
     </dgm:fillClrLst>
     <dgm:linClrLst meth="repeat">
-      <a:schemeClr val="accent1"/>
+      <a:schemeClr val="accent2"/>
     </dgm:linClrLst>
     <dgm:effectClrLst/>
     <dgm:txLinClrLst/>
@@ -3127,8 +3255,8 @@
   </dgm:styleLbl>
   <dgm:styleLbl name="fgShp">
     <dgm:fillClrLst meth="repeat">
-      <a:schemeClr val="accent1">
-        <a:tint val="60000"/>
+      <a:schemeClr val="accent2">
+        <a:tint val="40000"/>
       </a:schemeClr>
     </dgm:fillClrLst>
     <dgm:linClrLst meth="repeat">
@@ -3162,11 +3290,758 @@
 </dgm:colorsDef>
 </file>
 
+<file path=ppt/diagrams/colors5.xml><?xml version="1.0" encoding="utf-8"?>
+<dgm:colorsDef xmlns:dgm="http://schemas.openxmlformats.org/drawingml/2006/diagram" xmlns:a="http://schemas.openxmlformats.org/drawingml/2006/main" uniqueId="urn:microsoft.com/office/officeart/2005/8/colors/accent2_2">
+  <dgm:title val=""/>
+  <dgm:desc val=""/>
+  <dgm:catLst>
+    <dgm:cat type="accent2" pri="11200"/>
+  </dgm:catLst>
+  <dgm:styleLbl name="node0">
+    <dgm:fillClrLst meth="repeat">
+      <a:schemeClr val="accent2"/>
+    </dgm:fillClrLst>
+    <dgm:linClrLst meth="repeat">
+      <a:schemeClr val="lt1"/>
+    </dgm:linClrLst>
+    <dgm:effectClrLst/>
+    <dgm:txLinClrLst/>
+    <dgm:txFillClrLst/>
+    <dgm:txEffectClrLst/>
+  </dgm:styleLbl>
+  <dgm:styleLbl name="node1">
+    <dgm:fillClrLst meth="repeat">
+      <a:schemeClr val="accent2"/>
+    </dgm:fillClrLst>
+    <dgm:linClrLst meth="repeat">
+      <a:schemeClr val="lt1"/>
+    </dgm:linClrLst>
+    <dgm:effectClrLst/>
+    <dgm:txLinClrLst/>
+    <dgm:txFillClrLst/>
+    <dgm:txEffectClrLst/>
+  </dgm:styleLbl>
+  <dgm:styleLbl name="alignNode1">
+    <dgm:fillClrLst meth="repeat">
+      <a:schemeClr val="accent2"/>
+    </dgm:fillClrLst>
+    <dgm:linClrLst meth="repeat">
+      <a:schemeClr val="accent2"/>
+    </dgm:linClrLst>
+    <dgm:effectClrLst/>
+    <dgm:txLinClrLst/>
+    <dgm:txFillClrLst/>
+    <dgm:txEffectClrLst/>
+  </dgm:styleLbl>
+  <dgm:styleLbl name="lnNode1">
+    <dgm:fillClrLst meth="repeat">
+      <a:schemeClr val="accent2"/>
+    </dgm:fillClrLst>
+    <dgm:linClrLst meth="repeat">
+      <a:schemeClr val="lt1"/>
+    </dgm:linClrLst>
+    <dgm:effectClrLst/>
+    <dgm:txLinClrLst/>
+    <dgm:txFillClrLst/>
+    <dgm:txEffectClrLst/>
+  </dgm:styleLbl>
+  <dgm:styleLbl name="vennNode1">
+    <dgm:fillClrLst meth="repeat">
+      <a:schemeClr val="accent2">
+        <a:alpha val="50000"/>
+      </a:schemeClr>
+    </dgm:fillClrLst>
+    <dgm:linClrLst meth="repeat">
+      <a:schemeClr val="lt1"/>
+    </dgm:linClrLst>
+    <dgm:effectClrLst/>
+    <dgm:txLinClrLst/>
+    <dgm:txFillClrLst/>
+    <dgm:txEffectClrLst/>
+  </dgm:styleLbl>
+  <dgm:styleLbl name="node2">
+    <dgm:fillClrLst meth="repeat">
+      <a:schemeClr val="accent2"/>
+    </dgm:fillClrLst>
+    <dgm:linClrLst meth="repeat">
+      <a:schemeClr val="lt1"/>
+    </dgm:linClrLst>
+    <dgm:effectClrLst/>
+    <dgm:txLinClrLst/>
+    <dgm:txFillClrLst/>
+    <dgm:txEffectClrLst/>
+  </dgm:styleLbl>
+  <dgm:styleLbl name="node3">
+    <dgm:fillClrLst meth="repeat">
+      <a:schemeClr val="accent2"/>
+    </dgm:fillClrLst>
+    <dgm:linClrLst meth="repeat">
+      <a:schemeClr val="lt1"/>
+    </dgm:linClrLst>
+    <dgm:effectClrLst/>
+    <dgm:txLinClrLst/>
+    <dgm:txFillClrLst/>
+    <dgm:txEffectClrLst/>
+  </dgm:styleLbl>
+  <dgm:styleLbl name="node4">
+    <dgm:fillClrLst meth="repeat">
+      <a:schemeClr val="accent2"/>
+    </dgm:fillClrLst>
+    <dgm:linClrLst meth="repeat">
+      <a:schemeClr val="lt1"/>
+    </dgm:linClrLst>
+    <dgm:effectClrLst/>
+    <dgm:txLinClrLst/>
+    <dgm:txFillClrLst/>
+    <dgm:txEffectClrLst/>
+  </dgm:styleLbl>
+  <dgm:styleLbl name="fgImgPlace1">
+    <dgm:fillClrLst meth="repeat">
+      <a:schemeClr val="accent2">
+        <a:tint val="50000"/>
+      </a:schemeClr>
+    </dgm:fillClrLst>
+    <dgm:linClrLst meth="repeat">
+      <a:schemeClr val="lt1"/>
+    </dgm:linClrLst>
+    <dgm:effectClrLst/>
+    <dgm:txLinClrLst/>
+    <dgm:txFillClrLst meth="repeat">
+      <a:schemeClr val="lt1"/>
+    </dgm:txFillClrLst>
+    <dgm:txEffectClrLst/>
+  </dgm:styleLbl>
+  <dgm:styleLbl name="alignImgPlace1">
+    <dgm:fillClrLst meth="repeat">
+      <a:schemeClr val="accent2">
+        <a:tint val="50000"/>
+      </a:schemeClr>
+    </dgm:fillClrLst>
+    <dgm:linClrLst meth="repeat">
+      <a:schemeClr val="lt1"/>
+    </dgm:linClrLst>
+    <dgm:effectClrLst/>
+    <dgm:txLinClrLst/>
+    <dgm:txFillClrLst meth="repeat">
+      <a:schemeClr val="lt1"/>
+    </dgm:txFillClrLst>
+    <dgm:txEffectClrLst/>
+  </dgm:styleLbl>
+  <dgm:styleLbl name="bgImgPlace1">
+    <dgm:fillClrLst meth="repeat">
+      <a:schemeClr val="accent2">
+        <a:tint val="50000"/>
+      </a:schemeClr>
+    </dgm:fillClrLst>
+    <dgm:linClrLst meth="repeat">
+      <a:schemeClr val="lt1"/>
+    </dgm:linClrLst>
+    <dgm:effectClrLst/>
+    <dgm:txLinClrLst/>
+    <dgm:txFillClrLst meth="repeat">
+      <a:schemeClr val="lt1"/>
+    </dgm:txFillClrLst>
+    <dgm:txEffectClrLst/>
+  </dgm:styleLbl>
+  <dgm:styleLbl name="sibTrans2D1">
+    <dgm:fillClrLst meth="repeat">
+      <a:schemeClr val="accent2">
+        <a:tint val="60000"/>
+      </a:schemeClr>
+    </dgm:fillClrLst>
+    <dgm:linClrLst meth="repeat">
+      <a:schemeClr val="accent2">
+        <a:tint val="60000"/>
+      </a:schemeClr>
+    </dgm:linClrLst>
+    <dgm:effectClrLst/>
+    <dgm:txLinClrLst/>
+    <dgm:txFillClrLst/>
+    <dgm:txEffectClrLst/>
+  </dgm:styleLbl>
+  <dgm:styleLbl name="fgSibTrans2D1">
+    <dgm:fillClrLst meth="repeat">
+      <a:schemeClr val="accent2">
+        <a:tint val="60000"/>
+      </a:schemeClr>
+    </dgm:fillClrLst>
+    <dgm:linClrLst meth="repeat">
+      <a:schemeClr val="accent2">
+        <a:tint val="60000"/>
+      </a:schemeClr>
+    </dgm:linClrLst>
+    <dgm:effectClrLst/>
+    <dgm:txLinClrLst/>
+    <dgm:txFillClrLst/>
+    <dgm:txEffectClrLst/>
+  </dgm:styleLbl>
+  <dgm:styleLbl name="bgSibTrans2D1">
+    <dgm:fillClrLst meth="repeat">
+      <a:schemeClr val="accent2">
+        <a:tint val="60000"/>
+      </a:schemeClr>
+    </dgm:fillClrLst>
+    <dgm:linClrLst meth="repeat">
+      <a:schemeClr val="accent2">
+        <a:tint val="60000"/>
+      </a:schemeClr>
+    </dgm:linClrLst>
+    <dgm:effectClrLst/>
+    <dgm:txLinClrLst/>
+    <dgm:txFillClrLst/>
+    <dgm:txEffectClrLst/>
+  </dgm:styleLbl>
+  <dgm:styleLbl name="sibTrans1D1">
+    <dgm:fillClrLst meth="repeat">
+      <a:schemeClr val="accent2"/>
+    </dgm:fillClrLst>
+    <dgm:linClrLst meth="repeat">
+      <a:schemeClr val="accent2"/>
+    </dgm:linClrLst>
+    <dgm:effectClrLst/>
+    <dgm:txLinClrLst/>
+    <dgm:txFillClrLst meth="repeat">
+      <a:schemeClr val="tx1"/>
+    </dgm:txFillClrLst>
+    <dgm:txEffectClrLst/>
+  </dgm:styleLbl>
+  <dgm:styleLbl name="callout">
+    <dgm:fillClrLst meth="repeat">
+      <a:schemeClr val="accent2"/>
+    </dgm:fillClrLst>
+    <dgm:linClrLst meth="repeat">
+      <a:schemeClr val="accent2">
+        <a:tint val="50000"/>
+      </a:schemeClr>
+    </dgm:linClrLst>
+    <dgm:effectClrLst/>
+    <dgm:txLinClrLst/>
+    <dgm:txFillClrLst meth="repeat">
+      <a:schemeClr val="tx1"/>
+    </dgm:txFillClrLst>
+    <dgm:txEffectClrLst/>
+  </dgm:styleLbl>
+  <dgm:styleLbl name="asst0">
+    <dgm:fillClrLst meth="repeat">
+      <a:schemeClr val="accent2"/>
+    </dgm:fillClrLst>
+    <dgm:linClrLst meth="repeat">
+      <a:schemeClr val="lt1"/>
+    </dgm:linClrLst>
+    <dgm:effectClrLst/>
+    <dgm:txLinClrLst/>
+    <dgm:txFillClrLst/>
+    <dgm:txEffectClrLst/>
+  </dgm:styleLbl>
+  <dgm:styleLbl name="asst1">
+    <dgm:fillClrLst meth="repeat">
+      <a:schemeClr val="accent2"/>
+    </dgm:fillClrLst>
+    <dgm:linClrLst meth="repeat">
+      <a:schemeClr val="lt1"/>
+    </dgm:linClrLst>
+    <dgm:effectClrLst/>
+    <dgm:txLinClrLst/>
+    <dgm:txFillClrLst/>
+    <dgm:txEffectClrLst/>
+  </dgm:styleLbl>
+  <dgm:styleLbl name="asst2">
+    <dgm:fillClrLst meth="repeat">
+      <a:schemeClr val="accent2"/>
+    </dgm:fillClrLst>
+    <dgm:linClrLst meth="repeat">
+      <a:schemeClr val="lt1"/>
+    </dgm:linClrLst>
+    <dgm:effectClrLst/>
+    <dgm:txLinClrLst/>
+    <dgm:txFillClrLst/>
+    <dgm:txEffectClrLst/>
+  </dgm:styleLbl>
+  <dgm:styleLbl name="asst3">
+    <dgm:fillClrLst meth="repeat">
+      <a:schemeClr val="accent2"/>
+    </dgm:fillClrLst>
+    <dgm:linClrLst meth="repeat">
+      <a:schemeClr val="lt1"/>
+    </dgm:linClrLst>
+    <dgm:effectClrLst/>
+    <dgm:txLinClrLst/>
+    <dgm:txFillClrLst/>
+    <dgm:txEffectClrLst/>
+  </dgm:styleLbl>
+  <dgm:styleLbl name="asst4">
+    <dgm:fillClrLst meth="repeat">
+      <a:schemeClr val="accent2"/>
+    </dgm:fillClrLst>
+    <dgm:linClrLst meth="repeat">
+      <a:schemeClr val="lt1"/>
+    </dgm:linClrLst>
+    <dgm:effectClrLst/>
+    <dgm:txLinClrLst/>
+    <dgm:txFillClrLst/>
+    <dgm:txEffectClrLst/>
+  </dgm:styleLbl>
+  <dgm:styleLbl name="parChTrans2D1">
+    <dgm:fillClrLst meth="repeat">
+      <a:schemeClr val="accent2">
+        <a:tint val="60000"/>
+      </a:schemeClr>
+    </dgm:fillClrLst>
+    <dgm:linClrLst meth="repeat">
+      <a:schemeClr val="accent2">
+        <a:tint val="60000"/>
+      </a:schemeClr>
+    </dgm:linClrLst>
+    <dgm:effectClrLst/>
+    <dgm:txLinClrLst/>
+    <dgm:txFillClrLst meth="repeat">
+      <a:schemeClr val="lt1"/>
+    </dgm:txFillClrLst>
+    <dgm:txEffectClrLst/>
+  </dgm:styleLbl>
+  <dgm:styleLbl name="parChTrans2D2">
+    <dgm:fillClrLst meth="repeat">
+      <a:schemeClr val="accent2"/>
+    </dgm:fillClrLst>
+    <dgm:linClrLst meth="repeat">
+      <a:schemeClr val="accent2"/>
+    </dgm:linClrLst>
+    <dgm:effectClrLst/>
+    <dgm:txLinClrLst/>
+    <dgm:txFillClrLst meth="repeat">
+      <a:schemeClr val="lt1"/>
+    </dgm:txFillClrLst>
+    <dgm:txEffectClrLst/>
+  </dgm:styleLbl>
+  <dgm:styleLbl name="parChTrans2D3">
+    <dgm:fillClrLst meth="repeat">
+      <a:schemeClr val="accent2"/>
+    </dgm:fillClrLst>
+    <dgm:linClrLst meth="repeat">
+      <a:schemeClr val="accent2"/>
+    </dgm:linClrLst>
+    <dgm:effectClrLst/>
+    <dgm:txLinClrLst/>
+    <dgm:txFillClrLst meth="repeat">
+      <a:schemeClr val="lt1"/>
+    </dgm:txFillClrLst>
+    <dgm:txEffectClrLst/>
+  </dgm:styleLbl>
+  <dgm:styleLbl name="parChTrans2D4">
+    <dgm:fillClrLst meth="repeat">
+      <a:schemeClr val="accent2"/>
+    </dgm:fillClrLst>
+    <dgm:linClrLst meth="repeat">
+      <a:schemeClr val="accent2"/>
+    </dgm:linClrLst>
+    <dgm:effectClrLst/>
+    <dgm:txLinClrLst/>
+    <dgm:txFillClrLst meth="repeat">
+      <a:schemeClr val="lt1"/>
+    </dgm:txFillClrLst>
+    <dgm:txEffectClrLst/>
+  </dgm:styleLbl>
+  <dgm:styleLbl name="parChTrans1D1">
+    <dgm:fillClrLst meth="repeat">
+      <a:schemeClr val="accent2"/>
+    </dgm:fillClrLst>
+    <dgm:linClrLst meth="repeat">
+      <a:schemeClr val="accent2">
+        <a:shade val="60000"/>
+      </a:schemeClr>
+    </dgm:linClrLst>
+    <dgm:effectClrLst/>
+    <dgm:txLinClrLst/>
+    <dgm:txFillClrLst meth="repeat">
+      <a:schemeClr val="tx1"/>
+    </dgm:txFillClrLst>
+    <dgm:txEffectClrLst/>
+  </dgm:styleLbl>
+  <dgm:styleLbl name="parChTrans1D2">
+    <dgm:fillClrLst meth="repeat">
+      <a:schemeClr val="accent2"/>
+    </dgm:fillClrLst>
+    <dgm:linClrLst meth="repeat">
+      <a:schemeClr val="accent2">
+        <a:shade val="60000"/>
+      </a:schemeClr>
+    </dgm:linClrLst>
+    <dgm:effectClrLst/>
+    <dgm:txLinClrLst/>
+    <dgm:txFillClrLst meth="repeat">
+      <a:schemeClr val="tx1"/>
+    </dgm:txFillClrLst>
+    <dgm:txEffectClrLst/>
+  </dgm:styleLbl>
+  <dgm:styleLbl name="parChTrans1D3">
+    <dgm:fillClrLst meth="repeat">
+      <a:schemeClr val="accent2"/>
+    </dgm:fillClrLst>
+    <dgm:linClrLst meth="repeat">
+      <a:schemeClr val="accent2">
+        <a:shade val="80000"/>
+      </a:schemeClr>
+    </dgm:linClrLst>
+    <dgm:effectClrLst/>
+    <dgm:txLinClrLst/>
+    <dgm:txFillClrLst meth="repeat">
+      <a:schemeClr val="tx1"/>
+    </dgm:txFillClrLst>
+    <dgm:txEffectClrLst/>
+  </dgm:styleLbl>
+  <dgm:styleLbl name="parChTrans1D4">
+    <dgm:fillClrLst meth="repeat">
+      <a:schemeClr val="accent2"/>
+    </dgm:fillClrLst>
+    <dgm:linClrLst meth="repeat">
+      <a:schemeClr val="accent2">
+        <a:shade val="80000"/>
+      </a:schemeClr>
+    </dgm:linClrLst>
+    <dgm:effectClrLst/>
+    <dgm:txLinClrLst/>
+    <dgm:txFillClrLst meth="repeat">
+      <a:schemeClr val="tx1"/>
+    </dgm:txFillClrLst>
+    <dgm:txEffectClrLst/>
+  </dgm:styleLbl>
+  <dgm:styleLbl name="fgAcc1">
+    <dgm:fillClrLst meth="repeat">
+      <a:schemeClr val="lt1">
+        <a:alpha val="90000"/>
+      </a:schemeClr>
+    </dgm:fillClrLst>
+    <dgm:linClrLst meth="repeat">
+      <a:schemeClr val="accent2"/>
+    </dgm:linClrLst>
+    <dgm:effectClrLst/>
+    <dgm:txLinClrLst/>
+    <dgm:txFillClrLst meth="repeat">
+      <a:schemeClr val="dk1"/>
+    </dgm:txFillClrLst>
+    <dgm:txEffectClrLst/>
+  </dgm:styleLbl>
+  <dgm:styleLbl name="conFgAcc1">
+    <dgm:fillClrLst meth="repeat">
+      <a:schemeClr val="lt1">
+        <a:alpha val="90000"/>
+      </a:schemeClr>
+    </dgm:fillClrLst>
+    <dgm:linClrLst meth="repeat">
+      <a:schemeClr val="accent2"/>
+    </dgm:linClrLst>
+    <dgm:effectClrLst/>
+    <dgm:txLinClrLst/>
+    <dgm:txFillClrLst meth="repeat">
+      <a:schemeClr val="dk1"/>
+    </dgm:txFillClrLst>
+    <dgm:txEffectClrLst/>
+  </dgm:styleLbl>
+  <dgm:styleLbl name="alignAcc1">
+    <dgm:fillClrLst meth="repeat">
+      <a:schemeClr val="lt1">
+        <a:alpha val="90000"/>
+      </a:schemeClr>
+    </dgm:fillClrLst>
+    <dgm:linClrLst meth="repeat">
+      <a:schemeClr val="accent2"/>
+    </dgm:linClrLst>
+    <dgm:effectClrLst/>
+    <dgm:txLinClrLst/>
+    <dgm:txFillClrLst meth="repeat">
+      <a:schemeClr val="dk1"/>
+    </dgm:txFillClrLst>
+    <dgm:txEffectClrLst/>
+  </dgm:styleLbl>
+  <dgm:styleLbl name="trAlignAcc1">
+    <dgm:fillClrLst meth="repeat">
+      <a:schemeClr val="lt1">
+        <a:alpha val="40000"/>
+      </a:schemeClr>
+    </dgm:fillClrLst>
+    <dgm:linClrLst meth="repeat">
+      <a:schemeClr val="accent2"/>
+    </dgm:linClrLst>
+    <dgm:effectClrLst/>
+    <dgm:txLinClrLst/>
+    <dgm:txFillClrLst meth="repeat">
+      <a:schemeClr val="dk1"/>
+    </dgm:txFillClrLst>
+    <dgm:txEffectClrLst/>
+  </dgm:styleLbl>
+  <dgm:styleLbl name="bgAcc1">
+    <dgm:fillClrLst meth="repeat">
+      <a:schemeClr val="lt1">
+        <a:alpha val="90000"/>
+      </a:schemeClr>
+    </dgm:fillClrLst>
+    <dgm:linClrLst meth="repeat">
+      <a:schemeClr val="accent2"/>
+    </dgm:linClrLst>
+    <dgm:effectClrLst/>
+    <dgm:txLinClrLst/>
+    <dgm:txFillClrLst meth="repeat">
+      <a:schemeClr val="dk1"/>
+    </dgm:txFillClrLst>
+    <dgm:txEffectClrLst/>
+  </dgm:styleLbl>
+  <dgm:styleLbl name="solidFgAcc1">
+    <dgm:fillClrLst meth="repeat">
+      <a:schemeClr val="lt1"/>
+    </dgm:fillClrLst>
+    <dgm:linClrLst meth="repeat">
+      <a:schemeClr val="accent2"/>
+    </dgm:linClrLst>
+    <dgm:effectClrLst/>
+    <dgm:txLinClrLst/>
+    <dgm:txFillClrLst meth="repeat">
+      <a:schemeClr val="dk1"/>
+    </dgm:txFillClrLst>
+    <dgm:txEffectClrLst/>
+  </dgm:styleLbl>
+  <dgm:styleLbl name="solidAlignAcc1">
+    <dgm:fillClrLst meth="repeat">
+      <a:schemeClr val="lt1"/>
+    </dgm:fillClrLst>
+    <dgm:linClrLst meth="repeat">
+      <a:schemeClr val="accent2"/>
+    </dgm:linClrLst>
+    <dgm:effectClrLst/>
+    <dgm:txLinClrLst/>
+    <dgm:txFillClrLst meth="repeat">
+      <a:schemeClr val="dk1"/>
+    </dgm:txFillClrLst>
+    <dgm:txEffectClrLst/>
+  </dgm:styleLbl>
+  <dgm:styleLbl name="solidBgAcc1">
+    <dgm:fillClrLst meth="repeat">
+      <a:schemeClr val="lt1"/>
+    </dgm:fillClrLst>
+    <dgm:linClrLst meth="repeat">
+      <a:schemeClr val="accent2"/>
+    </dgm:linClrLst>
+    <dgm:effectClrLst/>
+    <dgm:txLinClrLst/>
+    <dgm:txFillClrLst meth="repeat">
+      <a:schemeClr val="dk1"/>
+    </dgm:txFillClrLst>
+    <dgm:txEffectClrLst/>
+  </dgm:styleLbl>
+  <dgm:styleLbl name="fgAccFollowNode1">
+    <dgm:fillClrLst meth="repeat">
+      <a:schemeClr val="accent2">
+        <a:alpha val="90000"/>
+        <a:tint val="40000"/>
+      </a:schemeClr>
+    </dgm:fillClrLst>
+    <dgm:linClrLst meth="repeat">
+      <a:schemeClr val="accent2">
+        <a:alpha val="90000"/>
+        <a:tint val="40000"/>
+      </a:schemeClr>
+    </dgm:linClrLst>
+    <dgm:effectClrLst/>
+    <dgm:txLinClrLst/>
+    <dgm:txFillClrLst meth="repeat">
+      <a:schemeClr val="dk1"/>
+    </dgm:txFillClrLst>
+    <dgm:txEffectClrLst/>
+  </dgm:styleLbl>
+  <dgm:styleLbl name="alignAccFollowNode1">
+    <dgm:fillClrLst meth="repeat">
+      <a:schemeClr val="accent2">
+        <a:alpha val="90000"/>
+        <a:tint val="40000"/>
+      </a:schemeClr>
+    </dgm:fillClrLst>
+    <dgm:linClrLst meth="repeat">
+      <a:schemeClr val="accent2">
+        <a:alpha val="90000"/>
+        <a:tint val="40000"/>
+      </a:schemeClr>
+    </dgm:linClrLst>
+    <dgm:effectClrLst/>
+    <dgm:txLinClrLst/>
+    <dgm:txFillClrLst meth="repeat">
+      <a:schemeClr val="dk1"/>
+    </dgm:txFillClrLst>
+    <dgm:txEffectClrLst/>
+  </dgm:styleLbl>
+  <dgm:styleLbl name="bgAccFollowNode1">
+    <dgm:fillClrLst meth="repeat">
+      <a:schemeClr val="accent2">
+        <a:alpha val="90000"/>
+        <a:tint val="40000"/>
+      </a:schemeClr>
+    </dgm:fillClrLst>
+    <dgm:linClrLst meth="repeat">
+      <a:schemeClr val="accent2">
+        <a:alpha val="90000"/>
+        <a:tint val="40000"/>
+      </a:schemeClr>
+    </dgm:linClrLst>
+    <dgm:effectClrLst/>
+    <dgm:txLinClrLst/>
+    <dgm:txFillClrLst meth="repeat">
+      <a:schemeClr val="dk1"/>
+    </dgm:txFillClrLst>
+    <dgm:txEffectClrLst/>
+  </dgm:styleLbl>
+  <dgm:styleLbl name="fgAcc0">
+    <dgm:fillClrLst meth="repeat">
+      <a:schemeClr val="lt1">
+        <a:alpha val="90000"/>
+      </a:schemeClr>
+    </dgm:fillClrLst>
+    <dgm:linClrLst meth="repeat">
+      <a:schemeClr val="accent2"/>
+    </dgm:linClrLst>
+    <dgm:effectClrLst/>
+    <dgm:txLinClrLst/>
+    <dgm:txFillClrLst meth="repeat">
+      <a:schemeClr val="dk1"/>
+    </dgm:txFillClrLst>
+    <dgm:txEffectClrLst/>
+  </dgm:styleLbl>
+  <dgm:styleLbl name="fgAcc2">
+    <dgm:fillClrLst meth="repeat">
+      <a:schemeClr val="lt1">
+        <a:alpha val="90000"/>
+      </a:schemeClr>
+    </dgm:fillClrLst>
+    <dgm:linClrLst meth="repeat">
+      <a:schemeClr val="accent2"/>
+    </dgm:linClrLst>
+    <dgm:effectClrLst/>
+    <dgm:txLinClrLst/>
+    <dgm:txFillClrLst meth="repeat">
+      <a:schemeClr val="dk1"/>
+    </dgm:txFillClrLst>
+    <dgm:txEffectClrLst/>
+  </dgm:styleLbl>
+  <dgm:styleLbl name="fgAcc3">
+    <dgm:fillClrLst meth="repeat">
+      <a:schemeClr val="lt1">
+        <a:alpha val="90000"/>
+      </a:schemeClr>
+    </dgm:fillClrLst>
+    <dgm:linClrLst meth="repeat">
+      <a:schemeClr val="accent2"/>
+    </dgm:linClrLst>
+    <dgm:effectClrLst/>
+    <dgm:txLinClrLst/>
+    <dgm:txFillClrLst meth="repeat">
+      <a:schemeClr val="dk1"/>
+    </dgm:txFillClrLst>
+    <dgm:txEffectClrLst/>
+  </dgm:styleLbl>
+  <dgm:styleLbl name="fgAcc4">
+    <dgm:fillClrLst meth="repeat">
+      <a:schemeClr val="lt1">
+        <a:alpha val="90000"/>
+      </a:schemeClr>
+    </dgm:fillClrLst>
+    <dgm:linClrLst meth="repeat">
+      <a:schemeClr val="accent2"/>
+    </dgm:linClrLst>
+    <dgm:effectClrLst/>
+    <dgm:txLinClrLst/>
+    <dgm:txFillClrLst meth="repeat">
+      <a:schemeClr val="dk1"/>
+    </dgm:txFillClrLst>
+    <dgm:txEffectClrLst/>
+  </dgm:styleLbl>
+  <dgm:styleLbl name="bgShp">
+    <dgm:fillClrLst meth="repeat">
+      <a:schemeClr val="accent2">
+        <a:tint val="40000"/>
+      </a:schemeClr>
+    </dgm:fillClrLst>
+    <dgm:linClrLst meth="repeat">
+      <a:schemeClr val="accent2"/>
+    </dgm:linClrLst>
+    <dgm:effectClrLst/>
+    <dgm:txLinClrLst/>
+    <dgm:txFillClrLst meth="repeat">
+      <a:schemeClr val="dk1"/>
+    </dgm:txFillClrLst>
+    <dgm:txEffectClrLst/>
+  </dgm:styleLbl>
+  <dgm:styleLbl name="dkBgShp">
+    <dgm:fillClrLst meth="repeat">
+      <a:schemeClr val="accent2">
+        <a:shade val="80000"/>
+      </a:schemeClr>
+    </dgm:fillClrLst>
+    <dgm:linClrLst meth="repeat">
+      <a:schemeClr val="accent2"/>
+    </dgm:linClrLst>
+    <dgm:effectClrLst/>
+    <dgm:txLinClrLst/>
+    <dgm:txFillClrLst meth="repeat">
+      <a:schemeClr val="lt1"/>
+    </dgm:txFillClrLst>
+    <dgm:txEffectClrLst/>
+  </dgm:styleLbl>
+  <dgm:styleLbl name="trBgShp">
+    <dgm:fillClrLst meth="repeat">
+      <a:schemeClr val="accent2">
+        <a:tint val="50000"/>
+        <a:alpha val="40000"/>
+      </a:schemeClr>
+    </dgm:fillClrLst>
+    <dgm:linClrLst meth="repeat">
+      <a:schemeClr val="accent2"/>
+    </dgm:linClrLst>
+    <dgm:effectClrLst/>
+    <dgm:txLinClrLst/>
+    <dgm:txFillClrLst meth="repeat">
+      <a:schemeClr val="lt1"/>
+    </dgm:txFillClrLst>
+    <dgm:txEffectClrLst/>
+  </dgm:styleLbl>
+  <dgm:styleLbl name="fgShp">
+    <dgm:fillClrLst meth="repeat">
+      <a:schemeClr val="accent2">
+        <a:tint val="60000"/>
+      </a:schemeClr>
+    </dgm:fillClrLst>
+    <dgm:linClrLst meth="repeat">
+      <a:schemeClr val="lt1"/>
+    </dgm:linClrLst>
+    <dgm:effectClrLst/>
+    <dgm:txLinClrLst/>
+    <dgm:txFillClrLst meth="repeat">
+      <a:schemeClr val="dk1"/>
+    </dgm:txFillClrLst>
+    <dgm:txEffectClrLst/>
+  </dgm:styleLbl>
+  <dgm:styleLbl name="revTx">
+    <dgm:fillClrLst meth="repeat">
+      <a:schemeClr val="lt1">
+        <a:alpha val="0"/>
+      </a:schemeClr>
+    </dgm:fillClrLst>
+    <dgm:linClrLst meth="repeat">
+      <a:schemeClr val="dk1">
+        <a:alpha val="0"/>
+      </a:schemeClr>
+    </dgm:linClrLst>
+    <dgm:effectClrLst/>
+    <dgm:txLinClrLst/>
+    <dgm:txFillClrLst meth="repeat">
+      <a:schemeClr val="tx1"/>
+    </dgm:txFillClrLst>
+    <dgm:txEffectClrLst/>
+  </dgm:styleLbl>
+</dgm:colorsDef>
+</file>
+
 <file path=ppt/diagrams/data1.xml><?xml version="1.0" encoding="utf-8"?>
 <dgm:dataModel xmlns:dgm="http://schemas.openxmlformats.org/drawingml/2006/diagram" xmlns:a="http://schemas.openxmlformats.org/drawingml/2006/main">
   <dgm:ptLst>
     <dgm:pt modelId="{C0DA0B1A-4F62-43BD-9456-6BAE435359DA}" type="doc">
-      <dgm:prSet loTypeId="urn:microsoft.com/office/officeart/2005/8/layout/radial1" loCatId="cycle" qsTypeId="urn:microsoft.com/office/officeart/2005/8/quickstyle/simple1" qsCatId="simple" csTypeId="urn:microsoft.com/office/officeart/2005/8/colors/accent1_2" csCatId="accent1" phldr="1"/>
+      <dgm:prSet loTypeId="urn:microsoft.com/office/officeart/2005/8/layout/radial1" loCatId="cycle" qsTypeId="urn:microsoft.com/office/officeart/2005/8/quickstyle/simple4" qsCatId="simple" csTypeId="urn:microsoft.com/office/officeart/2005/8/colors/accent2_2" csCatId="accent2" phldr="1"/>
       <dgm:spPr/>
       <dgm:t>
         <a:bodyPr/>
@@ -3670,6 +4545,13 @@
     <dgm:pt modelId="{CFD03154-9B93-4787-8717-1E4D738B1258}" type="pres">
       <dgm:prSet presAssocID="{492DEE35-9F69-415A-8714-873B41051688}" presName="spacer" presStyleCnt="0"/>
       <dgm:spPr/>
+      <dgm:t>
+        <a:bodyPr/>
+        <a:lstStyle/>
+        <a:p>
+          <a:endParaRPr lang="de-DE"/>
+        </a:p>
+      </dgm:t>
     </dgm:pt>
     <dgm:pt modelId="{3C403A7A-60EE-46BB-96E5-EC2DC90CDD84}" type="pres">
       <dgm:prSet presAssocID="{8387E30E-50D1-4290-A848-02821EC5CD28}" presName="parentText" presStyleLbl="node1" presStyleIdx="1" presStyleCnt="3">
@@ -3690,6 +4572,13 @@
     <dgm:pt modelId="{F2A6C7E5-DEB9-44DD-9475-51BDBD62CE91}" type="pres">
       <dgm:prSet presAssocID="{E6EE12DC-A286-4BF7-9890-3546E06BB165}" presName="spacer" presStyleCnt="0"/>
       <dgm:spPr/>
+      <dgm:t>
+        <a:bodyPr/>
+        <a:lstStyle/>
+        <a:p>
+          <a:endParaRPr lang="de-DE"/>
+        </a:p>
+      </dgm:t>
     </dgm:pt>
     <dgm:pt modelId="{35B56C38-D952-439F-94AB-F1B27ECE6315}" type="pres">
       <dgm:prSet presAssocID="{BC5C9726-28B9-4CE7-81EA-F7335E317CF3}" presName="parentText" presStyleLbl="node1" presStyleIdx="2" presStyleCnt="3">
@@ -3900,8 +4789,398 @@
 <file path=ppt/diagrams/data4.xml><?xml version="1.0" encoding="utf-8"?>
 <dgm:dataModel xmlns:dgm="http://schemas.openxmlformats.org/drawingml/2006/diagram" xmlns:a="http://schemas.openxmlformats.org/drawingml/2006/main">
   <dgm:ptLst>
+    <dgm:pt modelId="{E54E0F61-7D8E-4F6B-AF80-BE52E625C773}" type="doc">
+      <dgm:prSet loTypeId="urn:microsoft.com/office/officeart/2005/8/layout/vProcess5" loCatId="process" qsTypeId="urn:microsoft.com/office/officeart/2005/8/quickstyle/simple1" qsCatId="simple" csTypeId="urn:microsoft.com/office/officeart/2005/8/colors/accent2_3" csCatId="accent2" phldr="1"/>
+      <dgm:spPr/>
+    </dgm:pt>
+    <dgm:pt modelId="{893D6D39-D648-474A-9284-2DA293A63CC0}">
+      <dgm:prSet phldrT="[Text]"/>
+      <dgm:spPr/>
+      <dgm:t>
+        <a:bodyPr/>
+        <a:lstStyle/>
+        <a:p>
+          <a:r>
+            <a:rPr lang="de-DE" dirty="0" err="1" smtClean="0"/>
+            <a:t>Twitter</a:t>
+          </a:r>
+          <a:r>
+            <a:rPr lang="de-DE" dirty="0" smtClean="0"/>
+            <a:t>-Stream-API</a:t>
+          </a:r>
+          <a:endParaRPr lang="de-DE" dirty="0"/>
+        </a:p>
+      </dgm:t>
+    </dgm:pt>
+    <dgm:pt modelId="{9B3FC500-3281-4739-8D68-589769B3C362}" type="parTrans" cxnId="{EF10BA7C-F83B-4795-ABC6-1AAD0F575511}">
+      <dgm:prSet/>
+      <dgm:spPr/>
+      <dgm:t>
+        <a:bodyPr/>
+        <a:lstStyle/>
+        <a:p>
+          <a:endParaRPr lang="de-DE"/>
+        </a:p>
+      </dgm:t>
+    </dgm:pt>
+    <dgm:pt modelId="{7EFE9A2D-6CAF-4A43-96D8-C04024EDE87F}" type="sibTrans" cxnId="{EF10BA7C-F83B-4795-ABC6-1AAD0F575511}">
+      <dgm:prSet/>
+      <dgm:spPr/>
+      <dgm:t>
+        <a:bodyPr/>
+        <a:lstStyle/>
+        <a:p>
+          <a:endParaRPr lang="de-DE"/>
+        </a:p>
+      </dgm:t>
+    </dgm:pt>
+    <dgm:pt modelId="{3C3A4887-5B25-4A7B-A68D-9D2213836E49}">
+      <dgm:prSet phldrT="[Text]"/>
+      <dgm:spPr/>
+      <dgm:t>
+        <a:bodyPr/>
+        <a:lstStyle/>
+        <a:p>
+          <a:r>
+            <a:rPr lang="de-DE" smtClean="0"/>
+            <a:t>threadsichere </a:t>
+          </a:r>
+          <a:r>
+            <a:rPr lang="de-DE" dirty="0" smtClean="0"/>
+            <a:t>Warteschlange</a:t>
+          </a:r>
+          <a:endParaRPr lang="de-DE" dirty="0"/>
+        </a:p>
+      </dgm:t>
+    </dgm:pt>
+    <dgm:pt modelId="{1B1F2D6A-FB0B-42CA-8A45-4D98B9B90B5D}" type="parTrans" cxnId="{7022AD8C-7F75-460F-AB2D-7472697EA308}">
+      <dgm:prSet/>
+      <dgm:spPr/>
+      <dgm:t>
+        <a:bodyPr/>
+        <a:lstStyle/>
+        <a:p>
+          <a:endParaRPr lang="de-DE"/>
+        </a:p>
+      </dgm:t>
+    </dgm:pt>
+    <dgm:pt modelId="{BF75DC91-F9CD-490C-AF19-DFADBA784A67}" type="sibTrans" cxnId="{7022AD8C-7F75-460F-AB2D-7472697EA308}">
+      <dgm:prSet/>
+      <dgm:spPr/>
+      <dgm:t>
+        <a:bodyPr/>
+        <a:lstStyle/>
+        <a:p>
+          <a:endParaRPr lang="de-DE"/>
+        </a:p>
+      </dgm:t>
+    </dgm:pt>
+    <dgm:pt modelId="{ECAF6237-6720-42E6-A425-86F664C0DD71}">
+      <dgm:prSet phldrT="[Text]"/>
+      <dgm:spPr/>
+      <dgm:t>
+        <a:bodyPr/>
+        <a:lstStyle/>
+        <a:p>
+          <a:r>
+            <a:rPr lang="de-DE" dirty="0" smtClean="0"/>
+            <a:t>Filterung</a:t>
+          </a:r>
+          <a:endParaRPr lang="de-DE" dirty="0"/>
+        </a:p>
+      </dgm:t>
+    </dgm:pt>
+    <dgm:pt modelId="{9AC8D8A0-8501-4087-A61B-DAB2FDDBA519}" type="parTrans" cxnId="{DCCF3B6C-8957-455C-92B9-AC66E0D3956C}">
+      <dgm:prSet/>
+      <dgm:spPr/>
+      <dgm:t>
+        <a:bodyPr/>
+        <a:lstStyle/>
+        <a:p>
+          <a:endParaRPr lang="de-DE"/>
+        </a:p>
+      </dgm:t>
+    </dgm:pt>
+    <dgm:pt modelId="{458CA5D5-2C69-43B1-9B91-0DFD1B4AF24A}" type="sibTrans" cxnId="{DCCF3B6C-8957-455C-92B9-AC66E0D3956C}">
+      <dgm:prSet/>
+      <dgm:spPr/>
+      <dgm:t>
+        <a:bodyPr/>
+        <a:lstStyle/>
+        <a:p>
+          <a:endParaRPr lang="de-DE"/>
+        </a:p>
+      </dgm:t>
+    </dgm:pt>
+    <dgm:pt modelId="{F9D3C8D2-FBD3-4F7B-8EAA-56F3BFC7E24C}">
+      <dgm:prSet phldrT="[Text]"/>
+      <dgm:spPr/>
+      <dgm:t>
+        <a:bodyPr/>
+        <a:lstStyle/>
+        <a:p>
+          <a:r>
+            <a:rPr lang="de-DE" dirty="0" smtClean="0"/>
+            <a:t>Lokalisierung</a:t>
+          </a:r>
+          <a:endParaRPr lang="de-DE" dirty="0"/>
+        </a:p>
+      </dgm:t>
+    </dgm:pt>
+    <dgm:pt modelId="{52D2A367-7305-4F72-83C7-E1EE19D97B5C}" type="parTrans" cxnId="{C7E361A1-116B-4E13-B711-59D7C759A85D}">
+      <dgm:prSet/>
+      <dgm:spPr/>
+      <dgm:t>
+        <a:bodyPr/>
+        <a:lstStyle/>
+        <a:p>
+          <a:endParaRPr lang="de-DE"/>
+        </a:p>
+      </dgm:t>
+    </dgm:pt>
+    <dgm:pt modelId="{4B54DF08-0EF2-4A56-89A8-66C7E733D3D8}" type="sibTrans" cxnId="{C7E361A1-116B-4E13-B711-59D7C759A85D}">
+      <dgm:prSet/>
+      <dgm:spPr/>
+      <dgm:t>
+        <a:bodyPr/>
+        <a:lstStyle/>
+        <a:p>
+          <a:endParaRPr lang="de-DE"/>
+        </a:p>
+      </dgm:t>
+    </dgm:pt>
+    <dgm:pt modelId="{C1AF38E2-A383-44CF-B8AE-4BDD5DA2BBA7}">
+      <dgm:prSet phldrT="[Text]"/>
+      <dgm:spPr/>
+      <dgm:t>
+        <a:bodyPr/>
+        <a:lstStyle/>
+        <a:p>
+          <a:r>
+            <a:rPr lang="de-DE" dirty="0" smtClean="0"/>
+            <a:t>in Datenbank schreiben</a:t>
+          </a:r>
+          <a:endParaRPr lang="de-DE" dirty="0"/>
+        </a:p>
+      </dgm:t>
+    </dgm:pt>
+    <dgm:pt modelId="{0629488E-4058-4D6C-913A-A5E4AFE99898}" type="parTrans" cxnId="{053762CF-E4B4-4EB9-B212-B28AB246825E}">
+      <dgm:prSet/>
+      <dgm:spPr/>
+      <dgm:t>
+        <a:bodyPr/>
+        <a:lstStyle/>
+        <a:p>
+          <a:endParaRPr lang="de-DE"/>
+        </a:p>
+      </dgm:t>
+    </dgm:pt>
+    <dgm:pt modelId="{45B8A651-8277-4283-B0D6-93372CB2F331}" type="sibTrans" cxnId="{053762CF-E4B4-4EB9-B212-B28AB246825E}">
+      <dgm:prSet/>
+      <dgm:spPr/>
+      <dgm:t>
+        <a:bodyPr/>
+        <a:lstStyle/>
+        <a:p>
+          <a:endParaRPr lang="de-DE"/>
+        </a:p>
+      </dgm:t>
+    </dgm:pt>
+    <dgm:pt modelId="{05EE20EA-634C-4375-8FA0-4F0A7883A9D0}" type="pres">
+      <dgm:prSet presAssocID="{E54E0F61-7D8E-4F6B-AF80-BE52E625C773}" presName="outerComposite" presStyleCnt="0">
+        <dgm:presLayoutVars>
+          <dgm:chMax val="5"/>
+          <dgm:dir/>
+          <dgm:resizeHandles val="exact"/>
+        </dgm:presLayoutVars>
+      </dgm:prSet>
+      <dgm:spPr/>
+    </dgm:pt>
+    <dgm:pt modelId="{BF275429-C0B1-4F04-8D4A-980F55CEF893}" type="pres">
+      <dgm:prSet presAssocID="{E54E0F61-7D8E-4F6B-AF80-BE52E625C773}" presName="dummyMaxCanvas" presStyleCnt="0">
+        <dgm:presLayoutVars/>
+      </dgm:prSet>
+      <dgm:spPr/>
+    </dgm:pt>
+    <dgm:pt modelId="{014CB75D-CD56-4C7F-AB00-34F0B56D6D55}" type="pres">
+      <dgm:prSet presAssocID="{E54E0F61-7D8E-4F6B-AF80-BE52E625C773}" presName="FiveNodes_1" presStyleLbl="node1" presStyleIdx="0" presStyleCnt="5">
+        <dgm:presLayoutVars>
+          <dgm:bulletEnabled val="1"/>
+        </dgm:presLayoutVars>
+      </dgm:prSet>
+      <dgm:spPr/>
+    </dgm:pt>
+    <dgm:pt modelId="{206FC6DC-3CA8-474A-813D-936F81073E73}" type="pres">
+      <dgm:prSet presAssocID="{E54E0F61-7D8E-4F6B-AF80-BE52E625C773}" presName="FiveNodes_2" presStyleLbl="node1" presStyleIdx="1" presStyleCnt="5">
+        <dgm:presLayoutVars>
+          <dgm:bulletEnabled val="1"/>
+        </dgm:presLayoutVars>
+      </dgm:prSet>
+      <dgm:spPr/>
+    </dgm:pt>
+    <dgm:pt modelId="{54FB9439-08CC-485B-8A6B-9AB5E0BAF508}" type="pres">
+      <dgm:prSet presAssocID="{E54E0F61-7D8E-4F6B-AF80-BE52E625C773}" presName="FiveNodes_3" presStyleLbl="node1" presStyleIdx="2" presStyleCnt="5">
+        <dgm:presLayoutVars>
+          <dgm:bulletEnabled val="1"/>
+        </dgm:presLayoutVars>
+      </dgm:prSet>
+      <dgm:spPr/>
+    </dgm:pt>
+    <dgm:pt modelId="{173AD1BC-308A-45F0-86A4-8E4B491B600A}" type="pres">
+      <dgm:prSet presAssocID="{E54E0F61-7D8E-4F6B-AF80-BE52E625C773}" presName="FiveNodes_4" presStyleLbl="node1" presStyleIdx="3" presStyleCnt="5">
+        <dgm:presLayoutVars>
+          <dgm:bulletEnabled val="1"/>
+        </dgm:presLayoutVars>
+      </dgm:prSet>
+      <dgm:spPr/>
+    </dgm:pt>
+    <dgm:pt modelId="{38449B79-A5BB-45C3-9E4A-5156F2E5318A}" type="pres">
+      <dgm:prSet presAssocID="{E54E0F61-7D8E-4F6B-AF80-BE52E625C773}" presName="FiveNodes_5" presStyleLbl="node1" presStyleIdx="4" presStyleCnt="5">
+        <dgm:presLayoutVars>
+          <dgm:bulletEnabled val="1"/>
+        </dgm:presLayoutVars>
+      </dgm:prSet>
+      <dgm:spPr/>
+      <dgm:t>
+        <a:bodyPr/>
+        <a:lstStyle/>
+        <a:p>
+          <a:endParaRPr lang="de-DE"/>
+        </a:p>
+      </dgm:t>
+    </dgm:pt>
+    <dgm:pt modelId="{4D5B023A-487D-4A14-AB28-D0966D9943EE}" type="pres">
+      <dgm:prSet presAssocID="{E54E0F61-7D8E-4F6B-AF80-BE52E625C773}" presName="FiveConn_1-2" presStyleLbl="fgAccFollowNode1" presStyleIdx="0" presStyleCnt="4" custScaleX="182784">
+        <dgm:presLayoutVars>
+          <dgm:bulletEnabled val="1"/>
+        </dgm:presLayoutVars>
+      </dgm:prSet>
+      <dgm:spPr/>
+    </dgm:pt>
+    <dgm:pt modelId="{EB1D8C88-4D57-402C-B309-E99AAE4592D9}" type="pres">
+      <dgm:prSet presAssocID="{E54E0F61-7D8E-4F6B-AF80-BE52E625C773}" presName="FiveConn_2-3" presStyleLbl="fgAccFollowNode1" presStyleIdx="1" presStyleCnt="4" custScaleX="174298">
+        <dgm:presLayoutVars>
+          <dgm:bulletEnabled val="1"/>
+        </dgm:presLayoutVars>
+      </dgm:prSet>
+      <dgm:spPr/>
+    </dgm:pt>
+    <dgm:pt modelId="{EA59F9C2-CE6C-40BC-8157-B720A224AFD9}" type="pres">
+      <dgm:prSet presAssocID="{E54E0F61-7D8E-4F6B-AF80-BE52E625C773}" presName="FiveConn_3-4" presStyleLbl="fgAccFollowNode1" presStyleIdx="2" presStyleCnt="4" custScaleX="68132" custScaleY="68131">
+        <dgm:presLayoutVars>
+          <dgm:bulletEnabled val="1"/>
+        </dgm:presLayoutVars>
+      </dgm:prSet>
+      <dgm:spPr/>
+    </dgm:pt>
+    <dgm:pt modelId="{DA79538E-0700-4AB8-A511-11364EACFE78}" type="pres">
+      <dgm:prSet presAssocID="{E54E0F61-7D8E-4F6B-AF80-BE52E625C773}" presName="FiveConn_4-5" presStyleLbl="fgAccFollowNode1" presStyleIdx="3" presStyleCnt="4" custScaleX="59646" custScaleY="55677">
+        <dgm:presLayoutVars>
+          <dgm:bulletEnabled val="1"/>
+        </dgm:presLayoutVars>
+      </dgm:prSet>
+      <dgm:spPr/>
+    </dgm:pt>
+    <dgm:pt modelId="{80748A48-E64D-46CA-8B55-6EF9AA50EE18}" type="pres">
+      <dgm:prSet presAssocID="{E54E0F61-7D8E-4F6B-AF80-BE52E625C773}" presName="FiveNodes_1_text" presStyleLbl="node1" presStyleIdx="4" presStyleCnt="5">
+        <dgm:presLayoutVars>
+          <dgm:bulletEnabled val="1"/>
+        </dgm:presLayoutVars>
+      </dgm:prSet>
+      <dgm:spPr/>
+    </dgm:pt>
+    <dgm:pt modelId="{CB808D0B-D72C-4919-A83C-FFBB00E3992C}" type="pres">
+      <dgm:prSet presAssocID="{E54E0F61-7D8E-4F6B-AF80-BE52E625C773}" presName="FiveNodes_2_text" presStyleLbl="node1" presStyleIdx="4" presStyleCnt="5">
+        <dgm:presLayoutVars>
+          <dgm:bulletEnabled val="1"/>
+        </dgm:presLayoutVars>
+      </dgm:prSet>
+      <dgm:spPr/>
+    </dgm:pt>
+    <dgm:pt modelId="{94CFE52B-72C0-47A3-B23A-CCB097D43FAC}" type="pres">
+      <dgm:prSet presAssocID="{E54E0F61-7D8E-4F6B-AF80-BE52E625C773}" presName="FiveNodes_3_text" presStyleLbl="node1" presStyleIdx="4" presStyleCnt="5">
+        <dgm:presLayoutVars>
+          <dgm:bulletEnabled val="1"/>
+        </dgm:presLayoutVars>
+      </dgm:prSet>
+      <dgm:spPr/>
+    </dgm:pt>
+    <dgm:pt modelId="{B9E123E5-0ACF-49D1-BB9D-23D3B03E1091}" type="pres">
+      <dgm:prSet presAssocID="{E54E0F61-7D8E-4F6B-AF80-BE52E625C773}" presName="FiveNodes_4_text" presStyleLbl="node1" presStyleIdx="4" presStyleCnt="5">
+        <dgm:presLayoutVars>
+          <dgm:bulletEnabled val="1"/>
+        </dgm:presLayoutVars>
+      </dgm:prSet>
+      <dgm:spPr/>
+    </dgm:pt>
+    <dgm:pt modelId="{D62E523E-79CD-4688-BF82-F12E8EB20285}" type="pres">
+      <dgm:prSet presAssocID="{E54E0F61-7D8E-4F6B-AF80-BE52E625C773}" presName="FiveNodes_5_text" presStyleLbl="node1" presStyleIdx="4" presStyleCnt="5">
+        <dgm:presLayoutVars>
+          <dgm:bulletEnabled val="1"/>
+        </dgm:presLayoutVars>
+      </dgm:prSet>
+      <dgm:spPr/>
+      <dgm:t>
+        <a:bodyPr/>
+        <a:lstStyle/>
+        <a:p>
+          <a:endParaRPr lang="de-DE"/>
+        </a:p>
+      </dgm:t>
+    </dgm:pt>
+  </dgm:ptLst>
+  <dgm:cxnLst>
+    <dgm:cxn modelId="{55DC0FDB-AD09-440A-96EC-06B620EE938B}" type="presOf" srcId="{3C3A4887-5B25-4A7B-A68D-9D2213836E49}" destId="{CB808D0B-D72C-4919-A83C-FFBB00E3992C}" srcOrd="1" destOrd="0" presId="urn:microsoft.com/office/officeart/2005/8/layout/vProcess5"/>
+    <dgm:cxn modelId="{C3A60EDA-736E-492E-9E5E-AAF5F8ED46C0}" type="presOf" srcId="{458CA5D5-2C69-43B1-9B91-0DFD1B4AF24A}" destId="{EA59F9C2-CE6C-40BC-8157-B720A224AFD9}" srcOrd="0" destOrd="0" presId="urn:microsoft.com/office/officeart/2005/8/layout/vProcess5"/>
+    <dgm:cxn modelId="{E58C6E89-5567-466E-ABDF-A32FEF46AF50}" type="presOf" srcId="{7EFE9A2D-6CAF-4A43-96D8-C04024EDE87F}" destId="{4D5B023A-487D-4A14-AB28-D0966D9943EE}" srcOrd="0" destOrd="0" presId="urn:microsoft.com/office/officeart/2005/8/layout/vProcess5"/>
+    <dgm:cxn modelId="{053762CF-E4B4-4EB9-B212-B28AB246825E}" srcId="{E54E0F61-7D8E-4F6B-AF80-BE52E625C773}" destId="{C1AF38E2-A383-44CF-B8AE-4BDD5DA2BBA7}" srcOrd="4" destOrd="0" parTransId="{0629488E-4058-4D6C-913A-A5E4AFE99898}" sibTransId="{45B8A651-8277-4283-B0D6-93372CB2F331}"/>
+    <dgm:cxn modelId="{2B54BC3F-2708-4094-8372-D28CBA485D80}" type="presOf" srcId="{F9D3C8D2-FBD3-4F7B-8EAA-56F3BFC7E24C}" destId="{173AD1BC-308A-45F0-86A4-8E4B491B600A}" srcOrd="0" destOrd="0" presId="urn:microsoft.com/office/officeart/2005/8/layout/vProcess5"/>
+    <dgm:cxn modelId="{7022AD8C-7F75-460F-AB2D-7472697EA308}" srcId="{E54E0F61-7D8E-4F6B-AF80-BE52E625C773}" destId="{3C3A4887-5B25-4A7B-A68D-9D2213836E49}" srcOrd="1" destOrd="0" parTransId="{1B1F2D6A-FB0B-42CA-8A45-4D98B9B90B5D}" sibTransId="{BF75DC91-F9CD-490C-AF19-DFADBA784A67}"/>
+    <dgm:cxn modelId="{9DFFD7C4-B35C-4AE2-80DE-77FAE7F1E12F}" type="presOf" srcId="{E54E0F61-7D8E-4F6B-AF80-BE52E625C773}" destId="{05EE20EA-634C-4375-8FA0-4F0A7883A9D0}" srcOrd="0" destOrd="0" presId="urn:microsoft.com/office/officeart/2005/8/layout/vProcess5"/>
+    <dgm:cxn modelId="{1E361A70-5FBD-48EF-9F31-D85635F09E1F}" type="presOf" srcId="{C1AF38E2-A383-44CF-B8AE-4BDD5DA2BBA7}" destId="{D62E523E-79CD-4688-BF82-F12E8EB20285}" srcOrd="1" destOrd="0" presId="urn:microsoft.com/office/officeart/2005/8/layout/vProcess5"/>
+    <dgm:cxn modelId="{83602F87-4C41-4646-9E00-B150A22183DC}" type="presOf" srcId="{893D6D39-D648-474A-9284-2DA293A63CC0}" destId="{014CB75D-CD56-4C7F-AB00-34F0B56D6D55}" srcOrd="0" destOrd="0" presId="urn:microsoft.com/office/officeart/2005/8/layout/vProcess5"/>
+    <dgm:cxn modelId="{EF10BA7C-F83B-4795-ABC6-1AAD0F575511}" srcId="{E54E0F61-7D8E-4F6B-AF80-BE52E625C773}" destId="{893D6D39-D648-474A-9284-2DA293A63CC0}" srcOrd="0" destOrd="0" parTransId="{9B3FC500-3281-4739-8D68-589769B3C362}" sibTransId="{7EFE9A2D-6CAF-4A43-96D8-C04024EDE87F}"/>
+    <dgm:cxn modelId="{C87475CC-C98D-4FD7-8ACD-B0AA6B1E10FD}" type="presOf" srcId="{3C3A4887-5B25-4A7B-A68D-9D2213836E49}" destId="{206FC6DC-3CA8-474A-813D-936F81073E73}" srcOrd="0" destOrd="0" presId="urn:microsoft.com/office/officeart/2005/8/layout/vProcess5"/>
+    <dgm:cxn modelId="{C7E361A1-116B-4E13-B711-59D7C759A85D}" srcId="{E54E0F61-7D8E-4F6B-AF80-BE52E625C773}" destId="{F9D3C8D2-FBD3-4F7B-8EAA-56F3BFC7E24C}" srcOrd="3" destOrd="0" parTransId="{52D2A367-7305-4F72-83C7-E1EE19D97B5C}" sibTransId="{4B54DF08-0EF2-4A56-89A8-66C7E733D3D8}"/>
+    <dgm:cxn modelId="{62883476-08AE-463B-9F55-E001066C3F67}" type="presOf" srcId="{F9D3C8D2-FBD3-4F7B-8EAA-56F3BFC7E24C}" destId="{B9E123E5-0ACF-49D1-BB9D-23D3B03E1091}" srcOrd="1" destOrd="0" presId="urn:microsoft.com/office/officeart/2005/8/layout/vProcess5"/>
+    <dgm:cxn modelId="{DCCF3B6C-8957-455C-92B9-AC66E0D3956C}" srcId="{E54E0F61-7D8E-4F6B-AF80-BE52E625C773}" destId="{ECAF6237-6720-42E6-A425-86F664C0DD71}" srcOrd="2" destOrd="0" parTransId="{9AC8D8A0-8501-4087-A61B-DAB2FDDBA519}" sibTransId="{458CA5D5-2C69-43B1-9B91-0DFD1B4AF24A}"/>
+    <dgm:cxn modelId="{943A863C-94A9-4D3C-8FEE-13DF3AA27EFE}" type="presOf" srcId="{ECAF6237-6720-42E6-A425-86F664C0DD71}" destId="{94CFE52B-72C0-47A3-B23A-CCB097D43FAC}" srcOrd="1" destOrd="0" presId="urn:microsoft.com/office/officeart/2005/8/layout/vProcess5"/>
+    <dgm:cxn modelId="{8810DEA1-3B8C-4F93-9AAF-B74495829A9D}" type="presOf" srcId="{893D6D39-D648-474A-9284-2DA293A63CC0}" destId="{80748A48-E64D-46CA-8B55-6EF9AA50EE18}" srcOrd="1" destOrd="0" presId="urn:microsoft.com/office/officeart/2005/8/layout/vProcess5"/>
+    <dgm:cxn modelId="{B1DE31E5-E940-4186-940D-9C88F9D72746}" type="presOf" srcId="{4B54DF08-0EF2-4A56-89A8-66C7E733D3D8}" destId="{DA79538E-0700-4AB8-A511-11364EACFE78}" srcOrd="0" destOrd="0" presId="urn:microsoft.com/office/officeart/2005/8/layout/vProcess5"/>
+    <dgm:cxn modelId="{6B3DBB4A-D466-4C64-A45D-F86E7D5E182C}" type="presOf" srcId="{BF75DC91-F9CD-490C-AF19-DFADBA784A67}" destId="{EB1D8C88-4D57-402C-B309-E99AAE4592D9}" srcOrd="0" destOrd="0" presId="urn:microsoft.com/office/officeart/2005/8/layout/vProcess5"/>
+    <dgm:cxn modelId="{09A9111D-804E-4F15-9F33-B318B1CABA07}" type="presOf" srcId="{ECAF6237-6720-42E6-A425-86F664C0DD71}" destId="{54FB9439-08CC-485B-8A6B-9AB5E0BAF508}" srcOrd="0" destOrd="0" presId="urn:microsoft.com/office/officeart/2005/8/layout/vProcess5"/>
+    <dgm:cxn modelId="{C33C3135-BD4D-4093-B774-BA3080E00369}" type="presOf" srcId="{C1AF38E2-A383-44CF-B8AE-4BDD5DA2BBA7}" destId="{38449B79-A5BB-45C3-9E4A-5156F2E5318A}" srcOrd="0" destOrd="0" presId="urn:microsoft.com/office/officeart/2005/8/layout/vProcess5"/>
+    <dgm:cxn modelId="{0DAA120E-4363-4FD0-8B77-BC5C0F06FE0A}" type="presParOf" srcId="{05EE20EA-634C-4375-8FA0-4F0A7883A9D0}" destId="{BF275429-C0B1-4F04-8D4A-980F55CEF893}" srcOrd="0" destOrd="0" presId="urn:microsoft.com/office/officeart/2005/8/layout/vProcess5"/>
+    <dgm:cxn modelId="{CD2CA4EC-DB0D-4476-B38C-51DBA9DC6491}" type="presParOf" srcId="{05EE20EA-634C-4375-8FA0-4F0A7883A9D0}" destId="{014CB75D-CD56-4C7F-AB00-34F0B56D6D55}" srcOrd="1" destOrd="0" presId="urn:microsoft.com/office/officeart/2005/8/layout/vProcess5"/>
+    <dgm:cxn modelId="{3484A1B8-1A85-40EC-A6CD-52A6D16AD0DA}" type="presParOf" srcId="{05EE20EA-634C-4375-8FA0-4F0A7883A9D0}" destId="{206FC6DC-3CA8-474A-813D-936F81073E73}" srcOrd="2" destOrd="0" presId="urn:microsoft.com/office/officeart/2005/8/layout/vProcess5"/>
+    <dgm:cxn modelId="{E2131469-9DEE-42A5-BCA6-7431EBB73D43}" type="presParOf" srcId="{05EE20EA-634C-4375-8FA0-4F0A7883A9D0}" destId="{54FB9439-08CC-485B-8A6B-9AB5E0BAF508}" srcOrd="3" destOrd="0" presId="urn:microsoft.com/office/officeart/2005/8/layout/vProcess5"/>
+    <dgm:cxn modelId="{94B7034E-40B8-4C89-8A7A-6B9F5D89497C}" type="presParOf" srcId="{05EE20EA-634C-4375-8FA0-4F0A7883A9D0}" destId="{173AD1BC-308A-45F0-86A4-8E4B491B600A}" srcOrd="4" destOrd="0" presId="urn:microsoft.com/office/officeart/2005/8/layout/vProcess5"/>
+    <dgm:cxn modelId="{C3DB7B8F-E8B1-491E-BB24-A392F6C62DE1}" type="presParOf" srcId="{05EE20EA-634C-4375-8FA0-4F0A7883A9D0}" destId="{38449B79-A5BB-45C3-9E4A-5156F2E5318A}" srcOrd="5" destOrd="0" presId="urn:microsoft.com/office/officeart/2005/8/layout/vProcess5"/>
+    <dgm:cxn modelId="{7879D5E1-85E2-4C74-981E-67C7CF9056A4}" type="presParOf" srcId="{05EE20EA-634C-4375-8FA0-4F0A7883A9D0}" destId="{4D5B023A-487D-4A14-AB28-D0966D9943EE}" srcOrd="6" destOrd="0" presId="urn:microsoft.com/office/officeart/2005/8/layout/vProcess5"/>
+    <dgm:cxn modelId="{3A3EB57A-4855-4FEF-815C-9DAF1D0AA7A7}" type="presParOf" srcId="{05EE20EA-634C-4375-8FA0-4F0A7883A9D0}" destId="{EB1D8C88-4D57-402C-B309-E99AAE4592D9}" srcOrd="7" destOrd="0" presId="urn:microsoft.com/office/officeart/2005/8/layout/vProcess5"/>
+    <dgm:cxn modelId="{ADC5483A-7FFB-4385-90ED-0E1A978E5A14}" type="presParOf" srcId="{05EE20EA-634C-4375-8FA0-4F0A7883A9D0}" destId="{EA59F9C2-CE6C-40BC-8157-B720A224AFD9}" srcOrd="8" destOrd="0" presId="urn:microsoft.com/office/officeart/2005/8/layout/vProcess5"/>
+    <dgm:cxn modelId="{5617BA55-5808-4656-BBA3-6C4BCB0BCEA6}" type="presParOf" srcId="{05EE20EA-634C-4375-8FA0-4F0A7883A9D0}" destId="{DA79538E-0700-4AB8-A511-11364EACFE78}" srcOrd="9" destOrd="0" presId="urn:microsoft.com/office/officeart/2005/8/layout/vProcess5"/>
+    <dgm:cxn modelId="{5117C491-AA58-4E77-A682-0CF6395E7869}" type="presParOf" srcId="{05EE20EA-634C-4375-8FA0-4F0A7883A9D0}" destId="{80748A48-E64D-46CA-8B55-6EF9AA50EE18}" srcOrd="10" destOrd="0" presId="urn:microsoft.com/office/officeart/2005/8/layout/vProcess5"/>
+    <dgm:cxn modelId="{AFA34DB5-997C-479D-BFDB-59CC28C81256}" type="presParOf" srcId="{05EE20EA-634C-4375-8FA0-4F0A7883A9D0}" destId="{CB808D0B-D72C-4919-A83C-FFBB00E3992C}" srcOrd="11" destOrd="0" presId="urn:microsoft.com/office/officeart/2005/8/layout/vProcess5"/>
+    <dgm:cxn modelId="{2385A0BB-03C5-46AD-BFA9-F9E56208C622}" type="presParOf" srcId="{05EE20EA-634C-4375-8FA0-4F0A7883A9D0}" destId="{94CFE52B-72C0-47A3-B23A-CCB097D43FAC}" srcOrd="12" destOrd="0" presId="urn:microsoft.com/office/officeart/2005/8/layout/vProcess5"/>
+    <dgm:cxn modelId="{F25E734A-5E98-426B-BD8F-ADC1B628313D}" type="presParOf" srcId="{05EE20EA-634C-4375-8FA0-4F0A7883A9D0}" destId="{B9E123E5-0ACF-49D1-BB9D-23D3B03E1091}" srcOrd="13" destOrd="0" presId="urn:microsoft.com/office/officeart/2005/8/layout/vProcess5"/>
+    <dgm:cxn modelId="{511F68DA-D560-47C1-89E8-F9FC8C947402}" type="presParOf" srcId="{05EE20EA-634C-4375-8FA0-4F0A7883A9D0}" destId="{D62E523E-79CD-4688-BF82-F12E8EB20285}" srcOrd="14" destOrd="0" presId="urn:microsoft.com/office/officeart/2005/8/layout/vProcess5"/>
+  </dgm:cxnLst>
+  <dgm:bg/>
+  <dgm:whole/>
+  <dgm:extLst>
+    <a:ext uri="http://schemas.microsoft.com/office/drawing/2008/diagram">
+      <dsp:dataModelExt xmlns:dsp="http://schemas.microsoft.com/office/drawing/2008/diagram" xmlns="" relId="rId6" minVer="http://schemas.openxmlformats.org/drawingml/2006/diagram"/>
+    </a:ext>
+  </dgm:extLst>
+</dgm:dataModel>
+</file>
+
+<file path=ppt/diagrams/data5.xml><?xml version="1.0" encoding="utf-8"?>
+<dgm:dataModel xmlns:dgm="http://schemas.openxmlformats.org/drawingml/2006/diagram" xmlns:a="http://schemas.openxmlformats.org/drawingml/2006/main">
+  <dgm:ptLst>
     <dgm:pt modelId="{F6400C78-EE1C-4E2F-862C-0A1E32A03910}" type="doc">
-      <dgm:prSet loTypeId="urn:microsoft.com/office/officeart/2005/8/layout/chevron1" loCatId="process" qsTypeId="urn:microsoft.com/office/officeart/2005/8/quickstyle/simple1" qsCatId="simple" csTypeId="urn:microsoft.com/office/officeart/2005/8/colors/accent1_2" csCatId="accent1" phldr="1"/>
+      <dgm:prSet loTypeId="urn:microsoft.com/office/officeart/2005/8/layout/chevron1" loCatId="process" qsTypeId="urn:microsoft.com/office/officeart/2005/8/quickstyle/simple1" qsCatId="simple" csTypeId="urn:microsoft.com/office/officeart/2005/8/colors/accent2_2" csCatId="accent2" phldr="1"/>
       <dgm:spPr/>
     </dgm:pt>
     <dgm:pt modelId="{4C3A8E11-5AE3-4962-A302-F7FE2E3EA2BC}">
@@ -4138,35 +5417,60 @@
         <a:prstGeom prst="ellipse">
           <a:avLst/>
         </a:prstGeom>
-        <a:solidFill>
-          <a:schemeClr val="accent1">
-            <a:hueOff val="0"/>
-            <a:satOff val="0"/>
-            <a:lumOff val="0"/>
-            <a:alphaOff val="0"/>
-          </a:schemeClr>
-        </a:solidFill>
-        <a:ln w="25400" cap="flat" cmpd="sng" algn="ctr">
-          <a:solidFill>
-            <a:schemeClr val="lt1">
-              <a:hueOff val="0"/>
-              <a:satOff val="0"/>
-              <a:lumOff val="0"/>
-              <a:alphaOff val="0"/>
-            </a:schemeClr>
-          </a:solidFill>
-          <a:prstDash val="solid"/>
+        <a:gradFill rotWithShape="0">
+          <a:gsLst>
+            <a:gs pos="0">
+              <a:schemeClr val="accent2">
+                <a:hueOff val="0"/>
+                <a:satOff val="0"/>
+                <a:lumOff val="0"/>
+                <a:alphaOff val="0"/>
+                <a:shade val="51000"/>
+                <a:satMod val="130000"/>
+              </a:schemeClr>
+            </a:gs>
+            <a:gs pos="80000">
+              <a:schemeClr val="accent2">
+                <a:hueOff val="0"/>
+                <a:satOff val="0"/>
+                <a:lumOff val="0"/>
+                <a:alphaOff val="0"/>
+                <a:shade val="93000"/>
+                <a:satMod val="130000"/>
+              </a:schemeClr>
+            </a:gs>
+            <a:gs pos="100000">
+              <a:schemeClr val="accent2">
+                <a:hueOff val="0"/>
+                <a:satOff val="0"/>
+                <a:lumOff val="0"/>
+                <a:alphaOff val="0"/>
+                <a:shade val="94000"/>
+                <a:satMod val="135000"/>
+              </a:schemeClr>
+            </a:gs>
+          </a:gsLst>
+          <a:lin ang="16200000" scaled="0"/>
+        </a:gradFill>
+        <a:ln>
+          <a:noFill/>
         </a:ln>
-        <a:effectLst/>
+        <a:effectLst>
+          <a:outerShdw blurRad="40000" dist="23000" dir="5400000" rotWithShape="0">
+            <a:srgbClr val="000000">
+              <a:alpha val="35000"/>
+            </a:srgbClr>
+          </a:outerShdw>
+        </a:effectLst>
       </dsp:spPr>
       <dsp:style>
-        <a:lnRef idx="2">
+        <a:lnRef idx="0">
           <a:scrgbClr r="0" g="0" b="0"/>
         </a:lnRef>
-        <a:fillRef idx="1">
+        <a:fillRef idx="3">
           <a:scrgbClr r="0" g="0" b="0"/>
         </a:fillRef>
-        <a:effectRef idx="0">
+        <a:effectRef idx="2">
           <a:scrgbClr r="0" g="0" b="0"/>
         </a:effectRef>
         <a:fontRef idx="minor">
@@ -4234,9 +5538,9 @@
           </a:pathLst>
         </a:custGeom>
         <a:noFill/>
-        <a:ln w="25400" cap="flat" cmpd="sng" algn="ctr">
+        <a:ln w="9525" cap="flat" cmpd="sng" algn="ctr">
           <a:solidFill>
-            <a:schemeClr val="accent1">
+            <a:schemeClr val="accent2">
               <a:shade val="60000"/>
               <a:hueOff val="0"/>
               <a:satOff val="0"/>
@@ -4249,7 +5553,7 @@
         <a:effectLst/>
       </dsp:spPr>
       <dsp:style>
-        <a:lnRef idx="2">
+        <a:lnRef idx="1">
           <a:scrgbClr r="0" g="0" b="0"/>
         </a:lnRef>
         <a:fillRef idx="0">
@@ -4298,35 +5602,60 @@
         <a:prstGeom prst="ellipse">
           <a:avLst/>
         </a:prstGeom>
-        <a:solidFill>
-          <a:schemeClr val="accent1">
-            <a:hueOff val="0"/>
-            <a:satOff val="0"/>
-            <a:lumOff val="0"/>
-            <a:alphaOff val="0"/>
-          </a:schemeClr>
-        </a:solidFill>
-        <a:ln w="25400" cap="flat" cmpd="sng" algn="ctr">
-          <a:solidFill>
-            <a:schemeClr val="lt1">
-              <a:hueOff val="0"/>
-              <a:satOff val="0"/>
-              <a:lumOff val="0"/>
-              <a:alphaOff val="0"/>
-            </a:schemeClr>
-          </a:solidFill>
-          <a:prstDash val="solid"/>
+        <a:gradFill rotWithShape="0">
+          <a:gsLst>
+            <a:gs pos="0">
+              <a:schemeClr val="accent2">
+                <a:hueOff val="0"/>
+                <a:satOff val="0"/>
+                <a:lumOff val="0"/>
+                <a:alphaOff val="0"/>
+                <a:shade val="51000"/>
+                <a:satMod val="130000"/>
+              </a:schemeClr>
+            </a:gs>
+            <a:gs pos="80000">
+              <a:schemeClr val="accent2">
+                <a:hueOff val="0"/>
+                <a:satOff val="0"/>
+                <a:lumOff val="0"/>
+                <a:alphaOff val="0"/>
+                <a:shade val="93000"/>
+                <a:satMod val="130000"/>
+              </a:schemeClr>
+            </a:gs>
+            <a:gs pos="100000">
+              <a:schemeClr val="accent2">
+                <a:hueOff val="0"/>
+                <a:satOff val="0"/>
+                <a:lumOff val="0"/>
+                <a:alphaOff val="0"/>
+                <a:shade val="94000"/>
+                <a:satMod val="135000"/>
+              </a:schemeClr>
+            </a:gs>
+          </a:gsLst>
+          <a:lin ang="16200000" scaled="0"/>
+        </a:gradFill>
+        <a:ln>
+          <a:noFill/>
         </a:ln>
-        <a:effectLst/>
+        <a:effectLst>
+          <a:outerShdw blurRad="40000" dist="23000" dir="5400000" rotWithShape="0">
+            <a:srgbClr val="000000">
+              <a:alpha val="35000"/>
+            </a:srgbClr>
+          </a:outerShdw>
+        </a:effectLst>
       </dsp:spPr>
       <dsp:style>
-        <a:lnRef idx="2">
+        <a:lnRef idx="0">
           <a:scrgbClr r="0" g="0" b="0"/>
         </a:lnRef>
-        <a:fillRef idx="1">
+        <a:fillRef idx="3">
           <a:scrgbClr r="0" g="0" b="0"/>
         </a:fillRef>
-        <a:effectRef idx="0">
+        <a:effectRef idx="2">
           <a:scrgbClr r="0" g="0" b="0"/>
         </a:effectRef>
         <a:fontRef idx="minor">
@@ -4394,9 +5723,9 @@
           </a:pathLst>
         </a:custGeom>
         <a:noFill/>
-        <a:ln w="25400" cap="flat" cmpd="sng" algn="ctr">
+        <a:ln w="9525" cap="flat" cmpd="sng" algn="ctr">
           <a:solidFill>
-            <a:schemeClr val="accent1">
+            <a:schemeClr val="accent2">
               <a:shade val="60000"/>
               <a:hueOff val="0"/>
               <a:satOff val="0"/>
@@ -4409,7 +5738,7 @@
         <a:effectLst/>
       </dsp:spPr>
       <dsp:style>
-        <a:lnRef idx="2">
+        <a:lnRef idx="1">
           <a:scrgbClr r="0" g="0" b="0"/>
         </a:lnRef>
         <a:fillRef idx="0">
@@ -4458,35 +5787,60 @@
         <a:prstGeom prst="ellipse">
           <a:avLst/>
         </a:prstGeom>
-        <a:solidFill>
-          <a:schemeClr val="accent1">
-            <a:hueOff val="0"/>
-            <a:satOff val="0"/>
-            <a:lumOff val="0"/>
-            <a:alphaOff val="0"/>
-          </a:schemeClr>
-        </a:solidFill>
-        <a:ln w="25400" cap="flat" cmpd="sng" algn="ctr">
-          <a:solidFill>
-            <a:schemeClr val="lt1">
-              <a:hueOff val="0"/>
-              <a:satOff val="0"/>
-              <a:lumOff val="0"/>
-              <a:alphaOff val="0"/>
-            </a:schemeClr>
-          </a:solidFill>
-          <a:prstDash val="solid"/>
+        <a:gradFill rotWithShape="0">
+          <a:gsLst>
+            <a:gs pos="0">
+              <a:schemeClr val="accent2">
+                <a:hueOff val="0"/>
+                <a:satOff val="0"/>
+                <a:lumOff val="0"/>
+                <a:alphaOff val="0"/>
+                <a:shade val="51000"/>
+                <a:satMod val="130000"/>
+              </a:schemeClr>
+            </a:gs>
+            <a:gs pos="80000">
+              <a:schemeClr val="accent2">
+                <a:hueOff val="0"/>
+                <a:satOff val="0"/>
+                <a:lumOff val="0"/>
+                <a:alphaOff val="0"/>
+                <a:shade val="93000"/>
+                <a:satMod val="130000"/>
+              </a:schemeClr>
+            </a:gs>
+            <a:gs pos="100000">
+              <a:schemeClr val="accent2">
+                <a:hueOff val="0"/>
+                <a:satOff val="0"/>
+                <a:lumOff val="0"/>
+                <a:alphaOff val="0"/>
+                <a:shade val="94000"/>
+                <a:satMod val="135000"/>
+              </a:schemeClr>
+            </a:gs>
+          </a:gsLst>
+          <a:lin ang="16200000" scaled="0"/>
+        </a:gradFill>
+        <a:ln>
+          <a:noFill/>
         </a:ln>
-        <a:effectLst/>
+        <a:effectLst>
+          <a:outerShdw blurRad="40000" dist="23000" dir="5400000" rotWithShape="0">
+            <a:srgbClr val="000000">
+              <a:alpha val="35000"/>
+            </a:srgbClr>
+          </a:outerShdw>
+        </a:effectLst>
       </dsp:spPr>
       <dsp:style>
-        <a:lnRef idx="2">
+        <a:lnRef idx="0">
           <a:scrgbClr r="0" g="0" b="0"/>
         </a:lnRef>
-        <a:fillRef idx="1">
+        <a:fillRef idx="3">
           <a:scrgbClr r="0" g="0" b="0"/>
         </a:fillRef>
-        <a:effectRef idx="0">
+        <a:effectRef idx="2">
           <a:scrgbClr r="0" g="0" b="0"/>
         </a:effectRef>
         <a:fontRef idx="minor">
@@ -4550,9 +5904,9 @@
           </a:pathLst>
         </a:custGeom>
         <a:noFill/>
-        <a:ln w="25400" cap="flat" cmpd="sng" algn="ctr">
+        <a:ln w="9525" cap="flat" cmpd="sng" algn="ctr">
           <a:solidFill>
-            <a:schemeClr val="accent1">
+            <a:schemeClr val="accent2">
               <a:shade val="60000"/>
               <a:hueOff val="0"/>
               <a:satOff val="0"/>
@@ -4565,7 +5919,7 @@
         <a:effectLst/>
       </dsp:spPr>
       <dsp:style>
-        <a:lnRef idx="2">
+        <a:lnRef idx="1">
           <a:scrgbClr r="0" g="0" b="0"/>
         </a:lnRef>
         <a:fillRef idx="0">
@@ -4614,35 +5968,60 @@
         <a:prstGeom prst="ellipse">
           <a:avLst/>
         </a:prstGeom>
-        <a:solidFill>
-          <a:schemeClr val="accent1">
-            <a:hueOff val="0"/>
-            <a:satOff val="0"/>
-            <a:lumOff val="0"/>
-            <a:alphaOff val="0"/>
-          </a:schemeClr>
-        </a:solidFill>
-        <a:ln w="25400" cap="flat" cmpd="sng" algn="ctr">
-          <a:solidFill>
-            <a:schemeClr val="lt1">
-              <a:hueOff val="0"/>
-              <a:satOff val="0"/>
-              <a:lumOff val="0"/>
-              <a:alphaOff val="0"/>
-            </a:schemeClr>
-          </a:solidFill>
-          <a:prstDash val="solid"/>
+        <a:gradFill rotWithShape="0">
+          <a:gsLst>
+            <a:gs pos="0">
+              <a:schemeClr val="accent2">
+                <a:hueOff val="0"/>
+                <a:satOff val="0"/>
+                <a:lumOff val="0"/>
+                <a:alphaOff val="0"/>
+                <a:shade val="51000"/>
+                <a:satMod val="130000"/>
+              </a:schemeClr>
+            </a:gs>
+            <a:gs pos="80000">
+              <a:schemeClr val="accent2">
+                <a:hueOff val="0"/>
+                <a:satOff val="0"/>
+                <a:lumOff val="0"/>
+                <a:alphaOff val="0"/>
+                <a:shade val="93000"/>
+                <a:satMod val="130000"/>
+              </a:schemeClr>
+            </a:gs>
+            <a:gs pos="100000">
+              <a:schemeClr val="accent2">
+                <a:hueOff val="0"/>
+                <a:satOff val="0"/>
+                <a:lumOff val="0"/>
+                <a:alphaOff val="0"/>
+                <a:shade val="94000"/>
+                <a:satMod val="135000"/>
+              </a:schemeClr>
+            </a:gs>
+          </a:gsLst>
+          <a:lin ang="16200000" scaled="0"/>
+        </a:gradFill>
+        <a:ln>
+          <a:noFill/>
         </a:ln>
-        <a:effectLst/>
+        <a:effectLst>
+          <a:outerShdw blurRad="40000" dist="23000" dir="5400000" rotWithShape="0">
+            <a:srgbClr val="000000">
+              <a:alpha val="35000"/>
+            </a:srgbClr>
+          </a:outerShdw>
+        </a:effectLst>
       </dsp:spPr>
       <dsp:style>
-        <a:lnRef idx="2">
+        <a:lnRef idx="0">
           <a:scrgbClr r="0" g="0" b="0"/>
         </a:lnRef>
-        <a:fillRef idx="1">
+        <a:fillRef idx="3">
           <a:scrgbClr r="0" g="0" b="0"/>
         </a:fillRef>
-        <a:effectRef idx="0">
+        <a:effectRef idx="2">
           <a:scrgbClr r="0" g="0" b="0"/>
         </a:effectRef>
         <a:fontRef idx="minor">
@@ -5103,6 +6482,738 @@
       <dsp:cNvGrpSpPr/>
     </dsp:nvGrpSpPr>
     <dsp:grpSpPr/>
+    <dsp:sp modelId="{014CB75D-CD56-4C7F-AB00-34F0B56D6D55}">
+      <dsp:nvSpPr>
+        <dsp:cNvPr id="0" name=""/>
+        <dsp:cNvSpPr/>
+      </dsp:nvSpPr>
+      <dsp:spPr>
+        <a:xfrm>
+          <a:off x="0" y="0"/>
+          <a:ext cx="5156492" cy="907300"/>
+        </a:xfrm>
+        <a:prstGeom prst="roundRect">
+          <a:avLst>
+            <a:gd name="adj" fmla="val 10000"/>
+          </a:avLst>
+        </a:prstGeom>
+        <a:solidFill>
+          <a:schemeClr val="accent2">
+            <a:shade val="80000"/>
+            <a:hueOff val="0"/>
+            <a:satOff val="0"/>
+            <a:lumOff val="0"/>
+            <a:alphaOff val="0"/>
+          </a:schemeClr>
+        </a:solidFill>
+        <a:ln w="25400" cap="flat" cmpd="sng" algn="ctr">
+          <a:solidFill>
+            <a:schemeClr val="lt1">
+              <a:hueOff val="0"/>
+              <a:satOff val="0"/>
+              <a:lumOff val="0"/>
+              <a:alphaOff val="0"/>
+            </a:schemeClr>
+          </a:solidFill>
+          <a:prstDash val="solid"/>
+        </a:ln>
+        <a:effectLst/>
+      </dsp:spPr>
+      <dsp:style>
+        <a:lnRef idx="2">
+          <a:scrgbClr r="0" g="0" b="0"/>
+        </a:lnRef>
+        <a:fillRef idx="1">
+          <a:scrgbClr r="0" g="0" b="0"/>
+        </a:fillRef>
+        <a:effectRef idx="0">
+          <a:scrgbClr r="0" g="0" b="0"/>
+        </a:effectRef>
+        <a:fontRef idx="minor">
+          <a:schemeClr val="lt1"/>
+        </a:fontRef>
+      </dsp:style>
+      <dsp:txBody>
+        <a:bodyPr spcFirstLastPara="0" vert="horz" wrap="square" lIns="95250" tIns="95250" rIns="95250" bIns="95250" numCol="1" spcCol="1270" anchor="ctr" anchorCtr="0">
+          <a:noAutofit/>
+        </a:bodyPr>
+        <a:lstStyle/>
+        <a:p>
+          <a:pPr lvl="0" algn="l" defTabSz="1111250">
+            <a:lnSpc>
+              <a:spcPct val="90000"/>
+            </a:lnSpc>
+            <a:spcBef>
+              <a:spcPct val="0"/>
+            </a:spcBef>
+            <a:spcAft>
+              <a:spcPct val="35000"/>
+            </a:spcAft>
+          </a:pPr>
+          <a:r>
+            <a:rPr lang="de-DE" sz="2500" kern="1200" dirty="0" err="1" smtClean="0"/>
+            <a:t>Twitter</a:t>
+          </a:r>
+          <a:r>
+            <a:rPr lang="de-DE" sz="2500" kern="1200" dirty="0" smtClean="0"/>
+            <a:t>-Stream-API</a:t>
+          </a:r>
+          <a:endParaRPr lang="de-DE" sz="2500" kern="1200" dirty="0"/>
+        </a:p>
+      </dsp:txBody>
+      <dsp:txXfrm>
+        <a:off x="0" y="0"/>
+        <a:ext cx="4124438" cy="907300"/>
+      </dsp:txXfrm>
+    </dsp:sp>
+    <dsp:sp modelId="{206FC6DC-3CA8-474A-813D-936F81073E73}">
+      <dsp:nvSpPr>
+        <dsp:cNvPr id="0" name=""/>
+        <dsp:cNvSpPr/>
+      </dsp:nvSpPr>
+      <dsp:spPr>
+        <a:xfrm>
+          <a:off x="385062" y="1033314"/>
+          <a:ext cx="5156492" cy="907300"/>
+        </a:xfrm>
+        <a:prstGeom prst="roundRect">
+          <a:avLst>
+            <a:gd name="adj" fmla="val 10000"/>
+          </a:avLst>
+        </a:prstGeom>
+        <a:solidFill>
+          <a:schemeClr val="accent2">
+            <a:shade val="80000"/>
+            <a:hueOff val="71675"/>
+            <a:satOff val="-3529"/>
+            <a:lumOff val="6989"/>
+            <a:alphaOff val="0"/>
+          </a:schemeClr>
+        </a:solidFill>
+        <a:ln w="25400" cap="flat" cmpd="sng" algn="ctr">
+          <a:solidFill>
+            <a:schemeClr val="lt1">
+              <a:hueOff val="0"/>
+              <a:satOff val="0"/>
+              <a:lumOff val="0"/>
+              <a:alphaOff val="0"/>
+            </a:schemeClr>
+          </a:solidFill>
+          <a:prstDash val="solid"/>
+        </a:ln>
+        <a:effectLst/>
+      </dsp:spPr>
+      <dsp:style>
+        <a:lnRef idx="2">
+          <a:scrgbClr r="0" g="0" b="0"/>
+        </a:lnRef>
+        <a:fillRef idx="1">
+          <a:scrgbClr r="0" g="0" b="0"/>
+        </a:fillRef>
+        <a:effectRef idx="0">
+          <a:scrgbClr r="0" g="0" b="0"/>
+        </a:effectRef>
+        <a:fontRef idx="minor">
+          <a:schemeClr val="lt1"/>
+        </a:fontRef>
+      </dsp:style>
+      <dsp:txBody>
+        <a:bodyPr spcFirstLastPara="0" vert="horz" wrap="square" lIns="95250" tIns="95250" rIns="95250" bIns="95250" numCol="1" spcCol="1270" anchor="ctr" anchorCtr="0">
+          <a:noAutofit/>
+        </a:bodyPr>
+        <a:lstStyle/>
+        <a:p>
+          <a:pPr lvl="0" algn="l" defTabSz="1111250">
+            <a:lnSpc>
+              <a:spcPct val="90000"/>
+            </a:lnSpc>
+            <a:spcBef>
+              <a:spcPct val="0"/>
+            </a:spcBef>
+            <a:spcAft>
+              <a:spcPct val="35000"/>
+            </a:spcAft>
+          </a:pPr>
+          <a:r>
+            <a:rPr lang="de-DE" sz="2500" kern="1200" smtClean="0"/>
+            <a:t>threadsichere </a:t>
+          </a:r>
+          <a:r>
+            <a:rPr lang="de-DE" sz="2500" kern="1200" dirty="0" smtClean="0"/>
+            <a:t>Warteschlange</a:t>
+          </a:r>
+          <a:endParaRPr lang="de-DE" sz="2500" kern="1200" dirty="0"/>
+        </a:p>
+      </dsp:txBody>
+      <dsp:txXfrm>
+        <a:off x="385062" y="1033314"/>
+        <a:ext cx="4181684" cy="907300"/>
+      </dsp:txXfrm>
+    </dsp:sp>
+    <dsp:sp modelId="{54FB9439-08CC-485B-8A6B-9AB5E0BAF508}">
+      <dsp:nvSpPr>
+        <dsp:cNvPr id="0" name=""/>
+        <dsp:cNvSpPr/>
+      </dsp:nvSpPr>
+      <dsp:spPr>
+        <a:xfrm>
+          <a:off x="770125" y="2066629"/>
+          <a:ext cx="5156492" cy="907300"/>
+        </a:xfrm>
+        <a:prstGeom prst="roundRect">
+          <a:avLst>
+            <a:gd name="adj" fmla="val 10000"/>
+          </a:avLst>
+        </a:prstGeom>
+        <a:solidFill>
+          <a:schemeClr val="accent2">
+            <a:shade val="80000"/>
+            <a:hueOff val="143349"/>
+            <a:satOff val="-7057"/>
+            <a:lumOff val="13979"/>
+            <a:alphaOff val="0"/>
+          </a:schemeClr>
+        </a:solidFill>
+        <a:ln w="25400" cap="flat" cmpd="sng" algn="ctr">
+          <a:solidFill>
+            <a:schemeClr val="lt1">
+              <a:hueOff val="0"/>
+              <a:satOff val="0"/>
+              <a:lumOff val="0"/>
+              <a:alphaOff val="0"/>
+            </a:schemeClr>
+          </a:solidFill>
+          <a:prstDash val="solid"/>
+        </a:ln>
+        <a:effectLst/>
+      </dsp:spPr>
+      <dsp:style>
+        <a:lnRef idx="2">
+          <a:scrgbClr r="0" g="0" b="0"/>
+        </a:lnRef>
+        <a:fillRef idx="1">
+          <a:scrgbClr r="0" g="0" b="0"/>
+        </a:fillRef>
+        <a:effectRef idx="0">
+          <a:scrgbClr r="0" g="0" b="0"/>
+        </a:effectRef>
+        <a:fontRef idx="minor">
+          <a:schemeClr val="lt1"/>
+        </a:fontRef>
+      </dsp:style>
+      <dsp:txBody>
+        <a:bodyPr spcFirstLastPara="0" vert="horz" wrap="square" lIns="95250" tIns="95250" rIns="95250" bIns="95250" numCol="1" spcCol="1270" anchor="ctr" anchorCtr="0">
+          <a:noAutofit/>
+        </a:bodyPr>
+        <a:lstStyle/>
+        <a:p>
+          <a:pPr lvl="0" algn="l" defTabSz="1111250">
+            <a:lnSpc>
+              <a:spcPct val="90000"/>
+            </a:lnSpc>
+            <a:spcBef>
+              <a:spcPct val="0"/>
+            </a:spcBef>
+            <a:spcAft>
+              <a:spcPct val="35000"/>
+            </a:spcAft>
+          </a:pPr>
+          <a:r>
+            <a:rPr lang="de-DE" sz="2500" kern="1200" dirty="0" smtClean="0"/>
+            <a:t>Filterung</a:t>
+          </a:r>
+          <a:endParaRPr lang="de-DE" sz="2500" kern="1200" dirty="0"/>
+        </a:p>
+      </dsp:txBody>
+      <dsp:txXfrm>
+        <a:off x="770125" y="2066629"/>
+        <a:ext cx="4181684" cy="907300"/>
+      </dsp:txXfrm>
+    </dsp:sp>
+    <dsp:sp modelId="{173AD1BC-308A-45F0-86A4-8E4B491B600A}">
+      <dsp:nvSpPr>
+        <dsp:cNvPr id="0" name=""/>
+        <dsp:cNvSpPr/>
+      </dsp:nvSpPr>
+      <dsp:spPr>
+        <a:xfrm>
+          <a:off x="1155188" y="3099944"/>
+          <a:ext cx="5156492" cy="907300"/>
+        </a:xfrm>
+        <a:prstGeom prst="roundRect">
+          <a:avLst>
+            <a:gd name="adj" fmla="val 10000"/>
+          </a:avLst>
+        </a:prstGeom>
+        <a:solidFill>
+          <a:schemeClr val="accent2">
+            <a:shade val="80000"/>
+            <a:hueOff val="215024"/>
+            <a:satOff val="-10586"/>
+            <a:lumOff val="20968"/>
+            <a:alphaOff val="0"/>
+          </a:schemeClr>
+        </a:solidFill>
+        <a:ln w="25400" cap="flat" cmpd="sng" algn="ctr">
+          <a:solidFill>
+            <a:schemeClr val="lt1">
+              <a:hueOff val="0"/>
+              <a:satOff val="0"/>
+              <a:lumOff val="0"/>
+              <a:alphaOff val="0"/>
+            </a:schemeClr>
+          </a:solidFill>
+          <a:prstDash val="solid"/>
+        </a:ln>
+        <a:effectLst/>
+      </dsp:spPr>
+      <dsp:style>
+        <a:lnRef idx="2">
+          <a:scrgbClr r="0" g="0" b="0"/>
+        </a:lnRef>
+        <a:fillRef idx="1">
+          <a:scrgbClr r="0" g="0" b="0"/>
+        </a:fillRef>
+        <a:effectRef idx="0">
+          <a:scrgbClr r="0" g="0" b="0"/>
+        </a:effectRef>
+        <a:fontRef idx="minor">
+          <a:schemeClr val="lt1"/>
+        </a:fontRef>
+      </dsp:style>
+      <dsp:txBody>
+        <a:bodyPr spcFirstLastPara="0" vert="horz" wrap="square" lIns="95250" tIns="95250" rIns="95250" bIns="95250" numCol="1" spcCol="1270" anchor="ctr" anchorCtr="0">
+          <a:noAutofit/>
+        </a:bodyPr>
+        <a:lstStyle/>
+        <a:p>
+          <a:pPr lvl="0" algn="l" defTabSz="1111250">
+            <a:lnSpc>
+              <a:spcPct val="90000"/>
+            </a:lnSpc>
+            <a:spcBef>
+              <a:spcPct val="0"/>
+            </a:spcBef>
+            <a:spcAft>
+              <a:spcPct val="35000"/>
+            </a:spcAft>
+          </a:pPr>
+          <a:r>
+            <a:rPr lang="de-DE" sz="2500" kern="1200" dirty="0" smtClean="0"/>
+            <a:t>Lokalisierung</a:t>
+          </a:r>
+          <a:endParaRPr lang="de-DE" sz="2500" kern="1200" dirty="0"/>
+        </a:p>
+      </dsp:txBody>
+      <dsp:txXfrm>
+        <a:off x="1155188" y="3099944"/>
+        <a:ext cx="4181684" cy="907300"/>
+      </dsp:txXfrm>
+    </dsp:sp>
+    <dsp:sp modelId="{38449B79-A5BB-45C3-9E4A-5156F2E5318A}">
+      <dsp:nvSpPr>
+        <dsp:cNvPr id="0" name=""/>
+        <dsp:cNvSpPr/>
+      </dsp:nvSpPr>
+      <dsp:spPr>
+        <a:xfrm>
+          <a:off x="1540251" y="4133259"/>
+          <a:ext cx="5156492" cy="907300"/>
+        </a:xfrm>
+        <a:prstGeom prst="roundRect">
+          <a:avLst>
+            <a:gd name="adj" fmla="val 10000"/>
+          </a:avLst>
+        </a:prstGeom>
+        <a:solidFill>
+          <a:schemeClr val="accent2">
+            <a:shade val="80000"/>
+            <a:hueOff val="286698"/>
+            <a:satOff val="-14115"/>
+            <a:lumOff val="27958"/>
+            <a:alphaOff val="0"/>
+          </a:schemeClr>
+        </a:solidFill>
+        <a:ln w="25400" cap="flat" cmpd="sng" algn="ctr">
+          <a:solidFill>
+            <a:schemeClr val="lt1">
+              <a:hueOff val="0"/>
+              <a:satOff val="0"/>
+              <a:lumOff val="0"/>
+              <a:alphaOff val="0"/>
+            </a:schemeClr>
+          </a:solidFill>
+          <a:prstDash val="solid"/>
+        </a:ln>
+        <a:effectLst/>
+      </dsp:spPr>
+      <dsp:style>
+        <a:lnRef idx="2">
+          <a:scrgbClr r="0" g="0" b="0"/>
+        </a:lnRef>
+        <a:fillRef idx="1">
+          <a:scrgbClr r="0" g="0" b="0"/>
+        </a:fillRef>
+        <a:effectRef idx="0">
+          <a:scrgbClr r="0" g="0" b="0"/>
+        </a:effectRef>
+        <a:fontRef idx="minor">
+          <a:schemeClr val="lt1"/>
+        </a:fontRef>
+      </dsp:style>
+      <dsp:txBody>
+        <a:bodyPr spcFirstLastPara="0" vert="horz" wrap="square" lIns="95250" tIns="95250" rIns="95250" bIns="95250" numCol="1" spcCol="1270" anchor="ctr" anchorCtr="0">
+          <a:noAutofit/>
+        </a:bodyPr>
+        <a:lstStyle/>
+        <a:p>
+          <a:pPr lvl="0" algn="l" defTabSz="1111250">
+            <a:lnSpc>
+              <a:spcPct val="90000"/>
+            </a:lnSpc>
+            <a:spcBef>
+              <a:spcPct val="0"/>
+            </a:spcBef>
+            <a:spcAft>
+              <a:spcPct val="35000"/>
+            </a:spcAft>
+          </a:pPr>
+          <a:r>
+            <a:rPr lang="de-DE" sz="2500" kern="1200" dirty="0" smtClean="0"/>
+            <a:t>in Datenbank schreiben</a:t>
+          </a:r>
+          <a:endParaRPr lang="de-DE" sz="2500" kern="1200" dirty="0"/>
+        </a:p>
+      </dsp:txBody>
+      <dsp:txXfrm>
+        <a:off x="1540251" y="4133259"/>
+        <a:ext cx="4181684" cy="907300"/>
+      </dsp:txXfrm>
+    </dsp:sp>
+    <dsp:sp modelId="{4D5B023A-487D-4A14-AB28-D0966D9943EE}">
+      <dsp:nvSpPr>
+        <dsp:cNvPr id="0" name=""/>
+        <dsp:cNvSpPr/>
+      </dsp:nvSpPr>
+      <dsp:spPr>
+        <a:xfrm>
+          <a:off x="4322639" y="662833"/>
+          <a:ext cx="1077960" cy="589745"/>
+        </a:xfrm>
+        <a:prstGeom prst="downArrow">
+          <a:avLst>
+            <a:gd name="adj1" fmla="val 55000"/>
+            <a:gd name="adj2" fmla="val 45000"/>
+          </a:avLst>
+        </a:prstGeom>
+        <a:solidFill>
+          <a:schemeClr val="accent2">
+            <a:alpha val="90000"/>
+            <a:tint val="40000"/>
+            <a:hueOff val="0"/>
+            <a:satOff val="0"/>
+            <a:lumOff val="0"/>
+            <a:alphaOff val="0"/>
+          </a:schemeClr>
+        </a:solidFill>
+        <a:ln w="25400" cap="flat" cmpd="sng" algn="ctr">
+          <a:solidFill>
+            <a:schemeClr val="accent2">
+              <a:alpha val="90000"/>
+              <a:tint val="40000"/>
+              <a:hueOff val="0"/>
+              <a:satOff val="0"/>
+              <a:lumOff val="0"/>
+              <a:alphaOff val="0"/>
+            </a:schemeClr>
+          </a:solidFill>
+          <a:prstDash val="solid"/>
+        </a:ln>
+        <a:effectLst/>
+      </dsp:spPr>
+      <dsp:style>
+        <a:lnRef idx="2">
+          <a:scrgbClr r="0" g="0" b="0"/>
+        </a:lnRef>
+        <a:fillRef idx="1">
+          <a:scrgbClr r="0" g="0" b="0"/>
+        </a:fillRef>
+        <a:effectRef idx="0">
+          <a:scrgbClr r="0" g="0" b="0"/>
+        </a:effectRef>
+        <a:fontRef idx="minor"/>
+      </dsp:style>
+      <dsp:txBody>
+        <a:bodyPr spcFirstLastPara="0" vert="horz" wrap="square" lIns="35560" tIns="35560" rIns="35560" bIns="35560" numCol="1" spcCol="1270" anchor="ctr" anchorCtr="0">
+          <a:noAutofit/>
+        </a:bodyPr>
+        <a:lstStyle/>
+        <a:p>
+          <a:pPr lvl="0" algn="ctr" defTabSz="1244600">
+            <a:lnSpc>
+              <a:spcPct val="90000"/>
+            </a:lnSpc>
+            <a:spcBef>
+              <a:spcPct val="0"/>
+            </a:spcBef>
+            <a:spcAft>
+              <a:spcPct val="35000"/>
+            </a:spcAft>
+          </a:pPr>
+          <a:endParaRPr lang="de-DE" sz="2800" kern="1200"/>
+        </a:p>
+      </dsp:txBody>
+      <dsp:txXfrm>
+        <a:off x="4322639" y="662833"/>
+        <a:ext cx="1077960" cy="589745"/>
+      </dsp:txXfrm>
+    </dsp:sp>
+    <dsp:sp modelId="{EB1D8C88-4D57-402C-B309-E99AAE4592D9}">
+      <dsp:nvSpPr>
+        <dsp:cNvPr id="0" name=""/>
+        <dsp:cNvSpPr/>
+      </dsp:nvSpPr>
+      <dsp:spPr>
+        <a:xfrm>
+          <a:off x="4732725" y="1696148"/>
+          <a:ext cx="1027914" cy="589745"/>
+        </a:xfrm>
+        <a:prstGeom prst="downArrow">
+          <a:avLst>
+            <a:gd name="adj1" fmla="val 55000"/>
+            <a:gd name="adj2" fmla="val 45000"/>
+          </a:avLst>
+        </a:prstGeom>
+        <a:solidFill>
+          <a:schemeClr val="accent2">
+            <a:alpha val="90000"/>
+            <a:tint val="40000"/>
+            <a:hueOff val="0"/>
+            <a:satOff val="0"/>
+            <a:lumOff val="0"/>
+            <a:alphaOff val="0"/>
+          </a:schemeClr>
+        </a:solidFill>
+        <a:ln w="25400" cap="flat" cmpd="sng" algn="ctr">
+          <a:solidFill>
+            <a:schemeClr val="accent2">
+              <a:alpha val="90000"/>
+              <a:tint val="40000"/>
+              <a:hueOff val="0"/>
+              <a:satOff val="0"/>
+              <a:lumOff val="0"/>
+              <a:alphaOff val="0"/>
+            </a:schemeClr>
+          </a:solidFill>
+          <a:prstDash val="solid"/>
+        </a:ln>
+        <a:effectLst/>
+      </dsp:spPr>
+      <dsp:style>
+        <a:lnRef idx="2">
+          <a:scrgbClr r="0" g="0" b="0"/>
+        </a:lnRef>
+        <a:fillRef idx="1">
+          <a:scrgbClr r="0" g="0" b="0"/>
+        </a:fillRef>
+        <a:effectRef idx="0">
+          <a:scrgbClr r="0" g="0" b="0"/>
+        </a:effectRef>
+        <a:fontRef idx="minor"/>
+      </dsp:style>
+      <dsp:txBody>
+        <a:bodyPr spcFirstLastPara="0" vert="horz" wrap="square" lIns="35560" tIns="35560" rIns="35560" bIns="35560" numCol="1" spcCol="1270" anchor="ctr" anchorCtr="0">
+          <a:noAutofit/>
+        </a:bodyPr>
+        <a:lstStyle/>
+        <a:p>
+          <a:pPr lvl="0" algn="ctr" defTabSz="1244600">
+            <a:lnSpc>
+              <a:spcPct val="90000"/>
+            </a:lnSpc>
+            <a:spcBef>
+              <a:spcPct val="0"/>
+            </a:spcBef>
+            <a:spcAft>
+              <a:spcPct val="35000"/>
+            </a:spcAft>
+          </a:pPr>
+          <a:endParaRPr lang="de-DE" sz="2800" kern="1200"/>
+        </a:p>
+      </dsp:txBody>
+      <dsp:txXfrm>
+        <a:off x="4732725" y="1696148"/>
+        <a:ext cx="1027914" cy="589745"/>
+      </dsp:txXfrm>
+    </dsp:sp>
+    <dsp:sp modelId="{EA59F9C2-CE6C-40BC-8157-B720A224AFD9}">
+      <dsp:nvSpPr>
+        <dsp:cNvPr id="0" name=""/>
+        <dsp:cNvSpPr/>
+      </dsp:nvSpPr>
+      <dsp:spPr>
+        <a:xfrm>
+          <a:off x="5430842" y="2808314"/>
+          <a:ext cx="401805" cy="401799"/>
+        </a:xfrm>
+        <a:prstGeom prst="downArrow">
+          <a:avLst>
+            <a:gd name="adj1" fmla="val 55000"/>
+            <a:gd name="adj2" fmla="val 45000"/>
+          </a:avLst>
+        </a:prstGeom>
+        <a:solidFill>
+          <a:schemeClr val="accent2">
+            <a:alpha val="90000"/>
+            <a:tint val="40000"/>
+            <a:hueOff val="0"/>
+            <a:satOff val="0"/>
+            <a:lumOff val="0"/>
+            <a:alphaOff val="0"/>
+          </a:schemeClr>
+        </a:solidFill>
+        <a:ln w="25400" cap="flat" cmpd="sng" algn="ctr">
+          <a:solidFill>
+            <a:schemeClr val="accent2">
+              <a:alpha val="90000"/>
+              <a:tint val="40000"/>
+              <a:hueOff val="0"/>
+              <a:satOff val="0"/>
+              <a:lumOff val="0"/>
+              <a:alphaOff val="0"/>
+            </a:schemeClr>
+          </a:solidFill>
+          <a:prstDash val="solid"/>
+        </a:ln>
+        <a:effectLst/>
+      </dsp:spPr>
+      <dsp:style>
+        <a:lnRef idx="2">
+          <a:scrgbClr r="0" g="0" b="0"/>
+        </a:lnRef>
+        <a:fillRef idx="1">
+          <a:scrgbClr r="0" g="0" b="0"/>
+        </a:fillRef>
+        <a:effectRef idx="0">
+          <a:scrgbClr r="0" g="0" b="0"/>
+        </a:effectRef>
+        <a:fontRef idx="minor"/>
+      </dsp:style>
+      <dsp:txBody>
+        <a:bodyPr spcFirstLastPara="0" vert="horz" wrap="square" lIns="24130" tIns="24130" rIns="24130" bIns="24130" numCol="1" spcCol="1270" anchor="ctr" anchorCtr="0">
+          <a:noAutofit/>
+        </a:bodyPr>
+        <a:lstStyle/>
+        <a:p>
+          <a:pPr lvl="0" algn="ctr" defTabSz="844550">
+            <a:lnSpc>
+              <a:spcPct val="90000"/>
+            </a:lnSpc>
+            <a:spcBef>
+              <a:spcPct val="0"/>
+            </a:spcBef>
+            <a:spcAft>
+              <a:spcPct val="35000"/>
+            </a:spcAft>
+          </a:pPr>
+          <a:endParaRPr lang="de-DE" sz="1900" kern="1200"/>
+        </a:p>
+      </dsp:txBody>
+      <dsp:txXfrm>
+        <a:off x="5430842" y="2808314"/>
+        <a:ext cx="401805" cy="401799"/>
+      </dsp:txXfrm>
+    </dsp:sp>
+    <dsp:sp modelId="{DA79538E-0700-4AB8-A511-11364EACFE78}">
+      <dsp:nvSpPr>
+        <dsp:cNvPr id="0" name=""/>
+        <dsp:cNvSpPr/>
+      </dsp:nvSpPr>
+      <dsp:spPr>
+        <a:xfrm>
+          <a:off x="5840928" y="3888433"/>
+          <a:ext cx="351759" cy="328352"/>
+        </a:xfrm>
+        <a:prstGeom prst="downArrow">
+          <a:avLst>
+            <a:gd name="adj1" fmla="val 55000"/>
+            <a:gd name="adj2" fmla="val 45000"/>
+          </a:avLst>
+        </a:prstGeom>
+        <a:solidFill>
+          <a:schemeClr val="accent2">
+            <a:alpha val="90000"/>
+            <a:tint val="40000"/>
+            <a:hueOff val="0"/>
+            <a:satOff val="0"/>
+            <a:lumOff val="0"/>
+            <a:alphaOff val="0"/>
+          </a:schemeClr>
+        </a:solidFill>
+        <a:ln w="25400" cap="flat" cmpd="sng" algn="ctr">
+          <a:solidFill>
+            <a:schemeClr val="accent2">
+              <a:alpha val="90000"/>
+              <a:tint val="40000"/>
+              <a:hueOff val="0"/>
+              <a:satOff val="0"/>
+              <a:lumOff val="0"/>
+              <a:alphaOff val="0"/>
+            </a:schemeClr>
+          </a:solidFill>
+          <a:prstDash val="solid"/>
+        </a:ln>
+        <a:effectLst/>
+      </dsp:spPr>
+      <dsp:style>
+        <a:lnRef idx="2">
+          <a:scrgbClr r="0" g="0" b="0"/>
+        </a:lnRef>
+        <a:fillRef idx="1">
+          <a:scrgbClr r="0" g="0" b="0"/>
+        </a:fillRef>
+        <a:effectRef idx="0">
+          <a:scrgbClr r="0" g="0" b="0"/>
+        </a:effectRef>
+        <a:fontRef idx="minor"/>
+      </dsp:style>
+      <dsp:txBody>
+        <a:bodyPr spcFirstLastPara="0" vert="horz" wrap="square" lIns="19050" tIns="19050" rIns="19050" bIns="19050" numCol="1" spcCol="1270" anchor="ctr" anchorCtr="0">
+          <a:noAutofit/>
+        </a:bodyPr>
+        <a:lstStyle/>
+        <a:p>
+          <a:pPr lvl="0" algn="ctr" defTabSz="666750">
+            <a:lnSpc>
+              <a:spcPct val="90000"/>
+            </a:lnSpc>
+            <a:spcBef>
+              <a:spcPct val="0"/>
+            </a:spcBef>
+            <a:spcAft>
+              <a:spcPct val="35000"/>
+            </a:spcAft>
+          </a:pPr>
+          <a:endParaRPr lang="de-DE" sz="1500" kern="1200"/>
+        </a:p>
+      </dsp:txBody>
+      <dsp:txXfrm>
+        <a:off x="5840928" y="3888433"/>
+        <a:ext cx="351759" cy="328352"/>
+      </dsp:txXfrm>
+    </dsp:sp>
+  </dsp:spTree>
+</dsp:drawing>
+</file>
+
+<file path=ppt/diagrams/drawing5.xml><?xml version="1.0" encoding="utf-8"?>
+<dsp:drawing xmlns:dgm="http://schemas.openxmlformats.org/drawingml/2006/diagram" xmlns:a="http://schemas.openxmlformats.org/drawingml/2006/main" xmlns:dsp="http://schemas.microsoft.com/office/drawing/2008/diagram">
+  <dsp:spTree>
+    <dsp:nvGrpSpPr>
+      <dsp:cNvPr id="0" name=""/>
+      <dsp:cNvGrpSpPr/>
+    </dsp:nvGrpSpPr>
+    <dsp:grpSpPr/>
     <dsp:sp modelId="{C476D672-A2DF-46E5-BF53-3304210FF5ED}">
       <dsp:nvSpPr>
         <dsp:cNvPr id="0" name=""/>
@@ -5117,7 +7228,7 @@
           <a:avLst/>
         </a:prstGeom>
         <a:solidFill>
-          <a:schemeClr val="accent1">
+          <a:schemeClr val="accent2">
             <a:hueOff val="0"/>
             <a:satOff val="0"/>
             <a:lumOff val="0"/>
@@ -5194,7 +7305,7 @@
           <a:avLst/>
         </a:prstGeom>
         <a:solidFill>
-          <a:schemeClr val="accent1">
+          <a:schemeClr val="accent2">
             <a:hueOff val="0"/>
             <a:satOff val="0"/>
             <a:lumOff val="0"/>
@@ -5275,7 +7386,7 @@
           <a:avLst/>
         </a:prstGeom>
         <a:solidFill>
-          <a:schemeClr val="accent1">
+          <a:schemeClr val="accent2">
             <a:hueOff val="0"/>
             <a:satOff val="0"/>
             <a:lumOff val="0"/>
@@ -5909,6 +8020,1232 @@
 </file>
 
 <file path=ppt/diagrams/layout4.xml><?xml version="1.0" encoding="utf-8"?>
+<dgm:layoutDef xmlns:dgm="http://schemas.openxmlformats.org/drawingml/2006/diagram" xmlns:a="http://schemas.openxmlformats.org/drawingml/2006/main" uniqueId="urn:microsoft.com/office/officeart/2005/8/layout/vProcess5">
+  <dgm:title val=""/>
+  <dgm:desc val=""/>
+  <dgm:catLst>
+    <dgm:cat type="process" pri="14000"/>
+  </dgm:catLst>
+  <dgm:sampData>
+    <dgm:dataModel>
+      <dgm:ptLst>
+        <dgm:pt modelId="0" type="doc"/>
+        <dgm:pt modelId="1">
+          <dgm:prSet phldr="1"/>
+        </dgm:pt>
+        <dgm:pt modelId="2">
+          <dgm:prSet phldr="1"/>
+        </dgm:pt>
+        <dgm:pt modelId="3">
+          <dgm:prSet phldr="1"/>
+        </dgm:pt>
+      </dgm:ptLst>
+      <dgm:cxnLst>
+        <dgm:cxn modelId="5" srcId="0" destId="1" srcOrd="0" destOrd="0"/>
+        <dgm:cxn modelId="6" srcId="0" destId="2" srcOrd="1" destOrd="0"/>
+        <dgm:cxn modelId="7" srcId="0" destId="3" srcOrd="2" destOrd="0"/>
+      </dgm:cxnLst>
+      <dgm:bg/>
+      <dgm:whole/>
+    </dgm:dataModel>
+  </dgm:sampData>
+  <dgm:styleData>
+    <dgm:dataModel>
+      <dgm:ptLst>
+        <dgm:pt modelId="0" type="doc"/>
+        <dgm:pt modelId="1"/>
+        <dgm:pt modelId="2"/>
+      </dgm:ptLst>
+      <dgm:cxnLst>
+        <dgm:cxn modelId="3" srcId="0" destId="1" srcOrd="0" destOrd="0"/>
+        <dgm:cxn modelId="4" srcId="0" destId="2" srcOrd="1" destOrd="0"/>
+      </dgm:cxnLst>
+      <dgm:bg/>
+      <dgm:whole/>
+    </dgm:dataModel>
+  </dgm:styleData>
+  <dgm:clrData>
+    <dgm:dataModel>
+      <dgm:ptLst>
+        <dgm:pt modelId="0" type="doc"/>
+        <dgm:pt modelId="1"/>
+        <dgm:pt modelId="2"/>
+        <dgm:pt modelId="3"/>
+        <dgm:pt modelId="4"/>
+      </dgm:ptLst>
+      <dgm:cxnLst>
+        <dgm:cxn modelId="6" srcId="0" destId="1" srcOrd="0" destOrd="0"/>
+        <dgm:cxn modelId="7" srcId="0" destId="2" srcOrd="1" destOrd="0"/>
+        <dgm:cxn modelId="8" srcId="0" destId="3" srcOrd="2" destOrd="0"/>
+        <dgm:cxn modelId="9" srcId="0" destId="4" srcOrd="3" destOrd="0"/>
+      </dgm:cxnLst>
+      <dgm:bg/>
+      <dgm:whole/>
+    </dgm:dataModel>
+  </dgm:clrData>
+  <dgm:layoutNode name="outerComposite">
+    <dgm:varLst>
+      <dgm:chMax val="5"/>
+      <dgm:dir/>
+      <dgm:resizeHandles val="exact"/>
+    </dgm:varLst>
+    <dgm:alg type="composite"/>
+    <dgm:shape xmlns:r="http://schemas.openxmlformats.org/officeDocument/2006/relationships" r:blip="">
+      <dgm:adjLst/>
+    </dgm:shape>
+    <dgm:presOf/>
+    <dgm:choose name="Name0">
+      <dgm:if name="Name1" func="var" arg="dir" op="equ" val="norm">
+        <dgm:constrLst>
+          <dgm:constr type="primFontSz" for="ch" ptType="node" op="equ" val="65"/>
+          <dgm:constr type="w" for="ch" forName="dummyMaxCanvas" refType="w"/>
+          <dgm:constr type="h" for="ch" forName="dummyMaxCanvas" refType="h"/>
+          <dgm:constr type="w" for="ch" forName="OneNode_1" refType="w"/>
+          <dgm:constr type="h" for="ch" forName="OneNode_1" refType="h" fact="0.5"/>
+          <dgm:constr type="ctrY" for="ch" forName="OneNode_1" refType="h" fact="0.5"/>
+          <dgm:constr type="w" for="ch" forName="TwoNodes_1" refType="w" fact="0.85"/>
+          <dgm:constr type="h" for="ch" forName="TwoNodes_1" refType="h" fact="0.45"/>
+          <dgm:constr type="t" for="ch" forName="TwoNodes_1"/>
+          <dgm:constr type="l" for="ch" forName="TwoNodes_1"/>
+          <dgm:constr type="w" for="ch" forName="TwoNodes_2" refType="w" fact="0.85"/>
+          <dgm:constr type="h" for="ch" forName="TwoNodes_2" refType="h" fact="0.45"/>
+          <dgm:constr type="b" for="ch" forName="TwoNodes_2" refType="h"/>
+          <dgm:constr type="r" for="ch" forName="TwoNodes_2" refType="w"/>
+          <dgm:constr type="w" for="ch" forName="TwoConn_1-2" refType="h" refFor="ch" refForName="TwoNodes_1" fact="0.65"/>
+          <dgm:constr type="h" for="ch" forName="TwoConn_1-2" refType="h" refFor="ch" refForName="TwoNodes_1" fact="0.65"/>
+          <dgm:constr type="ctrY" for="ch" forName="TwoConn_1-2" refType="h" fact="0.5"/>
+          <dgm:constr type="r" for="ch" forName="TwoConn_1-2" refType="r" refFor="ch" refForName="TwoNodes_1"/>
+          <dgm:constr type="r" for="ch" forName="TwoNodes_1_text" refType="l" refFor="ch" refForName="TwoConn_1-2"/>
+          <dgm:constr type="rOff" for="ch" forName="TwoNodes_1_text" refType="w" refFor="ch" refForName="TwoConn_1-2" fact="-0.5"/>
+          <dgm:constr type="t" for="ch" forName="TwoNodes_1_text" refType="t" refFor="ch" refForName="TwoNodes_1"/>
+          <dgm:constr type="b" for="ch" forName="TwoNodes_1_text" refType="b" refFor="ch" refForName="TwoNodes_1"/>
+          <dgm:constr type="l" for="ch" forName="TwoNodes_1_text" refType="l" refFor="ch" refForName="TwoNodes_1"/>
+          <dgm:constr type="r" for="ch" forName="TwoNodes_2_text" refType="l" refFor="ch" refForName="TwoConn_1-2"/>
+          <dgm:constr type="t" for="ch" forName="TwoNodes_2_text" refType="t" refFor="ch" refForName="TwoNodes_2"/>
+          <dgm:constr type="b" for="ch" forName="TwoNodes_2_text" refType="b" refFor="ch" refForName="TwoNodes_2"/>
+          <dgm:constr type="l" for="ch" forName="TwoNodes_2_text" refType="l" refFor="ch" refForName="TwoNodes_2"/>
+          <dgm:constr type="w" for="ch" forName="ThreeNodes_1" refType="w" fact="0.85"/>
+          <dgm:constr type="h" for="ch" forName="ThreeNodes_1" refType="h" fact="0.3"/>
+          <dgm:constr type="t" for="ch" forName="ThreeNodes_1"/>
+          <dgm:constr type="l" for="ch" forName="ThreeNodes_1"/>
+          <dgm:constr type="w" for="ch" forName="ThreeNodes_2" refType="w" fact="0.85"/>
+          <dgm:constr type="h" for="ch" forName="ThreeNodes_2" refType="h" fact="0.3"/>
+          <dgm:constr type="ctrY" for="ch" forName="ThreeNodes_2" refType="h" fact="0.5"/>
+          <dgm:constr type="ctrX" for="ch" forName="ThreeNodes_2" refType="w" fact="0.5"/>
+          <dgm:constr type="w" for="ch" forName="ThreeNodes_3" refType="w" fact="0.85"/>
+          <dgm:constr type="h" for="ch" forName="ThreeNodes_3" refType="h" fact="0.3"/>
+          <dgm:constr type="b" for="ch" forName="ThreeNodes_3" refType="h"/>
+          <dgm:constr type="r" for="ch" forName="ThreeNodes_3" refType="w"/>
+          <dgm:constr type="w" for="ch" forName="ThreeConn_1-2" refType="h" refFor="ch" refForName="ThreeNodes_1" fact="0.65"/>
+          <dgm:constr type="h" for="ch" forName="ThreeConn_1-2" refType="h" refFor="ch" refForName="ThreeNodes_1" fact="0.65"/>
+          <dgm:constr type="ctrY" for="ch" forName="ThreeConn_1-2" refType="h" fact="0.325"/>
+          <dgm:constr type="r" for="ch" forName="ThreeConn_1-2" refType="r" refFor="ch" refForName="ThreeNodes_1"/>
+          <dgm:constr type="w" for="ch" forName="ThreeConn_2-3" refType="h" refFor="ch" refForName="ThreeNodes_2" fact="0.65"/>
+          <dgm:constr type="h" for="ch" forName="ThreeConn_2-3" refType="h" refFor="ch" refForName="ThreeNodes_2" fact="0.65"/>
+          <dgm:constr type="ctrY" for="ch" forName="ThreeConn_2-3" refType="h" fact="0.673"/>
+          <dgm:constr type="r" for="ch" forName="ThreeConn_2-3" refType="r" refFor="ch" refForName="ThreeNodes_2"/>
+          <dgm:constr type="r" for="ch" forName="ThreeNodes_1_text" refType="l" refFor="ch" refForName="ThreeConn_1-2"/>
+          <dgm:constr type="rOff" for="ch" forName="ThreeNodes_1_text" refType="w" refFor="ch" refForName="ThreeConn_1-2" fact="-0.57"/>
+          <dgm:constr type="t" for="ch" forName="ThreeNodes_1_text" refType="t" refFor="ch" refForName="ThreeNodes_1"/>
+          <dgm:constr type="b" for="ch" forName="ThreeNodes_1_text" refType="b" refFor="ch" refForName="ThreeNodes_1"/>
+          <dgm:constr type="l" for="ch" forName="ThreeNodes_1_text" refType="l" refFor="ch" refForName="ThreeNodes_1"/>
+          <dgm:constr type="r" for="ch" forName="ThreeNodes_2_text" refType="l" refFor="ch" refForName="ThreeConn_1-2"/>
+          <dgm:constr type="t" for="ch" forName="ThreeNodes_2_text" refType="t" refFor="ch" refForName="ThreeNodes_2"/>
+          <dgm:constr type="b" for="ch" forName="ThreeNodes_2_text" refType="b" refFor="ch" refForName="ThreeNodes_2"/>
+          <dgm:constr type="l" for="ch" forName="ThreeNodes_2_text" refType="l" refFor="ch" refForName="ThreeNodes_2"/>
+          <dgm:constr type="r" for="ch" forName="ThreeNodes_3_text" refType="l" refFor="ch" refForName="ThreeConn_2-3"/>
+          <dgm:constr type="t" for="ch" forName="ThreeNodes_3_text" refType="t" refFor="ch" refForName="ThreeNodes_3"/>
+          <dgm:constr type="b" for="ch" forName="ThreeNodes_3_text" refType="b" refFor="ch" refForName="ThreeNodes_3"/>
+          <dgm:constr type="l" for="ch" forName="ThreeNodes_3_text" refType="l" refFor="ch" refForName="ThreeNodes_3"/>
+          <dgm:constr type="w" for="ch" forName="FourNodes_1" refType="w" fact="0.8"/>
+          <dgm:constr type="h" for="ch" forName="FourNodes_1" refType="h" fact="0.22"/>
+          <dgm:constr type="t" for="ch" forName="FourNodes_1"/>
+          <dgm:constr type="l" for="ch" forName="FourNodes_1"/>
+          <dgm:constr type="w" for="ch" forName="FourNodes_2" refType="w" fact="0.8"/>
+          <dgm:constr type="h" for="ch" forName="FourNodes_2" refType="h" fact="0.22"/>
+          <dgm:constr type="ctrY" for="ch" forName="FourNodes_2" refType="h" fact="0.37"/>
+          <dgm:constr type="ctrX" for="ch" forName="FourNodes_2" refType="w" fact="0.467"/>
+          <dgm:constr type="w" for="ch" forName="FourNodes_3" refType="w" fact="0.8"/>
+          <dgm:constr type="h" for="ch" forName="FourNodes_3" refType="h" fact="0.22"/>
+          <dgm:constr type="ctrY" for="ch" forName="FourNodes_3" refType="h" fact="0.63"/>
+          <dgm:constr type="ctrX" for="ch" forName="FourNodes_3" refType="w" fact="0.533"/>
+          <dgm:constr type="w" for="ch" forName="FourNodes_4" refType="w" fact="0.8"/>
+          <dgm:constr type="h" for="ch" forName="FourNodes_4" refType="h" fact="0.22"/>
+          <dgm:constr type="b" for="ch" forName="FourNodes_4" refType="h"/>
+          <dgm:constr type="r" for="ch" forName="FourNodes_4" refType="w"/>
+          <dgm:constr type="w" for="ch" forName="FourConn_1-2" refType="h" refFor="ch" refForName="FourNodes_1" fact="0.65"/>
+          <dgm:constr type="h" for="ch" forName="FourConn_1-2" refType="h" refFor="ch" refForName="FourNodes_1" fact="0.65"/>
+          <dgm:constr type="ctrY" for="ch" forName="FourConn_1-2" refType="h" fact="0.24"/>
+          <dgm:constr type="r" for="ch" forName="FourConn_1-2" refType="r" refFor="ch" refForName="FourNodes_1"/>
+          <dgm:constr type="w" for="ch" forName="FourConn_2-3" refType="h" refFor="ch" refForName="FourNodes_2" fact="0.65"/>
+          <dgm:constr type="h" for="ch" forName="FourConn_2-3" refType="h" refFor="ch" refForName="FourNodes_2" fact="0.65"/>
+          <dgm:constr type="ctrY" for="ch" forName="FourConn_2-3" refType="h" fact="0.5"/>
+          <dgm:constr type="r" for="ch" forName="FourConn_2-3" refType="r" refFor="ch" refForName="FourNodes_2"/>
+          <dgm:constr type="w" for="ch" forName="FourConn_3-4" refType="h" refFor="ch" refForName="FourNodes_3" fact="0.65"/>
+          <dgm:constr type="h" for="ch" forName="FourConn_3-4" refType="h" refFor="ch" refForName="FourNodes_3" fact="0.65"/>
+          <dgm:constr type="ctrY" for="ch" forName="FourConn_3-4" refType="h" fact="0.76"/>
+          <dgm:constr type="r" for="ch" forName="FourConn_3-4" refType="r" refFor="ch" refForName="FourNodes_3"/>
+          <dgm:constr type="r" for="ch" forName="FourNodes_1_text" refType="l" refFor="ch" refForName="FourConn_1-2"/>
+          <dgm:constr type="rOff" for="ch" forName="FourNodes_1_text" refType="w" refFor="ch" refForName="FourConn_1-2" fact="-0.7"/>
+          <dgm:constr type="t" for="ch" forName="FourNodes_1_text" refType="t" refFor="ch" refForName="FourNodes_1"/>
+          <dgm:constr type="b" for="ch" forName="FourNodes_1_text" refType="b" refFor="ch" refForName="FourNodes_1"/>
+          <dgm:constr type="l" for="ch" forName="FourNodes_1_text" refType="l" refFor="ch" refForName="FourNodes_1"/>
+          <dgm:constr type="r" for="ch" forName="FourNodes_2_text" refType="l" refFor="ch" refForName="FourConn_1-2"/>
+          <dgm:constr type="t" for="ch" forName="FourNodes_2_text" refType="t" refFor="ch" refForName="FourNodes_2"/>
+          <dgm:constr type="b" for="ch" forName="FourNodes_2_text" refType="b" refFor="ch" refForName="FourNodes_2"/>
+          <dgm:constr type="l" for="ch" forName="FourNodes_2_text" refType="l" refFor="ch" refForName="FourNodes_2"/>
+          <dgm:constr type="r" for="ch" forName="FourNodes_3_text" refType="l" refFor="ch" refForName="FourConn_2-3"/>
+          <dgm:constr type="t" for="ch" forName="FourNodes_3_text" refType="t" refFor="ch" refForName="FourNodes_3"/>
+          <dgm:constr type="b" for="ch" forName="FourNodes_3_text" refType="b" refFor="ch" refForName="FourNodes_3"/>
+          <dgm:constr type="l" for="ch" forName="FourNodes_3_text" refType="l" refFor="ch" refForName="FourNodes_3"/>
+          <dgm:constr type="r" for="ch" forName="FourNodes_4_text" refType="l" refFor="ch" refForName="FourConn_3-4"/>
+          <dgm:constr type="t" for="ch" forName="FourNodes_4_text" refType="t" refFor="ch" refForName="FourNodes_4"/>
+          <dgm:constr type="b" for="ch" forName="FourNodes_4_text" refType="b" refFor="ch" refForName="FourNodes_4"/>
+          <dgm:constr type="l" for="ch" forName="FourNodes_4_text" refType="l" refFor="ch" refForName="FourNodes_4"/>
+          <dgm:constr type="w" for="ch" forName="FiveNodes_1" refType="w" fact="0.77"/>
+          <dgm:constr type="h" for="ch" forName="FiveNodes_1" refType="h" fact="0.18"/>
+          <dgm:constr type="t" for="ch" forName="FiveNodes_1"/>
+          <dgm:constr type="l" for="ch" forName="FiveNodes_1"/>
+          <dgm:constr type="w" for="ch" forName="FiveNodes_2" refType="w" fact="0.77"/>
+          <dgm:constr type="h" for="ch" forName="FiveNodes_2" refType="h" fact="0.18"/>
+          <dgm:constr type="ctrY" for="ch" forName="FiveNodes_2" refType="h" fact="0.295"/>
+          <dgm:constr type="ctrX" for="ch" forName="FiveNodes_2" refType="w" fact="0.4425"/>
+          <dgm:constr type="w" for="ch" forName="FiveNodes_3" refType="w" fact="0.77"/>
+          <dgm:constr type="h" for="ch" forName="FiveNodes_3" refType="h" fact="0.18"/>
+          <dgm:constr type="ctrY" for="ch" forName="FiveNodes_3" refType="h" fact="0.5"/>
+          <dgm:constr type="ctrX" for="ch" forName="FiveNodes_3" refType="w" fact="0.5"/>
+          <dgm:constr type="w" for="ch" forName="FiveNodes_4" refType="w" fact="0.77"/>
+          <dgm:constr type="h" for="ch" forName="FiveNodes_4" refType="h" fact="0.18"/>
+          <dgm:constr type="ctrY" for="ch" forName="FiveNodes_4" refType="h" fact="0.705"/>
+          <dgm:constr type="ctrX" for="ch" forName="FiveNodes_4" refType="w" fact="0.5575"/>
+          <dgm:constr type="w" for="ch" forName="FiveNodes_5" refType="w" fact="0.77"/>
+          <dgm:constr type="h" for="ch" forName="FiveNodes_5" refType="h" fact="0.18"/>
+          <dgm:constr type="b" for="ch" forName="FiveNodes_5" refType="h"/>
+          <dgm:constr type="r" for="ch" forName="FiveNodes_5" refType="w"/>
+          <dgm:constr type="w" for="ch" forName="FiveConn_1-2" refType="h" refFor="ch" refForName="FiveNodes_1" fact="0.65"/>
+          <dgm:constr type="h" for="ch" forName="FiveConn_1-2" refType="h" refFor="ch" refForName="FiveNodes_1" fact="0.65"/>
+          <dgm:constr type="ctrY" for="ch" forName="FiveConn_1-2" refType="h" fact="0.19"/>
+          <dgm:constr type="r" for="ch" forName="FiveConn_1-2" refType="r" refFor="ch" refForName="FiveNodes_1"/>
+          <dgm:constr type="w" for="ch" forName="FiveConn_2-3" refType="h" refFor="ch" refForName="FiveNodes_2" fact="0.65"/>
+          <dgm:constr type="h" for="ch" forName="FiveConn_2-3" refType="h" refFor="ch" refForName="FiveNodes_2" fact="0.65"/>
+          <dgm:constr type="ctrY" for="ch" forName="FiveConn_2-3" refType="h" fact="0.395"/>
+          <dgm:constr type="r" for="ch" forName="FiveConn_2-3" refType="r" refFor="ch" refForName="FiveNodes_2"/>
+          <dgm:constr type="w" for="ch" forName="FiveConn_3-4" refType="h" refFor="ch" refForName="FiveNodes_3" fact="0.65"/>
+          <dgm:constr type="h" for="ch" forName="FiveConn_3-4" refType="h" refFor="ch" refForName="FiveNodes_3" fact="0.65"/>
+          <dgm:constr type="ctrY" for="ch" forName="FiveConn_3-4" refType="h" fact="0.597"/>
+          <dgm:constr type="r" for="ch" forName="FiveConn_3-4" refType="r" refFor="ch" refForName="FiveNodes_3"/>
+          <dgm:constr type="w" for="ch" forName="FiveConn_4-5" refType="h" refFor="ch" refForName="FiveNodes_4" fact="0.65"/>
+          <dgm:constr type="h" for="ch" forName="FiveConn_4-5" refType="h" refFor="ch" refForName="FiveNodes_4" fact="0.65"/>
+          <dgm:constr type="ctrY" for="ch" forName="FiveConn_4-5" refType="h" fact="0.804"/>
+          <dgm:constr type="r" for="ch" forName="FiveConn_4-5" refType="r" refFor="ch" refForName="FiveNodes_4"/>
+          <dgm:constr type="r" for="ch" forName="FiveNodes_1_text" refType="l" refFor="ch" refForName="FiveConn_1-2"/>
+          <dgm:constr type="rOff" for="ch" forName="FiveNodes_1_text" refType="w" refFor="ch" refForName="FiveConn_1-2" fact="-0.75"/>
+          <dgm:constr type="t" for="ch" forName="FiveNodes_1_text" refType="t" refFor="ch" refForName="FiveNodes_1"/>
+          <dgm:constr type="b" for="ch" forName="FiveNodes_1_text" refType="b" refFor="ch" refForName="FiveNodes_1"/>
+          <dgm:constr type="l" for="ch" forName="FiveNodes_1_text" refType="l" refFor="ch" refForName="FiveNodes_1"/>
+          <dgm:constr type="r" for="ch" forName="FiveNodes_2_text" refType="l" refFor="ch" refForName="FiveConn_1-2"/>
+          <dgm:constr type="t" for="ch" forName="FiveNodes_2_text" refType="t" refFor="ch" refForName="FiveNodes_2"/>
+          <dgm:constr type="b" for="ch" forName="FiveNodes_2_text" refType="b" refFor="ch" refForName="FiveNodes_2"/>
+          <dgm:constr type="l" for="ch" forName="FiveNodes_2_text" refType="l" refFor="ch" refForName="FiveNodes_2"/>
+          <dgm:constr type="r" for="ch" forName="FiveNodes_3_text" refType="l" refFor="ch" refForName="FiveConn_2-3"/>
+          <dgm:constr type="t" for="ch" forName="FiveNodes_3_text" refType="t" refFor="ch" refForName="FiveNodes_3"/>
+          <dgm:constr type="b" for="ch" forName="FiveNodes_3_text" refType="b" refFor="ch" refForName="FiveNodes_3"/>
+          <dgm:constr type="l" for="ch" forName="FiveNodes_3_text" refType="l" refFor="ch" refForName="FiveNodes_3"/>
+          <dgm:constr type="r" for="ch" forName="FiveNodes_4_text" refType="l" refFor="ch" refForName="FiveConn_3-4"/>
+          <dgm:constr type="t" for="ch" forName="FiveNodes_4_text" refType="t" refFor="ch" refForName="FiveNodes_4"/>
+          <dgm:constr type="b" for="ch" forName="FiveNodes_4_text" refType="b" refFor="ch" refForName="FiveNodes_4"/>
+          <dgm:constr type="l" for="ch" forName="FiveNodes_4_text" refType="l" refFor="ch" refForName="FiveNodes_4"/>
+          <dgm:constr type="r" for="ch" forName="FiveNodes_5_text" refType="l" refFor="ch" refForName="FiveConn_4-5"/>
+          <dgm:constr type="t" for="ch" forName="FiveNodes_5_text" refType="t" refFor="ch" refForName="FiveNodes_5"/>
+          <dgm:constr type="b" for="ch" forName="FiveNodes_5_text" refType="b" refFor="ch" refForName="FiveNodes_5"/>
+          <dgm:constr type="l" for="ch" forName="FiveNodes_5_text" refType="l" refFor="ch" refForName="FiveNodes_5"/>
+        </dgm:constrLst>
+      </dgm:if>
+      <dgm:else name="Name2">
+        <dgm:constrLst>
+          <dgm:constr type="primFontSz" for="ch" ptType="node" op="equ" val="65"/>
+          <dgm:constr type="w" for="ch" forName="dummyMaxCanvas" refType="w"/>
+          <dgm:constr type="h" for="ch" forName="dummyMaxCanvas" refType="h"/>
+          <dgm:constr type="w" for="ch" forName="OneNode_1" refType="w"/>
+          <dgm:constr type="h" for="ch" forName="OneNode_1" refType="h" fact="0.5"/>
+          <dgm:constr type="ctrY" for="ch" forName="OneNode_1" refType="h" fact="0.5"/>
+          <dgm:constr type="w" for="ch" forName="TwoNodes_1" refType="w" fact="0.85"/>
+          <dgm:constr type="h" for="ch" forName="TwoNodes_1" refType="h" fact="0.45"/>
+          <dgm:constr type="t" for="ch" forName="TwoNodes_1"/>
+          <dgm:constr type="r" for="ch" forName="TwoNodes_1" refType="w"/>
+          <dgm:constr type="w" for="ch" forName="TwoNodes_2" refType="w" fact="0.85"/>
+          <dgm:constr type="h" for="ch" forName="TwoNodes_2" refType="h" fact="0.45"/>
+          <dgm:constr type="b" for="ch" forName="TwoNodes_2" refType="h"/>
+          <dgm:constr type="l" for="ch" forName="TwoNodes_2"/>
+          <dgm:constr type="w" for="ch" forName="TwoConn_1-2" refType="h" refFor="ch" refForName="TwoNodes_1" fact="0.65"/>
+          <dgm:constr type="h" for="ch" forName="TwoConn_1-2" refType="h" refFor="ch" refForName="TwoNodes_1" fact="0.65"/>
+          <dgm:constr type="ctrY" for="ch" forName="TwoConn_1-2" refType="h" fact="0.5"/>
+          <dgm:constr type="l" for="ch" forName="TwoConn_1-2" refType="l" refFor="ch" refForName="TwoNodes_1"/>
+          <dgm:constr type="l" for="ch" forName="TwoNodes_1_text" refType="r" refFor="ch" refForName="TwoConn_1-2"/>
+          <dgm:constr type="lOff" for="ch" forName="TwoNodes_1_text" refType="w" refFor="ch" refForName="TwoConn_1-2" fact="0.5"/>
+          <dgm:constr type="t" for="ch" forName="TwoNodes_1_text" refType="t" refFor="ch" refForName="TwoNodes_1"/>
+          <dgm:constr type="b" for="ch" forName="TwoNodes_1_text" refType="b" refFor="ch" refForName="TwoNodes_1"/>
+          <dgm:constr type="r" for="ch" forName="TwoNodes_1_text" refType="r" refFor="ch" refForName="TwoNodes_1"/>
+          <dgm:constr type="l" for="ch" forName="TwoNodes_2_text" refType="r" refFor="ch" refForName="TwoConn_1-2"/>
+          <dgm:constr type="t" for="ch" forName="TwoNodes_2_text" refType="t" refFor="ch" refForName="TwoNodes_2"/>
+          <dgm:constr type="b" for="ch" forName="TwoNodes_2_text" refType="b" refFor="ch" refForName="TwoNodes_2"/>
+          <dgm:constr type="r" for="ch" forName="TwoNodes_2_text" refType="r" refFor="ch" refForName="TwoNodes_2"/>
+          <dgm:constr type="w" for="ch" forName="ThreeNodes_1" refType="w" fact="0.85"/>
+          <dgm:constr type="h" for="ch" forName="ThreeNodes_1" refType="h" fact="0.3"/>
+          <dgm:constr type="t" for="ch" forName="ThreeNodes_1"/>
+          <dgm:constr type="r" for="ch" forName="ThreeNodes_1" refType="w"/>
+          <dgm:constr type="w" for="ch" forName="ThreeNodes_2" refType="w" fact="0.85"/>
+          <dgm:constr type="h" for="ch" forName="ThreeNodes_2" refType="h" fact="0.3"/>
+          <dgm:constr type="ctrY" for="ch" forName="ThreeNodes_2" refType="h" fact="0.5"/>
+          <dgm:constr type="ctrX" for="ch" forName="ThreeNodes_2" refType="w" fact="0.5"/>
+          <dgm:constr type="w" for="ch" forName="ThreeNodes_3" refType="w" fact="0.85"/>
+          <dgm:constr type="h" for="ch" forName="ThreeNodes_3" refType="h" fact="0.3"/>
+          <dgm:constr type="b" for="ch" forName="ThreeNodes_3" refType="h"/>
+          <dgm:constr type="l" for="ch" forName="ThreeNodes_3"/>
+          <dgm:constr type="w" for="ch" forName="ThreeConn_1-2" refType="h" refFor="ch" refForName="ThreeNodes_1" fact="0.65"/>
+          <dgm:constr type="h" for="ch" forName="ThreeConn_1-2" refType="h" refFor="ch" refForName="ThreeNodes_1" fact="0.65"/>
+          <dgm:constr type="ctrY" for="ch" forName="ThreeConn_1-2" refType="h" fact="0.325"/>
+          <dgm:constr type="l" for="ch" forName="ThreeConn_1-2" refType="l" refFor="ch" refForName="ThreeNodes_1"/>
+          <dgm:constr type="w" for="ch" forName="ThreeConn_2-3" refType="h" refFor="ch" refForName="ThreeNodes_2" fact="0.65"/>
+          <dgm:constr type="h" for="ch" forName="ThreeConn_2-3" refType="h" refFor="ch" refForName="ThreeNodes_2" fact="0.65"/>
+          <dgm:constr type="ctrY" for="ch" forName="ThreeConn_2-3" refType="h" fact="0.673"/>
+          <dgm:constr type="l" for="ch" forName="ThreeConn_2-3" refType="l" refFor="ch" refForName="ThreeNodes_2"/>
+          <dgm:constr type="l" for="ch" forName="ThreeNodes_1_text" refType="r" refFor="ch" refForName="ThreeConn_1-2"/>
+          <dgm:constr type="lOff" for="ch" forName="ThreeNodes_1_text" refType="w" refFor="ch" refForName="ThreeConn_1-2" fact="0.55"/>
+          <dgm:constr type="t" for="ch" forName="ThreeNodes_1_text" refType="t" refFor="ch" refForName="ThreeNodes_1"/>
+          <dgm:constr type="b" for="ch" forName="ThreeNodes_1_text" refType="b" refFor="ch" refForName="ThreeNodes_1"/>
+          <dgm:constr type="r" for="ch" forName="ThreeNodes_1_text" refType="r" refFor="ch" refForName="ThreeNodes_1"/>
+          <dgm:constr type="l" for="ch" forName="ThreeNodes_2_text" refType="r" refFor="ch" refForName="ThreeConn_1-2"/>
+          <dgm:constr type="t" for="ch" forName="ThreeNodes_2_text" refType="t" refFor="ch" refForName="ThreeNodes_2"/>
+          <dgm:constr type="b" for="ch" forName="ThreeNodes_2_text" refType="b" refFor="ch" refForName="ThreeNodes_2"/>
+          <dgm:constr type="r" for="ch" forName="ThreeNodes_2_text" refType="r" refFor="ch" refForName="ThreeNodes_2"/>
+          <dgm:constr type="l" for="ch" forName="ThreeNodes_3_text" refType="r" refFor="ch" refForName="ThreeConn_2-3"/>
+          <dgm:constr type="t" for="ch" forName="ThreeNodes_3_text" refType="t" refFor="ch" refForName="ThreeNodes_3"/>
+          <dgm:constr type="b" for="ch" forName="ThreeNodes_3_text" refType="b" refFor="ch" refForName="ThreeNodes_3"/>
+          <dgm:constr type="r" for="ch" forName="ThreeNodes_3_text" refType="r" refFor="ch" refForName="ThreeNodes_3"/>
+          <dgm:constr type="w" for="ch" forName="FourNodes_1" refType="w" fact="0.8"/>
+          <dgm:constr type="h" for="ch" forName="FourNodes_1" refType="h" fact="0.22"/>
+          <dgm:constr type="t" for="ch" forName="FourNodes_1"/>
+          <dgm:constr type="r" for="ch" forName="FourNodes_1" refType="w"/>
+          <dgm:constr type="w" for="ch" forName="FourNodes_2" refType="w" fact="0.8"/>
+          <dgm:constr type="h" for="ch" forName="FourNodes_2" refType="h" fact="0.22"/>
+          <dgm:constr type="ctrY" for="ch" forName="FourNodes_2" refType="h" fact="0.37"/>
+          <dgm:constr type="ctrX" for="ch" forName="FourNodes_2" refType="w" fact="0.533"/>
+          <dgm:constr type="w" for="ch" forName="FourNodes_3" refType="w" fact="0.8"/>
+          <dgm:constr type="h" for="ch" forName="FourNodes_3" refType="h" fact="0.22"/>
+          <dgm:constr type="ctrY" for="ch" forName="FourNodes_3" refType="h" fact="0.63"/>
+          <dgm:constr type="ctrX" for="ch" forName="FourNodes_3" refType="w" fact="0.467"/>
+          <dgm:constr type="w" for="ch" forName="FourNodes_4" refType="w" fact="0.8"/>
+          <dgm:constr type="h" for="ch" forName="FourNodes_4" refType="h" fact="0.22"/>
+          <dgm:constr type="b" for="ch" forName="FourNodes_4" refType="h"/>
+          <dgm:constr type="l" for="ch" forName="FourNodes_4"/>
+          <dgm:constr type="w" for="ch" forName="FourConn_1-2" refType="h" refFor="ch" refForName="FourNodes_1" fact="0.65"/>
+          <dgm:constr type="h" for="ch" forName="FourConn_1-2" refType="h" refFor="ch" refForName="FourNodes_1" fact="0.65"/>
+          <dgm:constr type="ctrY" for="ch" forName="FourConn_1-2" refType="h" fact="0.24"/>
+          <dgm:constr type="l" for="ch" forName="FourConn_1-2" refType="l" refFor="ch" refForName="FourNodes_1"/>
+          <dgm:constr type="w" for="ch" forName="FourConn_2-3" refType="h" refFor="ch" refForName="FourNodes_2" fact="0.65"/>
+          <dgm:constr type="h" for="ch" forName="FourConn_2-3" refType="h" refFor="ch" refForName="FourNodes_2" fact="0.65"/>
+          <dgm:constr type="ctrY" for="ch" forName="FourConn_2-3" refType="h" fact="0.5"/>
+          <dgm:constr type="l" for="ch" forName="FourConn_2-3" refType="l" refFor="ch" refForName="FourNodes_2"/>
+          <dgm:constr type="w" for="ch" forName="FourConn_3-4" refType="h" refFor="ch" refForName="FourNodes_3" fact="0.65"/>
+          <dgm:constr type="h" for="ch" forName="FourConn_3-4" refType="h" refFor="ch" refForName="FourNodes_3" fact="0.65"/>
+          <dgm:constr type="ctrY" for="ch" forName="FourConn_3-4" refType="h" fact="0.76"/>
+          <dgm:constr type="l" for="ch" forName="FourConn_3-4" refType="l" refFor="ch" refForName="FourNodes_3"/>
+          <dgm:constr type="l" for="ch" forName="FourNodes_1_text" refType="r" refFor="ch" refForName="FourConn_1-2"/>
+          <dgm:constr type="lOff" for="ch" forName="FourNodes_1_text" refType="w" refFor="ch" refForName="FourConn_1-2" fact="0.69"/>
+          <dgm:constr type="t" for="ch" forName="FourNodes_1_text" refType="t" refFor="ch" refForName="FourNodes_1"/>
+          <dgm:constr type="b" for="ch" forName="FourNodes_1_text" refType="b" refFor="ch" refForName="FourNodes_1"/>
+          <dgm:constr type="r" for="ch" forName="FourNodes_1_text" refType="r" refFor="ch" refForName="FourNodes_1"/>
+          <dgm:constr type="l" for="ch" forName="FourNodes_2_text" refType="r" refFor="ch" refForName="FourConn_1-2"/>
+          <dgm:constr type="t" for="ch" forName="FourNodes_2_text" refType="t" refFor="ch" refForName="FourNodes_2"/>
+          <dgm:constr type="b" for="ch" forName="FourNodes_2_text" refType="b" refFor="ch" refForName="FourNodes_2"/>
+          <dgm:constr type="r" for="ch" forName="FourNodes_2_text" refType="r" refFor="ch" refForName="FourNodes_2"/>
+          <dgm:constr type="l" for="ch" forName="FourNodes_3_text" refType="r" refFor="ch" refForName="FourConn_2-3"/>
+          <dgm:constr type="t" for="ch" forName="FourNodes_3_text" refType="t" refFor="ch" refForName="FourNodes_3"/>
+          <dgm:constr type="b" for="ch" forName="FourNodes_3_text" refType="b" refFor="ch" refForName="FourNodes_3"/>
+          <dgm:constr type="r" for="ch" forName="FourNodes_3_text" refType="r" refFor="ch" refForName="FourNodes_3"/>
+          <dgm:constr type="l" for="ch" forName="FourNodes_4_text" refType="r" refFor="ch" refForName="FourConn_3-4"/>
+          <dgm:constr type="t" for="ch" forName="FourNodes_4_text" refType="t" refFor="ch" refForName="FourNodes_4"/>
+          <dgm:constr type="b" for="ch" forName="FourNodes_4_text" refType="b" refFor="ch" refForName="FourNodes_4"/>
+          <dgm:constr type="r" for="ch" forName="FourNodes_4_text" refType="r" refFor="ch" refForName="FourNodes_4"/>
+          <dgm:constr type="w" for="ch" forName="FiveNodes_1" refType="w" fact="0.77"/>
+          <dgm:constr type="h" for="ch" forName="FiveNodes_1" refType="h" fact="0.18"/>
+          <dgm:constr type="t" for="ch" forName="FiveNodes_1"/>
+          <dgm:constr type="r" for="ch" forName="FiveNodes_1" refType="w"/>
+          <dgm:constr type="w" for="ch" forName="FiveNodes_2" refType="w" fact="0.77"/>
+          <dgm:constr type="h" for="ch" forName="FiveNodes_2" refType="h" fact="0.18"/>
+          <dgm:constr type="ctrY" for="ch" forName="FiveNodes_2" refType="h" fact="0.295"/>
+          <dgm:constr type="ctrX" for="ch" forName="FiveNodes_2" refType="w" fact="0.5575"/>
+          <dgm:constr type="w" for="ch" forName="FiveNodes_3" refType="w" fact="0.77"/>
+          <dgm:constr type="h" for="ch" forName="FiveNodes_3" refType="h" fact="0.18"/>
+          <dgm:constr type="ctrY" for="ch" forName="FiveNodes_3" refType="h" fact="0.5"/>
+          <dgm:constr type="ctrX" for="ch" forName="FiveNodes_3" refType="w" fact="0.5"/>
+          <dgm:constr type="w" for="ch" forName="FiveNodes_4" refType="w" fact="0.77"/>
+          <dgm:constr type="h" for="ch" forName="FiveNodes_4" refType="h" fact="0.18"/>
+          <dgm:constr type="ctrY" for="ch" forName="FiveNodes_4" refType="h" fact="0.705"/>
+          <dgm:constr type="ctrX" for="ch" forName="FiveNodes_4" refType="w" fact="0.4425"/>
+          <dgm:constr type="w" for="ch" forName="FiveNodes_5" refType="w" fact="0.77"/>
+          <dgm:constr type="h" for="ch" forName="FiveNodes_5" refType="h" fact="0.18"/>
+          <dgm:constr type="b" for="ch" forName="FiveNodes_5" refType="h"/>
+          <dgm:constr type="l" for="ch" forName="FiveNodes_5"/>
+          <dgm:constr type="w" for="ch" forName="FiveConn_1-2" refType="h" refFor="ch" refForName="FiveNodes_1" fact="0.65"/>
+          <dgm:constr type="h" for="ch" forName="FiveConn_1-2" refType="h" refFor="ch" refForName="FiveNodes_1" fact="0.65"/>
+          <dgm:constr type="ctrY" for="ch" forName="FiveConn_1-2" refType="h" fact="0.19"/>
+          <dgm:constr type="l" for="ch" forName="FiveConn_1-2" refType="l" refFor="ch" refForName="FiveNodes_1"/>
+          <dgm:constr type="w" for="ch" forName="FiveConn_2-3" refType="h" refFor="ch" refForName="FiveNodes_2" fact="0.65"/>
+          <dgm:constr type="h" for="ch" forName="FiveConn_2-3" refType="h" refFor="ch" refForName="FiveNodes_2" fact="0.65"/>
+          <dgm:constr type="ctrY" for="ch" forName="FiveConn_2-3" refType="h" fact="0.395"/>
+          <dgm:constr type="l" for="ch" forName="FiveConn_2-3" refType="l" refFor="ch" refForName="FiveNodes_2"/>
+          <dgm:constr type="w" for="ch" forName="FiveConn_3-4" refType="h" refFor="ch" refForName="FiveNodes_3" fact="0.65"/>
+          <dgm:constr type="h" for="ch" forName="FiveConn_3-4" refType="h" refFor="ch" refForName="FiveNodes_3" fact="0.65"/>
+          <dgm:constr type="ctrY" for="ch" forName="FiveConn_3-4" refType="h" fact="0.597"/>
+          <dgm:constr type="l" for="ch" forName="FiveConn_3-4" refType="l" refFor="ch" refForName="FiveNodes_3"/>
+          <dgm:constr type="w" for="ch" forName="FiveConn_4-5" refType="h" refFor="ch" refForName="FiveNodes_4" fact="0.65"/>
+          <dgm:constr type="h" for="ch" forName="FiveConn_4-5" refType="h" refFor="ch" refForName="FiveNodes_4" fact="0.65"/>
+          <dgm:constr type="ctrY" for="ch" forName="FiveConn_4-5" refType="h" fact="0.804"/>
+          <dgm:constr type="l" for="ch" forName="FiveConn_4-5" refType="l" refFor="ch" refForName="FiveNodes_4"/>
+          <dgm:constr type="l" for="ch" forName="FiveNodes_1_text" refType="r" refFor="ch" refForName="FiveConn_1-2"/>
+          <dgm:constr type="lOff" for="ch" forName="FiveNodes_1_text" refType="w" refFor="ch" refForName="FiveConn_1-2" fact="0.73"/>
+          <dgm:constr type="t" for="ch" forName="FiveNodes_1_text" refType="t" refFor="ch" refForName="FiveNodes_1"/>
+          <dgm:constr type="b" for="ch" forName="FiveNodes_1_text" refType="b" refFor="ch" refForName="FiveNodes_1"/>
+          <dgm:constr type="r" for="ch" forName="FiveNodes_1_text" refType="r" refFor="ch" refForName="FiveNodes_1"/>
+          <dgm:constr type="l" for="ch" forName="FiveNodes_2_text" refType="r" refFor="ch" refForName="FiveConn_1-2"/>
+          <dgm:constr type="t" for="ch" forName="FiveNodes_2_text" refType="t" refFor="ch" refForName="FiveNodes_2"/>
+          <dgm:constr type="b" for="ch" forName="FiveNodes_2_text" refType="b" refFor="ch" refForName="FiveNodes_2"/>
+          <dgm:constr type="r" for="ch" forName="FiveNodes_2_text" refType="r" refFor="ch" refForName="FiveNodes_2"/>
+          <dgm:constr type="l" for="ch" forName="FiveNodes_3_text" refType="r" refFor="ch" refForName="FiveConn_2-3"/>
+          <dgm:constr type="t" for="ch" forName="FiveNodes_3_text" refType="t" refFor="ch" refForName="FiveNodes_3"/>
+          <dgm:constr type="b" for="ch" forName="FiveNodes_3_text" refType="b" refFor="ch" refForName="FiveNodes_3"/>
+          <dgm:constr type="r" for="ch" forName="FiveNodes_3_text" refType="r" refFor="ch" refForName="FiveNodes_3"/>
+          <dgm:constr type="l" for="ch" forName="FiveNodes_4_text" refType="r" refFor="ch" refForName="FiveConn_3-4"/>
+          <dgm:constr type="t" for="ch" forName="FiveNodes_4_text" refType="t" refFor="ch" refForName="FiveNodes_4"/>
+          <dgm:constr type="b" for="ch" forName="FiveNodes_4_text" refType="b" refFor="ch" refForName="FiveNodes_4"/>
+          <dgm:constr type="r" for="ch" forName="FiveNodes_4_text" refType="r" refFor="ch" refForName="FiveNodes_4"/>
+          <dgm:constr type="l" for="ch" forName="FiveNodes_5_text" refType="r" refFor="ch" refForName="FiveConn_4-5"/>
+          <dgm:constr type="t" for="ch" forName="FiveNodes_5_text" refType="t" refFor="ch" refForName="FiveNodes_5"/>
+          <dgm:constr type="b" for="ch" forName="FiveNodes_5_text" refType="b" refFor="ch" refForName="FiveNodes_5"/>
+          <dgm:constr type="r" for="ch" forName="FiveNodes_5_text" refType="r" refFor="ch" refForName="FiveNodes_5"/>
+        </dgm:constrLst>
+      </dgm:else>
+    </dgm:choose>
+    <dgm:ruleLst/>
+    <dgm:layoutNode name="dummyMaxCanvas">
+      <dgm:varLst/>
+      <dgm:alg type="sp"/>
+      <dgm:shape xmlns:r="http://schemas.openxmlformats.org/officeDocument/2006/relationships" r:blip="">
+        <dgm:adjLst/>
+      </dgm:shape>
+      <dgm:presOf/>
+      <dgm:constrLst/>
+      <dgm:ruleLst/>
+    </dgm:layoutNode>
+    <dgm:choose name="Name3">
+      <dgm:if name="Name4" axis="ch" ptType="node" func="cnt" op="equ" val="1">
+        <dgm:layoutNode name="OneNode_1">
+          <dgm:varLst>
+            <dgm:bulletEnabled val="1"/>
+          </dgm:varLst>
+          <dgm:alg type="tx"/>
+          <dgm:shape xmlns:r="http://schemas.openxmlformats.org/officeDocument/2006/relationships" type="roundRect" r:blip="">
+            <dgm:adjLst>
+              <dgm:adj idx="1" val="0.1"/>
+            </dgm:adjLst>
+          </dgm:shape>
+          <dgm:presOf axis="ch desOrSelf" ptType="node node" st="1 1" cnt="1 0"/>
+          <dgm:constrLst>
+            <dgm:constr type="lMarg" refType="primFontSz" fact="0.3"/>
+            <dgm:constr type="rMarg" refType="primFontSz" fact="0.3"/>
+            <dgm:constr type="tMarg" refType="primFontSz" fact="0.3"/>
+            <dgm:constr type="bMarg" refType="primFontSz" fact="0.3"/>
+          </dgm:constrLst>
+          <dgm:ruleLst>
+            <dgm:rule type="primFontSz" val="5" fact="NaN" max="NaN"/>
+          </dgm:ruleLst>
+        </dgm:layoutNode>
+      </dgm:if>
+      <dgm:else name="Name5">
+        <dgm:choose name="Name6">
+          <dgm:if name="Name7" axis="ch" ptType="node" func="cnt" op="equ" val="2">
+            <dgm:layoutNode name="TwoNodes_1">
+              <dgm:varLst>
+                <dgm:bulletEnabled val="1"/>
+              </dgm:varLst>
+              <dgm:alg type="sp"/>
+              <dgm:shape xmlns:r="http://schemas.openxmlformats.org/officeDocument/2006/relationships" type="roundRect" r:blip="">
+                <dgm:adjLst>
+                  <dgm:adj idx="1" val="0.1"/>
+                </dgm:adjLst>
+              </dgm:shape>
+              <dgm:presOf axis="ch desOrSelf" ptType="node node" st="1 1" cnt="1 0"/>
+              <dgm:constrLst/>
+              <dgm:ruleLst/>
+            </dgm:layoutNode>
+            <dgm:layoutNode name="TwoNodes_2">
+              <dgm:varLst>
+                <dgm:bulletEnabled val="1"/>
+              </dgm:varLst>
+              <dgm:alg type="sp"/>
+              <dgm:shape xmlns:r="http://schemas.openxmlformats.org/officeDocument/2006/relationships" type="roundRect" r:blip="">
+                <dgm:adjLst>
+                  <dgm:adj idx="1" val="0.1"/>
+                </dgm:adjLst>
+              </dgm:shape>
+              <dgm:presOf axis="ch desOrSelf" ptType="node node" st="2 1" cnt="1 0"/>
+              <dgm:constrLst/>
+              <dgm:ruleLst/>
+            </dgm:layoutNode>
+            <dgm:layoutNode name="TwoConn_1-2" styleLbl="fgAccFollowNode1">
+              <dgm:varLst>
+                <dgm:bulletEnabled val="1"/>
+              </dgm:varLst>
+              <dgm:alg type="tx"/>
+              <dgm:shape xmlns:r="http://schemas.openxmlformats.org/officeDocument/2006/relationships" type="downArrow" r:blip="">
+                <dgm:adjLst>
+                  <dgm:adj idx="1" val="0.55"/>
+                  <dgm:adj idx="2" val="0.45"/>
+                </dgm:adjLst>
+              </dgm:shape>
+              <dgm:presOf axis="ch" ptType="sibTrans" cnt="1"/>
+              <dgm:constrLst>
+                <dgm:constr type="lMarg" refType="primFontSz" fact="0.1"/>
+                <dgm:constr type="rMarg" refType="primFontSz" fact="0.1"/>
+                <dgm:constr type="tMarg" refType="primFontSz" fact="0.1"/>
+                <dgm:constr type="bMarg" refType="primFontSz" fact="0.1"/>
+              </dgm:constrLst>
+              <dgm:ruleLst>
+                <dgm:rule type="primFontSz" val="5" fact="NaN" max="NaN"/>
+              </dgm:ruleLst>
+            </dgm:layoutNode>
+            <dgm:layoutNode name="TwoNodes_1_text">
+              <dgm:varLst>
+                <dgm:bulletEnabled val="1"/>
+              </dgm:varLst>
+              <dgm:alg type="tx">
+                <dgm:param type="parTxLTRAlign" val="l"/>
+                <dgm:param type="txAnchorVertCh" val="mid"/>
+              </dgm:alg>
+              <dgm:shape xmlns:r="http://schemas.openxmlformats.org/officeDocument/2006/relationships" type="roundRect" r:blip="" hideGeom="1">
+                <dgm:adjLst>
+                  <dgm:adj idx="1" val="0.1"/>
+                </dgm:adjLst>
+              </dgm:shape>
+              <dgm:presOf axis="ch desOrSelf" ptType="node node" st="1 1" cnt="1 0"/>
+              <dgm:constrLst>
+                <dgm:constr type="lMarg" refType="primFontSz" fact="0.3"/>
+                <dgm:constr type="rMarg" refType="primFontSz" fact="0.3"/>
+                <dgm:constr type="tMarg" refType="primFontSz" fact="0.3"/>
+                <dgm:constr type="bMarg" refType="primFontSz" fact="0.3"/>
+              </dgm:constrLst>
+              <dgm:ruleLst>
+                <dgm:rule type="primFontSz" val="5" fact="NaN" max="NaN"/>
+              </dgm:ruleLst>
+            </dgm:layoutNode>
+            <dgm:layoutNode name="TwoNodes_2_text">
+              <dgm:varLst>
+                <dgm:bulletEnabled val="1"/>
+              </dgm:varLst>
+              <dgm:alg type="tx">
+                <dgm:param type="parTxLTRAlign" val="l"/>
+                <dgm:param type="txAnchorVertCh" val="mid"/>
+              </dgm:alg>
+              <dgm:shape xmlns:r="http://schemas.openxmlformats.org/officeDocument/2006/relationships" type="roundRect" r:blip="" hideGeom="1">
+                <dgm:adjLst>
+                  <dgm:adj idx="1" val="0.1"/>
+                </dgm:adjLst>
+              </dgm:shape>
+              <dgm:presOf axis="ch desOrSelf" ptType="node node" st="2 1" cnt="1 0"/>
+              <dgm:constrLst>
+                <dgm:constr type="lMarg" refType="primFontSz" fact="0.3"/>
+                <dgm:constr type="rMarg" refType="primFontSz" fact="0.3"/>
+                <dgm:constr type="tMarg" refType="primFontSz" fact="0.3"/>
+                <dgm:constr type="bMarg" refType="primFontSz" fact="0.3"/>
+              </dgm:constrLst>
+              <dgm:ruleLst>
+                <dgm:rule type="primFontSz" val="5" fact="NaN" max="NaN"/>
+              </dgm:ruleLst>
+            </dgm:layoutNode>
+          </dgm:if>
+          <dgm:else name="Name8">
+            <dgm:choose name="Name9">
+              <dgm:if name="Name10" axis="ch" ptType="node" func="cnt" op="equ" val="3">
+                <dgm:layoutNode name="ThreeNodes_1">
+                  <dgm:varLst>
+                    <dgm:bulletEnabled val="1"/>
+                  </dgm:varLst>
+                  <dgm:alg type="sp"/>
+                  <dgm:shape xmlns:r="http://schemas.openxmlformats.org/officeDocument/2006/relationships" type="roundRect" r:blip="">
+                    <dgm:adjLst>
+                      <dgm:adj idx="1" val="0.1"/>
+                    </dgm:adjLst>
+                  </dgm:shape>
+                  <dgm:presOf axis="ch desOrSelf" ptType="node node" st="1 1" cnt="1 0"/>
+                  <dgm:constrLst/>
+                  <dgm:ruleLst/>
+                </dgm:layoutNode>
+                <dgm:layoutNode name="ThreeNodes_2">
+                  <dgm:varLst>
+                    <dgm:bulletEnabled val="1"/>
+                  </dgm:varLst>
+                  <dgm:alg type="sp"/>
+                  <dgm:shape xmlns:r="http://schemas.openxmlformats.org/officeDocument/2006/relationships" type="roundRect" r:blip="">
+                    <dgm:adjLst>
+                      <dgm:adj idx="1" val="0.1"/>
+                    </dgm:adjLst>
+                  </dgm:shape>
+                  <dgm:presOf axis="ch desOrSelf" ptType="node node" st="2 1" cnt="1 0"/>
+                  <dgm:constrLst/>
+                  <dgm:ruleLst/>
+                </dgm:layoutNode>
+                <dgm:layoutNode name="ThreeNodes_3">
+                  <dgm:varLst>
+                    <dgm:bulletEnabled val="1"/>
+                  </dgm:varLst>
+                  <dgm:alg type="sp"/>
+                  <dgm:shape xmlns:r="http://schemas.openxmlformats.org/officeDocument/2006/relationships" type="roundRect" r:blip="">
+                    <dgm:adjLst>
+                      <dgm:adj idx="1" val="0.1"/>
+                    </dgm:adjLst>
+                  </dgm:shape>
+                  <dgm:presOf axis="ch desOrSelf" ptType="node node" st="3 1" cnt="1 0"/>
+                  <dgm:constrLst/>
+                  <dgm:ruleLst/>
+                </dgm:layoutNode>
+                <dgm:layoutNode name="ThreeConn_1-2" styleLbl="fgAccFollowNode1">
+                  <dgm:varLst>
+                    <dgm:bulletEnabled val="1"/>
+                  </dgm:varLst>
+                  <dgm:alg type="tx"/>
+                  <dgm:shape xmlns:r="http://schemas.openxmlformats.org/officeDocument/2006/relationships" type="downArrow" r:blip="">
+                    <dgm:adjLst>
+                      <dgm:adj idx="1" val="0.55"/>
+                      <dgm:adj idx="2" val="0.45"/>
+                    </dgm:adjLst>
+                  </dgm:shape>
+                  <dgm:presOf axis="ch" ptType="sibTrans" cnt="1"/>
+                  <dgm:constrLst>
+                    <dgm:constr type="lMarg" refType="primFontSz" fact="0.1"/>
+                    <dgm:constr type="rMarg" refType="primFontSz" fact="0.1"/>
+                    <dgm:constr type="tMarg" refType="primFontSz" fact="0.1"/>
+                    <dgm:constr type="bMarg" refType="primFontSz" fact="0.1"/>
+                  </dgm:constrLst>
+                  <dgm:ruleLst>
+                    <dgm:rule type="primFontSz" val="5" fact="NaN" max="NaN"/>
+                  </dgm:ruleLst>
+                </dgm:layoutNode>
+                <dgm:layoutNode name="ThreeConn_2-3" styleLbl="fgAccFollowNode1">
+                  <dgm:varLst>
+                    <dgm:bulletEnabled val="1"/>
+                  </dgm:varLst>
+                  <dgm:alg type="tx"/>
+                  <dgm:shape xmlns:r="http://schemas.openxmlformats.org/officeDocument/2006/relationships" type="downArrow" r:blip="">
+                    <dgm:adjLst>
+                      <dgm:adj idx="1" val="0.55"/>
+                      <dgm:adj idx="2" val="0.45"/>
+                    </dgm:adjLst>
+                  </dgm:shape>
+                  <dgm:presOf axis="ch" ptType="sibTrans" st="2" cnt="1"/>
+                  <dgm:constrLst>
+                    <dgm:constr type="lMarg" refType="primFontSz" fact="0.1"/>
+                    <dgm:constr type="rMarg" refType="primFontSz" fact="0.1"/>
+                    <dgm:constr type="tMarg" refType="primFontSz" fact="0.1"/>
+                    <dgm:constr type="bMarg" refType="primFontSz" fact="0.1"/>
+                  </dgm:constrLst>
+                  <dgm:ruleLst>
+                    <dgm:rule type="primFontSz" val="5" fact="NaN" max="NaN"/>
+                  </dgm:ruleLst>
+                </dgm:layoutNode>
+                <dgm:layoutNode name="ThreeNodes_1_text">
+                  <dgm:varLst>
+                    <dgm:bulletEnabled val="1"/>
+                  </dgm:varLst>
+                  <dgm:alg type="tx">
+                    <dgm:param type="parTxLTRAlign" val="l"/>
+                    <dgm:param type="txAnchorVertCh" val="mid"/>
+                  </dgm:alg>
+                  <dgm:shape xmlns:r="http://schemas.openxmlformats.org/officeDocument/2006/relationships" type="roundRect" r:blip="" hideGeom="1">
+                    <dgm:adjLst>
+                      <dgm:adj idx="1" val="0.1"/>
+                    </dgm:adjLst>
+                  </dgm:shape>
+                  <dgm:presOf axis="ch desOrSelf" ptType="node node" st="1 1" cnt="1 0"/>
+                  <dgm:constrLst>
+                    <dgm:constr type="lMarg" refType="primFontSz" fact="0.3"/>
+                    <dgm:constr type="rMarg" refType="primFontSz" fact="0.3"/>
+                    <dgm:constr type="tMarg" refType="primFontSz" fact="0.3"/>
+                    <dgm:constr type="bMarg" refType="primFontSz" fact="0.3"/>
+                  </dgm:constrLst>
+                  <dgm:ruleLst>
+                    <dgm:rule type="primFontSz" val="5" fact="NaN" max="NaN"/>
+                  </dgm:ruleLst>
+                </dgm:layoutNode>
+                <dgm:layoutNode name="ThreeNodes_2_text">
+                  <dgm:varLst>
+                    <dgm:bulletEnabled val="1"/>
+                  </dgm:varLst>
+                  <dgm:alg type="tx">
+                    <dgm:param type="parTxLTRAlign" val="l"/>
+                    <dgm:param type="txAnchorVertCh" val="mid"/>
+                  </dgm:alg>
+                  <dgm:shape xmlns:r="http://schemas.openxmlformats.org/officeDocument/2006/relationships" type="roundRect" r:blip="" hideGeom="1">
+                    <dgm:adjLst>
+                      <dgm:adj idx="1" val="0.1"/>
+                    </dgm:adjLst>
+                  </dgm:shape>
+                  <dgm:presOf axis="ch desOrSelf" ptType="node node" st="2 1" cnt="1 0"/>
+                  <dgm:constrLst>
+                    <dgm:constr type="lMarg" refType="primFontSz" fact="0.3"/>
+                    <dgm:constr type="rMarg" refType="primFontSz" fact="0.3"/>
+                    <dgm:constr type="tMarg" refType="primFontSz" fact="0.3"/>
+                    <dgm:constr type="bMarg" refType="primFontSz" fact="0.3"/>
+                  </dgm:constrLst>
+                  <dgm:ruleLst>
+                    <dgm:rule type="primFontSz" val="5" fact="NaN" max="NaN"/>
+                  </dgm:ruleLst>
+                </dgm:layoutNode>
+                <dgm:layoutNode name="ThreeNodes_3_text">
+                  <dgm:varLst>
+                    <dgm:bulletEnabled val="1"/>
+                  </dgm:varLst>
+                  <dgm:alg type="tx">
+                    <dgm:param type="parTxLTRAlign" val="l"/>
+                    <dgm:param type="txAnchorVertCh" val="mid"/>
+                  </dgm:alg>
+                  <dgm:shape xmlns:r="http://schemas.openxmlformats.org/officeDocument/2006/relationships" type="roundRect" r:blip="" hideGeom="1">
+                    <dgm:adjLst>
+                      <dgm:adj idx="1" val="0.1"/>
+                    </dgm:adjLst>
+                  </dgm:shape>
+                  <dgm:presOf axis="ch desOrSelf" ptType="node node" st="3 1" cnt="1 0"/>
+                  <dgm:constrLst>
+                    <dgm:constr type="lMarg" refType="primFontSz" fact="0.3"/>
+                    <dgm:constr type="rMarg" refType="primFontSz" fact="0.3"/>
+                    <dgm:constr type="tMarg" refType="primFontSz" fact="0.3"/>
+                    <dgm:constr type="bMarg" refType="primFontSz" fact="0.3"/>
+                  </dgm:constrLst>
+                  <dgm:ruleLst>
+                    <dgm:rule type="primFontSz" val="5" fact="NaN" max="NaN"/>
+                  </dgm:ruleLst>
+                </dgm:layoutNode>
+              </dgm:if>
+              <dgm:else name="Name11">
+                <dgm:choose name="Name12">
+                  <dgm:if name="Name13" axis="ch" ptType="node" func="cnt" op="equ" val="4">
+                    <dgm:layoutNode name="FourNodes_1">
+                      <dgm:varLst>
+                        <dgm:bulletEnabled val="1"/>
+                      </dgm:varLst>
+                      <dgm:alg type="sp"/>
+                      <dgm:shape xmlns:r="http://schemas.openxmlformats.org/officeDocument/2006/relationships" type="roundRect" r:blip="">
+                        <dgm:adjLst>
+                          <dgm:adj idx="1" val="0.1"/>
+                        </dgm:adjLst>
+                      </dgm:shape>
+                      <dgm:presOf axis="ch desOrSelf" ptType="node node" st="1 1" cnt="1 0"/>
+                      <dgm:constrLst/>
+                      <dgm:ruleLst/>
+                    </dgm:layoutNode>
+                    <dgm:layoutNode name="FourNodes_2">
+                      <dgm:varLst>
+                        <dgm:bulletEnabled val="1"/>
+                      </dgm:varLst>
+                      <dgm:alg type="sp"/>
+                      <dgm:shape xmlns:r="http://schemas.openxmlformats.org/officeDocument/2006/relationships" type="roundRect" r:blip="">
+                        <dgm:adjLst>
+                          <dgm:adj idx="1" val="0.1"/>
+                        </dgm:adjLst>
+                      </dgm:shape>
+                      <dgm:presOf axis="ch desOrSelf" ptType="node node" st="2 1" cnt="1 0"/>
+                      <dgm:constrLst/>
+                      <dgm:ruleLst/>
+                    </dgm:layoutNode>
+                    <dgm:layoutNode name="FourNodes_3">
+                      <dgm:varLst>
+                        <dgm:bulletEnabled val="1"/>
+                      </dgm:varLst>
+                      <dgm:alg type="sp"/>
+                      <dgm:shape xmlns:r="http://schemas.openxmlformats.org/officeDocument/2006/relationships" type="roundRect" r:blip="">
+                        <dgm:adjLst>
+                          <dgm:adj idx="1" val="0.1"/>
+                        </dgm:adjLst>
+                      </dgm:shape>
+                      <dgm:presOf axis="ch desOrSelf" ptType="node node" st="3 1" cnt="1 0"/>
+                      <dgm:constrLst/>
+                      <dgm:ruleLst/>
+                    </dgm:layoutNode>
+                    <dgm:layoutNode name="FourNodes_4">
+                      <dgm:varLst>
+                        <dgm:bulletEnabled val="1"/>
+                      </dgm:varLst>
+                      <dgm:alg type="sp"/>
+                      <dgm:shape xmlns:r="http://schemas.openxmlformats.org/officeDocument/2006/relationships" type="roundRect" r:blip="">
+                        <dgm:adjLst>
+                          <dgm:adj idx="1" val="0.1"/>
+                        </dgm:adjLst>
+                      </dgm:shape>
+                      <dgm:presOf axis="ch desOrSelf" ptType="node node" st="4 1" cnt="1 0"/>
+                      <dgm:constrLst/>
+                      <dgm:ruleLst/>
+                    </dgm:layoutNode>
+                    <dgm:layoutNode name="FourConn_1-2" styleLbl="fgAccFollowNode1">
+                      <dgm:varLst>
+                        <dgm:bulletEnabled val="1"/>
+                      </dgm:varLst>
+                      <dgm:alg type="tx"/>
+                      <dgm:shape xmlns:r="http://schemas.openxmlformats.org/officeDocument/2006/relationships" type="downArrow" r:blip="">
+                        <dgm:adjLst>
+                          <dgm:adj idx="1" val="0.55"/>
+                          <dgm:adj idx="2" val="0.45"/>
+                        </dgm:adjLst>
+                      </dgm:shape>
+                      <dgm:presOf axis="ch" ptType="sibTrans" cnt="1"/>
+                      <dgm:constrLst>
+                        <dgm:constr type="lMarg" refType="primFontSz" fact="0.1"/>
+                        <dgm:constr type="rMarg" refType="primFontSz" fact="0.1"/>
+                        <dgm:constr type="tMarg" refType="primFontSz" fact="0.1"/>
+                        <dgm:constr type="bMarg" refType="primFontSz" fact="0.1"/>
+                      </dgm:constrLst>
+                      <dgm:ruleLst>
+                        <dgm:rule type="primFontSz" val="5" fact="NaN" max="NaN"/>
+                      </dgm:ruleLst>
+                    </dgm:layoutNode>
+                    <dgm:layoutNode name="FourConn_2-3" styleLbl="fgAccFollowNode1">
+                      <dgm:varLst>
+                        <dgm:bulletEnabled val="1"/>
+                      </dgm:varLst>
+                      <dgm:alg type="tx"/>
+                      <dgm:shape xmlns:r="http://schemas.openxmlformats.org/officeDocument/2006/relationships" type="downArrow" r:blip="">
+                        <dgm:adjLst>
+                          <dgm:adj idx="1" val="0.55"/>
+                          <dgm:adj idx="2" val="0.45"/>
+                        </dgm:adjLst>
+                      </dgm:shape>
+                      <dgm:presOf axis="ch" ptType="sibTrans" st="2" cnt="1"/>
+                      <dgm:constrLst>
+                        <dgm:constr type="lMarg" refType="primFontSz" fact="0.1"/>
+                        <dgm:constr type="rMarg" refType="primFontSz" fact="0.1"/>
+                        <dgm:constr type="tMarg" refType="primFontSz" fact="0.1"/>
+                        <dgm:constr type="bMarg" refType="primFontSz" fact="0.1"/>
+                      </dgm:constrLst>
+                      <dgm:ruleLst>
+                        <dgm:rule type="primFontSz" val="5" fact="NaN" max="NaN"/>
+                      </dgm:ruleLst>
+                    </dgm:layoutNode>
+                    <dgm:layoutNode name="FourConn_3-4" styleLbl="fgAccFollowNode1">
+                      <dgm:varLst>
+                        <dgm:bulletEnabled val="1"/>
+                      </dgm:varLst>
+                      <dgm:alg type="tx"/>
+                      <dgm:shape xmlns:r="http://schemas.openxmlformats.org/officeDocument/2006/relationships" type="downArrow" r:blip="">
+                        <dgm:adjLst>
+                          <dgm:adj idx="1" val="0.55"/>
+                          <dgm:adj idx="2" val="0.45"/>
+                        </dgm:adjLst>
+                      </dgm:shape>
+                      <dgm:presOf axis="ch" ptType="sibTrans" st="3" cnt="1"/>
+                      <dgm:constrLst>
+                        <dgm:constr type="lMarg" refType="primFontSz" fact="0.1"/>
+                        <dgm:constr type="rMarg" refType="primFontSz" fact="0.1"/>
+                        <dgm:constr type="tMarg" refType="primFontSz" fact="0.1"/>
+                        <dgm:constr type="bMarg" refType="primFontSz" fact="0.1"/>
+                      </dgm:constrLst>
+                      <dgm:ruleLst>
+                        <dgm:rule type="primFontSz" val="5" fact="NaN" max="NaN"/>
+                      </dgm:ruleLst>
+                    </dgm:layoutNode>
+                    <dgm:layoutNode name="FourNodes_1_text">
+                      <dgm:varLst>
+                        <dgm:bulletEnabled val="1"/>
+                      </dgm:varLst>
+                      <dgm:alg type="tx">
+                        <dgm:param type="parTxLTRAlign" val="l"/>
+                        <dgm:param type="txAnchorVertCh" val="mid"/>
+                      </dgm:alg>
+                      <dgm:shape xmlns:r="http://schemas.openxmlformats.org/officeDocument/2006/relationships" type="roundRect" r:blip="" hideGeom="1">
+                        <dgm:adjLst>
+                          <dgm:adj idx="1" val="0.1"/>
+                        </dgm:adjLst>
+                      </dgm:shape>
+                      <dgm:presOf axis="ch desOrSelf" ptType="node node" st="1 1" cnt="1 0"/>
+                      <dgm:constrLst>
+                        <dgm:constr type="lMarg" refType="primFontSz" fact="0.3"/>
+                        <dgm:constr type="rMarg" refType="primFontSz" fact="0.3"/>
+                        <dgm:constr type="tMarg" refType="primFontSz" fact="0.3"/>
+                        <dgm:constr type="bMarg" refType="primFontSz" fact="0.3"/>
+                      </dgm:constrLst>
+                      <dgm:ruleLst>
+                        <dgm:rule type="primFontSz" val="5" fact="NaN" max="NaN"/>
+                      </dgm:ruleLst>
+                    </dgm:layoutNode>
+                    <dgm:layoutNode name="FourNodes_2_text">
+                      <dgm:varLst>
+                        <dgm:bulletEnabled val="1"/>
+                      </dgm:varLst>
+                      <dgm:alg type="tx">
+                        <dgm:param type="parTxLTRAlign" val="l"/>
+                        <dgm:param type="txAnchorVertCh" val="mid"/>
+                      </dgm:alg>
+                      <dgm:shape xmlns:r="http://schemas.openxmlformats.org/officeDocument/2006/relationships" type="roundRect" r:blip="" hideGeom="1">
+                        <dgm:adjLst>
+                          <dgm:adj idx="1" val="0.1"/>
+                        </dgm:adjLst>
+                      </dgm:shape>
+                      <dgm:presOf axis="ch desOrSelf" ptType="node node" st="2 1" cnt="1 0"/>
+                      <dgm:constrLst>
+                        <dgm:constr type="lMarg" refType="primFontSz" fact="0.3"/>
+                        <dgm:constr type="rMarg" refType="primFontSz" fact="0.3"/>
+                        <dgm:constr type="tMarg" refType="primFontSz" fact="0.3"/>
+                        <dgm:constr type="bMarg" refType="primFontSz" fact="0.3"/>
+                      </dgm:constrLst>
+                      <dgm:ruleLst>
+                        <dgm:rule type="primFontSz" val="5" fact="NaN" max="NaN"/>
+                      </dgm:ruleLst>
+                    </dgm:layoutNode>
+                    <dgm:layoutNode name="FourNodes_3_text">
+                      <dgm:varLst>
+                        <dgm:bulletEnabled val="1"/>
+                      </dgm:varLst>
+                      <dgm:alg type="tx">
+                        <dgm:param type="parTxLTRAlign" val="l"/>
+                        <dgm:param type="txAnchorVertCh" val="mid"/>
+                      </dgm:alg>
+                      <dgm:shape xmlns:r="http://schemas.openxmlformats.org/officeDocument/2006/relationships" type="roundRect" r:blip="" hideGeom="1">
+                        <dgm:adjLst>
+                          <dgm:adj idx="1" val="0.1"/>
+                        </dgm:adjLst>
+                      </dgm:shape>
+                      <dgm:presOf axis="ch desOrSelf" ptType="node node" st="3 1" cnt="1 0"/>
+                      <dgm:constrLst>
+                        <dgm:constr type="lMarg" refType="primFontSz" fact="0.3"/>
+                        <dgm:constr type="rMarg" refType="primFontSz" fact="0.3"/>
+                        <dgm:constr type="tMarg" refType="primFontSz" fact="0.3"/>
+                        <dgm:constr type="bMarg" refType="primFontSz" fact="0.3"/>
+                      </dgm:constrLst>
+                      <dgm:ruleLst>
+                        <dgm:rule type="primFontSz" val="5" fact="NaN" max="NaN"/>
+                      </dgm:ruleLst>
+                    </dgm:layoutNode>
+                    <dgm:layoutNode name="FourNodes_4_text">
+                      <dgm:varLst>
+                        <dgm:bulletEnabled val="1"/>
+                      </dgm:varLst>
+                      <dgm:alg type="tx">
+                        <dgm:param type="parTxLTRAlign" val="l"/>
+                        <dgm:param type="txAnchorVertCh" val="mid"/>
+                      </dgm:alg>
+                      <dgm:shape xmlns:r="http://schemas.openxmlformats.org/officeDocument/2006/relationships" type="roundRect" r:blip="" hideGeom="1">
+                        <dgm:adjLst>
+                          <dgm:adj idx="1" val="0.1"/>
+                        </dgm:adjLst>
+                      </dgm:shape>
+                      <dgm:presOf axis="ch desOrSelf" ptType="node node" st="4 1" cnt="1 0"/>
+                      <dgm:constrLst>
+                        <dgm:constr type="lMarg" refType="primFontSz" fact="0.3"/>
+                        <dgm:constr type="rMarg" refType="primFontSz" fact="0.3"/>
+                        <dgm:constr type="tMarg" refType="primFontSz" fact="0.3"/>
+                        <dgm:constr type="bMarg" refType="primFontSz" fact="0.3"/>
+                      </dgm:constrLst>
+                      <dgm:ruleLst>
+                        <dgm:rule type="primFontSz" val="5" fact="NaN" max="NaN"/>
+                      </dgm:ruleLst>
+                    </dgm:layoutNode>
+                  </dgm:if>
+                  <dgm:else name="Name14">
+                    <dgm:choose name="Name15">
+                      <dgm:if name="Name16" axis="ch" ptType="node" func="cnt" op="gte" val="5">
+                        <dgm:layoutNode name="FiveNodes_1">
+                          <dgm:varLst>
+                            <dgm:bulletEnabled val="1"/>
+                          </dgm:varLst>
+                          <dgm:alg type="sp"/>
+                          <dgm:shape xmlns:r="http://schemas.openxmlformats.org/officeDocument/2006/relationships" type="roundRect" r:blip="">
+                            <dgm:adjLst>
+                              <dgm:adj idx="1" val="0.1"/>
+                            </dgm:adjLst>
+                          </dgm:shape>
+                          <dgm:presOf axis="ch desOrSelf" ptType="node node" st="1 1" cnt="1 0"/>
+                          <dgm:constrLst/>
+                          <dgm:ruleLst/>
+                        </dgm:layoutNode>
+                        <dgm:layoutNode name="FiveNodes_2">
+                          <dgm:varLst>
+                            <dgm:bulletEnabled val="1"/>
+                          </dgm:varLst>
+                          <dgm:alg type="sp"/>
+                          <dgm:shape xmlns:r="http://schemas.openxmlformats.org/officeDocument/2006/relationships" type="roundRect" r:blip="">
+                            <dgm:adjLst>
+                              <dgm:adj idx="1" val="0.1"/>
+                            </dgm:adjLst>
+                          </dgm:shape>
+                          <dgm:presOf axis="ch desOrSelf" ptType="node node" st="2 1" cnt="1 0"/>
+                          <dgm:constrLst/>
+                          <dgm:ruleLst/>
+                        </dgm:layoutNode>
+                        <dgm:layoutNode name="FiveNodes_3">
+                          <dgm:varLst>
+                            <dgm:bulletEnabled val="1"/>
+                          </dgm:varLst>
+                          <dgm:alg type="sp"/>
+                          <dgm:shape xmlns:r="http://schemas.openxmlformats.org/officeDocument/2006/relationships" type="roundRect" r:blip="">
+                            <dgm:adjLst>
+                              <dgm:adj idx="1" val="0.1"/>
+                            </dgm:adjLst>
+                          </dgm:shape>
+                          <dgm:presOf axis="ch desOrSelf" ptType="node node" st="3 1" cnt="1 0"/>
+                          <dgm:constrLst/>
+                          <dgm:ruleLst/>
+                        </dgm:layoutNode>
+                        <dgm:layoutNode name="FiveNodes_4">
+                          <dgm:varLst>
+                            <dgm:bulletEnabled val="1"/>
+                          </dgm:varLst>
+                          <dgm:alg type="sp"/>
+                          <dgm:shape xmlns:r="http://schemas.openxmlformats.org/officeDocument/2006/relationships" type="roundRect" r:blip="">
+                            <dgm:adjLst>
+                              <dgm:adj idx="1" val="0.1"/>
+                            </dgm:adjLst>
+                          </dgm:shape>
+                          <dgm:presOf axis="ch desOrSelf" ptType="node node" st="4 1" cnt="1 0"/>
+                          <dgm:constrLst/>
+                          <dgm:ruleLst/>
+                        </dgm:layoutNode>
+                        <dgm:layoutNode name="FiveNodes_5">
+                          <dgm:varLst>
+                            <dgm:bulletEnabled val="1"/>
+                          </dgm:varLst>
+                          <dgm:alg type="sp"/>
+                          <dgm:shape xmlns:r="http://schemas.openxmlformats.org/officeDocument/2006/relationships" type="roundRect" r:blip="">
+                            <dgm:adjLst>
+                              <dgm:adj idx="1" val="0.1"/>
+                            </dgm:adjLst>
+                          </dgm:shape>
+                          <dgm:presOf axis="ch desOrSelf" ptType="node node" st="5 1" cnt="1 0"/>
+                          <dgm:constrLst/>
+                          <dgm:ruleLst/>
+                        </dgm:layoutNode>
+                        <dgm:layoutNode name="FiveConn_1-2" styleLbl="fgAccFollowNode1">
+                          <dgm:varLst>
+                            <dgm:bulletEnabled val="1"/>
+                          </dgm:varLst>
+                          <dgm:alg type="tx"/>
+                          <dgm:shape xmlns:r="http://schemas.openxmlformats.org/officeDocument/2006/relationships" type="downArrow" r:blip="">
+                            <dgm:adjLst>
+                              <dgm:adj idx="1" val="0.55"/>
+                              <dgm:adj idx="2" val="0.45"/>
+                            </dgm:adjLst>
+                          </dgm:shape>
+                          <dgm:presOf axis="ch" ptType="sibTrans" cnt="1"/>
+                          <dgm:constrLst>
+                            <dgm:constr type="lMarg" refType="primFontSz" fact="0.1"/>
+                            <dgm:constr type="rMarg" refType="primFontSz" fact="0.1"/>
+                            <dgm:constr type="tMarg" refType="primFontSz" fact="0.1"/>
+                            <dgm:constr type="bMarg" refType="primFontSz" fact="0.1"/>
+                          </dgm:constrLst>
+                          <dgm:ruleLst>
+                            <dgm:rule type="primFontSz" val="5" fact="NaN" max="NaN"/>
+                          </dgm:ruleLst>
+                        </dgm:layoutNode>
+                        <dgm:layoutNode name="FiveConn_2-3" styleLbl="fgAccFollowNode1">
+                          <dgm:varLst>
+                            <dgm:bulletEnabled val="1"/>
+                          </dgm:varLst>
+                          <dgm:alg type="tx"/>
+                          <dgm:shape xmlns:r="http://schemas.openxmlformats.org/officeDocument/2006/relationships" type="downArrow" r:blip="">
+                            <dgm:adjLst>
+                              <dgm:adj idx="1" val="0.55"/>
+                              <dgm:adj idx="2" val="0.45"/>
+                            </dgm:adjLst>
+                          </dgm:shape>
+                          <dgm:presOf axis="ch" ptType="sibTrans" st="2" cnt="1"/>
+                          <dgm:constrLst>
+                            <dgm:constr type="lMarg" refType="primFontSz" fact="0.1"/>
+                            <dgm:constr type="rMarg" refType="primFontSz" fact="0.1"/>
+                            <dgm:constr type="tMarg" refType="primFontSz" fact="0.1"/>
+                            <dgm:constr type="bMarg" refType="primFontSz" fact="0.1"/>
+                          </dgm:constrLst>
+                          <dgm:ruleLst>
+                            <dgm:rule type="primFontSz" val="5" fact="NaN" max="NaN"/>
+                          </dgm:ruleLst>
+                        </dgm:layoutNode>
+                        <dgm:layoutNode name="FiveConn_3-4" styleLbl="fgAccFollowNode1">
+                          <dgm:varLst>
+                            <dgm:bulletEnabled val="1"/>
+                          </dgm:varLst>
+                          <dgm:alg type="tx"/>
+                          <dgm:shape xmlns:r="http://schemas.openxmlformats.org/officeDocument/2006/relationships" type="downArrow" r:blip="">
+                            <dgm:adjLst>
+                              <dgm:adj idx="1" val="0.55"/>
+                              <dgm:adj idx="2" val="0.45"/>
+                            </dgm:adjLst>
+                          </dgm:shape>
+                          <dgm:presOf axis="ch" ptType="sibTrans" st="3" cnt="1"/>
+                          <dgm:constrLst>
+                            <dgm:constr type="lMarg" refType="primFontSz" fact="0.1"/>
+                            <dgm:constr type="rMarg" refType="primFontSz" fact="0.1"/>
+                            <dgm:constr type="tMarg" refType="primFontSz" fact="0.1"/>
+                            <dgm:constr type="bMarg" refType="primFontSz" fact="0.1"/>
+                          </dgm:constrLst>
+                          <dgm:ruleLst>
+                            <dgm:rule type="primFontSz" val="5" fact="NaN" max="NaN"/>
+                          </dgm:ruleLst>
+                        </dgm:layoutNode>
+                        <dgm:layoutNode name="FiveConn_4-5" styleLbl="fgAccFollowNode1">
+                          <dgm:varLst>
+                            <dgm:bulletEnabled val="1"/>
+                          </dgm:varLst>
+                          <dgm:alg type="tx"/>
+                          <dgm:shape xmlns:r="http://schemas.openxmlformats.org/officeDocument/2006/relationships" type="downArrow" r:blip="">
+                            <dgm:adjLst>
+                              <dgm:adj idx="1" val="0.55"/>
+                              <dgm:adj idx="2" val="0.45"/>
+                            </dgm:adjLst>
+                          </dgm:shape>
+                          <dgm:presOf axis="ch" ptType="sibTrans" st="4" cnt="1"/>
+                          <dgm:constrLst>
+                            <dgm:constr type="lMarg" refType="primFontSz" fact="0.1"/>
+                            <dgm:constr type="rMarg" refType="primFontSz" fact="0.1"/>
+                            <dgm:constr type="tMarg" refType="primFontSz" fact="0.1"/>
+                            <dgm:constr type="bMarg" refType="primFontSz" fact="0.1"/>
+                          </dgm:constrLst>
+                          <dgm:ruleLst>
+                            <dgm:rule type="primFontSz" val="5" fact="NaN" max="NaN"/>
+                          </dgm:ruleLst>
+                        </dgm:layoutNode>
+                        <dgm:layoutNode name="FiveNodes_1_text">
+                          <dgm:varLst>
+                            <dgm:bulletEnabled val="1"/>
+                          </dgm:varLst>
+                          <dgm:alg type="tx">
+                            <dgm:param type="parTxLTRAlign" val="l"/>
+                            <dgm:param type="txAnchorVertCh" val="mid"/>
+                          </dgm:alg>
+                          <dgm:shape xmlns:r="http://schemas.openxmlformats.org/officeDocument/2006/relationships" type="roundRect" r:blip="" hideGeom="1">
+                            <dgm:adjLst>
+                              <dgm:adj idx="1" val="0.1"/>
+                            </dgm:adjLst>
+                          </dgm:shape>
+                          <dgm:presOf axis="ch desOrSelf" ptType="node node" st="1 1" cnt="1 0"/>
+                          <dgm:constrLst>
+                            <dgm:constr type="lMarg" refType="primFontSz" fact="0.3"/>
+                            <dgm:constr type="rMarg" refType="primFontSz" fact="0.3"/>
+                            <dgm:constr type="tMarg" refType="primFontSz" fact="0.3"/>
+                            <dgm:constr type="bMarg" refType="primFontSz" fact="0.3"/>
+                          </dgm:constrLst>
+                          <dgm:ruleLst>
+                            <dgm:rule type="primFontSz" val="5" fact="NaN" max="NaN"/>
+                          </dgm:ruleLst>
+                        </dgm:layoutNode>
+                        <dgm:layoutNode name="FiveNodes_2_text">
+                          <dgm:varLst>
+                            <dgm:bulletEnabled val="1"/>
+                          </dgm:varLst>
+                          <dgm:alg type="tx">
+                            <dgm:param type="parTxLTRAlign" val="l"/>
+                            <dgm:param type="txAnchorVertCh" val="mid"/>
+                          </dgm:alg>
+                          <dgm:shape xmlns:r="http://schemas.openxmlformats.org/officeDocument/2006/relationships" type="roundRect" r:blip="" hideGeom="1">
+                            <dgm:adjLst>
+                              <dgm:adj idx="1" val="0.1"/>
+                            </dgm:adjLst>
+                          </dgm:shape>
+                          <dgm:presOf axis="ch desOrSelf" ptType="node node" st="2 1" cnt="1 0"/>
+                          <dgm:constrLst>
+                            <dgm:constr type="lMarg" refType="primFontSz" fact="0.3"/>
+                            <dgm:constr type="rMarg" refType="primFontSz" fact="0.3"/>
+                            <dgm:constr type="tMarg" refType="primFontSz" fact="0.3"/>
+                            <dgm:constr type="bMarg" refType="primFontSz" fact="0.3"/>
+                          </dgm:constrLst>
+                          <dgm:ruleLst>
+                            <dgm:rule type="primFontSz" val="5" fact="NaN" max="NaN"/>
+                          </dgm:ruleLst>
+                        </dgm:layoutNode>
+                        <dgm:layoutNode name="FiveNodes_3_text">
+                          <dgm:varLst>
+                            <dgm:bulletEnabled val="1"/>
+                          </dgm:varLst>
+                          <dgm:alg type="tx">
+                            <dgm:param type="parTxLTRAlign" val="l"/>
+                            <dgm:param type="txAnchorVertCh" val="mid"/>
+                          </dgm:alg>
+                          <dgm:shape xmlns:r="http://schemas.openxmlformats.org/officeDocument/2006/relationships" type="roundRect" r:blip="" hideGeom="1">
+                            <dgm:adjLst>
+                              <dgm:adj idx="1" val="0.1"/>
+                            </dgm:adjLst>
+                          </dgm:shape>
+                          <dgm:presOf axis="ch desOrSelf" ptType="node node" st="3 1" cnt="1 0"/>
+                          <dgm:constrLst>
+                            <dgm:constr type="lMarg" refType="primFontSz" fact="0.3"/>
+                            <dgm:constr type="rMarg" refType="primFontSz" fact="0.3"/>
+                            <dgm:constr type="tMarg" refType="primFontSz" fact="0.3"/>
+                            <dgm:constr type="bMarg" refType="primFontSz" fact="0.3"/>
+                          </dgm:constrLst>
+                          <dgm:ruleLst>
+                            <dgm:rule type="primFontSz" val="5" fact="NaN" max="NaN"/>
+                          </dgm:ruleLst>
+                        </dgm:layoutNode>
+                        <dgm:layoutNode name="FiveNodes_4_text">
+                          <dgm:varLst>
+                            <dgm:bulletEnabled val="1"/>
+                          </dgm:varLst>
+                          <dgm:alg type="tx">
+                            <dgm:param type="parTxLTRAlign" val="l"/>
+                            <dgm:param type="txAnchorVertCh" val="mid"/>
+                          </dgm:alg>
+                          <dgm:shape xmlns:r="http://schemas.openxmlformats.org/officeDocument/2006/relationships" type="roundRect" r:blip="" hideGeom="1">
+                            <dgm:adjLst>
+                              <dgm:adj idx="1" val="0.1"/>
+                            </dgm:adjLst>
+                          </dgm:shape>
+                          <dgm:presOf axis="ch desOrSelf" ptType="node node" st="4 1" cnt="1 0"/>
+                          <dgm:constrLst>
+                            <dgm:constr type="lMarg" refType="primFontSz" fact="0.3"/>
+                            <dgm:constr type="rMarg" refType="primFontSz" fact="0.3"/>
+                            <dgm:constr type="tMarg" refType="primFontSz" fact="0.3"/>
+                            <dgm:constr type="bMarg" refType="primFontSz" fact="0.3"/>
+                          </dgm:constrLst>
+                          <dgm:ruleLst>
+                            <dgm:rule type="primFontSz" val="5" fact="NaN" max="NaN"/>
+                          </dgm:ruleLst>
+                        </dgm:layoutNode>
+                        <dgm:layoutNode name="FiveNodes_5_text">
+                          <dgm:varLst>
+                            <dgm:bulletEnabled val="1"/>
+                          </dgm:varLst>
+                          <dgm:alg type="tx">
+                            <dgm:param type="parTxLTRAlign" val="l"/>
+                            <dgm:param type="txAnchorVertCh" val="mid"/>
+                          </dgm:alg>
+                          <dgm:shape xmlns:r="http://schemas.openxmlformats.org/officeDocument/2006/relationships" type="roundRect" r:blip="" hideGeom="1">
+                            <dgm:adjLst>
+                              <dgm:adj idx="1" val="0.1"/>
+                            </dgm:adjLst>
+                          </dgm:shape>
+                          <dgm:presOf axis="ch desOrSelf" ptType="node node" st="5 1" cnt="1 0"/>
+                          <dgm:constrLst>
+                            <dgm:constr type="lMarg" refType="primFontSz" fact="0.3"/>
+                            <dgm:constr type="rMarg" refType="primFontSz" fact="0.3"/>
+                            <dgm:constr type="tMarg" refType="primFontSz" fact="0.3"/>
+                            <dgm:constr type="bMarg" refType="primFontSz" fact="0.3"/>
+                          </dgm:constrLst>
+                          <dgm:ruleLst>
+                            <dgm:rule type="primFontSz" val="5" fact="NaN" max="NaN"/>
+                          </dgm:ruleLst>
+                        </dgm:layoutNode>
+                      </dgm:if>
+                      <dgm:else name="Name17"/>
+                    </dgm:choose>
+                  </dgm:else>
+                </dgm:choose>
+              </dgm:else>
+            </dgm:choose>
+          </dgm:else>
+        </dgm:choose>
+      </dgm:else>
+    </dgm:choose>
+  </dgm:layoutNode>
+</dgm:layoutDef>
+</file>
+
+<file path=ppt/diagrams/layout5.xml><?xml version="1.0" encoding="utf-8"?>
 <dgm:layoutDef xmlns:dgm="http://schemas.openxmlformats.org/drawingml/2006/diagram" xmlns:a="http://schemas.openxmlformats.org/drawingml/2006/main" uniqueId="urn:microsoft.com/office/officeart/2005/8/layout/chevron1">
   <dgm:title val=""/>
   <dgm:desc val=""/>
@@ -6192,11 +9529,11 @@
 </file>
 
 <file path=ppt/diagrams/quickStyle1.xml><?xml version="1.0" encoding="utf-8"?>
-<dgm:styleDef xmlns:dgm="http://schemas.openxmlformats.org/drawingml/2006/diagram" xmlns:a="http://schemas.openxmlformats.org/drawingml/2006/main" uniqueId="urn:microsoft.com/office/officeart/2005/8/quickstyle/simple1">
+<dgm:styleDef xmlns:dgm="http://schemas.openxmlformats.org/drawingml/2006/diagram" xmlns:a="http://schemas.openxmlformats.org/drawingml/2006/main" uniqueId="urn:microsoft.com/office/officeart/2005/8/quickstyle/simple4">
   <dgm:title val=""/>
   <dgm:desc val=""/>
   <dgm:catLst>
-    <dgm:cat type="simple" pri="10100"/>
+    <dgm:cat type="simple" pri="10400"/>
   </dgm:catLst>
   <dgm:scene3d>
     <a:camera prst="orthographicFront"/>
@@ -6210,13 +9547,13 @@
     <dgm:sp3d/>
     <dgm:txPr/>
     <dgm:style>
-      <a:lnRef idx="2">
+      <a:lnRef idx="0">
         <a:scrgbClr r="0" g="0" b="0"/>
       </a:lnRef>
-      <a:fillRef idx="1">
+      <a:fillRef idx="3">
         <a:scrgbClr r="0" g="0" b="0"/>
       </a:fillRef>
-      <a:effectRef idx="0">
+      <a:effectRef idx="2">
         <a:scrgbClr r="0" g="0" b="0"/>
       </a:effectRef>
       <a:fontRef idx="minor">
@@ -6232,13 +9569,13 @@
     <dgm:sp3d/>
     <dgm:txPr/>
     <dgm:style>
-      <a:lnRef idx="2">
+      <a:lnRef idx="1">
         <a:scrgbClr r="0" g="0" b="0"/>
       </a:lnRef>
-      <a:fillRef idx="1">
+      <a:fillRef idx="3">
         <a:scrgbClr r="0" g="0" b="0"/>
       </a:fillRef>
-      <a:effectRef idx="0">
+      <a:effectRef idx="2">
         <a:scrgbClr r="0" g="0" b="0"/>
       </a:effectRef>
       <a:fontRef idx="minor">
@@ -6254,10 +9591,10 @@
     <dgm:sp3d/>
     <dgm:txPr/>
     <dgm:style>
-      <a:lnRef idx="2">
+      <a:lnRef idx="0">
         <a:scrgbClr r="0" g="0" b="0"/>
       </a:lnRef>
-      <a:fillRef idx="1">
+      <a:fillRef idx="3">
         <a:scrgbClr r="0" g="0" b="0"/>
       </a:fillRef>
       <a:effectRef idx="0">
@@ -6276,13 +9613,13 @@
     <dgm:sp3d/>
     <dgm:txPr/>
     <dgm:style>
-      <a:lnRef idx="2">
+      <a:lnRef idx="1">
         <a:scrgbClr r="0" g="0" b="0"/>
       </a:lnRef>
-      <a:fillRef idx="1">
+      <a:fillRef idx="3">
         <a:scrgbClr r="0" g="0" b="0"/>
       </a:fillRef>
-      <a:effectRef idx="0">
+      <a:effectRef idx="2">
         <a:scrgbClr r="0" g="0" b="0"/>
       </a:effectRef>
       <a:fontRef idx="minor">
@@ -6298,13 +9635,13 @@
     <dgm:sp3d/>
     <dgm:txPr/>
     <dgm:style>
-      <a:lnRef idx="2">
+      <a:lnRef idx="0">
         <a:scrgbClr r="0" g="0" b="0"/>
       </a:lnRef>
-      <a:fillRef idx="1">
+      <a:fillRef idx="3">
         <a:scrgbClr r="0" g="0" b="0"/>
       </a:fillRef>
-      <a:effectRef idx="0">
+      <a:effectRef idx="2">
         <a:scrgbClr r="0" g="0" b="0"/>
       </a:effectRef>
       <a:fontRef idx="minor">
@@ -6320,13 +9657,13 @@
     <dgm:sp3d/>
     <dgm:txPr/>
     <dgm:style>
-      <a:lnRef idx="2">
+      <a:lnRef idx="0">
         <a:scrgbClr r="0" g="0" b="0"/>
       </a:lnRef>
-      <a:fillRef idx="1">
+      <a:fillRef idx="3">
         <a:scrgbClr r="0" g="0" b="0"/>
       </a:fillRef>
-      <a:effectRef idx="0">
+      <a:effectRef idx="2">
         <a:scrgbClr r="0" g="0" b="0"/>
       </a:effectRef>
       <a:fontRef idx="minor">
@@ -6342,13 +9679,13 @@
     <dgm:sp3d/>
     <dgm:txPr/>
     <dgm:style>
-      <a:lnRef idx="2">
+      <a:lnRef idx="0">
         <a:scrgbClr r="0" g="0" b="0"/>
       </a:lnRef>
-      <a:fillRef idx="1">
+      <a:fillRef idx="3">
         <a:scrgbClr r="0" g="0" b="0"/>
       </a:fillRef>
-      <a:effectRef idx="0">
+      <a:effectRef idx="2">
         <a:scrgbClr r="0" g="0" b="0"/>
       </a:effectRef>
       <a:fontRef idx="minor">
@@ -6364,13 +9701,13 @@
     <dgm:sp3d/>
     <dgm:txPr/>
     <dgm:style>
-      <a:lnRef idx="2">
+      <a:lnRef idx="0">
         <a:scrgbClr r="0" g="0" b="0"/>
       </a:lnRef>
-      <a:fillRef idx="1">
+      <a:fillRef idx="3">
         <a:scrgbClr r="0" g="0" b="0"/>
       </a:fillRef>
-      <a:effectRef idx="0">
+      <a:effectRef idx="2">
         <a:scrgbClr r="0" g="0" b="0"/>
       </a:effectRef>
       <a:fontRef idx="minor">
@@ -6386,13 +9723,13 @@
     <dgm:sp3d/>
     <dgm:txPr/>
     <dgm:style>
-      <a:lnRef idx="2">
+      <a:lnRef idx="0">
         <a:scrgbClr r="0" g="0" b="0"/>
       </a:lnRef>
       <a:fillRef idx="1">
         <a:scrgbClr r="0" g="0" b="0"/>
       </a:fillRef>
-      <a:effectRef idx="0">
+      <a:effectRef idx="2">
         <a:scrgbClr r="0" g="0" b="0"/>
       </a:effectRef>
       <a:fontRef idx="minor"/>
@@ -6406,13 +9743,13 @@
     <dgm:sp3d/>
     <dgm:txPr/>
     <dgm:style>
-      <a:lnRef idx="2">
+      <a:lnRef idx="0">
         <a:scrgbClr r="0" g="0" b="0"/>
       </a:lnRef>
       <a:fillRef idx="1">
         <a:scrgbClr r="0" g="0" b="0"/>
       </a:fillRef>
-      <a:effectRef idx="0">
+      <a:effectRef idx="2">
         <a:scrgbClr r="0" g="0" b="0"/>
       </a:effectRef>
       <a:fontRef idx="minor"/>
@@ -6426,13 +9763,13 @@
     <dgm:sp3d/>
     <dgm:txPr/>
     <dgm:style>
-      <a:lnRef idx="2">
+      <a:lnRef idx="0">
         <a:scrgbClr r="0" g="0" b="0"/>
       </a:lnRef>
       <a:fillRef idx="1">
         <a:scrgbClr r="0" g="0" b="0"/>
       </a:fillRef>
-      <a:effectRef idx="0">
+      <a:effectRef idx="2">
         <a:scrgbClr r="0" g="0" b="0"/>
       </a:effectRef>
       <a:fontRef idx="minor"/>
@@ -6449,10 +9786,10 @@
       <a:lnRef idx="0">
         <a:scrgbClr r="0" g="0" b="0"/>
       </a:lnRef>
-      <a:fillRef idx="1">
+      <a:fillRef idx="3">
         <a:scrgbClr r="0" g="0" b="0"/>
       </a:fillRef>
-      <a:effectRef idx="0">
+      <a:effectRef idx="2">
         <a:scrgbClr r="0" g="0" b="0"/>
       </a:effectRef>
       <a:fontRef idx="minor">
@@ -6471,10 +9808,10 @@
       <a:lnRef idx="0">
         <a:scrgbClr r="0" g="0" b="0"/>
       </a:lnRef>
-      <a:fillRef idx="1">
+      <a:fillRef idx="3">
         <a:scrgbClr r="0" g="0" b="0"/>
       </a:fillRef>
-      <a:effectRef idx="0">
+      <a:effectRef idx="2">
         <a:scrgbClr r="0" g="0" b="0"/>
       </a:effectRef>
       <a:fontRef idx="minor">
@@ -6493,10 +9830,10 @@
       <a:lnRef idx="0">
         <a:scrgbClr r="0" g="0" b="0"/>
       </a:lnRef>
-      <a:fillRef idx="1">
+      <a:fillRef idx="3">
         <a:scrgbClr r="0" g="0" b="0"/>
       </a:fillRef>
-      <a:effectRef idx="0">
+      <a:effectRef idx="2">
         <a:scrgbClr r="0" g="0" b="0"/>
       </a:effectRef>
       <a:fontRef idx="minor">
@@ -6538,7 +9875,7 @@
       <a:fillRef idx="1">
         <a:scrgbClr r="0" g="0" b="0"/>
       </a:fillRef>
-      <a:effectRef idx="0">
+      <a:effectRef idx="1">
         <a:scrgbClr r="0" g="0" b="0"/>
       </a:effectRef>
       <a:fontRef idx="minor"/>
@@ -6552,13 +9889,13 @@
     <dgm:sp3d/>
     <dgm:txPr/>
     <dgm:style>
-      <a:lnRef idx="2">
+      <a:lnRef idx="0">
         <a:scrgbClr r="0" g="0" b="0"/>
       </a:lnRef>
-      <a:fillRef idx="1">
+      <a:fillRef idx="3">
         <a:scrgbClr r="0" g="0" b="0"/>
       </a:fillRef>
-      <a:effectRef idx="0">
+      <a:effectRef idx="2">
         <a:scrgbClr r="0" g="0" b="0"/>
       </a:effectRef>
       <a:fontRef idx="minor">
@@ -6574,13 +9911,13 @@
     <dgm:sp3d/>
     <dgm:txPr/>
     <dgm:style>
-      <a:lnRef idx="2">
+      <a:lnRef idx="0">
         <a:scrgbClr r="0" g="0" b="0"/>
       </a:lnRef>
-      <a:fillRef idx="1">
+      <a:fillRef idx="3">
         <a:scrgbClr r="0" g="0" b="0"/>
       </a:fillRef>
-      <a:effectRef idx="0">
+      <a:effectRef idx="2">
         <a:scrgbClr r="0" g="0" b="0"/>
       </a:effectRef>
       <a:fontRef idx="minor">
@@ -6596,13 +9933,13 @@
     <dgm:sp3d/>
     <dgm:txPr/>
     <dgm:style>
-      <a:lnRef idx="2">
+      <a:lnRef idx="0">
         <a:scrgbClr r="0" g="0" b="0"/>
       </a:lnRef>
-      <a:fillRef idx="1">
+      <a:fillRef idx="3">
         <a:scrgbClr r="0" g="0" b="0"/>
       </a:fillRef>
-      <a:effectRef idx="0">
+      <a:effectRef idx="2">
         <a:scrgbClr r="0" g="0" b="0"/>
       </a:effectRef>
       <a:fontRef idx="minor">
@@ -6618,13 +9955,13 @@
     <dgm:sp3d/>
     <dgm:txPr/>
     <dgm:style>
-      <a:lnRef idx="2">
+      <a:lnRef idx="0">
         <a:scrgbClr r="0" g="0" b="0"/>
       </a:lnRef>
-      <a:fillRef idx="1">
+      <a:fillRef idx="3">
         <a:scrgbClr r="0" g="0" b="0"/>
       </a:fillRef>
-      <a:effectRef idx="0">
+      <a:effectRef idx="2">
         <a:scrgbClr r="0" g="0" b="0"/>
       </a:effectRef>
       <a:fontRef idx="minor">
@@ -6640,13 +9977,13 @@
     <dgm:sp3d/>
     <dgm:txPr/>
     <dgm:style>
-      <a:lnRef idx="2">
+      <a:lnRef idx="0">
         <a:scrgbClr r="0" g="0" b="0"/>
       </a:lnRef>
-      <a:fillRef idx="1">
+      <a:fillRef idx="3">
         <a:scrgbClr r="0" g="0" b="0"/>
       </a:fillRef>
-      <a:effectRef idx="0">
+      <a:effectRef idx="2">
         <a:scrgbClr r="0" g="0" b="0"/>
       </a:effectRef>
       <a:fontRef idx="minor">
@@ -6662,13 +9999,13 @@
     <dgm:sp3d/>
     <dgm:txPr/>
     <dgm:style>
-      <a:lnRef idx="2">
+      <a:lnRef idx="0">
         <a:scrgbClr r="0" g="0" b="0"/>
       </a:lnRef>
-      <a:fillRef idx="1">
+      <a:fillRef idx="3">
         <a:scrgbClr r="0" g="0" b="0"/>
       </a:fillRef>
-      <a:effectRef idx="0">
+      <a:effectRef idx="2">
         <a:scrgbClr r="0" g="0" b="0"/>
       </a:effectRef>
       <a:fontRef idx="minor">
@@ -6684,13 +10021,13 @@
     <dgm:sp3d/>
     <dgm:txPr/>
     <dgm:style>
-      <a:lnRef idx="2">
+      <a:lnRef idx="0">
         <a:scrgbClr r="0" g="0" b="0"/>
       </a:lnRef>
-      <a:fillRef idx="1">
+      <a:fillRef idx="3">
         <a:scrgbClr r="0" g="0" b="0"/>
       </a:fillRef>
-      <a:effectRef idx="0">
+      <a:effectRef idx="2">
         <a:scrgbClr r="0" g="0" b="0"/>
       </a:effectRef>
       <a:fontRef idx="minor">
@@ -6706,13 +10043,13 @@
     <dgm:sp3d/>
     <dgm:txPr/>
     <dgm:style>
-      <a:lnRef idx="2">
+      <a:lnRef idx="1">
         <a:scrgbClr r="0" g="0" b="0"/>
       </a:lnRef>
-      <a:fillRef idx="1">
+      <a:fillRef idx="3">
         <a:scrgbClr r="0" g="0" b="0"/>
       </a:fillRef>
-      <a:effectRef idx="0">
+      <a:effectRef idx="2">
         <a:scrgbClr r="0" g="0" b="0"/>
       </a:effectRef>
       <a:fontRef idx="minor">
@@ -6728,13 +10065,13 @@
     <dgm:sp3d/>
     <dgm:txPr/>
     <dgm:style>
-      <a:lnRef idx="2">
+      <a:lnRef idx="1">
         <a:scrgbClr r="0" g="0" b="0"/>
       </a:lnRef>
-      <a:fillRef idx="1">
+      <a:fillRef idx="3">
         <a:scrgbClr r="0" g="0" b="0"/>
       </a:fillRef>
-      <a:effectRef idx="0">
+      <a:effectRef idx="2">
         <a:scrgbClr r="0" g="0" b="0"/>
       </a:effectRef>
       <a:fontRef idx="minor">
@@ -6750,7 +10087,7 @@
     <dgm:sp3d/>
     <dgm:txPr/>
     <dgm:style>
-      <a:lnRef idx="2">
+      <a:lnRef idx="1">
         <a:scrgbClr r="0" g="0" b="0"/>
       </a:lnRef>
       <a:fillRef idx="0">
@@ -6770,7 +10107,7 @@
     <dgm:sp3d/>
     <dgm:txPr/>
     <dgm:style>
-      <a:lnRef idx="2">
+      <a:lnRef idx="1">
         <a:scrgbClr r="0" g="0" b="0"/>
       </a:lnRef>
       <a:fillRef idx="0">
@@ -6790,7 +10127,7 @@
     <dgm:sp3d/>
     <dgm:txPr/>
     <dgm:style>
-      <a:lnRef idx="2">
+      <a:lnRef idx="1">
         <a:scrgbClr r="0" g="0" b="0"/>
       </a:lnRef>
       <a:fillRef idx="0">
@@ -6810,7 +10147,7 @@
     <dgm:sp3d/>
     <dgm:txPr/>
     <dgm:style>
-      <a:lnRef idx="2">
+      <a:lnRef idx="1">
         <a:scrgbClr r="0" g="0" b="0"/>
       </a:lnRef>
       <a:fillRef idx="0">
@@ -6830,7 +10167,7 @@
     <dgm:sp3d/>
     <dgm:txPr/>
     <dgm:style>
-      <a:lnRef idx="2">
+      <a:lnRef idx="1">
         <a:scrgbClr r="0" g="0" b="0"/>
       </a:lnRef>
       <a:fillRef idx="1">
@@ -6850,7 +10187,7 @@
     <dgm:sp3d/>
     <dgm:txPr/>
     <dgm:style>
-      <a:lnRef idx="2">
+      <a:lnRef idx="1">
         <a:scrgbClr r="0" g="0" b="0"/>
       </a:lnRef>
       <a:fillRef idx="1">
@@ -6870,7 +10207,7 @@
     <dgm:sp3d/>
     <dgm:txPr/>
     <dgm:style>
-      <a:lnRef idx="2">
+      <a:lnRef idx="1">
         <a:scrgbClr r="0" g="0" b="0"/>
       </a:lnRef>
       <a:fillRef idx="1">
@@ -6910,7 +10247,7 @@
     <dgm:sp3d/>
     <dgm:txPr/>
     <dgm:style>
-      <a:lnRef idx="2">
+      <a:lnRef idx="1">
         <a:scrgbClr r="0" g="0" b="0"/>
       </a:lnRef>
       <a:fillRef idx="1">
@@ -6930,7 +10267,7 @@
     <dgm:sp3d/>
     <dgm:txPr/>
     <dgm:style>
-      <a:lnRef idx="2">
+      <a:lnRef idx="1">
         <a:scrgbClr r="0" g="0" b="0"/>
       </a:lnRef>
       <a:fillRef idx="1">
@@ -6950,7 +10287,7 @@
     <dgm:sp3d/>
     <dgm:txPr/>
     <dgm:style>
-      <a:lnRef idx="2">
+      <a:lnRef idx="1">
         <a:scrgbClr r="0" g="0" b="0"/>
       </a:lnRef>
       <a:fillRef idx="1">
@@ -6970,7 +10307,7 @@
     <dgm:sp3d/>
     <dgm:txPr/>
     <dgm:style>
-      <a:lnRef idx="2">
+      <a:lnRef idx="1">
         <a:scrgbClr r="0" g="0" b="0"/>
       </a:lnRef>
       <a:fillRef idx="1">
@@ -6990,7 +10327,7 @@
     <dgm:sp3d/>
     <dgm:txPr/>
     <dgm:style>
-      <a:lnRef idx="2">
+      <a:lnRef idx="1">
         <a:scrgbClr r="0" g="0" b="0"/>
       </a:lnRef>
       <a:fillRef idx="1">
@@ -7010,7 +10347,7 @@
     <dgm:sp3d/>
     <dgm:txPr/>
     <dgm:style>
-      <a:lnRef idx="2">
+      <a:lnRef idx="1">
         <a:scrgbClr r="0" g="0" b="0"/>
       </a:lnRef>
       <a:fillRef idx="1">
@@ -7030,7 +10367,7 @@
     <dgm:sp3d/>
     <dgm:txPr/>
     <dgm:style>
-      <a:lnRef idx="2">
+      <a:lnRef idx="1">
         <a:scrgbClr r="0" g="0" b="0"/>
       </a:lnRef>
       <a:fillRef idx="1">
@@ -7050,7 +10387,7 @@
     <dgm:sp3d/>
     <dgm:txPr/>
     <dgm:style>
-      <a:lnRef idx="2">
+      <a:lnRef idx="1">
         <a:scrgbClr r="0" g="0" b="0"/>
       </a:lnRef>
       <a:fillRef idx="1">
@@ -7070,7 +10407,7 @@
     <dgm:sp3d/>
     <dgm:txPr/>
     <dgm:style>
-      <a:lnRef idx="2">
+      <a:lnRef idx="1">
         <a:scrgbClr r="0" g="0" b="0"/>
       </a:lnRef>
       <a:fillRef idx="1">
@@ -7090,7 +10427,7 @@
     <dgm:sp3d/>
     <dgm:txPr/>
     <dgm:style>
-      <a:lnRef idx="2">
+      <a:lnRef idx="1">
         <a:scrgbClr r="0" g="0" b="0"/>
       </a:lnRef>
       <a:fillRef idx="1">
@@ -7110,7 +10447,7 @@
     <dgm:sp3d/>
     <dgm:txPr/>
     <dgm:style>
-      <a:lnRef idx="2">
+      <a:lnRef idx="1">
         <a:scrgbClr r="0" g="0" b="0"/>
       </a:lnRef>
       <a:fillRef idx="1">
@@ -7136,7 +10473,7 @@
       <a:fillRef idx="1">
         <a:scrgbClr r="0" g="0" b="0"/>
       </a:fillRef>
-      <a:effectRef idx="0">
+      <a:effectRef idx="2">
         <a:scrgbClr r="0" g="0" b="0"/>
       </a:effectRef>
       <a:fontRef idx="minor"/>
@@ -7156,7 +10493,7 @@
       <a:fillRef idx="1">
         <a:scrgbClr r="0" g="0" b="0"/>
       </a:fillRef>
-      <a:effectRef idx="0">
+      <a:effectRef idx="2">
         <a:scrgbClr r="0" g="0" b="0"/>
       </a:effectRef>
       <a:fontRef idx="minor"/>
@@ -7190,13 +10527,13 @@
     <dgm:sp3d/>
     <dgm:txPr/>
     <dgm:style>
-      <a:lnRef idx="2">
+      <a:lnRef idx="0">
         <a:scrgbClr r="0" g="0" b="0"/>
       </a:lnRef>
-      <a:fillRef idx="1">
+      <a:fillRef idx="3">
         <a:scrgbClr r="0" g="0" b="0"/>
       </a:fillRef>
-      <a:effectRef idx="0">
+      <a:effectRef idx="2">
         <a:scrgbClr r="0" g="0" b="0"/>
       </a:effectRef>
       <a:fontRef idx="minor"/>
@@ -9294,6 +12631,1040 @@
 </file>
 
 <file path=ppt/diagrams/quickStyle4.xml><?xml version="1.0" encoding="utf-8"?>
+<dgm:styleDef xmlns:dgm="http://schemas.openxmlformats.org/drawingml/2006/diagram" xmlns:a="http://schemas.openxmlformats.org/drawingml/2006/main" uniqueId="urn:microsoft.com/office/officeart/2005/8/quickstyle/simple1">
+  <dgm:title val=""/>
+  <dgm:desc val=""/>
+  <dgm:catLst>
+    <dgm:cat type="simple" pri="10100"/>
+  </dgm:catLst>
+  <dgm:scene3d>
+    <a:camera prst="orthographicFront"/>
+    <a:lightRig rig="threePt" dir="t"/>
+  </dgm:scene3d>
+  <dgm:styleLbl name="node0">
+    <dgm:scene3d>
+      <a:camera prst="orthographicFront"/>
+      <a:lightRig rig="threePt" dir="t"/>
+    </dgm:scene3d>
+    <dgm:sp3d/>
+    <dgm:txPr/>
+    <dgm:style>
+      <a:lnRef idx="2">
+        <a:scrgbClr r="0" g="0" b="0"/>
+      </a:lnRef>
+      <a:fillRef idx="1">
+        <a:scrgbClr r="0" g="0" b="0"/>
+      </a:fillRef>
+      <a:effectRef idx="0">
+        <a:scrgbClr r="0" g="0" b="0"/>
+      </a:effectRef>
+      <a:fontRef idx="minor">
+        <a:schemeClr val="lt1"/>
+      </a:fontRef>
+    </dgm:style>
+  </dgm:styleLbl>
+  <dgm:styleLbl name="lnNode1">
+    <dgm:scene3d>
+      <a:camera prst="orthographicFront"/>
+      <a:lightRig rig="threePt" dir="t"/>
+    </dgm:scene3d>
+    <dgm:sp3d/>
+    <dgm:txPr/>
+    <dgm:style>
+      <a:lnRef idx="2">
+        <a:scrgbClr r="0" g="0" b="0"/>
+      </a:lnRef>
+      <a:fillRef idx="1">
+        <a:scrgbClr r="0" g="0" b="0"/>
+      </a:fillRef>
+      <a:effectRef idx="0">
+        <a:scrgbClr r="0" g="0" b="0"/>
+      </a:effectRef>
+      <a:fontRef idx="minor">
+        <a:schemeClr val="lt1"/>
+      </a:fontRef>
+    </dgm:style>
+  </dgm:styleLbl>
+  <dgm:styleLbl name="vennNode1">
+    <dgm:scene3d>
+      <a:camera prst="orthographicFront"/>
+      <a:lightRig rig="threePt" dir="t"/>
+    </dgm:scene3d>
+    <dgm:sp3d/>
+    <dgm:txPr/>
+    <dgm:style>
+      <a:lnRef idx="2">
+        <a:scrgbClr r="0" g="0" b="0"/>
+      </a:lnRef>
+      <a:fillRef idx="1">
+        <a:scrgbClr r="0" g="0" b="0"/>
+      </a:fillRef>
+      <a:effectRef idx="0">
+        <a:scrgbClr r="0" g="0" b="0"/>
+      </a:effectRef>
+      <a:fontRef idx="minor">
+        <a:schemeClr val="tx1"/>
+      </a:fontRef>
+    </dgm:style>
+  </dgm:styleLbl>
+  <dgm:styleLbl name="alignNode1">
+    <dgm:scene3d>
+      <a:camera prst="orthographicFront"/>
+      <a:lightRig rig="threePt" dir="t"/>
+    </dgm:scene3d>
+    <dgm:sp3d/>
+    <dgm:txPr/>
+    <dgm:style>
+      <a:lnRef idx="2">
+        <a:scrgbClr r="0" g="0" b="0"/>
+      </a:lnRef>
+      <a:fillRef idx="1">
+        <a:scrgbClr r="0" g="0" b="0"/>
+      </a:fillRef>
+      <a:effectRef idx="0">
+        <a:scrgbClr r="0" g="0" b="0"/>
+      </a:effectRef>
+      <a:fontRef idx="minor">
+        <a:schemeClr val="lt1"/>
+      </a:fontRef>
+    </dgm:style>
+  </dgm:styleLbl>
+  <dgm:styleLbl name="node1">
+    <dgm:scene3d>
+      <a:camera prst="orthographicFront"/>
+      <a:lightRig rig="threePt" dir="t"/>
+    </dgm:scene3d>
+    <dgm:sp3d/>
+    <dgm:txPr/>
+    <dgm:style>
+      <a:lnRef idx="2">
+        <a:scrgbClr r="0" g="0" b="0"/>
+      </a:lnRef>
+      <a:fillRef idx="1">
+        <a:scrgbClr r="0" g="0" b="0"/>
+      </a:fillRef>
+      <a:effectRef idx="0">
+        <a:scrgbClr r="0" g="0" b="0"/>
+      </a:effectRef>
+      <a:fontRef idx="minor">
+        <a:schemeClr val="lt1"/>
+      </a:fontRef>
+    </dgm:style>
+  </dgm:styleLbl>
+  <dgm:styleLbl name="node2">
+    <dgm:scene3d>
+      <a:camera prst="orthographicFront"/>
+      <a:lightRig rig="threePt" dir="t"/>
+    </dgm:scene3d>
+    <dgm:sp3d/>
+    <dgm:txPr/>
+    <dgm:style>
+      <a:lnRef idx="2">
+        <a:scrgbClr r="0" g="0" b="0"/>
+      </a:lnRef>
+      <a:fillRef idx="1">
+        <a:scrgbClr r="0" g="0" b="0"/>
+      </a:fillRef>
+      <a:effectRef idx="0">
+        <a:scrgbClr r="0" g="0" b="0"/>
+      </a:effectRef>
+      <a:fontRef idx="minor">
+        <a:schemeClr val="lt1"/>
+      </a:fontRef>
+    </dgm:style>
+  </dgm:styleLbl>
+  <dgm:styleLbl name="node3">
+    <dgm:scene3d>
+      <a:camera prst="orthographicFront"/>
+      <a:lightRig rig="threePt" dir="t"/>
+    </dgm:scene3d>
+    <dgm:sp3d/>
+    <dgm:txPr/>
+    <dgm:style>
+      <a:lnRef idx="2">
+        <a:scrgbClr r="0" g="0" b="0"/>
+      </a:lnRef>
+      <a:fillRef idx="1">
+        <a:scrgbClr r="0" g="0" b="0"/>
+      </a:fillRef>
+      <a:effectRef idx="0">
+        <a:scrgbClr r="0" g="0" b="0"/>
+      </a:effectRef>
+      <a:fontRef idx="minor">
+        <a:schemeClr val="lt1"/>
+      </a:fontRef>
+    </dgm:style>
+  </dgm:styleLbl>
+  <dgm:styleLbl name="node4">
+    <dgm:scene3d>
+      <a:camera prst="orthographicFront"/>
+      <a:lightRig rig="threePt" dir="t"/>
+    </dgm:scene3d>
+    <dgm:sp3d/>
+    <dgm:txPr/>
+    <dgm:style>
+      <a:lnRef idx="2">
+        <a:scrgbClr r="0" g="0" b="0"/>
+      </a:lnRef>
+      <a:fillRef idx="1">
+        <a:scrgbClr r="0" g="0" b="0"/>
+      </a:fillRef>
+      <a:effectRef idx="0">
+        <a:scrgbClr r="0" g="0" b="0"/>
+      </a:effectRef>
+      <a:fontRef idx="minor">
+        <a:schemeClr val="lt1"/>
+      </a:fontRef>
+    </dgm:style>
+  </dgm:styleLbl>
+  <dgm:styleLbl name="fgImgPlace1">
+    <dgm:scene3d>
+      <a:camera prst="orthographicFront"/>
+      <a:lightRig rig="threePt" dir="t"/>
+    </dgm:scene3d>
+    <dgm:sp3d/>
+    <dgm:txPr/>
+    <dgm:style>
+      <a:lnRef idx="2">
+        <a:scrgbClr r="0" g="0" b="0"/>
+      </a:lnRef>
+      <a:fillRef idx="1">
+        <a:scrgbClr r="0" g="0" b="0"/>
+      </a:fillRef>
+      <a:effectRef idx="0">
+        <a:scrgbClr r="0" g="0" b="0"/>
+      </a:effectRef>
+      <a:fontRef idx="minor"/>
+    </dgm:style>
+  </dgm:styleLbl>
+  <dgm:styleLbl name="alignImgPlace1">
+    <dgm:scene3d>
+      <a:camera prst="orthographicFront"/>
+      <a:lightRig rig="threePt" dir="t"/>
+    </dgm:scene3d>
+    <dgm:sp3d/>
+    <dgm:txPr/>
+    <dgm:style>
+      <a:lnRef idx="2">
+        <a:scrgbClr r="0" g="0" b="0"/>
+      </a:lnRef>
+      <a:fillRef idx="1">
+        <a:scrgbClr r="0" g="0" b="0"/>
+      </a:fillRef>
+      <a:effectRef idx="0">
+        <a:scrgbClr r="0" g="0" b="0"/>
+      </a:effectRef>
+      <a:fontRef idx="minor"/>
+    </dgm:style>
+  </dgm:styleLbl>
+  <dgm:styleLbl name="bgImgPlace1">
+    <dgm:scene3d>
+      <a:camera prst="orthographicFront"/>
+      <a:lightRig rig="threePt" dir="t"/>
+    </dgm:scene3d>
+    <dgm:sp3d/>
+    <dgm:txPr/>
+    <dgm:style>
+      <a:lnRef idx="2">
+        <a:scrgbClr r="0" g="0" b="0"/>
+      </a:lnRef>
+      <a:fillRef idx="1">
+        <a:scrgbClr r="0" g="0" b="0"/>
+      </a:fillRef>
+      <a:effectRef idx="0">
+        <a:scrgbClr r="0" g="0" b="0"/>
+      </a:effectRef>
+      <a:fontRef idx="minor"/>
+    </dgm:style>
+  </dgm:styleLbl>
+  <dgm:styleLbl name="sibTrans2D1">
+    <dgm:scene3d>
+      <a:camera prst="orthographicFront"/>
+      <a:lightRig rig="threePt" dir="t"/>
+    </dgm:scene3d>
+    <dgm:sp3d/>
+    <dgm:txPr/>
+    <dgm:style>
+      <a:lnRef idx="0">
+        <a:scrgbClr r="0" g="0" b="0"/>
+      </a:lnRef>
+      <a:fillRef idx="1">
+        <a:scrgbClr r="0" g="0" b="0"/>
+      </a:fillRef>
+      <a:effectRef idx="0">
+        <a:scrgbClr r="0" g="0" b="0"/>
+      </a:effectRef>
+      <a:fontRef idx="minor">
+        <a:schemeClr val="lt1"/>
+      </a:fontRef>
+    </dgm:style>
+  </dgm:styleLbl>
+  <dgm:styleLbl name="fgSibTrans2D1">
+    <dgm:scene3d>
+      <a:camera prst="orthographicFront"/>
+      <a:lightRig rig="threePt" dir="t"/>
+    </dgm:scene3d>
+    <dgm:sp3d/>
+    <dgm:txPr/>
+    <dgm:style>
+      <a:lnRef idx="0">
+        <a:scrgbClr r="0" g="0" b="0"/>
+      </a:lnRef>
+      <a:fillRef idx="1">
+        <a:scrgbClr r="0" g="0" b="0"/>
+      </a:fillRef>
+      <a:effectRef idx="0">
+        <a:scrgbClr r="0" g="0" b="0"/>
+      </a:effectRef>
+      <a:fontRef idx="minor">
+        <a:schemeClr val="lt1"/>
+      </a:fontRef>
+    </dgm:style>
+  </dgm:styleLbl>
+  <dgm:styleLbl name="bgSibTrans2D1">
+    <dgm:scene3d>
+      <a:camera prst="orthographicFront"/>
+      <a:lightRig rig="threePt" dir="t"/>
+    </dgm:scene3d>
+    <dgm:sp3d/>
+    <dgm:txPr/>
+    <dgm:style>
+      <a:lnRef idx="0">
+        <a:scrgbClr r="0" g="0" b="0"/>
+      </a:lnRef>
+      <a:fillRef idx="1">
+        <a:scrgbClr r="0" g="0" b="0"/>
+      </a:fillRef>
+      <a:effectRef idx="0">
+        <a:scrgbClr r="0" g="0" b="0"/>
+      </a:effectRef>
+      <a:fontRef idx="minor">
+        <a:schemeClr val="lt1"/>
+      </a:fontRef>
+    </dgm:style>
+  </dgm:styleLbl>
+  <dgm:styleLbl name="sibTrans1D1">
+    <dgm:scene3d>
+      <a:camera prst="orthographicFront"/>
+      <a:lightRig rig="threePt" dir="t"/>
+    </dgm:scene3d>
+    <dgm:sp3d/>
+    <dgm:txPr/>
+    <dgm:style>
+      <a:lnRef idx="1">
+        <a:scrgbClr r="0" g="0" b="0"/>
+      </a:lnRef>
+      <a:fillRef idx="0">
+        <a:scrgbClr r="0" g="0" b="0"/>
+      </a:fillRef>
+      <a:effectRef idx="0">
+        <a:scrgbClr r="0" g="0" b="0"/>
+      </a:effectRef>
+      <a:fontRef idx="minor"/>
+    </dgm:style>
+  </dgm:styleLbl>
+  <dgm:styleLbl name="callout">
+    <dgm:scene3d>
+      <a:camera prst="orthographicFront"/>
+      <a:lightRig rig="threePt" dir="t"/>
+    </dgm:scene3d>
+    <dgm:sp3d/>
+    <dgm:txPr/>
+    <dgm:style>
+      <a:lnRef idx="2">
+        <a:scrgbClr r="0" g="0" b="0"/>
+      </a:lnRef>
+      <a:fillRef idx="1">
+        <a:scrgbClr r="0" g="0" b="0"/>
+      </a:fillRef>
+      <a:effectRef idx="0">
+        <a:scrgbClr r="0" g="0" b="0"/>
+      </a:effectRef>
+      <a:fontRef idx="minor"/>
+    </dgm:style>
+  </dgm:styleLbl>
+  <dgm:styleLbl name="asst0">
+    <dgm:scene3d>
+      <a:camera prst="orthographicFront"/>
+      <a:lightRig rig="threePt" dir="t"/>
+    </dgm:scene3d>
+    <dgm:sp3d/>
+    <dgm:txPr/>
+    <dgm:style>
+      <a:lnRef idx="2">
+        <a:scrgbClr r="0" g="0" b="0"/>
+      </a:lnRef>
+      <a:fillRef idx="1">
+        <a:scrgbClr r="0" g="0" b="0"/>
+      </a:fillRef>
+      <a:effectRef idx="0">
+        <a:scrgbClr r="0" g="0" b="0"/>
+      </a:effectRef>
+      <a:fontRef idx="minor">
+        <a:schemeClr val="lt1"/>
+      </a:fontRef>
+    </dgm:style>
+  </dgm:styleLbl>
+  <dgm:styleLbl name="asst1">
+    <dgm:scene3d>
+      <a:camera prst="orthographicFront"/>
+      <a:lightRig rig="threePt" dir="t"/>
+    </dgm:scene3d>
+    <dgm:sp3d/>
+    <dgm:txPr/>
+    <dgm:style>
+      <a:lnRef idx="2">
+        <a:scrgbClr r="0" g="0" b="0"/>
+      </a:lnRef>
+      <a:fillRef idx="1">
+        <a:scrgbClr r="0" g="0" b="0"/>
+      </a:fillRef>
+      <a:effectRef idx="0">
+        <a:scrgbClr r="0" g="0" b="0"/>
+      </a:effectRef>
+      <a:fontRef idx="minor">
+        <a:schemeClr val="lt1"/>
+      </a:fontRef>
+    </dgm:style>
+  </dgm:styleLbl>
+  <dgm:styleLbl name="asst2">
+    <dgm:scene3d>
+      <a:camera prst="orthographicFront"/>
+      <a:lightRig rig="threePt" dir="t"/>
+    </dgm:scene3d>
+    <dgm:sp3d/>
+    <dgm:txPr/>
+    <dgm:style>
+      <a:lnRef idx="2">
+        <a:scrgbClr r="0" g="0" b="0"/>
+      </a:lnRef>
+      <a:fillRef idx="1">
+        <a:scrgbClr r="0" g="0" b="0"/>
+      </a:fillRef>
+      <a:effectRef idx="0">
+        <a:scrgbClr r="0" g="0" b="0"/>
+      </a:effectRef>
+      <a:fontRef idx="minor">
+        <a:schemeClr val="lt1"/>
+      </a:fontRef>
+    </dgm:style>
+  </dgm:styleLbl>
+  <dgm:styleLbl name="asst3">
+    <dgm:scene3d>
+      <a:camera prst="orthographicFront"/>
+      <a:lightRig rig="threePt" dir="t"/>
+    </dgm:scene3d>
+    <dgm:sp3d/>
+    <dgm:txPr/>
+    <dgm:style>
+      <a:lnRef idx="2">
+        <a:scrgbClr r="0" g="0" b="0"/>
+      </a:lnRef>
+      <a:fillRef idx="1">
+        <a:scrgbClr r="0" g="0" b="0"/>
+      </a:fillRef>
+      <a:effectRef idx="0">
+        <a:scrgbClr r="0" g="0" b="0"/>
+      </a:effectRef>
+      <a:fontRef idx="minor">
+        <a:schemeClr val="lt1"/>
+      </a:fontRef>
+    </dgm:style>
+  </dgm:styleLbl>
+  <dgm:styleLbl name="asst4">
+    <dgm:scene3d>
+      <a:camera prst="orthographicFront"/>
+      <a:lightRig rig="threePt" dir="t"/>
+    </dgm:scene3d>
+    <dgm:sp3d/>
+    <dgm:txPr/>
+    <dgm:style>
+      <a:lnRef idx="2">
+        <a:scrgbClr r="0" g="0" b="0"/>
+      </a:lnRef>
+      <a:fillRef idx="1">
+        <a:scrgbClr r="0" g="0" b="0"/>
+      </a:fillRef>
+      <a:effectRef idx="0">
+        <a:scrgbClr r="0" g="0" b="0"/>
+      </a:effectRef>
+      <a:fontRef idx="minor">
+        <a:schemeClr val="lt1"/>
+      </a:fontRef>
+    </dgm:style>
+  </dgm:styleLbl>
+  <dgm:styleLbl name="parChTrans2D1">
+    <dgm:scene3d>
+      <a:camera prst="orthographicFront"/>
+      <a:lightRig rig="threePt" dir="t"/>
+    </dgm:scene3d>
+    <dgm:sp3d/>
+    <dgm:txPr/>
+    <dgm:style>
+      <a:lnRef idx="2">
+        <a:scrgbClr r="0" g="0" b="0"/>
+      </a:lnRef>
+      <a:fillRef idx="1">
+        <a:scrgbClr r="0" g="0" b="0"/>
+      </a:fillRef>
+      <a:effectRef idx="0">
+        <a:scrgbClr r="0" g="0" b="0"/>
+      </a:effectRef>
+      <a:fontRef idx="minor">
+        <a:schemeClr val="lt1"/>
+      </a:fontRef>
+    </dgm:style>
+  </dgm:styleLbl>
+  <dgm:styleLbl name="parChTrans2D2">
+    <dgm:scene3d>
+      <a:camera prst="orthographicFront"/>
+      <a:lightRig rig="threePt" dir="t"/>
+    </dgm:scene3d>
+    <dgm:sp3d/>
+    <dgm:txPr/>
+    <dgm:style>
+      <a:lnRef idx="2">
+        <a:scrgbClr r="0" g="0" b="0"/>
+      </a:lnRef>
+      <a:fillRef idx="1">
+        <a:scrgbClr r="0" g="0" b="0"/>
+      </a:fillRef>
+      <a:effectRef idx="0">
+        <a:scrgbClr r="0" g="0" b="0"/>
+      </a:effectRef>
+      <a:fontRef idx="minor">
+        <a:schemeClr val="lt1"/>
+      </a:fontRef>
+    </dgm:style>
+  </dgm:styleLbl>
+  <dgm:styleLbl name="parChTrans2D3">
+    <dgm:scene3d>
+      <a:camera prst="orthographicFront"/>
+      <a:lightRig rig="threePt" dir="t"/>
+    </dgm:scene3d>
+    <dgm:sp3d/>
+    <dgm:txPr/>
+    <dgm:style>
+      <a:lnRef idx="2">
+        <a:scrgbClr r="0" g="0" b="0"/>
+      </a:lnRef>
+      <a:fillRef idx="1">
+        <a:scrgbClr r="0" g="0" b="0"/>
+      </a:fillRef>
+      <a:effectRef idx="0">
+        <a:scrgbClr r="0" g="0" b="0"/>
+      </a:effectRef>
+      <a:fontRef idx="minor">
+        <a:schemeClr val="lt1"/>
+      </a:fontRef>
+    </dgm:style>
+  </dgm:styleLbl>
+  <dgm:styleLbl name="parChTrans2D4">
+    <dgm:scene3d>
+      <a:camera prst="orthographicFront"/>
+      <a:lightRig rig="threePt" dir="t"/>
+    </dgm:scene3d>
+    <dgm:sp3d/>
+    <dgm:txPr/>
+    <dgm:style>
+      <a:lnRef idx="2">
+        <a:scrgbClr r="0" g="0" b="0"/>
+      </a:lnRef>
+      <a:fillRef idx="1">
+        <a:scrgbClr r="0" g="0" b="0"/>
+      </a:fillRef>
+      <a:effectRef idx="0">
+        <a:scrgbClr r="0" g="0" b="0"/>
+      </a:effectRef>
+      <a:fontRef idx="minor">
+        <a:schemeClr val="lt1"/>
+      </a:fontRef>
+    </dgm:style>
+  </dgm:styleLbl>
+  <dgm:styleLbl name="parChTrans1D1">
+    <dgm:scene3d>
+      <a:camera prst="orthographicFront"/>
+      <a:lightRig rig="threePt" dir="t"/>
+    </dgm:scene3d>
+    <dgm:sp3d/>
+    <dgm:txPr/>
+    <dgm:style>
+      <a:lnRef idx="2">
+        <a:scrgbClr r="0" g="0" b="0"/>
+      </a:lnRef>
+      <a:fillRef idx="0">
+        <a:scrgbClr r="0" g="0" b="0"/>
+      </a:fillRef>
+      <a:effectRef idx="0">
+        <a:scrgbClr r="0" g="0" b="0"/>
+      </a:effectRef>
+      <a:fontRef idx="minor"/>
+    </dgm:style>
+  </dgm:styleLbl>
+  <dgm:styleLbl name="parChTrans1D2">
+    <dgm:scene3d>
+      <a:camera prst="orthographicFront"/>
+      <a:lightRig rig="threePt" dir="t"/>
+    </dgm:scene3d>
+    <dgm:sp3d/>
+    <dgm:txPr/>
+    <dgm:style>
+      <a:lnRef idx="2">
+        <a:scrgbClr r="0" g="0" b="0"/>
+      </a:lnRef>
+      <a:fillRef idx="0">
+        <a:scrgbClr r="0" g="0" b="0"/>
+      </a:fillRef>
+      <a:effectRef idx="0">
+        <a:scrgbClr r="0" g="0" b="0"/>
+      </a:effectRef>
+      <a:fontRef idx="minor"/>
+    </dgm:style>
+  </dgm:styleLbl>
+  <dgm:styleLbl name="parChTrans1D3">
+    <dgm:scene3d>
+      <a:camera prst="orthographicFront"/>
+      <a:lightRig rig="threePt" dir="t"/>
+    </dgm:scene3d>
+    <dgm:sp3d/>
+    <dgm:txPr/>
+    <dgm:style>
+      <a:lnRef idx="2">
+        <a:scrgbClr r="0" g="0" b="0"/>
+      </a:lnRef>
+      <a:fillRef idx="0">
+        <a:scrgbClr r="0" g="0" b="0"/>
+      </a:fillRef>
+      <a:effectRef idx="0">
+        <a:scrgbClr r="0" g="0" b="0"/>
+      </a:effectRef>
+      <a:fontRef idx="minor"/>
+    </dgm:style>
+  </dgm:styleLbl>
+  <dgm:styleLbl name="parChTrans1D4">
+    <dgm:scene3d>
+      <a:camera prst="orthographicFront"/>
+      <a:lightRig rig="threePt" dir="t"/>
+    </dgm:scene3d>
+    <dgm:sp3d/>
+    <dgm:txPr/>
+    <dgm:style>
+      <a:lnRef idx="2">
+        <a:scrgbClr r="0" g="0" b="0"/>
+      </a:lnRef>
+      <a:fillRef idx="0">
+        <a:scrgbClr r="0" g="0" b="0"/>
+      </a:fillRef>
+      <a:effectRef idx="0">
+        <a:scrgbClr r="0" g="0" b="0"/>
+      </a:effectRef>
+      <a:fontRef idx="minor"/>
+    </dgm:style>
+  </dgm:styleLbl>
+  <dgm:styleLbl name="fgAcc1">
+    <dgm:scene3d>
+      <a:camera prst="orthographicFront"/>
+      <a:lightRig rig="threePt" dir="t"/>
+    </dgm:scene3d>
+    <dgm:sp3d/>
+    <dgm:txPr/>
+    <dgm:style>
+      <a:lnRef idx="2">
+        <a:scrgbClr r="0" g="0" b="0"/>
+      </a:lnRef>
+      <a:fillRef idx="1">
+        <a:scrgbClr r="0" g="0" b="0"/>
+      </a:fillRef>
+      <a:effectRef idx="0">
+        <a:scrgbClr r="0" g="0" b="0"/>
+      </a:effectRef>
+      <a:fontRef idx="minor"/>
+    </dgm:style>
+  </dgm:styleLbl>
+  <dgm:styleLbl name="conFgAcc1">
+    <dgm:scene3d>
+      <a:camera prst="orthographicFront"/>
+      <a:lightRig rig="threePt" dir="t"/>
+    </dgm:scene3d>
+    <dgm:sp3d/>
+    <dgm:txPr/>
+    <dgm:style>
+      <a:lnRef idx="2">
+        <a:scrgbClr r="0" g="0" b="0"/>
+      </a:lnRef>
+      <a:fillRef idx="1">
+        <a:scrgbClr r="0" g="0" b="0"/>
+      </a:fillRef>
+      <a:effectRef idx="0">
+        <a:scrgbClr r="0" g="0" b="0"/>
+      </a:effectRef>
+      <a:fontRef idx="minor"/>
+    </dgm:style>
+  </dgm:styleLbl>
+  <dgm:styleLbl name="alignAcc1">
+    <dgm:scene3d>
+      <a:camera prst="orthographicFront"/>
+      <a:lightRig rig="threePt" dir="t"/>
+    </dgm:scene3d>
+    <dgm:sp3d/>
+    <dgm:txPr/>
+    <dgm:style>
+      <a:lnRef idx="2">
+        <a:scrgbClr r="0" g="0" b="0"/>
+      </a:lnRef>
+      <a:fillRef idx="1">
+        <a:scrgbClr r="0" g="0" b="0"/>
+      </a:fillRef>
+      <a:effectRef idx="0">
+        <a:scrgbClr r="0" g="0" b="0"/>
+      </a:effectRef>
+      <a:fontRef idx="minor"/>
+    </dgm:style>
+  </dgm:styleLbl>
+  <dgm:styleLbl name="trAlignAcc1">
+    <dgm:scene3d>
+      <a:camera prst="orthographicFront"/>
+      <a:lightRig rig="threePt" dir="t"/>
+    </dgm:scene3d>
+    <dgm:sp3d/>
+    <dgm:txPr/>
+    <dgm:style>
+      <a:lnRef idx="1">
+        <a:scrgbClr r="0" g="0" b="0"/>
+      </a:lnRef>
+      <a:fillRef idx="1">
+        <a:scrgbClr r="0" g="0" b="0"/>
+      </a:fillRef>
+      <a:effectRef idx="0">
+        <a:scrgbClr r="0" g="0" b="0"/>
+      </a:effectRef>
+      <a:fontRef idx="minor"/>
+    </dgm:style>
+  </dgm:styleLbl>
+  <dgm:styleLbl name="bgAcc1">
+    <dgm:scene3d>
+      <a:camera prst="orthographicFront"/>
+      <a:lightRig rig="threePt" dir="t"/>
+    </dgm:scene3d>
+    <dgm:sp3d/>
+    <dgm:txPr/>
+    <dgm:style>
+      <a:lnRef idx="2">
+        <a:scrgbClr r="0" g="0" b="0"/>
+      </a:lnRef>
+      <a:fillRef idx="1">
+        <a:scrgbClr r="0" g="0" b="0"/>
+      </a:fillRef>
+      <a:effectRef idx="0">
+        <a:scrgbClr r="0" g="0" b="0"/>
+      </a:effectRef>
+      <a:fontRef idx="minor"/>
+    </dgm:style>
+  </dgm:styleLbl>
+  <dgm:styleLbl name="solidFgAcc1">
+    <dgm:scene3d>
+      <a:camera prst="orthographicFront"/>
+      <a:lightRig rig="threePt" dir="t"/>
+    </dgm:scene3d>
+    <dgm:sp3d/>
+    <dgm:txPr/>
+    <dgm:style>
+      <a:lnRef idx="2">
+        <a:scrgbClr r="0" g="0" b="0"/>
+      </a:lnRef>
+      <a:fillRef idx="1">
+        <a:scrgbClr r="0" g="0" b="0"/>
+      </a:fillRef>
+      <a:effectRef idx="0">
+        <a:scrgbClr r="0" g="0" b="0"/>
+      </a:effectRef>
+      <a:fontRef idx="minor"/>
+    </dgm:style>
+  </dgm:styleLbl>
+  <dgm:styleLbl name="solidAlignAcc1">
+    <dgm:scene3d>
+      <a:camera prst="orthographicFront"/>
+      <a:lightRig rig="threePt" dir="t"/>
+    </dgm:scene3d>
+    <dgm:sp3d/>
+    <dgm:txPr/>
+    <dgm:style>
+      <a:lnRef idx="2">
+        <a:scrgbClr r="0" g="0" b="0"/>
+      </a:lnRef>
+      <a:fillRef idx="1">
+        <a:scrgbClr r="0" g="0" b="0"/>
+      </a:fillRef>
+      <a:effectRef idx="0">
+        <a:scrgbClr r="0" g="0" b="0"/>
+      </a:effectRef>
+      <a:fontRef idx="minor"/>
+    </dgm:style>
+  </dgm:styleLbl>
+  <dgm:styleLbl name="solidBgAcc1">
+    <dgm:scene3d>
+      <a:camera prst="orthographicFront"/>
+      <a:lightRig rig="threePt" dir="t"/>
+    </dgm:scene3d>
+    <dgm:sp3d/>
+    <dgm:txPr/>
+    <dgm:style>
+      <a:lnRef idx="2">
+        <a:scrgbClr r="0" g="0" b="0"/>
+      </a:lnRef>
+      <a:fillRef idx="1">
+        <a:scrgbClr r="0" g="0" b="0"/>
+      </a:fillRef>
+      <a:effectRef idx="0">
+        <a:scrgbClr r="0" g="0" b="0"/>
+      </a:effectRef>
+      <a:fontRef idx="minor"/>
+    </dgm:style>
+  </dgm:styleLbl>
+  <dgm:styleLbl name="fgAccFollowNode1">
+    <dgm:scene3d>
+      <a:camera prst="orthographicFront"/>
+      <a:lightRig rig="threePt" dir="t"/>
+    </dgm:scene3d>
+    <dgm:sp3d/>
+    <dgm:txPr/>
+    <dgm:style>
+      <a:lnRef idx="2">
+        <a:scrgbClr r="0" g="0" b="0"/>
+      </a:lnRef>
+      <a:fillRef idx="1">
+        <a:scrgbClr r="0" g="0" b="0"/>
+      </a:fillRef>
+      <a:effectRef idx="0">
+        <a:scrgbClr r="0" g="0" b="0"/>
+      </a:effectRef>
+      <a:fontRef idx="minor"/>
+    </dgm:style>
+  </dgm:styleLbl>
+  <dgm:styleLbl name="alignAccFollowNode1">
+    <dgm:scene3d>
+      <a:camera prst="orthographicFront"/>
+      <a:lightRig rig="threePt" dir="t"/>
+    </dgm:scene3d>
+    <dgm:sp3d/>
+    <dgm:txPr/>
+    <dgm:style>
+      <a:lnRef idx="2">
+        <a:scrgbClr r="0" g="0" b="0"/>
+      </a:lnRef>
+      <a:fillRef idx="1">
+        <a:scrgbClr r="0" g="0" b="0"/>
+      </a:fillRef>
+      <a:effectRef idx="0">
+        <a:scrgbClr r="0" g="0" b="0"/>
+      </a:effectRef>
+      <a:fontRef idx="minor"/>
+    </dgm:style>
+  </dgm:styleLbl>
+  <dgm:styleLbl name="bgAccFollowNode1">
+    <dgm:scene3d>
+      <a:camera prst="orthographicFront"/>
+      <a:lightRig rig="threePt" dir="t"/>
+    </dgm:scene3d>
+    <dgm:sp3d/>
+    <dgm:txPr/>
+    <dgm:style>
+      <a:lnRef idx="2">
+        <a:scrgbClr r="0" g="0" b="0"/>
+      </a:lnRef>
+      <a:fillRef idx="1">
+        <a:scrgbClr r="0" g="0" b="0"/>
+      </a:fillRef>
+      <a:effectRef idx="0">
+        <a:scrgbClr r="0" g="0" b="0"/>
+      </a:effectRef>
+      <a:fontRef idx="minor"/>
+    </dgm:style>
+  </dgm:styleLbl>
+  <dgm:styleLbl name="fgAcc0">
+    <dgm:scene3d>
+      <a:camera prst="orthographicFront"/>
+      <a:lightRig rig="threePt" dir="t"/>
+    </dgm:scene3d>
+    <dgm:sp3d/>
+    <dgm:txPr/>
+    <dgm:style>
+      <a:lnRef idx="2">
+        <a:scrgbClr r="0" g="0" b="0"/>
+      </a:lnRef>
+      <a:fillRef idx="1">
+        <a:scrgbClr r="0" g="0" b="0"/>
+      </a:fillRef>
+      <a:effectRef idx="0">
+        <a:scrgbClr r="0" g="0" b="0"/>
+      </a:effectRef>
+      <a:fontRef idx="minor"/>
+    </dgm:style>
+  </dgm:styleLbl>
+  <dgm:styleLbl name="fgAcc2">
+    <dgm:scene3d>
+      <a:camera prst="orthographicFront"/>
+      <a:lightRig rig="threePt" dir="t"/>
+    </dgm:scene3d>
+    <dgm:sp3d/>
+    <dgm:txPr/>
+    <dgm:style>
+      <a:lnRef idx="2">
+        <a:scrgbClr r="0" g="0" b="0"/>
+      </a:lnRef>
+      <a:fillRef idx="1">
+        <a:scrgbClr r="0" g="0" b="0"/>
+      </a:fillRef>
+      <a:effectRef idx="0">
+        <a:scrgbClr r="0" g="0" b="0"/>
+      </a:effectRef>
+      <a:fontRef idx="minor"/>
+    </dgm:style>
+  </dgm:styleLbl>
+  <dgm:styleLbl name="fgAcc3">
+    <dgm:scene3d>
+      <a:camera prst="orthographicFront"/>
+      <a:lightRig rig="threePt" dir="t"/>
+    </dgm:scene3d>
+    <dgm:sp3d/>
+    <dgm:txPr/>
+    <dgm:style>
+      <a:lnRef idx="2">
+        <a:scrgbClr r="0" g="0" b="0"/>
+      </a:lnRef>
+      <a:fillRef idx="1">
+        <a:scrgbClr r="0" g="0" b="0"/>
+      </a:fillRef>
+      <a:effectRef idx="0">
+        <a:scrgbClr r="0" g="0" b="0"/>
+      </a:effectRef>
+      <a:fontRef idx="minor"/>
+    </dgm:style>
+  </dgm:styleLbl>
+  <dgm:styleLbl name="fgAcc4">
+    <dgm:scene3d>
+      <a:camera prst="orthographicFront"/>
+      <a:lightRig rig="threePt" dir="t"/>
+    </dgm:scene3d>
+    <dgm:sp3d/>
+    <dgm:txPr/>
+    <dgm:style>
+      <a:lnRef idx="2">
+        <a:scrgbClr r="0" g="0" b="0"/>
+      </a:lnRef>
+      <a:fillRef idx="1">
+        <a:scrgbClr r="0" g="0" b="0"/>
+      </a:fillRef>
+      <a:effectRef idx="0">
+        <a:scrgbClr r="0" g="0" b="0"/>
+      </a:effectRef>
+      <a:fontRef idx="minor"/>
+    </dgm:style>
+  </dgm:styleLbl>
+  <dgm:styleLbl name="bgShp">
+    <dgm:scene3d>
+      <a:camera prst="orthographicFront"/>
+      <a:lightRig rig="threePt" dir="t"/>
+    </dgm:scene3d>
+    <dgm:sp3d/>
+    <dgm:txPr/>
+    <dgm:style>
+      <a:lnRef idx="0">
+        <a:scrgbClr r="0" g="0" b="0"/>
+      </a:lnRef>
+      <a:fillRef idx="1">
+        <a:scrgbClr r="0" g="0" b="0"/>
+      </a:fillRef>
+      <a:effectRef idx="0">
+        <a:scrgbClr r="0" g="0" b="0"/>
+      </a:effectRef>
+      <a:fontRef idx="minor"/>
+    </dgm:style>
+  </dgm:styleLbl>
+  <dgm:styleLbl name="dkBgShp">
+    <dgm:scene3d>
+      <a:camera prst="orthographicFront"/>
+      <a:lightRig rig="threePt" dir="t"/>
+    </dgm:scene3d>
+    <dgm:sp3d/>
+    <dgm:txPr/>
+    <dgm:style>
+      <a:lnRef idx="0">
+        <a:scrgbClr r="0" g="0" b="0"/>
+      </a:lnRef>
+      <a:fillRef idx="1">
+        <a:scrgbClr r="0" g="0" b="0"/>
+      </a:fillRef>
+      <a:effectRef idx="0">
+        <a:scrgbClr r="0" g="0" b="0"/>
+      </a:effectRef>
+      <a:fontRef idx="minor"/>
+    </dgm:style>
+  </dgm:styleLbl>
+  <dgm:styleLbl name="trBgShp">
+    <dgm:scene3d>
+      <a:camera prst="orthographicFront"/>
+      <a:lightRig rig="threePt" dir="t"/>
+    </dgm:scene3d>
+    <dgm:sp3d/>
+    <dgm:txPr/>
+    <dgm:style>
+      <a:lnRef idx="0">
+        <a:scrgbClr r="0" g="0" b="0"/>
+      </a:lnRef>
+      <a:fillRef idx="1">
+        <a:scrgbClr r="0" g="0" b="0"/>
+      </a:fillRef>
+      <a:effectRef idx="0">
+        <a:scrgbClr r="0" g="0" b="0"/>
+      </a:effectRef>
+      <a:fontRef idx="minor"/>
+    </dgm:style>
+  </dgm:styleLbl>
+  <dgm:styleLbl name="fgShp">
+    <dgm:scene3d>
+      <a:camera prst="orthographicFront"/>
+      <a:lightRig rig="threePt" dir="t"/>
+    </dgm:scene3d>
+    <dgm:sp3d/>
+    <dgm:txPr/>
+    <dgm:style>
+      <a:lnRef idx="2">
+        <a:scrgbClr r="0" g="0" b="0"/>
+      </a:lnRef>
+      <a:fillRef idx="1">
+        <a:scrgbClr r="0" g="0" b="0"/>
+      </a:fillRef>
+      <a:effectRef idx="0">
+        <a:scrgbClr r="0" g="0" b="0"/>
+      </a:effectRef>
+      <a:fontRef idx="minor"/>
+    </dgm:style>
+  </dgm:styleLbl>
+  <dgm:styleLbl name="revTx">
+    <dgm:scene3d>
+      <a:camera prst="orthographicFront"/>
+      <a:lightRig rig="threePt" dir="t"/>
+    </dgm:scene3d>
+    <dgm:sp3d/>
+    <dgm:txPr/>
+    <dgm:style>
+      <a:lnRef idx="0">
+        <a:scrgbClr r="0" g="0" b="0"/>
+      </a:lnRef>
+      <a:fillRef idx="0">
+        <a:scrgbClr r="0" g="0" b="0"/>
+      </a:fillRef>
+      <a:effectRef idx="0">
+        <a:scrgbClr r="0" g="0" b="0"/>
+      </a:effectRef>
+      <a:fontRef idx="minor"/>
+    </dgm:style>
+  </dgm:styleLbl>
+</dgm:styleDef>
+</file>
+
+<file path=ppt/diagrams/quickStyle5.xml><?xml version="1.0" encoding="utf-8"?>
 <dgm:styleDef xmlns:dgm="http://schemas.openxmlformats.org/drawingml/2006/diagram" xmlns:a="http://schemas.openxmlformats.org/drawingml/2006/main" uniqueId="urn:microsoft.com/office/officeart/2005/8/quickstyle/simple1">
   <dgm:title val=""/>
   <dgm:desc val=""/>
@@ -10493,7 +14864,7 @@
     </p:spTree>
     <p:extLst>
       <p:ext uri="{BB962C8B-B14F-4D97-AF65-F5344CB8AC3E}">
-        <p14:creationId xmlns="" xmlns:p14="http://schemas.microsoft.com/office/powerpoint/2010/main" val="1350081241"/>
+        <p14:creationId xmlns:p14="http://schemas.microsoft.com/office/powerpoint/2010/main" xmlns="" val="1350081241"/>
       </p:ext>
     </p:extLst>
   </p:cSld>
@@ -10821,7 +15192,7 @@
     </p:spTree>
     <p:extLst>
       <p:ext uri="{BB962C8B-B14F-4D97-AF65-F5344CB8AC3E}">
-        <p14:creationId xmlns="" xmlns:p14="http://schemas.microsoft.com/office/powerpoint/2010/main" val="2076992510"/>
+        <p14:creationId xmlns:p14="http://schemas.microsoft.com/office/powerpoint/2010/main" xmlns="" val="2076992510"/>
       </p:ext>
     </p:extLst>
   </p:cSld>
@@ -11054,7 +15425,7 @@
     </p:spTree>
     <p:extLst>
       <p:ext uri="{BB962C8B-B14F-4D97-AF65-F5344CB8AC3E}">
-        <p14:creationId xmlns="" xmlns:p14="http://schemas.microsoft.com/office/powerpoint/2010/main" val="3847813400"/>
+        <p14:creationId xmlns:p14="http://schemas.microsoft.com/office/powerpoint/2010/main" xmlns="" val="3847813400"/>
       </p:ext>
     </p:extLst>
   </p:cSld>
@@ -11093,7 +15464,7 @@
           <a:blip r:embed="rId2" cstate="print">
             <a:extLst>
               <a:ext uri="{28A0092B-C50C-407E-A947-70E740481C1C}">
-                <a14:useLocalDpi xmlns="" xmlns:a14="http://schemas.microsoft.com/office/drawing/2010/main" val="0"/>
+                <a14:useLocalDpi xmlns:a14="http://schemas.microsoft.com/office/drawing/2010/main" xmlns="" val="0"/>
               </a:ext>
             </a:extLst>
           </a:blip>
@@ -14708,9 +19079,12 @@
               <a:gd name="adj2" fmla="val 25308"/>
             </a:avLst>
           </a:prstGeom>
+          <a:solidFill>
+            <a:schemeClr val="accent2"/>
+          </a:solidFill>
           <a:ln>
             <a:solidFill>
-              <a:schemeClr val="accent1"/>
+              <a:schemeClr val="accent2"/>
             </a:solidFill>
           </a:ln>
         </p:spPr>
@@ -15565,7 +19939,7 @@
           <a:blip r:embed="rId2" cstate="print">
             <a:extLst>
               <a:ext uri="{28A0092B-C50C-407E-A947-70E740481C1C}">
-                <a14:useLocalDpi xmlns="" xmlns:a14="http://schemas.microsoft.com/office/drawing/2010/main" val="0"/>
+                <a14:useLocalDpi xmlns:a14="http://schemas.microsoft.com/office/drawing/2010/main" xmlns="" val="0"/>
               </a:ext>
             </a:extLst>
           </a:blip>
@@ -16607,29 +20981,43 @@
               <a:rPr lang="de-DE" dirty="0" smtClean="0"/>
               <a:t>Accounts</a:t>
             </a:r>
-          </a:p>
-          <a:p>
-            <a:pPr lvl="1"/>
-            <a:r>
-              <a:rPr lang="de-DE" dirty="0" err="1" smtClean="0"/>
-              <a:t>Locations</a:t>
-            </a:r>
             <a:endParaRPr lang="de-DE" dirty="0" smtClean="0"/>
           </a:p>
           <a:p>
             <a:pPr lvl="1"/>
             <a:r>
               <a:rPr lang="de-DE" dirty="0" err="1" smtClean="0"/>
-              <a:t>Categories</a:t>
+              <a:t>Location</a:t>
             </a:r>
             <a:endParaRPr lang="de-DE" dirty="0" smtClean="0"/>
           </a:p>
           <a:p>
             <a:pPr lvl="1"/>
             <a:r>
+              <a:rPr lang="de-DE" dirty="0" err="1" smtClean="0"/>
+              <a:t>Category</a:t>
+            </a:r>
+            <a:endParaRPr lang="de-DE" dirty="0" smtClean="0"/>
+          </a:p>
+          <a:p>
+            <a:pPr lvl="1"/>
+            <a:r>
               <a:rPr lang="de-DE" dirty="0" smtClean="0"/>
-              <a:t>Days</a:t>
-            </a:r>
+              <a:t>P</a:t>
+            </a:r>
+            <a:r>
+              <a:rPr lang="de-DE" dirty="0" smtClean="0"/>
+              <a:t>age</a:t>
+            </a:r>
+            <a:endParaRPr lang="de-DE" dirty="0" smtClean="0"/>
+          </a:p>
+          <a:p>
+            <a:pPr lvl="1"/>
+            <a:r>
+              <a:rPr lang="de-DE" dirty="0" smtClean="0"/>
+              <a:t>Day</a:t>
+            </a:r>
+            <a:endParaRPr lang="de-DE" dirty="0" smtClean="0"/>
           </a:p>
           <a:p>
             <a:pPr lvl="1"/>
@@ -17426,6 +21814,55 @@
                       </p:childTnLst>
                     </p:cTn>
                   </p:par>
+                  <p:par>
+                    <p:cTn id="55" fill="hold">
+                      <p:stCondLst>
+                        <p:cond delay="indefinite"/>
+                      </p:stCondLst>
+                      <p:childTnLst>
+                        <p:par>
+                          <p:cTn id="56" fill="hold">
+                            <p:stCondLst>
+                              <p:cond delay="0"/>
+                            </p:stCondLst>
+                            <p:childTnLst>
+                              <p:par>
+                                <p:cTn id="57" presetID="1" presetClass="entr" presetSubtype="0" fill="hold" nodeType="clickEffect">
+                                  <p:stCondLst>
+                                    <p:cond delay="0"/>
+                                  </p:stCondLst>
+                                  <p:childTnLst>
+                                    <p:set>
+                                      <p:cBhvr>
+                                        <p:cTn id="58" dur="1" fill="hold">
+                                          <p:stCondLst>
+                                            <p:cond delay="0"/>
+                                          </p:stCondLst>
+                                        </p:cTn>
+                                        <p:tgtEl>
+                                          <p:spTgt spid="3">
+                                            <p:txEl>
+                                              <p:pRg st="13" end="13"/>
+                                            </p:txEl>
+                                          </p:spTgt>
+                                        </p:tgtEl>
+                                        <p:attrNameLst>
+                                          <p:attrName>style.visibility</p:attrName>
+                                        </p:attrNameLst>
+                                      </p:cBhvr>
+                                      <p:to>
+                                        <p:strVal val="visible"/>
+                                      </p:to>
+                                    </p:set>
+                                  </p:childTnLst>
+                                </p:cTn>
+                              </p:par>
+                            </p:childTnLst>
+                          </p:cTn>
+                        </p:par>
+                      </p:childTnLst>
+                    </p:cTn>
+                  </p:par>
                 </p:childTnLst>
               </p:cTn>
               <p:prevCondLst>
@@ -17579,8 +22016,9 @@
           <a:p>
             <a:r>
               <a:rPr lang="de-DE" dirty="0" smtClean="0"/>
-              <a:t>DMOZ-Datenbank</a:t>
-            </a:r>
+              <a:t>DMOZ-Daten</a:t>
+            </a:r>
+            <a:endParaRPr lang="de-DE" dirty="0" smtClean="0"/>
           </a:p>
         </p:txBody>
       </p:sp>
@@ -18871,36 +23309,22 @@
           </a:p>
         </p:txBody>
       </p:sp>
-      <p:sp>
-        <p:nvSpPr>
-          <p:cNvPr id="6" name="Textfeld 5"/>
-          <p:cNvSpPr txBox="1"/>
+      <p:graphicFrame>
+        <p:nvGraphicFramePr>
+          <p:cNvPr id="7" name="Diagramm 6"/>
+          <p:cNvGraphicFramePr/>
           <p:nvPr/>
-        </p:nvSpPr>
-        <p:spPr>
-          <a:xfrm>
-            <a:off x="1763688" y="3501008"/>
-            <a:ext cx="2903359" cy="369332"/>
-          </a:xfrm>
-          <a:prstGeom prst="rect">
-            <a:avLst/>
-          </a:prstGeom>
-          <a:noFill/>
-        </p:spPr>
-        <p:txBody>
-          <a:bodyPr wrap="none" rtlCol="0">
-            <a:spAutoFit/>
-          </a:bodyPr>
-          <a:lstStyle/>
-          <a:p>
-            <a:r>
-              <a:rPr lang="de-DE" dirty="0" smtClean="0"/>
-              <a:t>Diagramm zum Datenfluss</a:t>
-            </a:r>
-            <a:endParaRPr lang="de-DE" dirty="0"/>
-          </a:p>
-        </p:txBody>
-      </p:sp>
+        </p:nvGraphicFramePr>
+        <p:xfrm>
+          <a:off x="1115616" y="1052736"/>
+          <a:ext cx="6696744" cy="5040560"/>
+        </p:xfrm>
+        <a:graphic>
+          <a:graphicData uri="http://schemas.openxmlformats.org/drawingml/2006/diagram">
+            <dgm:relIds xmlns:dgm="http://schemas.openxmlformats.org/drawingml/2006/diagram" xmlns:r="http://schemas.openxmlformats.org/officeDocument/2006/relationships" r:dm="rId2" r:lo="rId3" r:qs="rId4" r:cs="rId5"/>
+          </a:graphicData>
+        </a:graphic>
+      </p:graphicFrame>
     </p:spTree>
   </p:cSld>
   <p:clrMapOvr>
@@ -19046,6 +23470,144 @@
                       </p:childTnLst>
                     </p:cTn>
                   </p:par>
+                  <p:par>
+                    <p:cTn id="13" fill="hold">
+                      <p:stCondLst>
+                        <p:cond delay="indefinite"/>
+                      </p:stCondLst>
+                      <p:childTnLst>
+                        <p:par>
+                          <p:cTn id="14" fill="hold">
+                            <p:stCondLst>
+                              <p:cond delay="0"/>
+                            </p:stCondLst>
+                            <p:childTnLst>
+                              <p:par>
+                                <p:cTn id="15" presetID="1" presetClass="entr" presetSubtype="0" fill="hold" grpId="0" nodeType="clickEffect">
+                                  <p:stCondLst>
+                                    <p:cond delay="0"/>
+                                  </p:stCondLst>
+                                  <p:childTnLst>
+                                    <p:set>
+                                      <p:cBhvr>
+                                        <p:cTn id="16" dur="1" fill="hold">
+                                          <p:stCondLst>
+                                            <p:cond delay="0"/>
+                                          </p:stCondLst>
+                                        </p:cTn>
+                                        <p:tgtEl>
+                                          <p:spTgt spid="7"/>
+                                        </p:tgtEl>
+                                        <p:attrNameLst>
+                                          <p:attrName>style.visibility</p:attrName>
+                                        </p:attrNameLst>
+                                      </p:cBhvr>
+                                      <p:to>
+                                        <p:strVal val="visible"/>
+                                      </p:to>
+                                    </p:set>
+                                  </p:childTnLst>
+                                </p:cTn>
+                              </p:par>
+                              <p:par>
+                                <p:cTn id="17" presetID="1" presetClass="exit" presetSubtype="0" fill="hold" nodeType="withEffect">
+                                  <p:stCondLst>
+                                    <p:cond delay="0"/>
+                                  </p:stCondLst>
+                                  <p:childTnLst>
+                                    <p:set>
+                                      <p:cBhvr>
+                                        <p:cTn id="18" dur="1" fill="hold">
+                                          <p:stCondLst>
+                                            <p:cond delay="0"/>
+                                          </p:stCondLst>
+                                        </p:cTn>
+                                        <p:tgtEl>
+                                          <p:spTgt spid="3">
+                                            <p:txEl>
+                                              <p:pRg st="0" end="0"/>
+                                            </p:txEl>
+                                          </p:spTgt>
+                                        </p:tgtEl>
+                                        <p:attrNameLst>
+                                          <p:attrName>style.visibility</p:attrName>
+                                        </p:attrNameLst>
+                                      </p:cBhvr>
+                                      <p:to>
+                                        <p:strVal val="hidden"/>
+                                      </p:to>
+                                    </p:set>
+                                  </p:childTnLst>
+                                </p:cTn>
+                              </p:par>
+                              <p:par>
+                                <p:cTn id="19" presetID="1" presetClass="exit" presetSubtype="0" fill="hold" nodeType="withEffect">
+                                  <p:stCondLst>
+                                    <p:cond delay="0"/>
+                                  </p:stCondLst>
+                                  <p:childTnLst>
+                                    <p:set>
+                                      <p:cBhvr>
+                                        <p:cTn id="20" dur="1" fill="hold">
+                                          <p:stCondLst>
+                                            <p:cond delay="0"/>
+                                          </p:stCondLst>
+                                        </p:cTn>
+                                        <p:tgtEl>
+                                          <p:spTgt spid="3">
+                                            <p:txEl>
+                                              <p:pRg st="1" end="1"/>
+                                            </p:txEl>
+                                          </p:spTgt>
+                                        </p:tgtEl>
+                                        <p:attrNameLst>
+                                          <p:attrName>style.visibility</p:attrName>
+                                        </p:attrNameLst>
+                                      </p:cBhvr>
+                                      <p:to>
+                                        <p:strVal val="hidden"/>
+                                      </p:to>
+                                    </p:set>
+                                  </p:childTnLst>
+                                </p:cTn>
+                              </p:par>
+                              <p:par>
+                                <p:cTn id="21" presetID="1" presetClass="exit" presetSubtype="0" fill="hold" nodeType="withEffect">
+                                  <p:stCondLst>
+                                    <p:cond delay="0"/>
+                                  </p:stCondLst>
+                                  <p:childTnLst>
+                                    <p:set>
+                                      <p:cBhvr>
+                                        <p:cTn id="22" dur="1" fill="hold">
+                                          <p:stCondLst>
+                                            <p:cond delay="0"/>
+                                          </p:stCondLst>
+                                        </p:cTn>
+                                        <p:tgtEl>
+                                          <p:spTgt spid="3">
+                                            <p:txEl>
+                                              <p:pRg st="2" end="2"/>
+                                            </p:txEl>
+                                          </p:spTgt>
+                                        </p:tgtEl>
+                                        <p:attrNameLst>
+                                          <p:attrName>style.visibility</p:attrName>
+                                        </p:attrNameLst>
+                                      </p:cBhvr>
+                                      <p:to>
+                                        <p:strVal val="hidden"/>
+                                      </p:to>
+                                    </p:set>
+                                  </p:childTnLst>
+                                </p:cTn>
+                              </p:par>
+                            </p:childTnLst>
+                          </p:cTn>
+                        </p:par>
+                      </p:childTnLst>
+                    </p:cTn>
+                  </p:par>
                 </p:childTnLst>
               </p:cTn>
               <p:prevCondLst>
@@ -19067,6 +23629,11 @@
         </p:cTn>
       </p:par>
     </p:tnLst>
+    <p:bldLst>
+      <p:bldGraphic spid="7" grpId="0">
+        <p:bldAsOne/>
+      </p:bldGraphic>
+    </p:bldLst>
   </p:timing>
 </p:sld>
 </file>

--- a/doc/entwurf/präsentation/pres_entwurf.pptx
+++ b/doc/entwurf/präsentation/pres_entwurf.pptx
@@ -5,10 +5,10 @@
     <p:sldMasterId id="2147483648" r:id="rId1"/>
   </p:sldMasterIdLst>
   <p:notesMasterIdLst>
-    <p:notesMasterId r:id="rId15"/>
+    <p:notesMasterId r:id="rId21"/>
   </p:notesMasterIdLst>
   <p:handoutMasterIdLst>
-    <p:handoutMasterId r:id="rId16"/>
+    <p:handoutMasterId r:id="rId22"/>
   </p:handoutMasterIdLst>
   <p:sldIdLst>
     <p:sldId id="264" r:id="rId2"/>
@@ -22,8 +22,14 @@
     <p:sldId id="283" r:id="rId10"/>
     <p:sldId id="278" r:id="rId11"/>
     <p:sldId id="279" r:id="rId12"/>
-    <p:sldId id="280" r:id="rId13"/>
-    <p:sldId id="274" r:id="rId14"/>
+    <p:sldId id="288" r:id="rId13"/>
+    <p:sldId id="285" r:id="rId14"/>
+    <p:sldId id="289" r:id="rId15"/>
+    <p:sldId id="286" r:id="rId16"/>
+    <p:sldId id="287" r:id="rId17"/>
+    <p:sldId id="290" r:id="rId18"/>
+    <p:sldId id="280" r:id="rId19"/>
+    <p:sldId id="274" r:id="rId20"/>
   </p:sldIdLst>
   <p:sldSz cx="9144000" cy="6858000" type="screen4x3"/>
   <p:notesSz cx="6858000" cy="9144000"/>
@@ -154,7 +160,7 @@
   </p:defaultTextStyle>
   <p:extLst>
     <p:ext uri="{EFAFB233-063F-42B5-8137-9DF3F51BA10A}">
-      <p15:sldGuideLst xmlns:p15="http://schemas.microsoft.com/office/powerpoint/2012/main" xmlns="">
+      <p15:sldGuideLst xmlns="" xmlns:p15="http://schemas.microsoft.com/office/powerpoint/2012/main">
         <p15:guide id="1" orient="horz" pos="2160">
           <p15:clr>
             <a:srgbClr val="A4A3A4"/>
@@ -168,7 +174,7 @@
       </p15:sldGuideLst>
     </p:ext>
     <p:ext uri="{2D200454-40CA-4A62-9FC3-DE9A4176ACB9}">
-      <p15:notesGuideLst xmlns:p15="http://schemas.microsoft.com/office/powerpoint/2012/main" xmlns=""/>
+      <p15:notesGuideLst xmlns="" xmlns:p15="http://schemas.microsoft.com/office/powerpoint/2012/main"/>
     </p:ext>
   </p:extLst>
 </p:presentation>
@@ -3291,6 +3297,753 @@
 </file>
 
 <file path=ppt/diagrams/colors5.xml><?xml version="1.0" encoding="utf-8"?>
+<dgm:colorsDef xmlns:dgm="http://schemas.openxmlformats.org/drawingml/2006/diagram" xmlns:a="http://schemas.openxmlformats.org/drawingml/2006/main" uniqueId="urn:microsoft.com/office/officeart/2005/8/colors/accent2_2">
+  <dgm:title val=""/>
+  <dgm:desc val=""/>
+  <dgm:catLst>
+    <dgm:cat type="accent2" pri="11200"/>
+  </dgm:catLst>
+  <dgm:styleLbl name="node0">
+    <dgm:fillClrLst meth="repeat">
+      <a:schemeClr val="accent2"/>
+    </dgm:fillClrLst>
+    <dgm:linClrLst meth="repeat">
+      <a:schemeClr val="lt1"/>
+    </dgm:linClrLst>
+    <dgm:effectClrLst/>
+    <dgm:txLinClrLst/>
+    <dgm:txFillClrLst/>
+    <dgm:txEffectClrLst/>
+  </dgm:styleLbl>
+  <dgm:styleLbl name="node1">
+    <dgm:fillClrLst meth="repeat">
+      <a:schemeClr val="accent2"/>
+    </dgm:fillClrLst>
+    <dgm:linClrLst meth="repeat">
+      <a:schemeClr val="lt1"/>
+    </dgm:linClrLst>
+    <dgm:effectClrLst/>
+    <dgm:txLinClrLst/>
+    <dgm:txFillClrLst/>
+    <dgm:txEffectClrLst/>
+  </dgm:styleLbl>
+  <dgm:styleLbl name="alignNode1">
+    <dgm:fillClrLst meth="repeat">
+      <a:schemeClr val="accent2"/>
+    </dgm:fillClrLst>
+    <dgm:linClrLst meth="repeat">
+      <a:schemeClr val="accent2"/>
+    </dgm:linClrLst>
+    <dgm:effectClrLst/>
+    <dgm:txLinClrLst/>
+    <dgm:txFillClrLst/>
+    <dgm:txEffectClrLst/>
+  </dgm:styleLbl>
+  <dgm:styleLbl name="lnNode1">
+    <dgm:fillClrLst meth="repeat">
+      <a:schemeClr val="accent2"/>
+    </dgm:fillClrLst>
+    <dgm:linClrLst meth="repeat">
+      <a:schemeClr val="lt1"/>
+    </dgm:linClrLst>
+    <dgm:effectClrLst/>
+    <dgm:txLinClrLst/>
+    <dgm:txFillClrLst/>
+    <dgm:txEffectClrLst/>
+  </dgm:styleLbl>
+  <dgm:styleLbl name="vennNode1">
+    <dgm:fillClrLst meth="repeat">
+      <a:schemeClr val="accent2">
+        <a:alpha val="50000"/>
+      </a:schemeClr>
+    </dgm:fillClrLst>
+    <dgm:linClrLst meth="repeat">
+      <a:schemeClr val="lt1"/>
+    </dgm:linClrLst>
+    <dgm:effectClrLst/>
+    <dgm:txLinClrLst/>
+    <dgm:txFillClrLst/>
+    <dgm:txEffectClrLst/>
+  </dgm:styleLbl>
+  <dgm:styleLbl name="node2">
+    <dgm:fillClrLst meth="repeat">
+      <a:schemeClr val="accent2"/>
+    </dgm:fillClrLst>
+    <dgm:linClrLst meth="repeat">
+      <a:schemeClr val="lt1"/>
+    </dgm:linClrLst>
+    <dgm:effectClrLst/>
+    <dgm:txLinClrLst/>
+    <dgm:txFillClrLst/>
+    <dgm:txEffectClrLst/>
+  </dgm:styleLbl>
+  <dgm:styleLbl name="node3">
+    <dgm:fillClrLst meth="repeat">
+      <a:schemeClr val="accent2"/>
+    </dgm:fillClrLst>
+    <dgm:linClrLst meth="repeat">
+      <a:schemeClr val="lt1"/>
+    </dgm:linClrLst>
+    <dgm:effectClrLst/>
+    <dgm:txLinClrLst/>
+    <dgm:txFillClrLst/>
+    <dgm:txEffectClrLst/>
+  </dgm:styleLbl>
+  <dgm:styleLbl name="node4">
+    <dgm:fillClrLst meth="repeat">
+      <a:schemeClr val="accent2"/>
+    </dgm:fillClrLst>
+    <dgm:linClrLst meth="repeat">
+      <a:schemeClr val="lt1"/>
+    </dgm:linClrLst>
+    <dgm:effectClrLst/>
+    <dgm:txLinClrLst/>
+    <dgm:txFillClrLst/>
+    <dgm:txEffectClrLst/>
+  </dgm:styleLbl>
+  <dgm:styleLbl name="fgImgPlace1">
+    <dgm:fillClrLst meth="repeat">
+      <a:schemeClr val="accent2">
+        <a:tint val="50000"/>
+      </a:schemeClr>
+    </dgm:fillClrLst>
+    <dgm:linClrLst meth="repeat">
+      <a:schemeClr val="lt1"/>
+    </dgm:linClrLst>
+    <dgm:effectClrLst/>
+    <dgm:txLinClrLst/>
+    <dgm:txFillClrLst meth="repeat">
+      <a:schemeClr val="lt1"/>
+    </dgm:txFillClrLst>
+    <dgm:txEffectClrLst/>
+  </dgm:styleLbl>
+  <dgm:styleLbl name="alignImgPlace1">
+    <dgm:fillClrLst meth="repeat">
+      <a:schemeClr val="accent2">
+        <a:tint val="50000"/>
+      </a:schemeClr>
+    </dgm:fillClrLst>
+    <dgm:linClrLst meth="repeat">
+      <a:schemeClr val="lt1"/>
+    </dgm:linClrLst>
+    <dgm:effectClrLst/>
+    <dgm:txLinClrLst/>
+    <dgm:txFillClrLst meth="repeat">
+      <a:schemeClr val="lt1"/>
+    </dgm:txFillClrLst>
+    <dgm:txEffectClrLst/>
+  </dgm:styleLbl>
+  <dgm:styleLbl name="bgImgPlace1">
+    <dgm:fillClrLst meth="repeat">
+      <a:schemeClr val="accent2">
+        <a:tint val="50000"/>
+      </a:schemeClr>
+    </dgm:fillClrLst>
+    <dgm:linClrLst meth="repeat">
+      <a:schemeClr val="lt1"/>
+    </dgm:linClrLst>
+    <dgm:effectClrLst/>
+    <dgm:txLinClrLst/>
+    <dgm:txFillClrLst meth="repeat">
+      <a:schemeClr val="lt1"/>
+    </dgm:txFillClrLst>
+    <dgm:txEffectClrLst/>
+  </dgm:styleLbl>
+  <dgm:styleLbl name="sibTrans2D1">
+    <dgm:fillClrLst meth="repeat">
+      <a:schemeClr val="accent2">
+        <a:tint val="60000"/>
+      </a:schemeClr>
+    </dgm:fillClrLst>
+    <dgm:linClrLst meth="repeat">
+      <a:schemeClr val="accent2">
+        <a:tint val="60000"/>
+      </a:schemeClr>
+    </dgm:linClrLst>
+    <dgm:effectClrLst/>
+    <dgm:txLinClrLst/>
+    <dgm:txFillClrLst/>
+    <dgm:txEffectClrLst/>
+  </dgm:styleLbl>
+  <dgm:styleLbl name="fgSibTrans2D1">
+    <dgm:fillClrLst meth="repeat">
+      <a:schemeClr val="accent2">
+        <a:tint val="60000"/>
+      </a:schemeClr>
+    </dgm:fillClrLst>
+    <dgm:linClrLst meth="repeat">
+      <a:schemeClr val="accent2">
+        <a:tint val="60000"/>
+      </a:schemeClr>
+    </dgm:linClrLst>
+    <dgm:effectClrLst/>
+    <dgm:txLinClrLst/>
+    <dgm:txFillClrLst/>
+    <dgm:txEffectClrLst/>
+  </dgm:styleLbl>
+  <dgm:styleLbl name="bgSibTrans2D1">
+    <dgm:fillClrLst meth="repeat">
+      <a:schemeClr val="accent2">
+        <a:tint val="60000"/>
+      </a:schemeClr>
+    </dgm:fillClrLst>
+    <dgm:linClrLst meth="repeat">
+      <a:schemeClr val="accent2">
+        <a:tint val="60000"/>
+      </a:schemeClr>
+    </dgm:linClrLst>
+    <dgm:effectClrLst/>
+    <dgm:txLinClrLst/>
+    <dgm:txFillClrLst/>
+    <dgm:txEffectClrLst/>
+  </dgm:styleLbl>
+  <dgm:styleLbl name="sibTrans1D1">
+    <dgm:fillClrLst meth="repeat">
+      <a:schemeClr val="accent2"/>
+    </dgm:fillClrLst>
+    <dgm:linClrLst meth="repeat">
+      <a:schemeClr val="accent2"/>
+    </dgm:linClrLst>
+    <dgm:effectClrLst/>
+    <dgm:txLinClrLst/>
+    <dgm:txFillClrLst meth="repeat">
+      <a:schemeClr val="tx1"/>
+    </dgm:txFillClrLst>
+    <dgm:txEffectClrLst/>
+  </dgm:styleLbl>
+  <dgm:styleLbl name="callout">
+    <dgm:fillClrLst meth="repeat">
+      <a:schemeClr val="accent2"/>
+    </dgm:fillClrLst>
+    <dgm:linClrLst meth="repeat">
+      <a:schemeClr val="accent2">
+        <a:tint val="50000"/>
+      </a:schemeClr>
+    </dgm:linClrLst>
+    <dgm:effectClrLst/>
+    <dgm:txLinClrLst/>
+    <dgm:txFillClrLst meth="repeat">
+      <a:schemeClr val="tx1"/>
+    </dgm:txFillClrLst>
+    <dgm:txEffectClrLst/>
+  </dgm:styleLbl>
+  <dgm:styleLbl name="asst0">
+    <dgm:fillClrLst meth="repeat">
+      <a:schemeClr val="accent2"/>
+    </dgm:fillClrLst>
+    <dgm:linClrLst meth="repeat">
+      <a:schemeClr val="lt1"/>
+    </dgm:linClrLst>
+    <dgm:effectClrLst/>
+    <dgm:txLinClrLst/>
+    <dgm:txFillClrLst/>
+    <dgm:txEffectClrLst/>
+  </dgm:styleLbl>
+  <dgm:styleLbl name="asst1">
+    <dgm:fillClrLst meth="repeat">
+      <a:schemeClr val="accent2"/>
+    </dgm:fillClrLst>
+    <dgm:linClrLst meth="repeat">
+      <a:schemeClr val="lt1"/>
+    </dgm:linClrLst>
+    <dgm:effectClrLst/>
+    <dgm:txLinClrLst/>
+    <dgm:txFillClrLst/>
+    <dgm:txEffectClrLst/>
+  </dgm:styleLbl>
+  <dgm:styleLbl name="asst2">
+    <dgm:fillClrLst meth="repeat">
+      <a:schemeClr val="accent2"/>
+    </dgm:fillClrLst>
+    <dgm:linClrLst meth="repeat">
+      <a:schemeClr val="lt1"/>
+    </dgm:linClrLst>
+    <dgm:effectClrLst/>
+    <dgm:txLinClrLst/>
+    <dgm:txFillClrLst/>
+    <dgm:txEffectClrLst/>
+  </dgm:styleLbl>
+  <dgm:styleLbl name="asst3">
+    <dgm:fillClrLst meth="repeat">
+      <a:schemeClr val="accent2"/>
+    </dgm:fillClrLst>
+    <dgm:linClrLst meth="repeat">
+      <a:schemeClr val="lt1"/>
+    </dgm:linClrLst>
+    <dgm:effectClrLst/>
+    <dgm:txLinClrLst/>
+    <dgm:txFillClrLst/>
+    <dgm:txEffectClrLst/>
+  </dgm:styleLbl>
+  <dgm:styleLbl name="asst4">
+    <dgm:fillClrLst meth="repeat">
+      <a:schemeClr val="accent2"/>
+    </dgm:fillClrLst>
+    <dgm:linClrLst meth="repeat">
+      <a:schemeClr val="lt1"/>
+    </dgm:linClrLst>
+    <dgm:effectClrLst/>
+    <dgm:txLinClrLst/>
+    <dgm:txFillClrLst/>
+    <dgm:txEffectClrLst/>
+  </dgm:styleLbl>
+  <dgm:styleLbl name="parChTrans2D1">
+    <dgm:fillClrLst meth="repeat">
+      <a:schemeClr val="accent2">
+        <a:tint val="60000"/>
+      </a:schemeClr>
+    </dgm:fillClrLst>
+    <dgm:linClrLst meth="repeat">
+      <a:schemeClr val="accent2">
+        <a:tint val="60000"/>
+      </a:schemeClr>
+    </dgm:linClrLst>
+    <dgm:effectClrLst/>
+    <dgm:txLinClrLst/>
+    <dgm:txFillClrLst meth="repeat">
+      <a:schemeClr val="lt1"/>
+    </dgm:txFillClrLst>
+    <dgm:txEffectClrLst/>
+  </dgm:styleLbl>
+  <dgm:styleLbl name="parChTrans2D2">
+    <dgm:fillClrLst meth="repeat">
+      <a:schemeClr val="accent2"/>
+    </dgm:fillClrLst>
+    <dgm:linClrLst meth="repeat">
+      <a:schemeClr val="accent2"/>
+    </dgm:linClrLst>
+    <dgm:effectClrLst/>
+    <dgm:txLinClrLst/>
+    <dgm:txFillClrLst meth="repeat">
+      <a:schemeClr val="lt1"/>
+    </dgm:txFillClrLst>
+    <dgm:txEffectClrLst/>
+  </dgm:styleLbl>
+  <dgm:styleLbl name="parChTrans2D3">
+    <dgm:fillClrLst meth="repeat">
+      <a:schemeClr val="accent2"/>
+    </dgm:fillClrLst>
+    <dgm:linClrLst meth="repeat">
+      <a:schemeClr val="accent2"/>
+    </dgm:linClrLst>
+    <dgm:effectClrLst/>
+    <dgm:txLinClrLst/>
+    <dgm:txFillClrLst meth="repeat">
+      <a:schemeClr val="lt1"/>
+    </dgm:txFillClrLst>
+    <dgm:txEffectClrLst/>
+  </dgm:styleLbl>
+  <dgm:styleLbl name="parChTrans2D4">
+    <dgm:fillClrLst meth="repeat">
+      <a:schemeClr val="accent2"/>
+    </dgm:fillClrLst>
+    <dgm:linClrLst meth="repeat">
+      <a:schemeClr val="accent2"/>
+    </dgm:linClrLst>
+    <dgm:effectClrLst/>
+    <dgm:txLinClrLst/>
+    <dgm:txFillClrLst meth="repeat">
+      <a:schemeClr val="lt1"/>
+    </dgm:txFillClrLst>
+    <dgm:txEffectClrLst/>
+  </dgm:styleLbl>
+  <dgm:styleLbl name="parChTrans1D1">
+    <dgm:fillClrLst meth="repeat">
+      <a:schemeClr val="accent2"/>
+    </dgm:fillClrLst>
+    <dgm:linClrLst meth="repeat">
+      <a:schemeClr val="accent2">
+        <a:shade val="60000"/>
+      </a:schemeClr>
+    </dgm:linClrLst>
+    <dgm:effectClrLst/>
+    <dgm:txLinClrLst/>
+    <dgm:txFillClrLst meth="repeat">
+      <a:schemeClr val="tx1"/>
+    </dgm:txFillClrLst>
+    <dgm:txEffectClrLst/>
+  </dgm:styleLbl>
+  <dgm:styleLbl name="parChTrans1D2">
+    <dgm:fillClrLst meth="repeat">
+      <a:schemeClr val="accent2"/>
+    </dgm:fillClrLst>
+    <dgm:linClrLst meth="repeat">
+      <a:schemeClr val="accent2">
+        <a:shade val="60000"/>
+      </a:schemeClr>
+    </dgm:linClrLst>
+    <dgm:effectClrLst/>
+    <dgm:txLinClrLst/>
+    <dgm:txFillClrLst meth="repeat">
+      <a:schemeClr val="tx1"/>
+    </dgm:txFillClrLst>
+    <dgm:txEffectClrLst/>
+  </dgm:styleLbl>
+  <dgm:styleLbl name="parChTrans1D3">
+    <dgm:fillClrLst meth="repeat">
+      <a:schemeClr val="accent2"/>
+    </dgm:fillClrLst>
+    <dgm:linClrLst meth="repeat">
+      <a:schemeClr val="accent2">
+        <a:shade val="80000"/>
+      </a:schemeClr>
+    </dgm:linClrLst>
+    <dgm:effectClrLst/>
+    <dgm:txLinClrLst/>
+    <dgm:txFillClrLst meth="repeat">
+      <a:schemeClr val="tx1"/>
+    </dgm:txFillClrLst>
+    <dgm:txEffectClrLst/>
+  </dgm:styleLbl>
+  <dgm:styleLbl name="parChTrans1D4">
+    <dgm:fillClrLst meth="repeat">
+      <a:schemeClr val="accent2"/>
+    </dgm:fillClrLst>
+    <dgm:linClrLst meth="repeat">
+      <a:schemeClr val="accent2">
+        <a:shade val="80000"/>
+      </a:schemeClr>
+    </dgm:linClrLst>
+    <dgm:effectClrLst/>
+    <dgm:txLinClrLst/>
+    <dgm:txFillClrLst meth="repeat">
+      <a:schemeClr val="tx1"/>
+    </dgm:txFillClrLst>
+    <dgm:txEffectClrLst/>
+  </dgm:styleLbl>
+  <dgm:styleLbl name="fgAcc1">
+    <dgm:fillClrLst meth="repeat">
+      <a:schemeClr val="lt1">
+        <a:alpha val="90000"/>
+      </a:schemeClr>
+    </dgm:fillClrLst>
+    <dgm:linClrLst meth="repeat">
+      <a:schemeClr val="accent2"/>
+    </dgm:linClrLst>
+    <dgm:effectClrLst/>
+    <dgm:txLinClrLst/>
+    <dgm:txFillClrLst meth="repeat">
+      <a:schemeClr val="dk1"/>
+    </dgm:txFillClrLst>
+    <dgm:txEffectClrLst/>
+  </dgm:styleLbl>
+  <dgm:styleLbl name="conFgAcc1">
+    <dgm:fillClrLst meth="repeat">
+      <a:schemeClr val="lt1">
+        <a:alpha val="90000"/>
+      </a:schemeClr>
+    </dgm:fillClrLst>
+    <dgm:linClrLst meth="repeat">
+      <a:schemeClr val="accent2"/>
+    </dgm:linClrLst>
+    <dgm:effectClrLst/>
+    <dgm:txLinClrLst/>
+    <dgm:txFillClrLst meth="repeat">
+      <a:schemeClr val="dk1"/>
+    </dgm:txFillClrLst>
+    <dgm:txEffectClrLst/>
+  </dgm:styleLbl>
+  <dgm:styleLbl name="alignAcc1">
+    <dgm:fillClrLst meth="repeat">
+      <a:schemeClr val="lt1">
+        <a:alpha val="90000"/>
+      </a:schemeClr>
+    </dgm:fillClrLst>
+    <dgm:linClrLst meth="repeat">
+      <a:schemeClr val="accent2"/>
+    </dgm:linClrLst>
+    <dgm:effectClrLst/>
+    <dgm:txLinClrLst/>
+    <dgm:txFillClrLst meth="repeat">
+      <a:schemeClr val="dk1"/>
+    </dgm:txFillClrLst>
+    <dgm:txEffectClrLst/>
+  </dgm:styleLbl>
+  <dgm:styleLbl name="trAlignAcc1">
+    <dgm:fillClrLst meth="repeat">
+      <a:schemeClr val="lt1">
+        <a:alpha val="40000"/>
+      </a:schemeClr>
+    </dgm:fillClrLst>
+    <dgm:linClrLst meth="repeat">
+      <a:schemeClr val="accent2"/>
+    </dgm:linClrLst>
+    <dgm:effectClrLst/>
+    <dgm:txLinClrLst/>
+    <dgm:txFillClrLst meth="repeat">
+      <a:schemeClr val="dk1"/>
+    </dgm:txFillClrLst>
+    <dgm:txEffectClrLst/>
+  </dgm:styleLbl>
+  <dgm:styleLbl name="bgAcc1">
+    <dgm:fillClrLst meth="repeat">
+      <a:schemeClr val="lt1">
+        <a:alpha val="90000"/>
+      </a:schemeClr>
+    </dgm:fillClrLst>
+    <dgm:linClrLst meth="repeat">
+      <a:schemeClr val="accent2"/>
+    </dgm:linClrLst>
+    <dgm:effectClrLst/>
+    <dgm:txLinClrLst/>
+    <dgm:txFillClrLst meth="repeat">
+      <a:schemeClr val="dk1"/>
+    </dgm:txFillClrLst>
+    <dgm:txEffectClrLst/>
+  </dgm:styleLbl>
+  <dgm:styleLbl name="solidFgAcc1">
+    <dgm:fillClrLst meth="repeat">
+      <a:schemeClr val="lt1"/>
+    </dgm:fillClrLst>
+    <dgm:linClrLst meth="repeat">
+      <a:schemeClr val="accent2"/>
+    </dgm:linClrLst>
+    <dgm:effectClrLst/>
+    <dgm:txLinClrLst/>
+    <dgm:txFillClrLst meth="repeat">
+      <a:schemeClr val="dk1"/>
+    </dgm:txFillClrLst>
+    <dgm:txEffectClrLst/>
+  </dgm:styleLbl>
+  <dgm:styleLbl name="solidAlignAcc1">
+    <dgm:fillClrLst meth="repeat">
+      <a:schemeClr val="lt1"/>
+    </dgm:fillClrLst>
+    <dgm:linClrLst meth="repeat">
+      <a:schemeClr val="accent2"/>
+    </dgm:linClrLst>
+    <dgm:effectClrLst/>
+    <dgm:txLinClrLst/>
+    <dgm:txFillClrLst meth="repeat">
+      <a:schemeClr val="dk1"/>
+    </dgm:txFillClrLst>
+    <dgm:txEffectClrLst/>
+  </dgm:styleLbl>
+  <dgm:styleLbl name="solidBgAcc1">
+    <dgm:fillClrLst meth="repeat">
+      <a:schemeClr val="lt1"/>
+    </dgm:fillClrLst>
+    <dgm:linClrLst meth="repeat">
+      <a:schemeClr val="accent2"/>
+    </dgm:linClrLst>
+    <dgm:effectClrLst/>
+    <dgm:txLinClrLst/>
+    <dgm:txFillClrLst meth="repeat">
+      <a:schemeClr val="dk1"/>
+    </dgm:txFillClrLst>
+    <dgm:txEffectClrLst/>
+  </dgm:styleLbl>
+  <dgm:styleLbl name="fgAccFollowNode1">
+    <dgm:fillClrLst meth="repeat">
+      <a:schemeClr val="accent2">
+        <a:alpha val="90000"/>
+        <a:tint val="40000"/>
+      </a:schemeClr>
+    </dgm:fillClrLst>
+    <dgm:linClrLst meth="repeat">
+      <a:schemeClr val="accent2">
+        <a:alpha val="90000"/>
+        <a:tint val="40000"/>
+      </a:schemeClr>
+    </dgm:linClrLst>
+    <dgm:effectClrLst/>
+    <dgm:txLinClrLst/>
+    <dgm:txFillClrLst meth="repeat">
+      <a:schemeClr val="dk1"/>
+    </dgm:txFillClrLst>
+    <dgm:txEffectClrLst/>
+  </dgm:styleLbl>
+  <dgm:styleLbl name="alignAccFollowNode1">
+    <dgm:fillClrLst meth="repeat">
+      <a:schemeClr val="accent2">
+        <a:alpha val="90000"/>
+        <a:tint val="40000"/>
+      </a:schemeClr>
+    </dgm:fillClrLst>
+    <dgm:linClrLst meth="repeat">
+      <a:schemeClr val="accent2">
+        <a:alpha val="90000"/>
+        <a:tint val="40000"/>
+      </a:schemeClr>
+    </dgm:linClrLst>
+    <dgm:effectClrLst/>
+    <dgm:txLinClrLst/>
+    <dgm:txFillClrLst meth="repeat">
+      <a:schemeClr val="dk1"/>
+    </dgm:txFillClrLst>
+    <dgm:txEffectClrLst/>
+  </dgm:styleLbl>
+  <dgm:styleLbl name="bgAccFollowNode1">
+    <dgm:fillClrLst meth="repeat">
+      <a:schemeClr val="accent2">
+        <a:alpha val="90000"/>
+        <a:tint val="40000"/>
+      </a:schemeClr>
+    </dgm:fillClrLst>
+    <dgm:linClrLst meth="repeat">
+      <a:schemeClr val="accent2">
+        <a:alpha val="90000"/>
+        <a:tint val="40000"/>
+      </a:schemeClr>
+    </dgm:linClrLst>
+    <dgm:effectClrLst/>
+    <dgm:txLinClrLst/>
+    <dgm:txFillClrLst meth="repeat">
+      <a:schemeClr val="dk1"/>
+    </dgm:txFillClrLst>
+    <dgm:txEffectClrLst/>
+  </dgm:styleLbl>
+  <dgm:styleLbl name="fgAcc0">
+    <dgm:fillClrLst meth="repeat">
+      <a:schemeClr val="lt1">
+        <a:alpha val="90000"/>
+      </a:schemeClr>
+    </dgm:fillClrLst>
+    <dgm:linClrLst meth="repeat">
+      <a:schemeClr val="accent2"/>
+    </dgm:linClrLst>
+    <dgm:effectClrLst/>
+    <dgm:txLinClrLst/>
+    <dgm:txFillClrLst meth="repeat">
+      <a:schemeClr val="dk1"/>
+    </dgm:txFillClrLst>
+    <dgm:txEffectClrLst/>
+  </dgm:styleLbl>
+  <dgm:styleLbl name="fgAcc2">
+    <dgm:fillClrLst meth="repeat">
+      <a:schemeClr val="lt1">
+        <a:alpha val="90000"/>
+      </a:schemeClr>
+    </dgm:fillClrLst>
+    <dgm:linClrLst meth="repeat">
+      <a:schemeClr val="accent2"/>
+    </dgm:linClrLst>
+    <dgm:effectClrLst/>
+    <dgm:txLinClrLst/>
+    <dgm:txFillClrLst meth="repeat">
+      <a:schemeClr val="dk1"/>
+    </dgm:txFillClrLst>
+    <dgm:txEffectClrLst/>
+  </dgm:styleLbl>
+  <dgm:styleLbl name="fgAcc3">
+    <dgm:fillClrLst meth="repeat">
+      <a:schemeClr val="lt1">
+        <a:alpha val="90000"/>
+      </a:schemeClr>
+    </dgm:fillClrLst>
+    <dgm:linClrLst meth="repeat">
+      <a:schemeClr val="accent2"/>
+    </dgm:linClrLst>
+    <dgm:effectClrLst/>
+    <dgm:txLinClrLst/>
+    <dgm:txFillClrLst meth="repeat">
+      <a:schemeClr val="dk1"/>
+    </dgm:txFillClrLst>
+    <dgm:txEffectClrLst/>
+  </dgm:styleLbl>
+  <dgm:styleLbl name="fgAcc4">
+    <dgm:fillClrLst meth="repeat">
+      <a:schemeClr val="lt1">
+        <a:alpha val="90000"/>
+      </a:schemeClr>
+    </dgm:fillClrLst>
+    <dgm:linClrLst meth="repeat">
+      <a:schemeClr val="accent2"/>
+    </dgm:linClrLst>
+    <dgm:effectClrLst/>
+    <dgm:txLinClrLst/>
+    <dgm:txFillClrLst meth="repeat">
+      <a:schemeClr val="dk1"/>
+    </dgm:txFillClrLst>
+    <dgm:txEffectClrLst/>
+  </dgm:styleLbl>
+  <dgm:styleLbl name="bgShp">
+    <dgm:fillClrLst meth="repeat">
+      <a:schemeClr val="accent2">
+        <a:tint val="40000"/>
+      </a:schemeClr>
+    </dgm:fillClrLst>
+    <dgm:linClrLst meth="repeat">
+      <a:schemeClr val="accent2"/>
+    </dgm:linClrLst>
+    <dgm:effectClrLst/>
+    <dgm:txLinClrLst/>
+    <dgm:txFillClrLst meth="repeat">
+      <a:schemeClr val="dk1"/>
+    </dgm:txFillClrLst>
+    <dgm:txEffectClrLst/>
+  </dgm:styleLbl>
+  <dgm:styleLbl name="dkBgShp">
+    <dgm:fillClrLst meth="repeat">
+      <a:schemeClr val="accent2">
+        <a:shade val="80000"/>
+      </a:schemeClr>
+    </dgm:fillClrLst>
+    <dgm:linClrLst meth="repeat">
+      <a:schemeClr val="accent2"/>
+    </dgm:linClrLst>
+    <dgm:effectClrLst/>
+    <dgm:txLinClrLst/>
+    <dgm:txFillClrLst meth="repeat">
+      <a:schemeClr val="lt1"/>
+    </dgm:txFillClrLst>
+    <dgm:txEffectClrLst/>
+  </dgm:styleLbl>
+  <dgm:styleLbl name="trBgShp">
+    <dgm:fillClrLst meth="repeat">
+      <a:schemeClr val="accent2">
+        <a:tint val="50000"/>
+        <a:alpha val="40000"/>
+      </a:schemeClr>
+    </dgm:fillClrLst>
+    <dgm:linClrLst meth="repeat">
+      <a:schemeClr val="accent2"/>
+    </dgm:linClrLst>
+    <dgm:effectClrLst/>
+    <dgm:txLinClrLst/>
+    <dgm:txFillClrLst meth="repeat">
+      <a:schemeClr val="lt1"/>
+    </dgm:txFillClrLst>
+    <dgm:txEffectClrLst/>
+  </dgm:styleLbl>
+  <dgm:styleLbl name="fgShp">
+    <dgm:fillClrLst meth="repeat">
+      <a:schemeClr val="accent2">
+        <a:tint val="60000"/>
+      </a:schemeClr>
+    </dgm:fillClrLst>
+    <dgm:linClrLst meth="repeat">
+      <a:schemeClr val="lt1"/>
+    </dgm:linClrLst>
+    <dgm:effectClrLst/>
+    <dgm:txLinClrLst/>
+    <dgm:txFillClrLst meth="repeat">
+      <a:schemeClr val="dk1"/>
+    </dgm:txFillClrLst>
+    <dgm:txEffectClrLst/>
+  </dgm:styleLbl>
+  <dgm:styleLbl name="revTx">
+    <dgm:fillClrLst meth="repeat">
+      <a:schemeClr val="lt1">
+        <a:alpha val="0"/>
+      </a:schemeClr>
+    </dgm:fillClrLst>
+    <dgm:linClrLst meth="repeat">
+      <a:schemeClr val="dk1">
+        <a:alpha val="0"/>
+      </a:schemeClr>
+    </dgm:linClrLst>
+    <dgm:effectClrLst/>
+    <dgm:txLinClrLst/>
+    <dgm:txFillClrLst meth="repeat">
+      <a:schemeClr val="tx1"/>
+    </dgm:txFillClrLst>
+    <dgm:txEffectClrLst/>
+  </dgm:styleLbl>
+</dgm:colorsDef>
+</file>
+
+<file path=ppt/diagrams/colors6.xml><?xml version="1.0" encoding="utf-8"?>
 <dgm:colorsDef xmlns:dgm="http://schemas.openxmlformats.org/drawingml/2006/diagram" xmlns:a="http://schemas.openxmlformats.org/drawingml/2006/main" uniqueId="urn:microsoft.com/office/officeart/2005/8/colors/accent2_2">
   <dgm:title val=""/>
   <dgm:desc val=""/>
@@ -5009,6 +5762,13 @@
         </dgm:presLayoutVars>
       </dgm:prSet>
       <dgm:spPr/>
+      <dgm:t>
+        <a:bodyPr/>
+        <a:lstStyle/>
+        <a:p>
+          <a:endParaRPr lang="de-DE"/>
+        </a:p>
+      </dgm:t>
     </dgm:pt>
     <dgm:pt modelId="{206FC6DC-3CA8-474A-813D-936F81073E73}" type="pres">
       <dgm:prSet presAssocID="{E54E0F61-7D8E-4F6B-AF80-BE52E625C773}" presName="FiveNodes_2" presStyleLbl="node1" presStyleIdx="1" presStyleCnt="5">
@@ -5017,6 +5777,13 @@
         </dgm:presLayoutVars>
       </dgm:prSet>
       <dgm:spPr/>
+      <dgm:t>
+        <a:bodyPr/>
+        <a:lstStyle/>
+        <a:p>
+          <a:endParaRPr lang="de-DE"/>
+        </a:p>
+      </dgm:t>
     </dgm:pt>
     <dgm:pt modelId="{54FB9439-08CC-485B-8A6B-9AB5E0BAF508}" type="pres">
       <dgm:prSet presAssocID="{E54E0F61-7D8E-4F6B-AF80-BE52E625C773}" presName="FiveNodes_3" presStyleLbl="node1" presStyleIdx="2" presStyleCnt="5">
@@ -5025,6 +5792,13 @@
         </dgm:presLayoutVars>
       </dgm:prSet>
       <dgm:spPr/>
+      <dgm:t>
+        <a:bodyPr/>
+        <a:lstStyle/>
+        <a:p>
+          <a:endParaRPr lang="de-DE"/>
+        </a:p>
+      </dgm:t>
     </dgm:pt>
     <dgm:pt modelId="{173AD1BC-308A-45F0-86A4-8E4B491B600A}" type="pres">
       <dgm:prSet presAssocID="{E54E0F61-7D8E-4F6B-AF80-BE52E625C773}" presName="FiveNodes_4" presStyleLbl="node1" presStyleIdx="3" presStyleCnt="5">
@@ -5033,6 +5807,13 @@
         </dgm:presLayoutVars>
       </dgm:prSet>
       <dgm:spPr/>
+      <dgm:t>
+        <a:bodyPr/>
+        <a:lstStyle/>
+        <a:p>
+          <a:endParaRPr lang="de-DE"/>
+        </a:p>
+      </dgm:t>
     </dgm:pt>
     <dgm:pt modelId="{38449B79-A5BB-45C3-9E4A-5156F2E5318A}" type="pres">
       <dgm:prSet presAssocID="{E54E0F61-7D8E-4F6B-AF80-BE52E625C773}" presName="FiveNodes_5" presStyleLbl="node1" presStyleIdx="4" presStyleCnt="5">
@@ -5056,6 +5837,13 @@
         </dgm:presLayoutVars>
       </dgm:prSet>
       <dgm:spPr/>
+      <dgm:t>
+        <a:bodyPr/>
+        <a:lstStyle/>
+        <a:p>
+          <a:endParaRPr lang="de-DE"/>
+        </a:p>
+      </dgm:t>
     </dgm:pt>
     <dgm:pt modelId="{EB1D8C88-4D57-402C-B309-E99AAE4592D9}" type="pres">
       <dgm:prSet presAssocID="{E54E0F61-7D8E-4F6B-AF80-BE52E625C773}" presName="FiveConn_2-3" presStyleLbl="fgAccFollowNode1" presStyleIdx="1" presStyleCnt="4" custScaleX="174298">
@@ -5064,6 +5852,13 @@
         </dgm:presLayoutVars>
       </dgm:prSet>
       <dgm:spPr/>
+      <dgm:t>
+        <a:bodyPr/>
+        <a:lstStyle/>
+        <a:p>
+          <a:endParaRPr lang="de-DE"/>
+        </a:p>
+      </dgm:t>
     </dgm:pt>
     <dgm:pt modelId="{EA59F9C2-CE6C-40BC-8157-B720A224AFD9}" type="pres">
       <dgm:prSet presAssocID="{E54E0F61-7D8E-4F6B-AF80-BE52E625C773}" presName="FiveConn_3-4" presStyleLbl="fgAccFollowNode1" presStyleIdx="2" presStyleCnt="4" custScaleX="68132" custScaleY="68131">
@@ -5072,6 +5867,13 @@
         </dgm:presLayoutVars>
       </dgm:prSet>
       <dgm:spPr/>
+      <dgm:t>
+        <a:bodyPr/>
+        <a:lstStyle/>
+        <a:p>
+          <a:endParaRPr lang="de-DE"/>
+        </a:p>
+      </dgm:t>
     </dgm:pt>
     <dgm:pt modelId="{DA79538E-0700-4AB8-A511-11364EACFE78}" type="pres">
       <dgm:prSet presAssocID="{E54E0F61-7D8E-4F6B-AF80-BE52E625C773}" presName="FiveConn_4-5" presStyleLbl="fgAccFollowNode1" presStyleIdx="3" presStyleCnt="4" custScaleX="59646" custScaleY="55677">
@@ -5080,6 +5882,13 @@
         </dgm:presLayoutVars>
       </dgm:prSet>
       <dgm:spPr/>
+      <dgm:t>
+        <a:bodyPr/>
+        <a:lstStyle/>
+        <a:p>
+          <a:endParaRPr lang="de-DE"/>
+        </a:p>
+      </dgm:t>
     </dgm:pt>
     <dgm:pt modelId="{80748A48-E64D-46CA-8B55-6EF9AA50EE18}" type="pres">
       <dgm:prSet presAssocID="{E54E0F61-7D8E-4F6B-AF80-BE52E625C773}" presName="FiveNodes_1_text" presStyleLbl="node1" presStyleIdx="4" presStyleCnt="5">
@@ -5088,6 +5897,13 @@
         </dgm:presLayoutVars>
       </dgm:prSet>
       <dgm:spPr/>
+      <dgm:t>
+        <a:bodyPr/>
+        <a:lstStyle/>
+        <a:p>
+          <a:endParaRPr lang="de-DE"/>
+        </a:p>
+      </dgm:t>
     </dgm:pt>
     <dgm:pt modelId="{CB808D0B-D72C-4919-A83C-FFBB00E3992C}" type="pres">
       <dgm:prSet presAssocID="{E54E0F61-7D8E-4F6B-AF80-BE52E625C773}" presName="FiveNodes_2_text" presStyleLbl="node1" presStyleIdx="4" presStyleCnt="5">
@@ -5096,6 +5912,13 @@
         </dgm:presLayoutVars>
       </dgm:prSet>
       <dgm:spPr/>
+      <dgm:t>
+        <a:bodyPr/>
+        <a:lstStyle/>
+        <a:p>
+          <a:endParaRPr lang="de-DE"/>
+        </a:p>
+      </dgm:t>
     </dgm:pt>
     <dgm:pt modelId="{94CFE52B-72C0-47A3-B23A-CCB097D43FAC}" type="pres">
       <dgm:prSet presAssocID="{E54E0F61-7D8E-4F6B-AF80-BE52E625C773}" presName="FiveNodes_3_text" presStyleLbl="node1" presStyleIdx="4" presStyleCnt="5">
@@ -5104,6 +5927,13 @@
         </dgm:presLayoutVars>
       </dgm:prSet>
       <dgm:spPr/>
+      <dgm:t>
+        <a:bodyPr/>
+        <a:lstStyle/>
+        <a:p>
+          <a:endParaRPr lang="de-DE"/>
+        </a:p>
+      </dgm:t>
     </dgm:pt>
     <dgm:pt modelId="{B9E123E5-0ACF-49D1-BB9D-23D3B03E1091}" type="pres">
       <dgm:prSet presAssocID="{E54E0F61-7D8E-4F6B-AF80-BE52E625C773}" presName="FiveNodes_4_text" presStyleLbl="node1" presStyleIdx="4" presStyleCnt="5">
@@ -5112,6 +5942,13 @@
         </dgm:presLayoutVars>
       </dgm:prSet>
       <dgm:spPr/>
+      <dgm:t>
+        <a:bodyPr/>
+        <a:lstStyle/>
+        <a:p>
+          <a:endParaRPr lang="de-DE"/>
+        </a:p>
+      </dgm:t>
     </dgm:pt>
     <dgm:pt modelId="{D62E523E-79CD-4688-BF82-F12E8EB20285}" type="pres">
       <dgm:prSet presAssocID="{E54E0F61-7D8E-4F6B-AF80-BE52E625C773}" presName="FiveNodes_5_text" presStyleLbl="node1" presStyleIdx="4" presStyleCnt="5">
@@ -5130,26 +5967,26 @@
     </dgm:pt>
   </dgm:ptLst>
   <dgm:cxnLst>
-    <dgm:cxn modelId="{55DC0FDB-AD09-440A-96EC-06B620EE938B}" type="presOf" srcId="{3C3A4887-5B25-4A7B-A68D-9D2213836E49}" destId="{CB808D0B-D72C-4919-A83C-FFBB00E3992C}" srcOrd="1" destOrd="0" presId="urn:microsoft.com/office/officeart/2005/8/layout/vProcess5"/>
-    <dgm:cxn modelId="{C3A60EDA-736E-492E-9E5E-AAF5F8ED46C0}" type="presOf" srcId="{458CA5D5-2C69-43B1-9B91-0DFD1B4AF24A}" destId="{EA59F9C2-CE6C-40BC-8157-B720A224AFD9}" srcOrd="0" destOrd="0" presId="urn:microsoft.com/office/officeart/2005/8/layout/vProcess5"/>
     <dgm:cxn modelId="{E58C6E89-5567-466E-ABDF-A32FEF46AF50}" type="presOf" srcId="{7EFE9A2D-6CAF-4A43-96D8-C04024EDE87F}" destId="{4D5B023A-487D-4A14-AB28-D0966D9943EE}" srcOrd="0" destOrd="0" presId="urn:microsoft.com/office/officeart/2005/8/layout/vProcess5"/>
+    <dgm:cxn modelId="{83602F87-4C41-4646-9E00-B150A22183DC}" type="presOf" srcId="{893D6D39-D648-474A-9284-2DA293A63CC0}" destId="{014CB75D-CD56-4C7F-AB00-34F0B56D6D55}" srcOrd="0" destOrd="0" presId="urn:microsoft.com/office/officeart/2005/8/layout/vProcess5"/>
     <dgm:cxn modelId="{053762CF-E4B4-4EB9-B212-B28AB246825E}" srcId="{E54E0F61-7D8E-4F6B-AF80-BE52E625C773}" destId="{C1AF38E2-A383-44CF-B8AE-4BDD5DA2BBA7}" srcOrd="4" destOrd="0" parTransId="{0629488E-4058-4D6C-913A-A5E4AFE99898}" sibTransId="{45B8A651-8277-4283-B0D6-93372CB2F331}"/>
     <dgm:cxn modelId="{2B54BC3F-2708-4094-8372-D28CBA485D80}" type="presOf" srcId="{F9D3C8D2-FBD3-4F7B-8EAA-56F3BFC7E24C}" destId="{173AD1BC-308A-45F0-86A4-8E4B491B600A}" srcOrd="0" destOrd="0" presId="urn:microsoft.com/office/officeart/2005/8/layout/vProcess5"/>
+    <dgm:cxn modelId="{B1DE31E5-E940-4186-940D-9C88F9D72746}" type="presOf" srcId="{4B54DF08-0EF2-4A56-89A8-66C7E733D3D8}" destId="{DA79538E-0700-4AB8-A511-11364EACFE78}" srcOrd="0" destOrd="0" presId="urn:microsoft.com/office/officeart/2005/8/layout/vProcess5"/>
+    <dgm:cxn modelId="{8810DEA1-3B8C-4F93-9AAF-B74495829A9D}" type="presOf" srcId="{893D6D39-D648-474A-9284-2DA293A63CC0}" destId="{80748A48-E64D-46CA-8B55-6EF9AA50EE18}" srcOrd="1" destOrd="0" presId="urn:microsoft.com/office/officeart/2005/8/layout/vProcess5"/>
     <dgm:cxn modelId="{7022AD8C-7F75-460F-AB2D-7472697EA308}" srcId="{E54E0F61-7D8E-4F6B-AF80-BE52E625C773}" destId="{3C3A4887-5B25-4A7B-A68D-9D2213836E49}" srcOrd="1" destOrd="0" parTransId="{1B1F2D6A-FB0B-42CA-8A45-4D98B9B90B5D}" sibTransId="{BF75DC91-F9CD-490C-AF19-DFADBA784A67}"/>
+    <dgm:cxn modelId="{943A863C-94A9-4D3C-8FEE-13DF3AA27EFE}" type="presOf" srcId="{ECAF6237-6720-42E6-A425-86F664C0DD71}" destId="{94CFE52B-72C0-47A3-B23A-CCB097D43FAC}" srcOrd="1" destOrd="0" presId="urn:microsoft.com/office/officeart/2005/8/layout/vProcess5"/>
     <dgm:cxn modelId="{9DFFD7C4-B35C-4AE2-80DE-77FAE7F1E12F}" type="presOf" srcId="{E54E0F61-7D8E-4F6B-AF80-BE52E625C773}" destId="{05EE20EA-634C-4375-8FA0-4F0A7883A9D0}" srcOrd="0" destOrd="0" presId="urn:microsoft.com/office/officeart/2005/8/layout/vProcess5"/>
+    <dgm:cxn modelId="{C87475CC-C98D-4FD7-8ACD-B0AA6B1E10FD}" type="presOf" srcId="{3C3A4887-5B25-4A7B-A68D-9D2213836E49}" destId="{206FC6DC-3CA8-474A-813D-936F81073E73}" srcOrd="0" destOrd="0" presId="urn:microsoft.com/office/officeart/2005/8/layout/vProcess5"/>
     <dgm:cxn modelId="{1E361A70-5FBD-48EF-9F31-D85635F09E1F}" type="presOf" srcId="{C1AF38E2-A383-44CF-B8AE-4BDD5DA2BBA7}" destId="{D62E523E-79CD-4688-BF82-F12E8EB20285}" srcOrd="1" destOrd="0" presId="urn:microsoft.com/office/officeart/2005/8/layout/vProcess5"/>
-    <dgm:cxn modelId="{83602F87-4C41-4646-9E00-B150A22183DC}" type="presOf" srcId="{893D6D39-D648-474A-9284-2DA293A63CC0}" destId="{014CB75D-CD56-4C7F-AB00-34F0B56D6D55}" srcOrd="0" destOrd="0" presId="urn:microsoft.com/office/officeart/2005/8/layout/vProcess5"/>
-    <dgm:cxn modelId="{EF10BA7C-F83B-4795-ABC6-1AAD0F575511}" srcId="{E54E0F61-7D8E-4F6B-AF80-BE52E625C773}" destId="{893D6D39-D648-474A-9284-2DA293A63CC0}" srcOrd="0" destOrd="0" parTransId="{9B3FC500-3281-4739-8D68-589769B3C362}" sibTransId="{7EFE9A2D-6CAF-4A43-96D8-C04024EDE87F}"/>
-    <dgm:cxn modelId="{C87475CC-C98D-4FD7-8ACD-B0AA6B1E10FD}" type="presOf" srcId="{3C3A4887-5B25-4A7B-A68D-9D2213836E49}" destId="{206FC6DC-3CA8-474A-813D-936F81073E73}" srcOrd="0" destOrd="0" presId="urn:microsoft.com/office/officeart/2005/8/layout/vProcess5"/>
-    <dgm:cxn modelId="{C7E361A1-116B-4E13-B711-59D7C759A85D}" srcId="{E54E0F61-7D8E-4F6B-AF80-BE52E625C773}" destId="{F9D3C8D2-FBD3-4F7B-8EAA-56F3BFC7E24C}" srcOrd="3" destOrd="0" parTransId="{52D2A367-7305-4F72-83C7-E1EE19D97B5C}" sibTransId="{4B54DF08-0EF2-4A56-89A8-66C7E733D3D8}"/>
     <dgm:cxn modelId="{62883476-08AE-463B-9F55-E001066C3F67}" type="presOf" srcId="{F9D3C8D2-FBD3-4F7B-8EAA-56F3BFC7E24C}" destId="{B9E123E5-0ACF-49D1-BB9D-23D3B03E1091}" srcOrd="1" destOrd="0" presId="urn:microsoft.com/office/officeart/2005/8/layout/vProcess5"/>
-    <dgm:cxn modelId="{DCCF3B6C-8957-455C-92B9-AC66E0D3956C}" srcId="{E54E0F61-7D8E-4F6B-AF80-BE52E625C773}" destId="{ECAF6237-6720-42E6-A425-86F664C0DD71}" srcOrd="2" destOrd="0" parTransId="{9AC8D8A0-8501-4087-A61B-DAB2FDDBA519}" sibTransId="{458CA5D5-2C69-43B1-9B91-0DFD1B4AF24A}"/>
-    <dgm:cxn modelId="{943A863C-94A9-4D3C-8FEE-13DF3AA27EFE}" type="presOf" srcId="{ECAF6237-6720-42E6-A425-86F664C0DD71}" destId="{94CFE52B-72C0-47A3-B23A-CCB097D43FAC}" srcOrd="1" destOrd="0" presId="urn:microsoft.com/office/officeart/2005/8/layout/vProcess5"/>
-    <dgm:cxn modelId="{8810DEA1-3B8C-4F93-9AAF-B74495829A9D}" type="presOf" srcId="{893D6D39-D648-474A-9284-2DA293A63CC0}" destId="{80748A48-E64D-46CA-8B55-6EF9AA50EE18}" srcOrd="1" destOrd="0" presId="urn:microsoft.com/office/officeart/2005/8/layout/vProcess5"/>
-    <dgm:cxn modelId="{B1DE31E5-E940-4186-940D-9C88F9D72746}" type="presOf" srcId="{4B54DF08-0EF2-4A56-89A8-66C7E733D3D8}" destId="{DA79538E-0700-4AB8-A511-11364EACFE78}" srcOrd="0" destOrd="0" presId="urn:microsoft.com/office/officeart/2005/8/layout/vProcess5"/>
-    <dgm:cxn modelId="{6B3DBB4A-D466-4C64-A45D-F86E7D5E182C}" type="presOf" srcId="{BF75DC91-F9CD-490C-AF19-DFADBA784A67}" destId="{EB1D8C88-4D57-402C-B309-E99AAE4592D9}" srcOrd="0" destOrd="0" presId="urn:microsoft.com/office/officeart/2005/8/layout/vProcess5"/>
     <dgm:cxn modelId="{09A9111D-804E-4F15-9F33-B318B1CABA07}" type="presOf" srcId="{ECAF6237-6720-42E6-A425-86F664C0DD71}" destId="{54FB9439-08CC-485B-8A6B-9AB5E0BAF508}" srcOrd="0" destOrd="0" presId="urn:microsoft.com/office/officeart/2005/8/layout/vProcess5"/>
     <dgm:cxn modelId="{C33C3135-BD4D-4093-B774-BA3080E00369}" type="presOf" srcId="{C1AF38E2-A383-44CF-B8AE-4BDD5DA2BBA7}" destId="{38449B79-A5BB-45C3-9E4A-5156F2E5318A}" srcOrd="0" destOrd="0" presId="urn:microsoft.com/office/officeart/2005/8/layout/vProcess5"/>
+    <dgm:cxn modelId="{EF10BA7C-F83B-4795-ABC6-1AAD0F575511}" srcId="{E54E0F61-7D8E-4F6B-AF80-BE52E625C773}" destId="{893D6D39-D648-474A-9284-2DA293A63CC0}" srcOrd="0" destOrd="0" parTransId="{9B3FC500-3281-4739-8D68-589769B3C362}" sibTransId="{7EFE9A2D-6CAF-4A43-96D8-C04024EDE87F}"/>
+    <dgm:cxn modelId="{C3A60EDA-736E-492E-9E5E-AAF5F8ED46C0}" type="presOf" srcId="{458CA5D5-2C69-43B1-9B91-0DFD1B4AF24A}" destId="{EA59F9C2-CE6C-40BC-8157-B720A224AFD9}" srcOrd="0" destOrd="0" presId="urn:microsoft.com/office/officeart/2005/8/layout/vProcess5"/>
+    <dgm:cxn modelId="{55DC0FDB-AD09-440A-96EC-06B620EE938B}" type="presOf" srcId="{3C3A4887-5B25-4A7B-A68D-9D2213836E49}" destId="{CB808D0B-D72C-4919-A83C-FFBB00E3992C}" srcOrd="1" destOrd="0" presId="urn:microsoft.com/office/officeart/2005/8/layout/vProcess5"/>
+    <dgm:cxn modelId="{DCCF3B6C-8957-455C-92B9-AC66E0D3956C}" srcId="{E54E0F61-7D8E-4F6B-AF80-BE52E625C773}" destId="{ECAF6237-6720-42E6-A425-86F664C0DD71}" srcOrd="2" destOrd="0" parTransId="{9AC8D8A0-8501-4087-A61B-DAB2FDDBA519}" sibTransId="{458CA5D5-2C69-43B1-9B91-0DFD1B4AF24A}"/>
+    <dgm:cxn modelId="{C7E361A1-116B-4E13-B711-59D7C759A85D}" srcId="{E54E0F61-7D8E-4F6B-AF80-BE52E625C773}" destId="{F9D3C8D2-FBD3-4F7B-8EAA-56F3BFC7E24C}" srcOrd="3" destOrd="0" parTransId="{52D2A367-7305-4F72-83C7-E1EE19D97B5C}" sibTransId="{4B54DF08-0EF2-4A56-89A8-66C7E733D3D8}"/>
+    <dgm:cxn modelId="{6B3DBB4A-D466-4C64-A45D-F86E7D5E182C}" type="presOf" srcId="{BF75DC91-F9CD-490C-AF19-DFADBA784A67}" destId="{EB1D8C88-4D57-402C-B309-E99AAE4592D9}" srcOrd="0" destOrd="0" presId="urn:microsoft.com/office/officeart/2005/8/layout/vProcess5"/>
     <dgm:cxn modelId="{0DAA120E-4363-4FD0-8B77-BC5C0F06FE0A}" type="presParOf" srcId="{05EE20EA-634C-4375-8FA0-4F0A7883A9D0}" destId="{BF275429-C0B1-4F04-8D4A-980F55CEF893}" srcOrd="0" destOrd="0" presId="urn:microsoft.com/office/officeart/2005/8/layout/vProcess5"/>
     <dgm:cxn modelId="{CD2CA4EC-DB0D-4476-B38C-51DBA9DC6491}" type="presParOf" srcId="{05EE20EA-634C-4375-8FA0-4F0A7883A9D0}" destId="{014CB75D-CD56-4C7F-AB00-34F0B56D6D55}" srcOrd="1" destOrd="0" presId="urn:microsoft.com/office/officeart/2005/8/layout/vProcess5"/>
     <dgm:cxn modelId="{3484A1B8-1A85-40EC-A6CD-52A6D16AD0DA}" type="presParOf" srcId="{05EE20EA-634C-4375-8FA0-4F0A7883A9D0}" destId="{206FC6DC-3CA8-474A-813D-936F81073E73}" srcOrd="2" destOrd="0" presId="urn:microsoft.com/office/officeart/2005/8/layout/vProcess5"/>
@@ -5391,6 +6228,354 @@
   <dgm:extLst>
     <a:ext uri="http://schemas.microsoft.com/office/drawing/2008/diagram">
       <dsp:dataModelExt xmlns:dsp="http://schemas.microsoft.com/office/drawing/2008/diagram" xmlns="" relId="rId7" minVer="http://schemas.openxmlformats.org/drawingml/2006/diagram"/>
+    </a:ext>
+  </dgm:extLst>
+</dgm:dataModel>
+</file>
+
+<file path=ppt/diagrams/data6.xml><?xml version="1.0" encoding="utf-8"?>
+<dgm:dataModel xmlns:dgm="http://schemas.openxmlformats.org/drawingml/2006/diagram" xmlns:a="http://schemas.openxmlformats.org/drawingml/2006/main">
+  <dgm:ptLst>
+    <dgm:pt modelId="{3B5F74FA-ED2F-4EA2-82BC-7E9048CFDC9F}" type="doc">
+      <dgm:prSet loTypeId="urn:microsoft.com/office/officeart/2005/8/layout/cycle5" loCatId="cycle" qsTypeId="urn:microsoft.com/office/officeart/2005/8/quickstyle/simple1" qsCatId="simple" csTypeId="urn:microsoft.com/office/officeart/2005/8/colors/accent2_2" csCatId="accent2" phldr="1"/>
+      <dgm:spPr/>
+      <dgm:t>
+        <a:bodyPr/>
+        <a:lstStyle/>
+        <a:p>
+          <a:endParaRPr lang="de-DE"/>
+        </a:p>
+      </dgm:t>
+    </dgm:pt>
+    <dgm:pt modelId="{2B66A1F6-12D1-4DDD-9B5C-5D8ED978AECC}">
+      <dgm:prSet phldrT="[Text]"/>
+      <dgm:spPr/>
+      <dgm:t>
+        <a:bodyPr/>
+        <a:lstStyle/>
+        <a:p>
+          <a:r>
+            <a:rPr lang="de-DE" dirty="0" smtClean="0"/>
+            <a:t>Benutzereingabe</a:t>
+          </a:r>
+          <a:endParaRPr lang="de-DE" dirty="0"/>
+        </a:p>
+      </dgm:t>
+    </dgm:pt>
+    <dgm:pt modelId="{B59F34F6-B3D7-4E9E-B83C-897B55D721B3}" type="parTrans" cxnId="{21A4F764-8C5C-4AB0-B558-F7714DE7A985}">
+      <dgm:prSet/>
+      <dgm:spPr/>
+      <dgm:t>
+        <a:bodyPr/>
+        <a:lstStyle/>
+        <a:p>
+          <a:endParaRPr lang="de-DE"/>
+        </a:p>
+      </dgm:t>
+    </dgm:pt>
+    <dgm:pt modelId="{9A60A16F-A66C-4ED2-9A40-6E30423E9BF5}" type="sibTrans" cxnId="{21A4F764-8C5C-4AB0-B558-F7714DE7A985}">
+      <dgm:prSet/>
+      <dgm:spPr/>
+      <dgm:t>
+        <a:bodyPr/>
+        <a:lstStyle/>
+        <a:p>
+          <a:endParaRPr lang="de-DE"/>
+        </a:p>
+      </dgm:t>
+    </dgm:pt>
+    <dgm:pt modelId="{0C3ACD0E-FE3E-4458-84C9-2C40F787C9E0}">
+      <dgm:prSet phldrT="[Text]"/>
+      <dgm:spPr/>
+      <dgm:t>
+        <a:bodyPr/>
+        <a:lstStyle/>
+        <a:p>
+          <a:r>
+            <a:rPr lang="de-DE" dirty="0" err="1" smtClean="0"/>
+            <a:t>GuiController</a:t>
+          </a:r>
+          <a:r>
+            <a:rPr lang="de-DE" dirty="0" smtClean="0"/>
+            <a:t> lädt Daten (über </a:t>
+          </a:r>
+          <a:r>
+            <a:rPr lang="de-DE" dirty="0" err="1" smtClean="0"/>
+            <a:t>DBIgui</a:t>
+          </a:r>
+          <a:r>
+            <a:rPr lang="de-DE" dirty="0" smtClean="0"/>
+            <a:t>)</a:t>
+          </a:r>
+          <a:endParaRPr lang="de-DE" dirty="0"/>
+        </a:p>
+      </dgm:t>
+    </dgm:pt>
+    <dgm:pt modelId="{61672426-A5FC-46BF-AEF9-A15B553291C5}" type="parTrans" cxnId="{5A2A68D8-6F07-403D-8CA9-F6D2664DFB69}">
+      <dgm:prSet/>
+      <dgm:spPr/>
+      <dgm:t>
+        <a:bodyPr/>
+        <a:lstStyle/>
+        <a:p>
+          <a:endParaRPr lang="de-DE"/>
+        </a:p>
+      </dgm:t>
+    </dgm:pt>
+    <dgm:pt modelId="{9225B7DA-BB33-4A44-A21B-3D73446A352E}" type="sibTrans" cxnId="{5A2A68D8-6F07-403D-8CA9-F6D2664DFB69}">
+      <dgm:prSet/>
+      <dgm:spPr/>
+      <dgm:t>
+        <a:bodyPr/>
+        <a:lstStyle/>
+        <a:p>
+          <a:endParaRPr lang="de-DE"/>
+        </a:p>
+      </dgm:t>
+    </dgm:pt>
+    <dgm:pt modelId="{80F6A064-E0C0-445B-837A-BF62EBC510F1}">
+      <dgm:prSet phldrT="[Text]"/>
+      <dgm:spPr/>
+      <dgm:t>
+        <a:bodyPr/>
+        <a:lstStyle/>
+        <a:p>
+          <a:r>
+            <a:rPr lang="de-DE" dirty="0" err="1" smtClean="0"/>
+            <a:t>GuiController</a:t>
+          </a:r>
+          <a:r>
+            <a:rPr lang="de-DE" dirty="0" smtClean="0"/>
+            <a:t> benachrichtigt Ausgabe-Elemente</a:t>
+          </a:r>
+          <a:endParaRPr lang="de-DE" dirty="0"/>
+        </a:p>
+      </dgm:t>
+    </dgm:pt>
+    <dgm:pt modelId="{89BEC3ED-D3D4-4C7F-8F79-7C275ABDFD6B}" type="parTrans" cxnId="{9AD102B5-0B5A-4C7F-A795-EBFC810ED24A}">
+      <dgm:prSet/>
+      <dgm:spPr/>
+      <dgm:t>
+        <a:bodyPr/>
+        <a:lstStyle/>
+        <a:p>
+          <a:endParaRPr lang="de-DE"/>
+        </a:p>
+      </dgm:t>
+    </dgm:pt>
+    <dgm:pt modelId="{00023D41-C998-4F73-B719-2AA493E23450}" type="sibTrans" cxnId="{9AD102B5-0B5A-4C7F-A795-EBFC810ED24A}">
+      <dgm:prSet/>
+      <dgm:spPr/>
+      <dgm:t>
+        <a:bodyPr/>
+        <a:lstStyle/>
+        <a:p>
+          <a:endParaRPr lang="de-DE"/>
+        </a:p>
+      </dgm:t>
+    </dgm:pt>
+    <dgm:pt modelId="{6AC6B8CA-4567-4603-9CBB-067A92FC918B}">
+      <dgm:prSet phldrT="[Text]"/>
+      <dgm:spPr/>
+      <dgm:t>
+        <a:bodyPr/>
+        <a:lstStyle/>
+        <a:p>
+          <a:r>
+            <a:rPr lang="de-DE" dirty="0" smtClean="0"/>
+            <a:t>Ausgabe-Elemente holen nach Bedarf Daten</a:t>
+          </a:r>
+          <a:endParaRPr lang="de-DE" dirty="0"/>
+        </a:p>
+      </dgm:t>
+    </dgm:pt>
+    <dgm:pt modelId="{699C2746-D394-40EB-A4D4-67E9BF777AE9}" type="parTrans" cxnId="{DDD5AC35-7B06-4665-826C-B106F4C9FC5D}">
+      <dgm:prSet/>
+      <dgm:spPr/>
+      <dgm:t>
+        <a:bodyPr/>
+        <a:lstStyle/>
+        <a:p>
+          <a:endParaRPr lang="de-DE"/>
+        </a:p>
+      </dgm:t>
+    </dgm:pt>
+    <dgm:pt modelId="{4C573742-A7BE-4E0C-8C5C-646F44DF24E2}" type="sibTrans" cxnId="{DDD5AC35-7B06-4665-826C-B106F4C9FC5D}">
+      <dgm:prSet/>
+      <dgm:spPr/>
+      <dgm:t>
+        <a:bodyPr/>
+        <a:lstStyle/>
+        <a:p>
+          <a:endParaRPr lang="de-DE"/>
+        </a:p>
+      </dgm:t>
+    </dgm:pt>
+    <dgm:pt modelId="{00CC421B-497A-4F76-A442-1E9E52125F05}">
+      <dgm:prSet phldrT="[Text]"/>
+      <dgm:spPr/>
+      <dgm:t>
+        <a:bodyPr/>
+        <a:lstStyle/>
+        <a:p>
+          <a:r>
+            <a:rPr lang="de-DE" dirty="0" smtClean="0"/>
+            <a:t>Visualisierung der Daten</a:t>
+          </a:r>
+          <a:endParaRPr lang="de-DE" dirty="0"/>
+        </a:p>
+      </dgm:t>
+    </dgm:pt>
+    <dgm:pt modelId="{C6E25FDA-5BC3-4561-BC2C-A26F1CF16EDB}" type="parTrans" cxnId="{05A257C9-FF54-4F8F-8A67-5C24CECF24FD}">
+      <dgm:prSet/>
+      <dgm:spPr/>
+      <dgm:t>
+        <a:bodyPr/>
+        <a:lstStyle/>
+        <a:p>
+          <a:endParaRPr lang="de-DE"/>
+        </a:p>
+      </dgm:t>
+    </dgm:pt>
+    <dgm:pt modelId="{CEA9F828-BE57-453A-A54E-A6EC33AFBCCD}" type="sibTrans" cxnId="{05A257C9-FF54-4F8F-8A67-5C24CECF24FD}">
+      <dgm:prSet/>
+      <dgm:spPr/>
+      <dgm:t>
+        <a:bodyPr/>
+        <a:lstStyle/>
+        <a:p>
+          <a:endParaRPr lang="de-DE"/>
+        </a:p>
+      </dgm:t>
+    </dgm:pt>
+    <dgm:pt modelId="{303A1F29-5640-4A40-958F-C8B65201F37F}" type="pres">
+      <dgm:prSet presAssocID="{3B5F74FA-ED2F-4EA2-82BC-7E9048CFDC9F}" presName="cycle" presStyleCnt="0">
+        <dgm:presLayoutVars>
+          <dgm:dir/>
+          <dgm:resizeHandles val="exact"/>
+        </dgm:presLayoutVars>
+      </dgm:prSet>
+      <dgm:spPr/>
+    </dgm:pt>
+    <dgm:pt modelId="{525AC2B9-A9B3-421F-8295-DDDAEF106982}" type="pres">
+      <dgm:prSet presAssocID="{2B66A1F6-12D1-4DDD-9B5C-5D8ED978AECC}" presName="node" presStyleLbl="node1" presStyleIdx="0" presStyleCnt="5">
+        <dgm:presLayoutVars>
+          <dgm:bulletEnabled val="1"/>
+        </dgm:presLayoutVars>
+      </dgm:prSet>
+      <dgm:spPr/>
+    </dgm:pt>
+    <dgm:pt modelId="{98EF8E6B-C524-489F-AD3D-B2FA182CAA53}" type="pres">
+      <dgm:prSet presAssocID="{2B66A1F6-12D1-4DDD-9B5C-5D8ED978AECC}" presName="spNode" presStyleCnt="0"/>
+      <dgm:spPr/>
+    </dgm:pt>
+    <dgm:pt modelId="{F7855BF3-22A8-429C-B4D1-32076FE04AE0}" type="pres">
+      <dgm:prSet presAssocID="{9A60A16F-A66C-4ED2-9A40-6E30423E9BF5}" presName="sibTrans" presStyleLbl="sibTrans1D1" presStyleIdx="0" presStyleCnt="5"/>
+      <dgm:spPr/>
+    </dgm:pt>
+    <dgm:pt modelId="{D81CD727-4EB5-457B-AA0A-B207EB369262}" type="pres">
+      <dgm:prSet presAssocID="{0C3ACD0E-FE3E-4458-84C9-2C40F787C9E0}" presName="node" presStyleLbl="node1" presStyleIdx="1" presStyleCnt="5">
+        <dgm:presLayoutVars>
+          <dgm:bulletEnabled val="1"/>
+        </dgm:presLayoutVars>
+      </dgm:prSet>
+      <dgm:spPr/>
+    </dgm:pt>
+    <dgm:pt modelId="{DA00E07C-FBAC-4209-97F3-F7B9DE23205B}" type="pres">
+      <dgm:prSet presAssocID="{0C3ACD0E-FE3E-4458-84C9-2C40F787C9E0}" presName="spNode" presStyleCnt="0"/>
+      <dgm:spPr/>
+    </dgm:pt>
+    <dgm:pt modelId="{05D4ACD9-016A-4612-B7BA-E29F5EC598F2}" type="pres">
+      <dgm:prSet presAssocID="{9225B7DA-BB33-4A44-A21B-3D73446A352E}" presName="sibTrans" presStyleLbl="sibTrans1D1" presStyleIdx="1" presStyleCnt="5"/>
+      <dgm:spPr/>
+    </dgm:pt>
+    <dgm:pt modelId="{64A0B913-B6DA-40A5-87B2-80D3211482C0}" type="pres">
+      <dgm:prSet presAssocID="{80F6A064-E0C0-445B-837A-BF62EBC510F1}" presName="node" presStyleLbl="node1" presStyleIdx="2" presStyleCnt="5">
+        <dgm:presLayoutVars>
+          <dgm:bulletEnabled val="1"/>
+        </dgm:presLayoutVars>
+      </dgm:prSet>
+      <dgm:spPr/>
+    </dgm:pt>
+    <dgm:pt modelId="{2CFE9CC4-1423-465A-85FA-7B312F7EDD28}" type="pres">
+      <dgm:prSet presAssocID="{80F6A064-E0C0-445B-837A-BF62EBC510F1}" presName="spNode" presStyleCnt="0"/>
+      <dgm:spPr/>
+    </dgm:pt>
+    <dgm:pt modelId="{34FCCFF9-3C73-4A16-9E5C-054DD6F53C32}" type="pres">
+      <dgm:prSet presAssocID="{00023D41-C998-4F73-B719-2AA493E23450}" presName="sibTrans" presStyleLbl="sibTrans1D1" presStyleIdx="2" presStyleCnt="5"/>
+      <dgm:spPr/>
+    </dgm:pt>
+    <dgm:pt modelId="{6AC99B47-2CB9-468A-A1B6-25538D41966B}" type="pres">
+      <dgm:prSet presAssocID="{6AC6B8CA-4567-4603-9CBB-067A92FC918B}" presName="node" presStyleLbl="node1" presStyleIdx="3" presStyleCnt="5">
+        <dgm:presLayoutVars>
+          <dgm:bulletEnabled val="1"/>
+        </dgm:presLayoutVars>
+      </dgm:prSet>
+      <dgm:spPr/>
+    </dgm:pt>
+    <dgm:pt modelId="{B4F23715-E6CD-43DB-9349-EC9B9683AA94}" type="pres">
+      <dgm:prSet presAssocID="{6AC6B8CA-4567-4603-9CBB-067A92FC918B}" presName="spNode" presStyleCnt="0"/>
+      <dgm:spPr/>
+    </dgm:pt>
+    <dgm:pt modelId="{02B029A9-3839-40BE-86FD-924212B8FE47}" type="pres">
+      <dgm:prSet presAssocID="{4C573742-A7BE-4E0C-8C5C-646F44DF24E2}" presName="sibTrans" presStyleLbl="sibTrans1D1" presStyleIdx="3" presStyleCnt="5"/>
+      <dgm:spPr/>
+    </dgm:pt>
+    <dgm:pt modelId="{780F3454-400F-4740-B57A-513D9F9B6B4E}" type="pres">
+      <dgm:prSet presAssocID="{00CC421B-497A-4F76-A442-1E9E52125F05}" presName="node" presStyleLbl="node1" presStyleIdx="4" presStyleCnt="5">
+        <dgm:presLayoutVars>
+          <dgm:bulletEnabled val="1"/>
+        </dgm:presLayoutVars>
+      </dgm:prSet>
+      <dgm:spPr/>
+    </dgm:pt>
+    <dgm:pt modelId="{2BD21919-AF81-4455-87D7-FEB7023DAA44}" type="pres">
+      <dgm:prSet presAssocID="{00CC421B-497A-4F76-A442-1E9E52125F05}" presName="spNode" presStyleCnt="0"/>
+      <dgm:spPr/>
+    </dgm:pt>
+    <dgm:pt modelId="{B65EF14B-FA96-4748-A635-8BC6E9A10AA7}" type="pres">
+      <dgm:prSet presAssocID="{CEA9F828-BE57-453A-A54E-A6EC33AFBCCD}" presName="sibTrans" presStyleLbl="sibTrans1D1" presStyleIdx="4" presStyleCnt="5"/>
+      <dgm:spPr/>
+    </dgm:pt>
+  </dgm:ptLst>
+  <dgm:cxnLst>
+    <dgm:cxn modelId="{21A4F764-8C5C-4AB0-B558-F7714DE7A985}" srcId="{3B5F74FA-ED2F-4EA2-82BC-7E9048CFDC9F}" destId="{2B66A1F6-12D1-4DDD-9B5C-5D8ED978AECC}" srcOrd="0" destOrd="0" parTransId="{B59F34F6-B3D7-4E9E-B83C-897B55D721B3}" sibTransId="{9A60A16F-A66C-4ED2-9A40-6E30423E9BF5}"/>
+    <dgm:cxn modelId="{C4B3AAC6-396C-4177-8CC8-C9B450993F9C}" type="presOf" srcId="{80F6A064-E0C0-445B-837A-BF62EBC510F1}" destId="{64A0B913-B6DA-40A5-87B2-80D3211482C0}" srcOrd="0" destOrd="0" presId="urn:microsoft.com/office/officeart/2005/8/layout/cycle5"/>
+    <dgm:cxn modelId="{05A257C9-FF54-4F8F-8A67-5C24CECF24FD}" srcId="{3B5F74FA-ED2F-4EA2-82BC-7E9048CFDC9F}" destId="{00CC421B-497A-4F76-A442-1E9E52125F05}" srcOrd="4" destOrd="0" parTransId="{C6E25FDA-5BC3-4561-BC2C-A26F1CF16EDB}" sibTransId="{CEA9F828-BE57-453A-A54E-A6EC33AFBCCD}"/>
+    <dgm:cxn modelId="{A3A9C847-8016-4C56-87CF-0D758AC0FD37}" type="presOf" srcId="{2B66A1F6-12D1-4DDD-9B5C-5D8ED978AECC}" destId="{525AC2B9-A9B3-421F-8295-DDDAEF106982}" srcOrd="0" destOrd="0" presId="urn:microsoft.com/office/officeart/2005/8/layout/cycle5"/>
+    <dgm:cxn modelId="{E63A397D-77E4-48F1-8416-55B4A08D5E52}" type="presOf" srcId="{9A60A16F-A66C-4ED2-9A40-6E30423E9BF5}" destId="{F7855BF3-22A8-429C-B4D1-32076FE04AE0}" srcOrd="0" destOrd="0" presId="urn:microsoft.com/office/officeart/2005/8/layout/cycle5"/>
+    <dgm:cxn modelId="{FA8EE4FA-C377-4F2B-9065-F5B70902B4BC}" type="presOf" srcId="{00CC421B-497A-4F76-A442-1E9E52125F05}" destId="{780F3454-400F-4740-B57A-513D9F9B6B4E}" srcOrd="0" destOrd="0" presId="urn:microsoft.com/office/officeart/2005/8/layout/cycle5"/>
+    <dgm:cxn modelId="{DDD5AC35-7B06-4665-826C-B106F4C9FC5D}" srcId="{3B5F74FA-ED2F-4EA2-82BC-7E9048CFDC9F}" destId="{6AC6B8CA-4567-4603-9CBB-067A92FC918B}" srcOrd="3" destOrd="0" parTransId="{699C2746-D394-40EB-A4D4-67E9BF777AE9}" sibTransId="{4C573742-A7BE-4E0C-8C5C-646F44DF24E2}"/>
+    <dgm:cxn modelId="{9AD102B5-0B5A-4C7F-A795-EBFC810ED24A}" srcId="{3B5F74FA-ED2F-4EA2-82BC-7E9048CFDC9F}" destId="{80F6A064-E0C0-445B-837A-BF62EBC510F1}" srcOrd="2" destOrd="0" parTransId="{89BEC3ED-D3D4-4C7F-8F79-7C275ABDFD6B}" sibTransId="{00023D41-C998-4F73-B719-2AA493E23450}"/>
+    <dgm:cxn modelId="{27652898-4788-4532-8B35-8E71ED80781E}" type="presOf" srcId="{0C3ACD0E-FE3E-4458-84C9-2C40F787C9E0}" destId="{D81CD727-4EB5-457B-AA0A-B207EB369262}" srcOrd="0" destOrd="0" presId="urn:microsoft.com/office/officeart/2005/8/layout/cycle5"/>
+    <dgm:cxn modelId="{615CB036-1AE7-4CDB-9C9A-9ACD651743DF}" type="presOf" srcId="{00023D41-C998-4F73-B719-2AA493E23450}" destId="{34FCCFF9-3C73-4A16-9E5C-054DD6F53C32}" srcOrd="0" destOrd="0" presId="urn:microsoft.com/office/officeart/2005/8/layout/cycle5"/>
+    <dgm:cxn modelId="{C9B954CF-064D-4233-8436-EA768FAAD9C3}" type="presOf" srcId="{6AC6B8CA-4567-4603-9CBB-067A92FC918B}" destId="{6AC99B47-2CB9-468A-A1B6-25538D41966B}" srcOrd="0" destOrd="0" presId="urn:microsoft.com/office/officeart/2005/8/layout/cycle5"/>
+    <dgm:cxn modelId="{5A2A68D8-6F07-403D-8CA9-F6D2664DFB69}" srcId="{3B5F74FA-ED2F-4EA2-82BC-7E9048CFDC9F}" destId="{0C3ACD0E-FE3E-4458-84C9-2C40F787C9E0}" srcOrd="1" destOrd="0" parTransId="{61672426-A5FC-46BF-AEF9-A15B553291C5}" sibTransId="{9225B7DA-BB33-4A44-A21B-3D73446A352E}"/>
+    <dgm:cxn modelId="{E78FAEEE-33FB-4382-8E5B-AD00BE7939B7}" type="presOf" srcId="{9225B7DA-BB33-4A44-A21B-3D73446A352E}" destId="{05D4ACD9-016A-4612-B7BA-E29F5EC598F2}" srcOrd="0" destOrd="0" presId="urn:microsoft.com/office/officeart/2005/8/layout/cycle5"/>
+    <dgm:cxn modelId="{D5954684-5473-46B4-8FCD-A8D73043C354}" type="presOf" srcId="{3B5F74FA-ED2F-4EA2-82BC-7E9048CFDC9F}" destId="{303A1F29-5640-4A40-958F-C8B65201F37F}" srcOrd="0" destOrd="0" presId="urn:microsoft.com/office/officeart/2005/8/layout/cycle5"/>
+    <dgm:cxn modelId="{78C2E60F-DCA1-42FA-BC34-6C82F1FB010D}" type="presOf" srcId="{4C573742-A7BE-4E0C-8C5C-646F44DF24E2}" destId="{02B029A9-3839-40BE-86FD-924212B8FE47}" srcOrd="0" destOrd="0" presId="urn:microsoft.com/office/officeart/2005/8/layout/cycle5"/>
+    <dgm:cxn modelId="{5C2501FD-A2B5-4BE5-8BA1-0ED27A11D482}" type="presOf" srcId="{CEA9F828-BE57-453A-A54E-A6EC33AFBCCD}" destId="{B65EF14B-FA96-4748-A635-8BC6E9A10AA7}" srcOrd="0" destOrd="0" presId="urn:microsoft.com/office/officeart/2005/8/layout/cycle5"/>
+    <dgm:cxn modelId="{DE0BAF8D-DA01-4B4B-AFA9-2920FC6741A3}" type="presParOf" srcId="{303A1F29-5640-4A40-958F-C8B65201F37F}" destId="{525AC2B9-A9B3-421F-8295-DDDAEF106982}" srcOrd="0" destOrd="0" presId="urn:microsoft.com/office/officeart/2005/8/layout/cycle5"/>
+    <dgm:cxn modelId="{B5083E2E-AF46-481E-AFB2-07096A4FF496}" type="presParOf" srcId="{303A1F29-5640-4A40-958F-C8B65201F37F}" destId="{98EF8E6B-C524-489F-AD3D-B2FA182CAA53}" srcOrd="1" destOrd="0" presId="urn:microsoft.com/office/officeart/2005/8/layout/cycle5"/>
+    <dgm:cxn modelId="{9578BFC9-411D-47F5-87ED-BFEBC3B4FF2A}" type="presParOf" srcId="{303A1F29-5640-4A40-958F-C8B65201F37F}" destId="{F7855BF3-22A8-429C-B4D1-32076FE04AE0}" srcOrd="2" destOrd="0" presId="urn:microsoft.com/office/officeart/2005/8/layout/cycle5"/>
+    <dgm:cxn modelId="{DF405B1E-236E-4B9D-8241-F6E1446DC312}" type="presParOf" srcId="{303A1F29-5640-4A40-958F-C8B65201F37F}" destId="{D81CD727-4EB5-457B-AA0A-B207EB369262}" srcOrd="3" destOrd="0" presId="urn:microsoft.com/office/officeart/2005/8/layout/cycle5"/>
+    <dgm:cxn modelId="{D4036CD1-5D13-4419-9969-142C58BB5306}" type="presParOf" srcId="{303A1F29-5640-4A40-958F-C8B65201F37F}" destId="{DA00E07C-FBAC-4209-97F3-F7B9DE23205B}" srcOrd="4" destOrd="0" presId="urn:microsoft.com/office/officeart/2005/8/layout/cycle5"/>
+    <dgm:cxn modelId="{2FB84523-F64A-4BB5-A667-A133F97ADF34}" type="presParOf" srcId="{303A1F29-5640-4A40-958F-C8B65201F37F}" destId="{05D4ACD9-016A-4612-B7BA-E29F5EC598F2}" srcOrd="5" destOrd="0" presId="urn:microsoft.com/office/officeart/2005/8/layout/cycle5"/>
+    <dgm:cxn modelId="{E3D5450D-6DC3-4290-9697-B2D9AE692528}" type="presParOf" srcId="{303A1F29-5640-4A40-958F-C8B65201F37F}" destId="{64A0B913-B6DA-40A5-87B2-80D3211482C0}" srcOrd="6" destOrd="0" presId="urn:microsoft.com/office/officeart/2005/8/layout/cycle5"/>
+    <dgm:cxn modelId="{B0A810EE-4C1B-4EE0-BB18-B47991536762}" type="presParOf" srcId="{303A1F29-5640-4A40-958F-C8B65201F37F}" destId="{2CFE9CC4-1423-465A-85FA-7B312F7EDD28}" srcOrd="7" destOrd="0" presId="urn:microsoft.com/office/officeart/2005/8/layout/cycle5"/>
+    <dgm:cxn modelId="{E40C9BE7-6EB2-4397-A36F-B1E11C451806}" type="presParOf" srcId="{303A1F29-5640-4A40-958F-C8B65201F37F}" destId="{34FCCFF9-3C73-4A16-9E5C-054DD6F53C32}" srcOrd="8" destOrd="0" presId="urn:microsoft.com/office/officeart/2005/8/layout/cycle5"/>
+    <dgm:cxn modelId="{79D41966-7D30-4330-AD72-8C7C963ED729}" type="presParOf" srcId="{303A1F29-5640-4A40-958F-C8B65201F37F}" destId="{6AC99B47-2CB9-468A-A1B6-25538D41966B}" srcOrd="9" destOrd="0" presId="urn:microsoft.com/office/officeart/2005/8/layout/cycle5"/>
+    <dgm:cxn modelId="{573A0651-F7BA-4E17-B125-44587B037B29}" type="presParOf" srcId="{303A1F29-5640-4A40-958F-C8B65201F37F}" destId="{B4F23715-E6CD-43DB-9349-EC9B9683AA94}" srcOrd="10" destOrd="0" presId="urn:microsoft.com/office/officeart/2005/8/layout/cycle5"/>
+    <dgm:cxn modelId="{A23E8F6F-7829-4D07-944C-2D6A3CDCBE42}" type="presParOf" srcId="{303A1F29-5640-4A40-958F-C8B65201F37F}" destId="{02B029A9-3839-40BE-86FD-924212B8FE47}" srcOrd="11" destOrd="0" presId="urn:microsoft.com/office/officeart/2005/8/layout/cycle5"/>
+    <dgm:cxn modelId="{EB2A62DB-A1F9-47A2-A1C2-7DC142A0FB46}" type="presParOf" srcId="{303A1F29-5640-4A40-958F-C8B65201F37F}" destId="{780F3454-400F-4740-B57A-513D9F9B6B4E}" srcOrd="12" destOrd="0" presId="urn:microsoft.com/office/officeart/2005/8/layout/cycle5"/>
+    <dgm:cxn modelId="{9ECA432F-798B-4C60-9C69-3514DAC3C1B9}" type="presParOf" srcId="{303A1F29-5640-4A40-958F-C8B65201F37F}" destId="{2BD21919-AF81-4455-87D7-FEB7023DAA44}" srcOrd="13" destOrd="0" presId="urn:microsoft.com/office/officeart/2005/8/layout/cycle5"/>
+    <dgm:cxn modelId="{1AA2C780-EBDB-41E3-B71D-8039ED6FC325}" type="presParOf" srcId="{303A1F29-5640-4A40-958F-C8B65201F37F}" destId="{B65EF14B-FA96-4748-A635-8BC6E9A10AA7}" srcOrd="14" destOrd="0" presId="urn:microsoft.com/office/officeart/2005/8/layout/cycle5"/>
+  </dgm:cxnLst>
+  <dgm:bg/>
+  <dgm:whole/>
+  <dgm:extLst>
+    <a:ext uri="http://schemas.microsoft.com/office/drawing/2008/diagram">
+      <dsp:dataModelExt xmlns:dsp="http://schemas.microsoft.com/office/drawing/2008/diagram" xmlns="" relId="rId6" minVer="http://schemas.openxmlformats.org/drawingml/2006/diagram"/>
     </a:ext>
   </dgm:extLst>
 </dgm:dataModel>
@@ -7452,6 +8637,684 @@
         <a:off x="5600464" y="1698041"/>
         <a:ext cx="3109950" cy="1243980"/>
       </dsp:txXfrm>
+    </dsp:sp>
+  </dsp:spTree>
+</dsp:drawing>
+</file>
+
+<file path=ppt/diagrams/drawing6.xml><?xml version="1.0" encoding="utf-8"?>
+<dsp:drawing xmlns:dgm="http://schemas.openxmlformats.org/drawingml/2006/diagram" xmlns:a="http://schemas.openxmlformats.org/drawingml/2006/main" xmlns:dsp="http://schemas.microsoft.com/office/drawing/2008/diagram">
+  <dsp:spTree>
+    <dsp:nvGrpSpPr>
+      <dsp:cNvPr id="0" name=""/>
+      <dsp:cNvGrpSpPr/>
+    </dsp:nvGrpSpPr>
+    <dsp:grpSpPr/>
+    <dsp:sp modelId="{525AC2B9-A9B3-421F-8295-DDDAEF106982}">
+      <dsp:nvSpPr>
+        <dsp:cNvPr id="0" name=""/>
+        <dsp:cNvSpPr/>
+      </dsp:nvSpPr>
+      <dsp:spPr>
+        <a:xfrm>
+          <a:off x="2929456" y="2651"/>
+          <a:ext cx="1701927" cy="1106252"/>
+        </a:xfrm>
+        <a:prstGeom prst="roundRect">
+          <a:avLst/>
+        </a:prstGeom>
+        <a:solidFill>
+          <a:schemeClr val="accent2">
+            <a:hueOff val="0"/>
+            <a:satOff val="0"/>
+            <a:lumOff val="0"/>
+            <a:alphaOff val="0"/>
+          </a:schemeClr>
+        </a:solidFill>
+        <a:ln w="25400" cap="flat" cmpd="sng" algn="ctr">
+          <a:solidFill>
+            <a:schemeClr val="lt1">
+              <a:hueOff val="0"/>
+              <a:satOff val="0"/>
+              <a:lumOff val="0"/>
+              <a:alphaOff val="0"/>
+            </a:schemeClr>
+          </a:solidFill>
+          <a:prstDash val="solid"/>
+        </a:ln>
+        <a:effectLst/>
+      </dsp:spPr>
+      <dsp:style>
+        <a:lnRef idx="2">
+          <a:scrgbClr r="0" g="0" b="0"/>
+        </a:lnRef>
+        <a:fillRef idx="1">
+          <a:scrgbClr r="0" g="0" b="0"/>
+        </a:fillRef>
+        <a:effectRef idx="0">
+          <a:scrgbClr r="0" g="0" b="0"/>
+        </a:effectRef>
+        <a:fontRef idx="minor">
+          <a:schemeClr val="lt1"/>
+        </a:fontRef>
+      </dsp:style>
+      <dsp:txBody>
+        <a:bodyPr spcFirstLastPara="0" vert="horz" wrap="square" lIns="57150" tIns="57150" rIns="57150" bIns="57150" numCol="1" spcCol="1270" anchor="ctr" anchorCtr="0">
+          <a:noAutofit/>
+        </a:bodyPr>
+        <a:lstStyle/>
+        <a:p>
+          <a:pPr lvl="0" algn="ctr" defTabSz="666750">
+            <a:lnSpc>
+              <a:spcPct val="90000"/>
+            </a:lnSpc>
+            <a:spcBef>
+              <a:spcPct val="0"/>
+            </a:spcBef>
+            <a:spcAft>
+              <a:spcPct val="35000"/>
+            </a:spcAft>
+          </a:pPr>
+          <a:r>
+            <a:rPr lang="de-DE" sz="1500" kern="1200" dirty="0" smtClean="0"/>
+            <a:t>Benutzereingabe</a:t>
+          </a:r>
+          <a:endParaRPr lang="de-DE" sz="1500" kern="1200" dirty="0"/>
+        </a:p>
+      </dsp:txBody>
+      <dsp:txXfrm>
+        <a:off x="2929456" y="2651"/>
+        <a:ext cx="1701927" cy="1106252"/>
+      </dsp:txXfrm>
+    </dsp:sp>
+    <dsp:sp modelId="{F7855BF3-22A8-429C-B4D1-32076FE04AE0}">
+      <dsp:nvSpPr>
+        <dsp:cNvPr id="0" name=""/>
+        <dsp:cNvSpPr/>
+      </dsp:nvSpPr>
+      <dsp:spPr>
+        <a:xfrm>
+          <a:off x="1569462" y="555778"/>
+          <a:ext cx="4421915" cy="4421915"/>
+        </a:xfrm>
+        <a:custGeom>
+          <a:avLst/>
+          <a:gdLst/>
+          <a:ahLst/>
+          <a:cxnLst/>
+          <a:rect l="0" t="0" r="0" b="0"/>
+          <a:pathLst>
+            <a:path>
+              <a:moveTo>
+                <a:pt x="3290113" y="281253"/>
+              </a:moveTo>
+              <a:arcTo wR="2210957" hR="2210957" stAng="17952924" swAng="1212350"/>
+            </a:path>
+          </a:pathLst>
+        </a:custGeom>
+        <a:noFill/>
+        <a:ln w="9525" cap="flat" cmpd="sng" algn="ctr">
+          <a:solidFill>
+            <a:schemeClr val="accent2">
+              <a:hueOff val="0"/>
+              <a:satOff val="0"/>
+              <a:lumOff val="0"/>
+              <a:alphaOff val="0"/>
+            </a:schemeClr>
+          </a:solidFill>
+          <a:prstDash val="solid"/>
+          <a:tailEnd type="arrow"/>
+        </a:ln>
+        <a:effectLst/>
+      </dsp:spPr>
+      <dsp:style>
+        <a:lnRef idx="1">
+          <a:scrgbClr r="0" g="0" b="0"/>
+        </a:lnRef>
+        <a:fillRef idx="0">
+          <a:scrgbClr r="0" g="0" b="0"/>
+        </a:fillRef>
+        <a:effectRef idx="0">
+          <a:scrgbClr r="0" g="0" b="0"/>
+        </a:effectRef>
+        <a:fontRef idx="minor"/>
+      </dsp:style>
+    </dsp:sp>
+    <dsp:sp modelId="{D81CD727-4EB5-457B-AA0A-B207EB369262}">
+      <dsp:nvSpPr>
+        <dsp:cNvPr id="0" name=""/>
+        <dsp:cNvSpPr/>
+      </dsp:nvSpPr>
+      <dsp:spPr>
+        <a:xfrm>
+          <a:off x="5032201" y="1530385"/>
+          <a:ext cx="1701927" cy="1106252"/>
+        </a:xfrm>
+        <a:prstGeom prst="roundRect">
+          <a:avLst/>
+        </a:prstGeom>
+        <a:solidFill>
+          <a:schemeClr val="accent2">
+            <a:hueOff val="0"/>
+            <a:satOff val="0"/>
+            <a:lumOff val="0"/>
+            <a:alphaOff val="0"/>
+          </a:schemeClr>
+        </a:solidFill>
+        <a:ln w="25400" cap="flat" cmpd="sng" algn="ctr">
+          <a:solidFill>
+            <a:schemeClr val="lt1">
+              <a:hueOff val="0"/>
+              <a:satOff val="0"/>
+              <a:lumOff val="0"/>
+              <a:alphaOff val="0"/>
+            </a:schemeClr>
+          </a:solidFill>
+          <a:prstDash val="solid"/>
+        </a:ln>
+        <a:effectLst/>
+      </dsp:spPr>
+      <dsp:style>
+        <a:lnRef idx="2">
+          <a:scrgbClr r="0" g="0" b="0"/>
+        </a:lnRef>
+        <a:fillRef idx="1">
+          <a:scrgbClr r="0" g="0" b="0"/>
+        </a:fillRef>
+        <a:effectRef idx="0">
+          <a:scrgbClr r="0" g="0" b="0"/>
+        </a:effectRef>
+        <a:fontRef idx="minor">
+          <a:schemeClr val="lt1"/>
+        </a:fontRef>
+      </dsp:style>
+      <dsp:txBody>
+        <a:bodyPr spcFirstLastPara="0" vert="horz" wrap="square" lIns="57150" tIns="57150" rIns="57150" bIns="57150" numCol="1" spcCol="1270" anchor="ctr" anchorCtr="0">
+          <a:noAutofit/>
+        </a:bodyPr>
+        <a:lstStyle/>
+        <a:p>
+          <a:pPr lvl="0" algn="ctr" defTabSz="666750">
+            <a:lnSpc>
+              <a:spcPct val="90000"/>
+            </a:lnSpc>
+            <a:spcBef>
+              <a:spcPct val="0"/>
+            </a:spcBef>
+            <a:spcAft>
+              <a:spcPct val="35000"/>
+            </a:spcAft>
+          </a:pPr>
+          <a:r>
+            <a:rPr lang="de-DE" sz="1500" kern="1200" dirty="0" err="1" smtClean="0"/>
+            <a:t>GuiController</a:t>
+          </a:r>
+          <a:r>
+            <a:rPr lang="de-DE" sz="1500" kern="1200" dirty="0" smtClean="0"/>
+            <a:t> lädt Daten (über </a:t>
+          </a:r>
+          <a:r>
+            <a:rPr lang="de-DE" sz="1500" kern="1200" dirty="0" err="1" smtClean="0"/>
+            <a:t>DBIgui</a:t>
+          </a:r>
+          <a:r>
+            <a:rPr lang="de-DE" sz="1500" kern="1200" dirty="0" smtClean="0"/>
+            <a:t>)</a:t>
+          </a:r>
+          <a:endParaRPr lang="de-DE" sz="1500" kern="1200" dirty="0"/>
+        </a:p>
+      </dsp:txBody>
+      <dsp:txXfrm>
+        <a:off x="5032201" y="1530385"/>
+        <a:ext cx="1701927" cy="1106252"/>
+      </dsp:txXfrm>
+    </dsp:sp>
+    <dsp:sp modelId="{05D4ACD9-016A-4612-B7BA-E29F5EC598F2}">
+      <dsp:nvSpPr>
+        <dsp:cNvPr id="0" name=""/>
+        <dsp:cNvSpPr/>
+      </dsp:nvSpPr>
+      <dsp:spPr>
+        <a:xfrm>
+          <a:off x="1569462" y="555778"/>
+          <a:ext cx="4421915" cy="4421915"/>
+        </a:xfrm>
+        <a:custGeom>
+          <a:avLst/>
+          <a:gdLst/>
+          <a:ahLst/>
+          <a:cxnLst/>
+          <a:rect l="0" t="0" r="0" b="0"/>
+          <a:pathLst>
+            <a:path>
+              <a:moveTo>
+                <a:pt x="4416623" y="2363835"/>
+              </a:moveTo>
+              <a:arcTo wR="2210957" hR="2210957" stAng="21837895" swAng="1360354"/>
+            </a:path>
+          </a:pathLst>
+        </a:custGeom>
+        <a:noFill/>
+        <a:ln w="9525" cap="flat" cmpd="sng" algn="ctr">
+          <a:solidFill>
+            <a:schemeClr val="accent2">
+              <a:hueOff val="0"/>
+              <a:satOff val="0"/>
+              <a:lumOff val="0"/>
+              <a:alphaOff val="0"/>
+            </a:schemeClr>
+          </a:solidFill>
+          <a:prstDash val="solid"/>
+          <a:tailEnd type="arrow"/>
+        </a:ln>
+        <a:effectLst/>
+      </dsp:spPr>
+      <dsp:style>
+        <a:lnRef idx="1">
+          <a:scrgbClr r="0" g="0" b="0"/>
+        </a:lnRef>
+        <a:fillRef idx="0">
+          <a:scrgbClr r="0" g="0" b="0"/>
+        </a:fillRef>
+        <a:effectRef idx="0">
+          <a:scrgbClr r="0" g="0" b="0"/>
+        </a:effectRef>
+        <a:fontRef idx="minor"/>
+      </dsp:style>
+    </dsp:sp>
+    <dsp:sp modelId="{64A0B913-B6DA-40A5-87B2-80D3211482C0}">
+      <dsp:nvSpPr>
+        <dsp:cNvPr id="0" name=""/>
+        <dsp:cNvSpPr/>
+      </dsp:nvSpPr>
+      <dsp:spPr>
+        <a:xfrm>
+          <a:off x="4229024" y="4002311"/>
+          <a:ext cx="1701927" cy="1106252"/>
+        </a:xfrm>
+        <a:prstGeom prst="roundRect">
+          <a:avLst/>
+        </a:prstGeom>
+        <a:solidFill>
+          <a:schemeClr val="accent2">
+            <a:hueOff val="0"/>
+            <a:satOff val="0"/>
+            <a:lumOff val="0"/>
+            <a:alphaOff val="0"/>
+          </a:schemeClr>
+        </a:solidFill>
+        <a:ln w="25400" cap="flat" cmpd="sng" algn="ctr">
+          <a:solidFill>
+            <a:schemeClr val="lt1">
+              <a:hueOff val="0"/>
+              <a:satOff val="0"/>
+              <a:lumOff val="0"/>
+              <a:alphaOff val="0"/>
+            </a:schemeClr>
+          </a:solidFill>
+          <a:prstDash val="solid"/>
+        </a:ln>
+        <a:effectLst/>
+      </dsp:spPr>
+      <dsp:style>
+        <a:lnRef idx="2">
+          <a:scrgbClr r="0" g="0" b="0"/>
+        </a:lnRef>
+        <a:fillRef idx="1">
+          <a:scrgbClr r="0" g="0" b="0"/>
+        </a:fillRef>
+        <a:effectRef idx="0">
+          <a:scrgbClr r="0" g="0" b="0"/>
+        </a:effectRef>
+        <a:fontRef idx="minor">
+          <a:schemeClr val="lt1"/>
+        </a:fontRef>
+      </dsp:style>
+      <dsp:txBody>
+        <a:bodyPr spcFirstLastPara="0" vert="horz" wrap="square" lIns="57150" tIns="57150" rIns="57150" bIns="57150" numCol="1" spcCol="1270" anchor="ctr" anchorCtr="0">
+          <a:noAutofit/>
+        </a:bodyPr>
+        <a:lstStyle/>
+        <a:p>
+          <a:pPr lvl="0" algn="ctr" defTabSz="666750">
+            <a:lnSpc>
+              <a:spcPct val="90000"/>
+            </a:lnSpc>
+            <a:spcBef>
+              <a:spcPct val="0"/>
+            </a:spcBef>
+            <a:spcAft>
+              <a:spcPct val="35000"/>
+            </a:spcAft>
+          </a:pPr>
+          <a:r>
+            <a:rPr lang="de-DE" sz="1500" kern="1200" dirty="0" err="1" smtClean="0"/>
+            <a:t>GuiController</a:t>
+          </a:r>
+          <a:r>
+            <a:rPr lang="de-DE" sz="1500" kern="1200" dirty="0" smtClean="0"/>
+            <a:t> benachrichtigt Ausgabe-Elemente</a:t>
+          </a:r>
+          <a:endParaRPr lang="de-DE" sz="1500" kern="1200" dirty="0"/>
+        </a:p>
+      </dsp:txBody>
+      <dsp:txXfrm>
+        <a:off x="4229024" y="4002311"/>
+        <a:ext cx="1701927" cy="1106252"/>
+      </dsp:txXfrm>
+    </dsp:sp>
+    <dsp:sp modelId="{34FCCFF9-3C73-4A16-9E5C-054DD6F53C32}">
+      <dsp:nvSpPr>
+        <dsp:cNvPr id="0" name=""/>
+        <dsp:cNvSpPr/>
+      </dsp:nvSpPr>
+      <dsp:spPr>
+        <a:xfrm>
+          <a:off x="1569462" y="555778"/>
+          <a:ext cx="4421915" cy="4421915"/>
+        </a:xfrm>
+        <a:custGeom>
+          <a:avLst/>
+          <a:gdLst/>
+          <a:ahLst/>
+          <a:cxnLst/>
+          <a:rect l="0" t="0" r="0" b="0"/>
+          <a:pathLst>
+            <a:path>
+              <a:moveTo>
+                <a:pt x="2482568" y="4405168"/>
+              </a:moveTo>
+              <a:arcTo wR="2210957" hR="2210957" stAng="4976611" swAng="846779"/>
+            </a:path>
+          </a:pathLst>
+        </a:custGeom>
+        <a:noFill/>
+        <a:ln w="9525" cap="flat" cmpd="sng" algn="ctr">
+          <a:solidFill>
+            <a:schemeClr val="accent2">
+              <a:hueOff val="0"/>
+              <a:satOff val="0"/>
+              <a:lumOff val="0"/>
+              <a:alphaOff val="0"/>
+            </a:schemeClr>
+          </a:solidFill>
+          <a:prstDash val="solid"/>
+          <a:tailEnd type="arrow"/>
+        </a:ln>
+        <a:effectLst/>
+      </dsp:spPr>
+      <dsp:style>
+        <a:lnRef idx="1">
+          <a:scrgbClr r="0" g="0" b="0"/>
+        </a:lnRef>
+        <a:fillRef idx="0">
+          <a:scrgbClr r="0" g="0" b="0"/>
+        </a:fillRef>
+        <a:effectRef idx="0">
+          <a:scrgbClr r="0" g="0" b="0"/>
+        </a:effectRef>
+        <a:fontRef idx="minor"/>
+      </dsp:style>
+    </dsp:sp>
+    <dsp:sp modelId="{6AC99B47-2CB9-468A-A1B6-25538D41966B}">
+      <dsp:nvSpPr>
+        <dsp:cNvPr id="0" name=""/>
+        <dsp:cNvSpPr/>
+      </dsp:nvSpPr>
+      <dsp:spPr>
+        <a:xfrm>
+          <a:off x="1629888" y="4002311"/>
+          <a:ext cx="1701927" cy="1106252"/>
+        </a:xfrm>
+        <a:prstGeom prst="roundRect">
+          <a:avLst/>
+        </a:prstGeom>
+        <a:solidFill>
+          <a:schemeClr val="accent2">
+            <a:hueOff val="0"/>
+            <a:satOff val="0"/>
+            <a:lumOff val="0"/>
+            <a:alphaOff val="0"/>
+          </a:schemeClr>
+        </a:solidFill>
+        <a:ln w="25400" cap="flat" cmpd="sng" algn="ctr">
+          <a:solidFill>
+            <a:schemeClr val="lt1">
+              <a:hueOff val="0"/>
+              <a:satOff val="0"/>
+              <a:lumOff val="0"/>
+              <a:alphaOff val="0"/>
+            </a:schemeClr>
+          </a:solidFill>
+          <a:prstDash val="solid"/>
+        </a:ln>
+        <a:effectLst/>
+      </dsp:spPr>
+      <dsp:style>
+        <a:lnRef idx="2">
+          <a:scrgbClr r="0" g="0" b="0"/>
+        </a:lnRef>
+        <a:fillRef idx="1">
+          <a:scrgbClr r="0" g="0" b="0"/>
+        </a:fillRef>
+        <a:effectRef idx="0">
+          <a:scrgbClr r="0" g="0" b="0"/>
+        </a:effectRef>
+        <a:fontRef idx="minor">
+          <a:schemeClr val="lt1"/>
+        </a:fontRef>
+      </dsp:style>
+      <dsp:txBody>
+        <a:bodyPr spcFirstLastPara="0" vert="horz" wrap="square" lIns="57150" tIns="57150" rIns="57150" bIns="57150" numCol="1" spcCol="1270" anchor="ctr" anchorCtr="0">
+          <a:noAutofit/>
+        </a:bodyPr>
+        <a:lstStyle/>
+        <a:p>
+          <a:pPr lvl="0" algn="ctr" defTabSz="666750">
+            <a:lnSpc>
+              <a:spcPct val="90000"/>
+            </a:lnSpc>
+            <a:spcBef>
+              <a:spcPct val="0"/>
+            </a:spcBef>
+            <a:spcAft>
+              <a:spcPct val="35000"/>
+            </a:spcAft>
+          </a:pPr>
+          <a:r>
+            <a:rPr lang="de-DE" sz="1500" kern="1200" dirty="0" smtClean="0"/>
+            <a:t>Ausgabe-Elemente holen nach Bedarf Daten</a:t>
+          </a:r>
+          <a:endParaRPr lang="de-DE" sz="1500" kern="1200" dirty="0"/>
+        </a:p>
+      </dsp:txBody>
+      <dsp:txXfrm>
+        <a:off x="1629888" y="4002311"/>
+        <a:ext cx="1701927" cy="1106252"/>
+      </dsp:txXfrm>
+    </dsp:sp>
+    <dsp:sp modelId="{02B029A9-3839-40BE-86FD-924212B8FE47}">
+      <dsp:nvSpPr>
+        <dsp:cNvPr id="0" name=""/>
+        <dsp:cNvSpPr/>
+      </dsp:nvSpPr>
+      <dsp:spPr>
+        <a:xfrm>
+          <a:off x="1569462" y="555778"/>
+          <a:ext cx="4421915" cy="4421915"/>
+        </a:xfrm>
+        <a:custGeom>
+          <a:avLst/>
+          <a:gdLst/>
+          <a:ahLst/>
+          <a:cxnLst/>
+          <a:rect l="0" t="0" r="0" b="0"/>
+          <a:pathLst>
+            <a:path>
+              <a:moveTo>
+                <a:pt x="234668" y="3202227"/>
+              </a:moveTo>
+              <a:arcTo wR="2210957" hR="2210957" stAng="9201751" swAng="1360354"/>
+            </a:path>
+          </a:pathLst>
+        </a:custGeom>
+        <a:noFill/>
+        <a:ln w="9525" cap="flat" cmpd="sng" algn="ctr">
+          <a:solidFill>
+            <a:schemeClr val="accent2">
+              <a:hueOff val="0"/>
+              <a:satOff val="0"/>
+              <a:lumOff val="0"/>
+              <a:alphaOff val="0"/>
+            </a:schemeClr>
+          </a:solidFill>
+          <a:prstDash val="solid"/>
+          <a:tailEnd type="arrow"/>
+        </a:ln>
+        <a:effectLst/>
+      </dsp:spPr>
+      <dsp:style>
+        <a:lnRef idx="1">
+          <a:scrgbClr r="0" g="0" b="0"/>
+        </a:lnRef>
+        <a:fillRef idx="0">
+          <a:scrgbClr r="0" g="0" b="0"/>
+        </a:fillRef>
+        <a:effectRef idx="0">
+          <a:scrgbClr r="0" g="0" b="0"/>
+        </a:effectRef>
+        <a:fontRef idx="minor"/>
+      </dsp:style>
+    </dsp:sp>
+    <dsp:sp modelId="{780F3454-400F-4740-B57A-513D9F9B6B4E}">
+      <dsp:nvSpPr>
+        <dsp:cNvPr id="0" name=""/>
+        <dsp:cNvSpPr/>
+      </dsp:nvSpPr>
+      <dsp:spPr>
+        <a:xfrm>
+          <a:off x="826710" y="1530385"/>
+          <a:ext cx="1701927" cy="1106252"/>
+        </a:xfrm>
+        <a:prstGeom prst="roundRect">
+          <a:avLst/>
+        </a:prstGeom>
+        <a:solidFill>
+          <a:schemeClr val="accent2">
+            <a:hueOff val="0"/>
+            <a:satOff val="0"/>
+            <a:lumOff val="0"/>
+            <a:alphaOff val="0"/>
+          </a:schemeClr>
+        </a:solidFill>
+        <a:ln w="25400" cap="flat" cmpd="sng" algn="ctr">
+          <a:solidFill>
+            <a:schemeClr val="lt1">
+              <a:hueOff val="0"/>
+              <a:satOff val="0"/>
+              <a:lumOff val="0"/>
+              <a:alphaOff val="0"/>
+            </a:schemeClr>
+          </a:solidFill>
+          <a:prstDash val="solid"/>
+        </a:ln>
+        <a:effectLst/>
+      </dsp:spPr>
+      <dsp:style>
+        <a:lnRef idx="2">
+          <a:scrgbClr r="0" g="0" b="0"/>
+        </a:lnRef>
+        <a:fillRef idx="1">
+          <a:scrgbClr r="0" g="0" b="0"/>
+        </a:fillRef>
+        <a:effectRef idx="0">
+          <a:scrgbClr r="0" g="0" b="0"/>
+        </a:effectRef>
+        <a:fontRef idx="minor">
+          <a:schemeClr val="lt1"/>
+        </a:fontRef>
+      </dsp:style>
+      <dsp:txBody>
+        <a:bodyPr spcFirstLastPara="0" vert="horz" wrap="square" lIns="57150" tIns="57150" rIns="57150" bIns="57150" numCol="1" spcCol="1270" anchor="ctr" anchorCtr="0">
+          <a:noAutofit/>
+        </a:bodyPr>
+        <a:lstStyle/>
+        <a:p>
+          <a:pPr lvl="0" algn="ctr" defTabSz="666750">
+            <a:lnSpc>
+              <a:spcPct val="90000"/>
+            </a:lnSpc>
+            <a:spcBef>
+              <a:spcPct val="0"/>
+            </a:spcBef>
+            <a:spcAft>
+              <a:spcPct val="35000"/>
+            </a:spcAft>
+          </a:pPr>
+          <a:r>
+            <a:rPr lang="de-DE" sz="1500" kern="1200" dirty="0" smtClean="0"/>
+            <a:t>Visualisierung der Daten</a:t>
+          </a:r>
+          <a:endParaRPr lang="de-DE" sz="1500" kern="1200" dirty="0"/>
+        </a:p>
+      </dsp:txBody>
+      <dsp:txXfrm>
+        <a:off x="826710" y="1530385"/>
+        <a:ext cx="1701927" cy="1106252"/>
+      </dsp:txXfrm>
+    </dsp:sp>
+    <dsp:sp modelId="{B65EF14B-FA96-4748-A635-8BC6E9A10AA7}">
+      <dsp:nvSpPr>
+        <dsp:cNvPr id="0" name=""/>
+        <dsp:cNvSpPr/>
+      </dsp:nvSpPr>
+      <dsp:spPr>
+        <a:xfrm>
+          <a:off x="1569462" y="555778"/>
+          <a:ext cx="4421915" cy="4421915"/>
+        </a:xfrm>
+        <a:custGeom>
+          <a:avLst/>
+          <a:gdLst/>
+          <a:ahLst/>
+          <a:cxnLst/>
+          <a:rect l="0" t="0" r="0" b="0"/>
+          <a:pathLst>
+            <a:path>
+              <a:moveTo>
+                <a:pt x="531707" y="772745"/>
+              </a:moveTo>
+              <a:arcTo wR="2210957" hR="2210957" stAng="13234726" swAng="1212350"/>
+            </a:path>
+          </a:pathLst>
+        </a:custGeom>
+        <a:noFill/>
+        <a:ln w="9525" cap="flat" cmpd="sng" algn="ctr">
+          <a:solidFill>
+            <a:schemeClr val="accent2">
+              <a:hueOff val="0"/>
+              <a:satOff val="0"/>
+              <a:lumOff val="0"/>
+              <a:alphaOff val="0"/>
+            </a:schemeClr>
+          </a:solidFill>
+          <a:prstDash val="solid"/>
+          <a:tailEnd type="arrow"/>
+        </a:ln>
+        <a:effectLst/>
+      </dsp:spPr>
+      <dsp:style>
+        <a:lnRef idx="1">
+          <a:scrgbClr r="0" g="0" b="0"/>
+        </a:lnRef>
+        <a:fillRef idx="0">
+          <a:scrgbClr r="0" g="0" b="0"/>
+        </a:fillRef>
+        <a:effectRef idx="0">
+          <a:scrgbClr r="0" g="0" b="0"/>
+        </a:effectRef>
+        <a:fontRef idx="minor"/>
+      </dsp:style>
     </dsp:sp>
   </dsp:spTree>
 </dsp:drawing>
@@ -9528,6 +11391,214 @@
 </dgm:layoutDef>
 </file>
 
+<file path=ppt/diagrams/layout6.xml><?xml version="1.0" encoding="utf-8"?>
+<dgm:layoutDef xmlns:dgm="http://schemas.openxmlformats.org/drawingml/2006/diagram" xmlns:a="http://schemas.openxmlformats.org/drawingml/2006/main" uniqueId="urn:microsoft.com/office/officeart/2005/8/layout/cycle5">
+  <dgm:title val=""/>
+  <dgm:desc val=""/>
+  <dgm:catLst>
+    <dgm:cat type="cycle" pri="3000"/>
+  </dgm:catLst>
+  <dgm:sampData>
+    <dgm:dataModel>
+      <dgm:ptLst>
+        <dgm:pt modelId="0" type="doc"/>
+        <dgm:pt modelId="1">
+          <dgm:prSet phldr="1"/>
+        </dgm:pt>
+        <dgm:pt modelId="2">
+          <dgm:prSet phldr="1"/>
+        </dgm:pt>
+        <dgm:pt modelId="3">
+          <dgm:prSet phldr="1"/>
+        </dgm:pt>
+        <dgm:pt modelId="4">
+          <dgm:prSet phldr="1"/>
+        </dgm:pt>
+        <dgm:pt modelId="5">
+          <dgm:prSet phldr="1"/>
+        </dgm:pt>
+      </dgm:ptLst>
+      <dgm:cxnLst>
+        <dgm:cxn modelId="6" srcId="0" destId="1" srcOrd="0" destOrd="0"/>
+        <dgm:cxn modelId="7" srcId="0" destId="2" srcOrd="1" destOrd="0"/>
+        <dgm:cxn modelId="8" srcId="0" destId="3" srcOrd="2" destOrd="0"/>
+        <dgm:cxn modelId="9" srcId="0" destId="4" srcOrd="3" destOrd="0"/>
+        <dgm:cxn modelId="10" srcId="0" destId="5" srcOrd="4" destOrd="0"/>
+      </dgm:cxnLst>
+      <dgm:bg/>
+      <dgm:whole/>
+    </dgm:dataModel>
+  </dgm:sampData>
+  <dgm:styleData>
+    <dgm:dataModel>
+      <dgm:ptLst>
+        <dgm:pt modelId="0" type="doc"/>
+        <dgm:pt modelId="1"/>
+        <dgm:pt modelId="2"/>
+        <dgm:pt modelId="3"/>
+      </dgm:ptLst>
+      <dgm:cxnLst>
+        <dgm:cxn modelId="4" srcId="0" destId="1" srcOrd="0" destOrd="0"/>
+        <dgm:cxn modelId="5" srcId="0" destId="2" srcOrd="1" destOrd="0"/>
+        <dgm:cxn modelId="6" srcId="0" destId="3" srcOrd="2" destOrd="0"/>
+      </dgm:cxnLst>
+      <dgm:bg/>
+      <dgm:whole/>
+    </dgm:dataModel>
+  </dgm:styleData>
+  <dgm:clrData>
+    <dgm:dataModel>
+      <dgm:ptLst>
+        <dgm:pt modelId="0" type="doc"/>
+        <dgm:pt modelId="1"/>
+        <dgm:pt modelId="2"/>
+        <dgm:pt modelId="3"/>
+        <dgm:pt modelId="4"/>
+        <dgm:pt modelId="5"/>
+        <dgm:pt modelId="6"/>
+      </dgm:ptLst>
+      <dgm:cxnLst>
+        <dgm:cxn modelId="7" srcId="0" destId="1" srcOrd="0" destOrd="0"/>
+        <dgm:cxn modelId="8" srcId="0" destId="2" srcOrd="1" destOrd="0"/>
+        <dgm:cxn modelId="9" srcId="0" destId="3" srcOrd="2" destOrd="0"/>
+        <dgm:cxn modelId="10" srcId="0" destId="4" srcOrd="3" destOrd="0"/>
+        <dgm:cxn modelId="11" srcId="0" destId="5" srcOrd="4" destOrd="0"/>
+        <dgm:cxn modelId="12" srcId="0" destId="6" srcOrd="5" destOrd="0"/>
+      </dgm:cxnLst>
+      <dgm:bg/>
+      <dgm:whole/>
+    </dgm:dataModel>
+  </dgm:clrData>
+  <dgm:layoutNode name="cycle">
+    <dgm:varLst>
+      <dgm:dir/>
+      <dgm:resizeHandles val="exact"/>
+    </dgm:varLst>
+    <dgm:choose name="Name0">
+      <dgm:if name="Name1" func="var" arg="dir" op="equ" val="norm">
+        <dgm:choose name="Name2">
+          <dgm:if name="Name3" axis="ch" ptType="node" func="cnt" op="gt" val="2">
+            <dgm:alg type="cycle">
+              <dgm:param type="stAng" val="0"/>
+              <dgm:param type="spanAng" val="360"/>
+            </dgm:alg>
+          </dgm:if>
+          <dgm:else name="Name4">
+            <dgm:alg type="cycle">
+              <dgm:param type="stAng" val="-90"/>
+              <dgm:param type="spanAng" val="360"/>
+            </dgm:alg>
+          </dgm:else>
+        </dgm:choose>
+      </dgm:if>
+      <dgm:else name="Name5">
+        <dgm:choose name="Name6">
+          <dgm:if name="Name7" axis="ch" ptType="node" func="cnt" op="gt" val="2">
+            <dgm:alg type="cycle">
+              <dgm:param type="stAng" val="0"/>
+              <dgm:param type="spanAng" val="-360"/>
+            </dgm:alg>
+          </dgm:if>
+          <dgm:else name="Name8">
+            <dgm:alg type="cycle">
+              <dgm:param type="stAng" val="90"/>
+              <dgm:param type="spanAng" val="-360"/>
+            </dgm:alg>
+          </dgm:else>
+        </dgm:choose>
+      </dgm:else>
+    </dgm:choose>
+    <dgm:shape xmlns:r="http://schemas.openxmlformats.org/officeDocument/2006/relationships" r:blip="">
+      <dgm:adjLst/>
+    </dgm:shape>
+    <dgm:presOf/>
+    <dgm:choose name="Name9">
+      <dgm:if name="Name10" func="var" arg="dir" op="equ" val="norm">
+        <dgm:constrLst>
+          <dgm:constr type="w" for="ch" forName="node" refType="w"/>
+          <dgm:constr type="w" for="ch" ptType="sibTrans" refType="w" refFor="ch" refForName="node" op="equ" fact="0.3"/>
+          <dgm:constr type="diam" for="ch" ptType="sibTrans" refType="diam" op="equ"/>
+          <dgm:constr type="sibSp" refType="w" refFor="ch" refForName="node" op="equ" fact="0.15"/>
+          <dgm:constr type="w" for="ch" forName="spNode" refType="sibSp" fact="1.6"/>
+          <dgm:constr type="primFontSz" for="ch" forName="node" op="equ" val="65"/>
+        </dgm:constrLst>
+      </dgm:if>
+      <dgm:else name="Name11">
+        <dgm:constrLst>
+          <dgm:constr type="w" for="ch" forName="node" refType="w"/>
+          <dgm:constr type="w" for="ch" ptType="sibTrans" refType="w" refFor="ch" refForName="node" op="equ" fact="0.3"/>
+          <dgm:constr type="diam" for="ch" ptType="sibTrans" refType="diam" fact="-1"/>
+          <dgm:constr type="diam" for="ch" refType="diam" op="equ" fact="-1"/>
+          <dgm:constr type="sibSp" refType="w" refFor="ch" refForName="node" op="equ" fact="0.15"/>
+          <dgm:constr type="w" for="ch" forName="spNode" refType="sibSp" fact="1.6"/>
+          <dgm:constr type="primFontSz" for="ch" forName="node" op="equ" val="65"/>
+        </dgm:constrLst>
+      </dgm:else>
+    </dgm:choose>
+    <dgm:ruleLst/>
+    <dgm:forEach name="Name12" axis="ch" ptType="node">
+      <dgm:layoutNode name="node">
+        <dgm:varLst>
+          <dgm:bulletEnabled val="1"/>
+        </dgm:varLst>
+        <dgm:alg type="tx"/>
+        <dgm:shape xmlns:r="http://schemas.openxmlformats.org/officeDocument/2006/relationships" type="roundRect" r:blip="">
+          <dgm:adjLst/>
+        </dgm:shape>
+        <dgm:presOf axis="desOrSelf" ptType="node"/>
+        <dgm:constrLst>
+          <dgm:constr type="h" refType="w" fact="0.65"/>
+          <dgm:constr type="tMarg" refType="primFontSz" fact="0.3"/>
+          <dgm:constr type="bMarg" refType="primFontSz" fact="0.3"/>
+          <dgm:constr type="lMarg" refType="primFontSz" fact="0.3"/>
+          <dgm:constr type="rMarg" refType="primFontSz" fact="0.3"/>
+        </dgm:constrLst>
+        <dgm:ruleLst>
+          <dgm:rule type="primFontSz" val="5" fact="NaN" max="NaN"/>
+        </dgm:ruleLst>
+      </dgm:layoutNode>
+      <dgm:choose name="Name13">
+        <dgm:if name="Name14" axis="par ch" ptType="doc node" func="cnt" op="gt" val="1">
+          <dgm:layoutNode name="spNode">
+            <dgm:alg type="sp"/>
+            <dgm:shape xmlns:r="http://schemas.openxmlformats.org/officeDocument/2006/relationships" r:blip="">
+              <dgm:adjLst/>
+            </dgm:shape>
+            <dgm:presOf/>
+            <dgm:constrLst>
+              <dgm:constr type="h" refType="w"/>
+            </dgm:constrLst>
+            <dgm:ruleLst/>
+          </dgm:layoutNode>
+          <dgm:forEach name="Name15" axis="followSib" ptType="sibTrans" hideLastTrans="0" cnt="1">
+            <dgm:layoutNode name="sibTrans">
+              <dgm:alg type="conn">
+                <dgm:param type="dim" val="1D"/>
+                <dgm:param type="connRout" val="curve"/>
+                <dgm:param type="begPts" val="radial"/>
+                <dgm:param type="endPts" val="radial"/>
+              </dgm:alg>
+              <dgm:shape xmlns:r="http://schemas.openxmlformats.org/officeDocument/2006/relationships" type="conn" r:blip="">
+                <dgm:adjLst/>
+              </dgm:shape>
+              <dgm:presOf axis="self"/>
+              <dgm:constrLst>
+                <dgm:constr type="h" refType="w" fact="0.65"/>
+                <dgm:constr type="connDist"/>
+                <dgm:constr type="begPad" refType="connDist" fact="0.2"/>
+                <dgm:constr type="endPad" refType="connDist" fact="0.2"/>
+              </dgm:constrLst>
+              <dgm:ruleLst/>
+            </dgm:layoutNode>
+          </dgm:forEach>
+        </dgm:if>
+        <dgm:else name="Name16"/>
+      </dgm:choose>
+    </dgm:forEach>
+  </dgm:layoutNode>
+</dgm:layoutDef>
+</file>
+
 <file path=ppt/diagrams/quickStyle1.xml><?xml version="1.0" encoding="utf-8"?>
 <dgm:styleDef xmlns:dgm="http://schemas.openxmlformats.org/drawingml/2006/diagram" xmlns:a="http://schemas.openxmlformats.org/drawingml/2006/main" uniqueId="urn:microsoft.com/office/officeart/2005/8/quickstyle/simple4">
   <dgm:title val=""/>
@@ -13665,6 +15736,1040 @@
 </file>
 
 <file path=ppt/diagrams/quickStyle5.xml><?xml version="1.0" encoding="utf-8"?>
+<dgm:styleDef xmlns:dgm="http://schemas.openxmlformats.org/drawingml/2006/diagram" xmlns:a="http://schemas.openxmlformats.org/drawingml/2006/main" uniqueId="urn:microsoft.com/office/officeart/2005/8/quickstyle/simple1">
+  <dgm:title val=""/>
+  <dgm:desc val=""/>
+  <dgm:catLst>
+    <dgm:cat type="simple" pri="10100"/>
+  </dgm:catLst>
+  <dgm:scene3d>
+    <a:camera prst="orthographicFront"/>
+    <a:lightRig rig="threePt" dir="t"/>
+  </dgm:scene3d>
+  <dgm:styleLbl name="node0">
+    <dgm:scene3d>
+      <a:camera prst="orthographicFront"/>
+      <a:lightRig rig="threePt" dir="t"/>
+    </dgm:scene3d>
+    <dgm:sp3d/>
+    <dgm:txPr/>
+    <dgm:style>
+      <a:lnRef idx="2">
+        <a:scrgbClr r="0" g="0" b="0"/>
+      </a:lnRef>
+      <a:fillRef idx="1">
+        <a:scrgbClr r="0" g="0" b="0"/>
+      </a:fillRef>
+      <a:effectRef idx="0">
+        <a:scrgbClr r="0" g="0" b="0"/>
+      </a:effectRef>
+      <a:fontRef idx="minor">
+        <a:schemeClr val="lt1"/>
+      </a:fontRef>
+    </dgm:style>
+  </dgm:styleLbl>
+  <dgm:styleLbl name="lnNode1">
+    <dgm:scene3d>
+      <a:camera prst="orthographicFront"/>
+      <a:lightRig rig="threePt" dir="t"/>
+    </dgm:scene3d>
+    <dgm:sp3d/>
+    <dgm:txPr/>
+    <dgm:style>
+      <a:lnRef idx="2">
+        <a:scrgbClr r="0" g="0" b="0"/>
+      </a:lnRef>
+      <a:fillRef idx="1">
+        <a:scrgbClr r="0" g="0" b="0"/>
+      </a:fillRef>
+      <a:effectRef idx="0">
+        <a:scrgbClr r="0" g="0" b="0"/>
+      </a:effectRef>
+      <a:fontRef idx="minor">
+        <a:schemeClr val="lt1"/>
+      </a:fontRef>
+    </dgm:style>
+  </dgm:styleLbl>
+  <dgm:styleLbl name="vennNode1">
+    <dgm:scene3d>
+      <a:camera prst="orthographicFront"/>
+      <a:lightRig rig="threePt" dir="t"/>
+    </dgm:scene3d>
+    <dgm:sp3d/>
+    <dgm:txPr/>
+    <dgm:style>
+      <a:lnRef idx="2">
+        <a:scrgbClr r="0" g="0" b="0"/>
+      </a:lnRef>
+      <a:fillRef idx="1">
+        <a:scrgbClr r="0" g="0" b="0"/>
+      </a:fillRef>
+      <a:effectRef idx="0">
+        <a:scrgbClr r="0" g="0" b="0"/>
+      </a:effectRef>
+      <a:fontRef idx="minor">
+        <a:schemeClr val="tx1"/>
+      </a:fontRef>
+    </dgm:style>
+  </dgm:styleLbl>
+  <dgm:styleLbl name="alignNode1">
+    <dgm:scene3d>
+      <a:camera prst="orthographicFront"/>
+      <a:lightRig rig="threePt" dir="t"/>
+    </dgm:scene3d>
+    <dgm:sp3d/>
+    <dgm:txPr/>
+    <dgm:style>
+      <a:lnRef idx="2">
+        <a:scrgbClr r="0" g="0" b="0"/>
+      </a:lnRef>
+      <a:fillRef idx="1">
+        <a:scrgbClr r="0" g="0" b="0"/>
+      </a:fillRef>
+      <a:effectRef idx="0">
+        <a:scrgbClr r="0" g="0" b="0"/>
+      </a:effectRef>
+      <a:fontRef idx="minor">
+        <a:schemeClr val="lt1"/>
+      </a:fontRef>
+    </dgm:style>
+  </dgm:styleLbl>
+  <dgm:styleLbl name="node1">
+    <dgm:scene3d>
+      <a:camera prst="orthographicFront"/>
+      <a:lightRig rig="threePt" dir="t"/>
+    </dgm:scene3d>
+    <dgm:sp3d/>
+    <dgm:txPr/>
+    <dgm:style>
+      <a:lnRef idx="2">
+        <a:scrgbClr r="0" g="0" b="0"/>
+      </a:lnRef>
+      <a:fillRef idx="1">
+        <a:scrgbClr r="0" g="0" b="0"/>
+      </a:fillRef>
+      <a:effectRef idx="0">
+        <a:scrgbClr r="0" g="0" b="0"/>
+      </a:effectRef>
+      <a:fontRef idx="minor">
+        <a:schemeClr val="lt1"/>
+      </a:fontRef>
+    </dgm:style>
+  </dgm:styleLbl>
+  <dgm:styleLbl name="node2">
+    <dgm:scene3d>
+      <a:camera prst="orthographicFront"/>
+      <a:lightRig rig="threePt" dir="t"/>
+    </dgm:scene3d>
+    <dgm:sp3d/>
+    <dgm:txPr/>
+    <dgm:style>
+      <a:lnRef idx="2">
+        <a:scrgbClr r="0" g="0" b="0"/>
+      </a:lnRef>
+      <a:fillRef idx="1">
+        <a:scrgbClr r="0" g="0" b="0"/>
+      </a:fillRef>
+      <a:effectRef idx="0">
+        <a:scrgbClr r="0" g="0" b="0"/>
+      </a:effectRef>
+      <a:fontRef idx="minor">
+        <a:schemeClr val="lt1"/>
+      </a:fontRef>
+    </dgm:style>
+  </dgm:styleLbl>
+  <dgm:styleLbl name="node3">
+    <dgm:scene3d>
+      <a:camera prst="orthographicFront"/>
+      <a:lightRig rig="threePt" dir="t"/>
+    </dgm:scene3d>
+    <dgm:sp3d/>
+    <dgm:txPr/>
+    <dgm:style>
+      <a:lnRef idx="2">
+        <a:scrgbClr r="0" g="0" b="0"/>
+      </a:lnRef>
+      <a:fillRef idx="1">
+        <a:scrgbClr r="0" g="0" b="0"/>
+      </a:fillRef>
+      <a:effectRef idx="0">
+        <a:scrgbClr r="0" g="0" b="0"/>
+      </a:effectRef>
+      <a:fontRef idx="minor">
+        <a:schemeClr val="lt1"/>
+      </a:fontRef>
+    </dgm:style>
+  </dgm:styleLbl>
+  <dgm:styleLbl name="node4">
+    <dgm:scene3d>
+      <a:camera prst="orthographicFront"/>
+      <a:lightRig rig="threePt" dir="t"/>
+    </dgm:scene3d>
+    <dgm:sp3d/>
+    <dgm:txPr/>
+    <dgm:style>
+      <a:lnRef idx="2">
+        <a:scrgbClr r="0" g="0" b="0"/>
+      </a:lnRef>
+      <a:fillRef idx="1">
+        <a:scrgbClr r="0" g="0" b="0"/>
+      </a:fillRef>
+      <a:effectRef idx="0">
+        <a:scrgbClr r="0" g="0" b="0"/>
+      </a:effectRef>
+      <a:fontRef idx="minor">
+        <a:schemeClr val="lt1"/>
+      </a:fontRef>
+    </dgm:style>
+  </dgm:styleLbl>
+  <dgm:styleLbl name="fgImgPlace1">
+    <dgm:scene3d>
+      <a:camera prst="orthographicFront"/>
+      <a:lightRig rig="threePt" dir="t"/>
+    </dgm:scene3d>
+    <dgm:sp3d/>
+    <dgm:txPr/>
+    <dgm:style>
+      <a:lnRef idx="2">
+        <a:scrgbClr r="0" g="0" b="0"/>
+      </a:lnRef>
+      <a:fillRef idx="1">
+        <a:scrgbClr r="0" g="0" b="0"/>
+      </a:fillRef>
+      <a:effectRef idx="0">
+        <a:scrgbClr r="0" g="0" b="0"/>
+      </a:effectRef>
+      <a:fontRef idx="minor"/>
+    </dgm:style>
+  </dgm:styleLbl>
+  <dgm:styleLbl name="alignImgPlace1">
+    <dgm:scene3d>
+      <a:camera prst="orthographicFront"/>
+      <a:lightRig rig="threePt" dir="t"/>
+    </dgm:scene3d>
+    <dgm:sp3d/>
+    <dgm:txPr/>
+    <dgm:style>
+      <a:lnRef idx="2">
+        <a:scrgbClr r="0" g="0" b="0"/>
+      </a:lnRef>
+      <a:fillRef idx="1">
+        <a:scrgbClr r="0" g="0" b="0"/>
+      </a:fillRef>
+      <a:effectRef idx="0">
+        <a:scrgbClr r="0" g="0" b="0"/>
+      </a:effectRef>
+      <a:fontRef idx="minor"/>
+    </dgm:style>
+  </dgm:styleLbl>
+  <dgm:styleLbl name="bgImgPlace1">
+    <dgm:scene3d>
+      <a:camera prst="orthographicFront"/>
+      <a:lightRig rig="threePt" dir="t"/>
+    </dgm:scene3d>
+    <dgm:sp3d/>
+    <dgm:txPr/>
+    <dgm:style>
+      <a:lnRef idx="2">
+        <a:scrgbClr r="0" g="0" b="0"/>
+      </a:lnRef>
+      <a:fillRef idx="1">
+        <a:scrgbClr r="0" g="0" b="0"/>
+      </a:fillRef>
+      <a:effectRef idx="0">
+        <a:scrgbClr r="0" g="0" b="0"/>
+      </a:effectRef>
+      <a:fontRef idx="minor"/>
+    </dgm:style>
+  </dgm:styleLbl>
+  <dgm:styleLbl name="sibTrans2D1">
+    <dgm:scene3d>
+      <a:camera prst="orthographicFront"/>
+      <a:lightRig rig="threePt" dir="t"/>
+    </dgm:scene3d>
+    <dgm:sp3d/>
+    <dgm:txPr/>
+    <dgm:style>
+      <a:lnRef idx="0">
+        <a:scrgbClr r="0" g="0" b="0"/>
+      </a:lnRef>
+      <a:fillRef idx="1">
+        <a:scrgbClr r="0" g="0" b="0"/>
+      </a:fillRef>
+      <a:effectRef idx="0">
+        <a:scrgbClr r="0" g="0" b="0"/>
+      </a:effectRef>
+      <a:fontRef idx="minor">
+        <a:schemeClr val="lt1"/>
+      </a:fontRef>
+    </dgm:style>
+  </dgm:styleLbl>
+  <dgm:styleLbl name="fgSibTrans2D1">
+    <dgm:scene3d>
+      <a:camera prst="orthographicFront"/>
+      <a:lightRig rig="threePt" dir="t"/>
+    </dgm:scene3d>
+    <dgm:sp3d/>
+    <dgm:txPr/>
+    <dgm:style>
+      <a:lnRef idx="0">
+        <a:scrgbClr r="0" g="0" b="0"/>
+      </a:lnRef>
+      <a:fillRef idx="1">
+        <a:scrgbClr r="0" g="0" b="0"/>
+      </a:fillRef>
+      <a:effectRef idx="0">
+        <a:scrgbClr r="0" g="0" b="0"/>
+      </a:effectRef>
+      <a:fontRef idx="minor">
+        <a:schemeClr val="lt1"/>
+      </a:fontRef>
+    </dgm:style>
+  </dgm:styleLbl>
+  <dgm:styleLbl name="bgSibTrans2D1">
+    <dgm:scene3d>
+      <a:camera prst="orthographicFront"/>
+      <a:lightRig rig="threePt" dir="t"/>
+    </dgm:scene3d>
+    <dgm:sp3d/>
+    <dgm:txPr/>
+    <dgm:style>
+      <a:lnRef idx="0">
+        <a:scrgbClr r="0" g="0" b="0"/>
+      </a:lnRef>
+      <a:fillRef idx="1">
+        <a:scrgbClr r="0" g="0" b="0"/>
+      </a:fillRef>
+      <a:effectRef idx="0">
+        <a:scrgbClr r="0" g="0" b="0"/>
+      </a:effectRef>
+      <a:fontRef idx="minor">
+        <a:schemeClr val="lt1"/>
+      </a:fontRef>
+    </dgm:style>
+  </dgm:styleLbl>
+  <dgm:styleLbl name="sibTrans1D1">
+    <dgm:scene3d>
+      <a:camera prst="orthographicFront"/>
+      <a:lightRig rig="threePt" dir="t"/>
+    </dgm:scene3d>
+    <dgm:sp3d/>
+    <dgm:txPr/>
+    <dgm:style>
+      <a:lnRef idx="1">
+        <a:scrgbClr r="0" g="0" b="0"/>
+      </a:lnRef>
+      <a:fillRef idx="0">
+        <a:scrgbClr r="0" g="0" b="0"/>
+      </a:fillRef>
+      <a:effectRef idx="0">
+        <a:scrgbClr r="0" g="0" b="0"/>
+      </a:effectRef>
+      <a:fontRef idx="minor"/>
+    </dgm:style>
+  </dgm:styleLbl>
+  <dgm:styleLbl name="callout">
+    <dgm:scene3d>
+      <a:camera prst="orthographicFront"/>
+      <a:lightRig rig="threePt" dir="t"/>
+    </dgm:scene3d>
+    <dgm:sp3d/>
+    <dgm:txPr/>
+    <dgm:style>
+      <a:lnRef idx="2">
+        <a:scrgbClr r="0" g="0" b="0"/>
+      </a:lnRef>
+      <a:fillRef idx="1">
+        <a:scrgbClr r="0" g="0" b="0"/>
+      </a:fillRef>
+      <a:effectRef idx="0">
+        <a:scrgbClr r="0" g="0" b="0"/>
+      </a:effectRef>
+      <a:fontRef idx="minor"/>
+    </dgm:style>
+  </dgm:styleLbl>
+  <dgm:styleLbl name="asst0">
+    <dgm:scene3d>
+      <a:camera prst="orthographicFront"/>
+      <a:lightRig rig="threePt" dir="t"/>
+    </dgm:scene3d>
+    <dgm:sp3d/>
+    <dgm:txPr/>
+    <dgm:style>
+      <a:lnRef idx="2">
+        <a:scrgbClr r="0" g="0" b="0"/>
+      </a:lnRef>
+      <a:fillRef idx="1">
+        <a:scrgbClr r="0" g="0" b="0"/>
+      </a:fillRef>
+      <a:effectRef idx="0">
+        <a:scrgbClr r="0" g="0" b="0"/>
+      </a:effectRef>
+      <a:fontRef idx="minor">
+        <a:schemeClr val="lt1"/>
+      </a:fontRef>
+    </dgm:style>
+  </dgm:styleLbl>
+  <dgm:styleLbl name="asst1">
+    <dgm:scene3d>
+      <a:camera prst="orthographicFront"/>
+      <a:lightRig rig="threePt" dir="t"/>
+    </dgm:scene3d>
+    <dgm:sp3d/>
+    <dgm:txPr/>
+    <dgm:style>
+      <a:lnRef idx="2">
+        <a:scrgbClr r="0" g="0" b="0"/>
+      </a:lnRef>
+      <a:fillRef idx="1">
+        <a:scrgbClr r="0" g="0" b="0"/>
+      </a:fillRef>
+      <a:effectRef idx="0">
+        <a:scrgbClr r="0" g="0" b="0"/>
+      </a:effectRef>
+      <a:fontRef idx="minor">
+        <a:schemeClr val="lt1"/>
+      </a:fontRef>
+    </dgm:style>
+  </dgm:styleLbl>
+  <dgm:styleLbl name="asst2">
+    <dgm:scene3d>
+      <a:camera prst="orthographicFront"/>
+      <a:lightRig rig="threePt" dir="t"/>
+    </dgm:scene3d>
+    <dgm:sp3d/>
+    <dgm:txPr/>
+    <dgm:style>
+      <a:lnRef idx="2">
+        <a:scrgbClr r="0" g="0" b="0"/>
+      </a:lnRef>
+      <a:fillRef idx="1">
+        <a:scrgbClr r="0" g="0" b="0"/>
+      </a:fillRef>
+      <a:effectRef idx="0">
+        <a:scrgbClr r="0" g="0" b="0"/>
+      </a:effectRef>
+      <a:fontRef idx="minor">
+        <a:schemeClr val="lt1"/>
+      </a:fontRef>
+    </dgm:style>
+  </dgm:styleLbl>
+  <dgm:styleLbl name="asst3">
+    <dgm:scene3d>
+      <a:camera prst="orthographicFront"/>
+      <a:lightRig rig="threePt" dir="t"/>
+    </dgm:scene3d>
+    <dgm:sp3d/>
+    <dgm:txPr/>
+    <dgm:style>
+      <a:lnRef idx="2">
+        <a:scrgbClr r="0" g="0" b="0"/>
+      </a:lnRef>
+      <a:fillRef idx="1">
+        <a:scrgbClr r="0" g="0" b="0"/>
+      </a:fillRef>
+      <a:effectRef idx="0">
+        <a:scrgbClr r="0" g="0" b="0"/>
+      </a:effectRef>
+      <a:fontRef idx="minor">
+        <a:schemeClr val="lt1"/>
+      </a:fontRef>
+    </dgm:style>
+  </dgm:styleLbl>
+  <dgm:styleLbl name="asst4">
+    <dgm:scene3d>
+      <a:camera prst="orthographicFront"/>
+      <a:lightRig rig="threePt" dir="t"/>
+    </dgm:scene3d>
+    <dgm:sp3d/>
+    <dgm:txPr/>
+    <dgm:style>
+      <a:lnRef idx="2">
+        <a:scrgbClr r="0" g="0" b="0"/>
+      </a:lnRef>
+      <a:fillRef idx="1">
+        <a:scrgbClr r="0" g="0" b="0"/>
+      </a:fillRef>
+      <a:effectRef idx="0">
+        <a:scrgbClr r="0" g="0" b="0"/>
+      </a:effectRef>
+      <a:fontRef idx="minor">
+        <a:schemeClr val="lt1"/>
+      </a:fontRef>
+    </dgm:style>
+  </dgm:styleLbl>
+  <dgm:styleLbl name="parChTrans2D1">
+    <dgm:scene3d>
+      <a:camera prst="orthographicFront"/>
+      <a:lightRig rig="threePt" dir="t"/>
+    </dgm:scene3d>
+    <dgm:sp3d/>
+    <dgm:txPr/>
+    <dgm:style>
+      <a:lnRef idx="2">
+        <a:scrgbClr r="0" g="0" b="0"/>
+      </a:lnRef>
+      <a:fillRef idx="1">
+        <a:scrgbClr r="0" g="0" b="0"/>
+      </a:fillRef>
+      <a:effectRef idx="0">
+        <a:scrgbClr r="0" g="0" b="0"/>
+      </a:effectRef>
+      <a:fontRef idx="minor">
+        <a:schemeClr val="lt1"/>
+      </a:fontRef>
+    </dgm:style>
+  </dgm:styleLbl>
+  <dgm:styleLbl name="parChTrans2D2">
+    <dgm:scene3d>
+      <a:camera prst="orthographicFront"/>
+      <a:lightRig rig="threePt" dir="t"/>
+    </dgm:scene3d>
+    <dgm:sp3d/>
+    <dgm:txPr/>
+    <dgm:style>
+      <a:lnRef idx="2">
+        <a:scrgbClr r="0" g="0" b="0"/>
+      </a:lnRef>
+      <a:fillRef idx="1">
+        <a:scrgbClr r="0" g="0" b="0"/>
+      </a:fillRef>
+      <a:effectRef idx="0">
+        <a:scrgbClr r="0" g="0" b="0"/>
+      </a:effectRef>
+      <a:fontRef idx="minor">
+        <a:schemeClr val="lt1"/>
+      </a:fontRef>
+    </dgm:style>
+  </dgm:styleLbl>
+  <dgm:styleLbl name="parChTrans2D3">
+    <dgm:scene3d>
+      <a:camera prst="orthographicFront"/>
+      <a:lightRig rig="threePt" dir="t"/>
+    </dgm:scene3d>
+    <dgm:sp3d/>
+    <dgm:txPr/>
+    <dgm:style>
+      <a:lnRef idx="2">
+        <a:scrgbClr r="0" g="0" b="0"/>
+      </a:lnRef>
+      <a:fillRef idx="1">
+        <a:scrgbClr r="0" g="0" b="0"/>
+      </a:fillRef>
+      <a:effectRef idx="0">
+        <a:scrgbClr r="0" g="0" b="0"/>
+      </a:effectRef>
+      <a:fontRef idx="minor">
+        <a:schemeClr val="lt1"/>
+      </a:fontRef>
+    </dgm:style>
+  </dgm:styleLbl>
+  <dgm:styleLbl name="parChTrans2D4">
+    <dgm:scene3d>
+      <a:camera prst="orthographicFront"/>
+      <a:lightRig rig="threePt" dir="t"/>
+    </dgm:scene3d>
+    <dgm:sp3d/>
+    <dgm:txPr/>
+    <dgm:style>
+      <a:lnRef idx="2">
+        <a:scrgbClr r="0" g="0" b="0"/>
+      </a:lnRef>
+      <a:fillRef idx="1">
+        <a:scrgbClr r="0" g="0" b="0"/>
+      </a:fillRef>
+      <a:effectRef idx="0">
+        <a:scrgbClr r="0" g="0" b="0"/>
+      </a:effectRef>
+      <a:fontRef idx="minor">
+        <a:schemeClr val="lt1"/>
+      </a:fontRef>
+    </dgm:style>
+  </dgm:styleLbl>
+  <dgm:styleLbl name="parChTrans1D1">
+    <dgm:scene3d>
+      <a:camera prst="orthographicFront"/>
+      <a:lightRig rig="threePt" dir="t"/>
+    </dgm:scene3d>
+    <dgm:sp3d/>
+    <dgm:txPr/>
+    <dgm:style>
+      <a:lnRef idx="2">
+        <a:scrgbClr r="0" g="0" b="0"/>
+      </a:lnRef>
+      <a:fillRef idx="0">
+        <a:scrgbClr r="0" g="0" b="0"/>
+      </a:fillRef>
+      <a:effectRef idx="0">
+        <a:scrgbClr r="0" g="0" b="0"/>
+      </a:effectRef>
+      <a:fontRef idx="minor"/>
+    </dgm:style>
+  </dgm:styleLbl>
+  <dgm:styleLbl name="parChTrans1D2">
+    <dgm:scene3d>
+      <a:camera prst="orthographicFront"/>
+      <a:lightRig rig="threePt" dir="t"/>
+    </dgm:scene3d>
+    <dgm:sp3d/>
+    <dgm:txPr/>
+    <dgm:style>
+      <a:lnRef idx="2">
+        <a:scrgbClr r="0" g="0" b="0"/>
+      </a:lnRef>
+      <a:fillRef idx="0">
+        <a:scrgbClr r="0" g="0" b="0"/>
+      </a:fillRef>
+      <a:effectRef idx="0">
+        <a:scrgbClr r="0" g="0" b="0"/>
+      </a:effectRef>
+      <a:fontRef idx="minor"/>
+    </dgm:style>
+  </dgm:styleLbl>
+  <dgm:styleLbl name="parChTrans1D3">
+    <dgm:scene3d>
+      <a:camera prst="orthographicFront"/>
+      <a:lightRig rig="threePt" dir="t"/>
+    </dgm:scene3d>
+    <dgm:sp3d/>
+    <dgm:txPr/>
+    <dgm:style>
+      <a:lnRef idx="2">
+        <a:scrgbClr r="0" g="0" b="0"/>
+      </a:lnRef>
+      <a:fillRef idx="0">
+        <a:scrgbClr r="0" g="0" b="0"/>
+      </a:fillRef>
+      <a:effectRef idx="0">
+        <a:scrgbClr r="0" g="0" b="0"/>
+      </a:effectRef>
+      <a:fontRef idx="minor"/>
+    </dgm:style>
+  </dgm:styleLbl>
+  <dgm:styleLbl name="parChTrans1D4">
+    <dgm:scene3d>
+      <a:camera prst="orthographicFront"/>
+      <a:lightRig rig="threePt" dir="t"/>
+    </dgm:scene3d>
+    <dgm:sp3d/>
+    <dgm:txPr/>
+    <dgm:style>
+      <a:lnRef idx="2">
+        <a:scrgbClr r="0" g="0" b="0"/>
+      </a:lnRef>
+      <a:fillRef idx="0">
+        <a:scrgbClr r="0" g="0" b="0"/>
+      </a:fillRef>
+      <a:effectRef idx="0">
+        <a:scrgbClr r="0" g="0" b="0"/>
+      </a:effectRef>
+      <a:fontRef idx="minor"/>
+    </dgm:style>
+  </dgm:styleLbl>
+  <dgm:styleLbl name="fgAcc1">
+    <dgm:scene3d>
+      <a:camera prst="orthographicFront"/>
+      <a:lightRig rig="threePt" dir="t"/>
+    </dgm:scene3d>
+    <dgm:sp3d/>
+    <dgm:txPr/>
+    <dgm:style>
+      <a:lnRef idx="2">
+        <a:scrgbClr r="0" g="0" b="0"/>
+      </a:lnRef>
+      <a:fillRef idx="1">
+        <a:scrgbClr r="0" g="0" b="0"/>
+      </a:fillRef>
+      <a:effectRef idx="0">
+        <a:scrgbClr r="0" g="0" b="0"/>
+      </a:effectRef>
+      <a:fontRef idx="minor"/>
+    </dgm:style>
+  </dgm:styleLbl>
+  <dgm:styleLbl name="conFgAcc1">
+    <dgm:scene3d>
+      <a:camera prst="orthographicFront"/>
+      <a:lightRig rig="threePt" dir="t"/>
+    </dgm:scene3d>
+    <dgm:sp3d/>
+    <dgm:txPr/>
+    <dgm:style>
+      <a:lnRef idx="2">
+        <a:scrgbClr r="0" g="0" b="0"/>
+      </a:lnRef>
+      <a:fillRef idx="1">
+        <a:scrgbClr r="0" g="0" b="0"/>
+      </a:fillRef>
+      <a:effectRef idx="0">
+        <a:scrgbClr r="0" g="0" b="0"/>
+      </a:effectRef>
+      <a:fontRef idx="minor"/>
+    </dgm:style>
+  </dgm:styleLbl>
+  <dgm:styleLbl name="alignAcc1">
+    <dgm:scene3d>
+      <a:camera prst="orthographicFront"/>
+      <a:lightRig rig="threePt" dir="t"/>
+    </dgm:scene3d>
+    <dgm:sp3d/>
+    <dgm:txPr/>
+    <dgm:style>
+      <a:lnRef idx="2">
+        <a:scrgbClr r="0" g="0" b="0"/>
+      </a:lnRef>
+      <a:fillRef idx="1">
+        <a:scrgbClr r="0" g="0" b="0"/>
+      </a:fillRef>
+      <a:effectRef idx="0">
+        <a:scrgbClr r="0" g="0" b="0"/>
+      </a:effectRef>
+      <a:fontRef idx="minor"/>
+    </dgm:style>
+  </dgm:styleLbl>
+  <dgm:styleLbl name="trAlignAcc1">
+    <dgm:scene3d>
+      <a:camera prst="orthographicFront"/>
+      <a:lightRig rig="threePt" dir="t"/>
+    </dgm:scene3d>
+    <dgm:sp3d/>
+    <dgm:txPr/>
+    <dgm:style>
+      <a:lnRef idx="1">
+        <a:scrgbClr r="0" g="0" b="0"/>
+      </a:lnRef>
+      <a:fillRef idx="1">
+        <a:scrgbClr r="0" g="0" b="0"/>
+      </a:fillRef>
+      <a:effectRef idx="0">
+        <a:scrgbClr r="0" g="0" b="0"/>
+      </a:effectRef>
+      <a:fontRef idx="minor"/>
+    </dgm:style>
+  </dgm:styleLbl>
+  <dgm:styleLbl name="bgAcc1">
+    <dgm:scene3d>
+      <a:camera prst="orthographicFront"/>
+      <a:lightRig rig="threePt" dir="t"/>
+    </dgm:scene3d>
+    <dgm:sp3d/>
+    <dgm:txPr/>
+    <dgm:style>
+      <a:lnRef idx="2">
+        <a:scrgbClr r="0" g="0" b="0"/>
+      </a:lnRef>
+      <a:fillRef idx="1">
+        <a:scrgbClr r="0" g="0" b="0"/>
+      </a:fillRef>
+      <a:effectRef idx="0">
+        <a:scrgbClr r="0" g="0" b="0"/>
+      </a:effectRef>
+      <a:fontRef idx="minor"/>
+    </dgm:style>
+  </dgm:styleLbl>
+  <dgm:styleLbl name="solidFgAcc1">
+    <dgm:scene3d>
+      <a:camera prst="orthographicFront"/>
+      <a:lightRig rig="threePt" dir="t"/>
+    </dgm:scene3d>
+    <dgm:sp3d/>
+    <dgm:txPr/>
+    <dgm:style>
+      <a:lnRef idx="2">
+        <a:scrgbClr r="0" g="0" b="0"/>
+      </a:lnRef>
+      <a:fillRef idx="1">
+        <a:scrgbClr r="0" g="0" b="0"/>
+      </a:fillRef>
+      <a:effectRef idx="0">
+        <a:scrgbClr r="0" g="0" b="0"/>
+      </a:effectRef>
+      <a:fontRef idx="minor"/>
+    </dgm:style>
+  </dgm:styleLbl>
+  <dgm:styleLbl name="solidAlignAcc1">
+    <dgm:scene3d>
+      <a:camera prst="orthographicFront"/>
+      <a:lightRig rig="threePt" dir="t"/>
+    </dgm:scene3d>
+    <dgm:sp3d/>
+    <dgm:txPr/>
+    <dgm:style>
+      <a:lnRef idx="2">
+        <a:scrgbClr r="0" g="0" b="0"/>
+      </a:lnRef>
+      <a:fillRef idx="1">
+        <a:scrgbClr r="0" g="0" b="0"/>
+      </a:fillRef>
+      <a:effectRef idx="0">
+        <a:scrgbClr r="0" g="0" b="0"/>
+      </a:effectRef>
+      <a:fontRef idx="minor"/>
+    </dgm:style>
+  </dgm:styleLbl>
+  <dgm:styleLbl name="solidBgAcc1">
+    <dgm:scene3d>
+      <a:camera prst="orthographicFront"/>
+      <a:lightRig rig="threePt" dir="t"/>
+    </dgm:scene3d>
+    <dgm:sp3d/>
+    <dgm:txPr/>
+    <dgm:style>
+      <a:lnRef idx="2">
+        <a:scrgbClr r="0" g="0" b="0"/>
+      </a:lnRef>
+      <a:fillRef idx="1">
+        <a:scrgbClr r="0" g="0" b="0"/>
+      </a:fillRef>
+      <a:effectRef idx="0">
+        <a:scrgbClr r="0" g="0" b="0"/>
+      </a:effectRef>
+      <a:fontRef idx="minor"/>
+    </dgm:style>
+  </dgm:styleLbl>
+  <dgm:styleLbl name="fgAccFollowNode1">
+    <dgm:scene3d>
+      <a:camera prst="orthographicFront"/>
+      <a:lightRig rig="threePt" dir="t"/>
+    </dgm:scene3d>
+    <dgm:sp3d/>
+    <dgm:txPr/>
+    <dgm:style>
+      <a:lnRef idx="2">
+        <a:scrgbClr r="0" g="0" b="0"/>
+      </a:lnRef>
+      <a:fillRef idx="1">
+        <a:scrgbClr r="0" g="0" b="0"/>
+      </a:fillRef>
+      <a:effectRef idx="0">
+        <a:scrgbClr r="0" g="0" b="0"/>
+      </a:effectRef>
+      <a:fontRef idx="minor"/>
+    </dgm:style>
+  </dgm:styleLbl>
+  <dgm:styleLbl name="alignAccFollowNode1">
+    <dgm:scene3d>
+      <a:camera prst="orthographicFront"/>
+      <a:lightRig rig="threePt" dir="t"/>
+    </dgm:scene3d>
+    <dgm:sp3d/>
+    <dgm:txPr/>
+    <dgm:style>
+      <a:lnRef idx="2">
+        <a:scrgbClr r="0" g="0" b="0"/>
+      </a:lnRef>
+      <a:fillRef idx="1">
+        <a:scrgbClr r="0" g="0" b="0"/>
+      </a:fillRef>
+      <a:effectRef idx="0">
+        <a:scrgbClr r="0" g="0" b="0"/>
+      </a:effectRef>
+      <a:fontRef idx="minor"/>
+    </dgm:style>
+  </dgm:styleLbl>
+  <dgm:styleLbl name="bgAccFollowNode1">
+    <dgm:scene3d>
+      <a:camera prst="orthographicFront"/>
+      <a:lightRig rig="threePt" dir="t"/>
+    </dgm:scene3d>
+    <dgm:sp3d/>
+    <dgm:txPr/>
+    <dgm:style>
+      <a:lnRef idx="2">
+        <a:scrgbClr r="0" g="0" b="0"/>
+      </a:lnRef>
+      <a:fillRef idx="1">
+        <a:scrgbClr r="0" g="0" b="0"/>
+      </a:fillRef>
+      <a:effectRef idx="0">
+        <a:scrgbClr r="0" g="0" b="0"/>
+      </a:effectRef>
+      <a:fontRef idx="minor"/>
+    </dgm:style>
+  </dgm:styleLbl>
+  <dgm:styleLbl name="fgAcc0">
+    <dgm:scene3d>
+      <a:camera prst="orthographicFront"/>
+      <a:lightRig rig="threePt" dir="t"/>
+    </dgm:scene3d>
+    <dgm:sp3d/>
+    <dgm:txPr/>
+    <dgm:style>
+      <a:lnRef idx="2">
+        <a:scrgbClr r="0" g="0" b="0"/>
+      </a:lnRef>
+      <a:fillRef idx="1">
+        <a:scrgbClr r="0" g="0" b="0"/>
+      </a:fillRef>
+      <a:effectRef idx="0">
+        <a:scrgbClr r="0" g="0" b="0"/>
+      </a:effectRef>
+      <a:fontRef idx="minor"/>
+    </dgm:style>
+  </dgm:styleLbl>
+  <dgm:styleLbl name="fgAcc2">
+    <dgm:scene3d>
+      <a:camera prst="orthographicFront"/>
+      <a:lightRig rig="threePt" dir="t"/>
+    </dgm:scene3d>
+    <dgm:sp3d/>
+    <dgm:txPr/>
+    <dgm:style>
+      <a:lnRef idx="2">
+        <a:scrgbClr r="0" g="0" b="0"/>
+      </a:lnRef>
+      <a:fillRef idx="1">
+        <a:scrgbClr r="0" g="0" b="0"/>
+      </a:fillRef>
+      <a:effectRef idx="0">
+        <a:scrgbClr r="0" g="0" b="0"/>
+      </a:effectRef>
+      <a:fontRef idx="minor"/>
+    </dgm:style>
+  </dgm:styleLbl>
+  <dgm:styleLbl name="fgAcc3">
+    <dgm:scene3d>
+      <a:camera prst="orthographicFront"/>
+      <a:lightRig rig="threePt" dir="t"/>
+    </dgm:scene3d>
+    <dgm:sp3d/>
+    <dgm:txPr/>
+    <dgm:style>
+      <a:lnRef idx="2">
+        <a:scrgbClr r="0" g="0" b="0"/>
+      </a:lnRef>
+      <a:fillRef idx="1">
+        <a:scrgbClr r="0" g="0" b="0"/>
+      </a:fillRef>
+      <a:effectRef idx="0">
+        <a:scrgbClr r="0" g="0" b="0"/>
+      </a:effectRef>
+      <a:fontRef idx="minor"/>
+    </dgm:style>
+  </dgm:styleLbl>
+  <dgm:styleLbl name="fgAcc4">
+    <dgm:scene3d>
+      <a:camera prst="orthographicFront"/>
+      <a:lightRig rig="threePt" dir="t"/>
+    </dgm:scene3d>
+    <dgm:sp3d/>
+    <dgm:txPr/>
+    <dgm:style>
+      <a:lnRef idx="2">
+        <a:scrgbClr r="0" g="0" b="0"/>
+      </a:lnRef>
+      <a:fillRef idx="1">
+        <a:scrgbClr r="0" g="0" b="0"/>
+      </a:fillRef>
+      <a:effectRef idx="0">
+        <a:scrgbClr r="0" g="0" b="0"/>
+      </a:effectRef>
+      <a:fontRef idx="minor"/>
+    </dgm:style>
+  </dgm:styleLbl>
+  <dgm:styleLbl name="bgShp">
+    <dgm:scene3d>
+      <a:camera prst="orthographicFront"/>
+      <a:lightRig rig="threePt" dir="t"/>
+    </dgm:scene3d>
+    <dgm:sp3d/>
+    <dgm:txPr/>
+    <dgm:style>
+      <a:lnRef idx="0">
+        <a:scrgbClr r="0" g="0" b="0"/>
+      </a:lnRef>
+      <a:fillRef idx="1">
+        <a:scrgbClr r="0" g="0" b="0"/>
+      </a:fillRef>
+      <a:effectRef idx="0">
+        <a:scrgbClr r="0" g="0" b="0"/>
+      </a:effectRef>
+      <a:fontRef idx="minor"/>
+    </dgm:style>
+  </dgm:styleLbl>
+  <dgm:styleLbl name="dkBgShp">
+    <dgm:scene3d>
+      <a:camera prst="orthographicFront"/>
+      <a:lightRig rig="threePt" dir="t"/>
+    </dgm:scene3d>
+    <dgm:sp3d/>
+    <dgm:txPr/>
+    <dgm:style>
+      <a:lnRef idx="0">
+        <a:scrgbClr r="0" g="0" b="0"/>
+      </a:lnRef>
+      <a:fillRef idx="1">
+        <a:scrgbClr r="0" g="0" b="0"/>
+      </a:fillRef>
+      <a:effectRef idx="0">
+        <a:scrgbClr r="0" g="0" b="0"/>
+      </a:effectRef>
+      <a:fontRef idx="minor"/>
+    </dgm:style>
+  </dgm:styleLbl>
+  <dgm:styleLbl name="trBgShp">
+    <dgm:scene3d>
+      <a:camera prst="orthographicFront"/>
+      <a:lightRig rig="threePt" dir="t"/>
+    </dgm:scene3d>
+    <dgm:sp3d/>
+    <dgm:txPr/>
+    <dgm:style>
+      <a:lnRef idx="0">
+        <a:scrgbClr r="0" g="0" b="0"/>
+      </a:lnRef>
+      <a:fillRef idx="1">
+        <a:scrgbClr r="0" g="0" b="0"/>
+      </a:fillRef>
+      <a:effectRef idx="0">
+        <a:scrgbClr r="0" g="0" b="0"/>
+      </a:effectRef>
+      <a:fontRef idx="minor"/>
+    </dgm:style>
+  </dgm:styleLbl>
+  <dgm:styleLbl name="fgShp">
+    <dgm:scene3d>
+      <a:camera prst="orthographicFront"/>
+      <a:lightRig rig="threePt" dir="t"/>
+    </dgm:scene3d>
+    <dgm:sp3d/>
+    <dgm:txPr/>
+    <dgm:style>
+      <a:lnRef idx="2">
+        <a:scrgbClr r="0" g="0" b="0"/>
+      </a:lnRef>
+      <a:fillRef idx="1">
+        <a:scrgbClr r="0" g="0" b="0"/>
+      </a:fillRef>
+      <a:effectRef idx="0">
+        <a:scrgbClr r="0" g="0" b="0"/>
+      </a:effectRef>
+      <a:fontRef idx="minor"/>
+    </dgm:style>
+  </dgm:styleLbl>
+  <dgm:styleLbl name="revTx">
+    <dgm:scene3d>
+      <a:camera prst="orthographicFront"/>
+      <a:lightRig rig="threePt" dir="t"/>
+    </dgm:scene3d>
+    <dgm:sp3d/>
+    <dgm:txPr/>
+    <dgm:style>
+      <a:lnRef idx="0">
+        <a:scrgbClr r="0" g="0" b="0"/>
+      </a:lnRef>
+      <a:fillRef idx="0">
+        <a:scrgbClr r="0" g="0" b="0"/>
+      </a:fillRef>
+      <a:effectRef idx="0">
+        <a:scrgbClr r="0" g="0" b="0"/>
+      </a:effectRef>
+      <a:fontRef idx="minor"/>
+    </dgm:style>
+  </dgm:styleLbl>
+</dgm:styleDef>
+</file>
+
+<file path=ppt/diagrams/quickStyle6.xml><?xml version="1.0" encoding="utf-8"?>
 <dgm:styleDef xmlns:dgm="http://schemas.openxmlformats.org/drawingml/2006/diagram" xmlns:a="http://schemas.openxmlformats.org/drawingml/2006/main" uniqueId="urn:microsoft.com/office/officeart/2005/8/quickstyle/simple1">
   <dgm:title val=""/>
   <dgm:desc val=""/>
@@ -14864,7 +17969,7 @@
     </p:spTree>
     <p:extLst>
       <p:ext uri="{BB962C8B-B14F-4D97-AF65-F5344CB8AC3E}">
-        <p14:creationId xmlns:p14="http://schemas.microsoft.com/office/powerpoint/2010/main" xmlns="" val="1350081241"/>
+        <p14:creationId xmlns="" xmlns:p14="http://schemas.microsoft.com/office/powerpoint/2010/main" val="1350081241"/>
       </p:ext>
     </p:extLst>
   </p:cSld>
@@ -15192,7 +18297,7 @@
     </p:spTree>
     <p:extLst>
       <p:ext uri="{BB962C8B-B14F-4D97-AF65-F5344CB8AC3E}">
-        <p14:creationId xmlns:p14="http://schemas.microsoft.com/office/powerpoint/2010/main" xmlns="" val="2076992510"/>
+        <p14:creationId xmlns="" xmlns:p14="http://schemas.microsoft.com/office/powerpoint/2010/main" val="2076992510"/>
       </p:ext>
     </p:extLst>
   </p:cSld>
@@ -15425,7 +18530,7 @@
     </p:spTree>
     <p:extLst>
       <p:ext uri="{BB962C8B-B14F-4D97-AF65-F5344CB8AC3E}">
-        <p14:creationId xmlns:p14="http://schemas.microsoft.com/office/powerpoint/2010/main" xmlns="" val="3847813400"/>
+        <p14:creationId xmlns="" xmlns:p14="http://schemas.microsoft.com/office/powerpoint/2010/main" val="3847813400"/>
       </p:ext>
     </p:extLst>
   </p:cSld>
@@ -15464,7 +18569,7 @@
           <a:blip r:embed="rId2" cstate="print">
             <a:extLst>
               <a:ext uri="{28A0092B-C50C-407E-A947-70E740481C1C}">
-                <a14:useLocalDpi xmlns:a14="http://schemas.microsoft.com/office/drawing/2010/main" xmlns="" val="0"/>
+                <a14:useLocalDpi xmlns="" xmlns:a14="http://schemas.microsoft.com/office/drawing/2010/main" val="0"/>
               </a:ext>
             </a:extLst>
           </a:blip>
@@ -15877,7 +18982,7 @@
             <a:fld id="{80E101DA-C805-49D6-936E-EF17408DE37B}" type="datetime1">
               <a:rPr lang="de-DE" smtClean="0"/>
               <a:pPr/>
-              <a:t>04.01.2015</a:t>
+              <a:t>05.01.2015</a:t>
             </a:fld>
             <a:endParaRPr lang="de-DE" dirty="0"/>
           </a:p>
@@ -16057,7 +19162,7 @@
             <a:fld id="{2B68D019-5134-4866-8BCC-6AD2983F956C}" type="datetime1">
               <a:rPr lang="de-DE" smtClean="0"/>
               <a:pPr/>
-              <a:t>04.01.2015</a:t>
+              <a:t>05.01.2015</a:t>
             </a:fld>
             <a:endParaRPr lang="de-DE" dirty="0"/>
           </a:p>
@@ -16766,7 +19871,7 @@
             <a:fld id="{503864FC-C1F6-4F60-90E2-4C82285A7CB6}" type="datetime1">
               <a:rPr lang="de-DE" smtClean="0"/>
               <a:pPr/>
-              <a:t>04.01.2015</a:t>
+              <a:t>05.01.2015</a:t>
             </a:fld>
             <a:endParaRPr lang="de-DE" dirty="0"/>
           </a:p>
@@ -17193,7 +20298,7 @@
             <a:fld id="{DFFFF499-D2C2-429B-A38D-874884AC2B44}" type="datetime1">
               <a:rPr lang="de-DE" smtClean="0"/>
               <a:pPr/>
-              <a:t>04.01.2015</a:t>
+              <a:t>05.01.2015</a:t>
             </a:fld>
             <a:endParaRPr lang="de-DE" dirty="0"/>
           </a:p>
@@ -17311,7 +20416,7 @@
             <a:fld id="{92EEC2FF-F6B1-4953-8BD6-DF423CDA3B5D}" type="datetime1">
               <a:rPr lang="de-DE" smtClean="0"/>
               <a:pPr/>
-              <a:t>04.01.2015</a:t>
+              <a:t>05.01.2015</a:t>
             </a:fld>
             <a:endParaRPr lang="de-DE" dirty="0"/>
           </a:p>
@@ -17406,7 +20511,7 @@
             <a:fld id="{CC0FF657-D1DB-4306-82A3-A2011C94EF85}" type="datetime1">
               <a:rPr lang="de-DE" smtClean="0"/>
               <a:pPr/>
-              <a:t>04.01.2015</a:t>
+              <a:t>05.01.2015</a:t>
             </a:fld>
             <a:endParaRPr lang="de-DE" dirty="0"/>
           </a:p>
@@ -17683,7 +20788,7 @@
             <a:fld id="{7B39ADCC-593E-41F1-8EDC-3499514C881E}" type="datetime1">
               <a:rPr lang="de-DE" smtClean="0"/>
               <a:pPr/>
-              <a:t>04.01.2015</a:t>
+              <a:t>05.01.2015</a:t>
             </a:fld>
             <a:endParaRPr lang="de-DE" dirty="0"/>
           </a:p>
@@ -17940,7 +21045,7 @@
             <a:fld id="{2517161F-0686-4A32-B5C2-6110D54CBF61}" type="datetime1">
               <a:rPr lang="de-DE" smtClean="0"/>
               <a:pPr/>
-              <a:t>04.01.2015</a:t>
+              <a:t>05.01.2015</a:t>
             </a:fld>
             <a:endParaRPr lang="de-DE" dirty="0"/>
           </a:p>
@@ -18351,7 +21456,7 @@
             <a:fld id="{C01FFB54-A4C6-43F5-85F0-3FD9312F6439}" type="datetime1">
               <a:rPr lang="de-DE" smtClean="0"/>
               <a:pPr/>
-              <a:t>04.01.2015</a:t>
+              <a:t>05.01.2015</a:t>
             </a:fld>
             <a:endParaRPr lang="de-DE" dirty="0"/>
           </a:p>
@@ -19371,7 +22476,11 @@
           <a:bodyPr/>
           <a:lstStyle/>
           <a:p>
-            <a:endParaRPr lang="de-DE"/>
+            <a:r>
+              <a:rPr lang="de-DE" dirty="0" smtClean="0"/>
+              <a:t>GUI-Oberfläche</a:t>
+            </a:r>
+            <a:endParaRPr lang="de-DE" dirty="0"/>
           </a:p>
         </p:txBody>
       </p:sp>
@@ -19464,6 +22573,2015 @@
 </file>
 
 <file path=ppt/slides/slide12.xml><?xml version="1.0" encoding="utf-8"?>
+<p:sld xmlns:a="http://schemas.openxmlformats.org/drawingml/2006/main" xmlns:r="http://schemas.openxmlformats.org/officeDocument/2006/relationships" xmlns:p="http://schemas.openxmlformats.org/presentationml/2006/main">
+  <p:cSld>
+    <p:spTree>
+      <p:nvGrpSpPr>
+        <p:cNvPr id="1" name=""/>
+        <p:cNvGrpSpPr/>
+        <p:nvPr/>
+      </p:nvGrpSpPr>
+      <p:grpSpPr>
+        <a:xfrm>
+          <a:off x="0" y="0"/>
+          <a:ext cx="0" cy="0"/>
+          <a:chOff x="0" y="0"/>
+          <a:chExt cx="0" cy="0"/>
+        </a:xfrm>
+      </p:grpSpPr>
+      <p:sp>
+        <p:nvSpPr>
+          <p:cNvPr id="2" name="Titel 1"/>
+          <p:cNvSpPr>
+            <a:spLocks noGrp="1"/>
+          </p:cNvSpPr>
+          <p:nvPr>
+            <p:ph type="title"/>
+          </p:nvPr>
+        </p:nvSpPr>
+        <p:spPr/>
+        <p:txBody>
+          <a:bodyPr/>
+          <a:lstStyle/>
+          <a:p>
+            <a:r>
+              <a:rPr lang="de-DE" dirty="0" smtClean="0"/>
+              <a:t>5. Benutzerschnittstelle</a:t>
+            </a:r>
+            <a:endParaRPr lang="de-DE" dirty="0"/>
+          </a:p>
+        </p:txBody>
+      </p:sp>
+      <p:sp>
+        <p:nvSpPr>
+          <p:cNvPr id="3" name="Inhaltsplatzhalter 2"/>
+          <p:cNvSpPr>
+            <a:spLocks noGrp="1"/>
+          </p:cNvSpPr>
+          <p:nvPr>
+            <p:ph idx="1"/>
+          </p:nvPr>
+        </p:nvSpPr>
+        <p:spPr/>
+        <p:txBody>
+          <a:bodyPr/>
+          <a:lstStyle/>
+          <a:p>
+            <a:r>
+              <a:rPr lang="de-DE" dirty="0" smtClean="0"/>
+              <a:t>Paketdiagramm</a:t>
+            </a:r>
+            <a:endParaRPr lang="de-DE" dirty="0"/>
+          </a:p>
+        </p:txBody>
+      </p:sp>
+      <p:sp>
+        <p:nvSpPr>
+          <p:cNvPr id="4" name="Fußzeilenplatzhalter 3"/>
+          <p:cNvSpPr>
+            <a:spLocks noGrp="1"/>
+          </p:cNvSpPr>
+          <p:nvPr>
+            <p:ph type="ftr" sz="quarter" idx="10"/>
+          </p:nvPr>
+        </p:nvSpPr>
+        <p:spPr/>
+        <p:txBody>
+          <a:bodyPr/>
+          <a:lstStyle/>
+          <a:p>
+            <a:pPr>
+              <a:defRPr/>
+            </a:pPr>
+            <a:r>
+              <a:rPr lang="de-DE" dirty="0" smtClean="0"/>
+              <a:t>Praxis der Softwareentwicklung: </a:t>
+            </a:r>
+            <a:r>
+              <a:rPr lang="de-DE" dirty="0" err="1" smtClean="0"/>
+              <a:t>Visualizing</a:t>
+            </a:r>
+            <a:r>
+              <a:rPr lang="de-DE" dirty="0" smtClean="0"/>
+              <a:t> Trends. Was verrät uns </a:t>
+            </a:r>
+            <a:r>
+              <a:rPr lang="de-DE" dirty="0" err="1" smtClean="0"/>
+              <a:t>Twitter</a:t>
+            </a:r>
+            <a:r>
+              <a:rPr lang="de-DE" dirty="0" smtClean="0"/>
+              <a:t>?</a:t>
+            </a:r>
+            <a:br>
+              <a:rPr lang="de-DE" dirty="0" smtClean="0"/>
+            </a:br>
+            <a:r>
+              <a:rPr lang="de-DE" dirty="0" smtClean="0"/>
+              <a:t>Einführung               Datenbank              </a:t>
+            </a:r>
+            <a:r>
+              <a:rPr lang="de-DE" dirty="0" err="1" smtClean="0"/>
+              <a:t>Crawler</a:t>
+            </a:r>
+            <a:r>
+              <a:rPr lang="de-DE" dirty="0" smtClean="0"/>
+              <a:t>               </a:t>
+            </a:r>
+            <a:r>
+              <a:rPr lang="de-DE" dirty="0" err="1" smtClean="0"/>
+              <a:t>Kategorisierer</a:t>
+            </a:r>
+            <a:r>
+              <a:rPr lang="de-DE" dirty="0" smtClean="0"/>
+              <a:t>               </a:t>
+            </a:r>
+            <a:r>
+              <a:rPr lang="de-DE" b="1" dirty="0" smtClean="0"/>
+              <a:t>Benutzerschnittstelle</a:t>
+            </a:r>
+            <a:r>
+              <a:rPr lang="de-DE" dirty="0" smtClean="0"/>
+              <a:t>               Datenfluss</a:t>
+            </a:r>
+            <a:endParaRPr lang="de-DE" dirty="0"/>
+          </a:p>
+        </p:txBody>
+      </p:sp>
+    </p:spTree>
+  </p:cSld>
+  <p:clrMapOvr>
+    <a:masterClrMapping/>
+  </p:clrMapOvr>
+  <p:timing>
+    <p:tnLst>
+      <p:par>
+        <p:cTn id="1" dur="indefinite" restart="never" nodeType="tmRoot"/>
+      </p:par>
+    </p:tnLst>
+  </p:timing>
+</p:sld>
+</file>
+
+<file path=ppt/slides/slide13.xml><?xml version="1.0" encoding="utf-8"?>
+<p:sld xmlns:a="http://schemas.openxmlformats.org/drawingml/2006/main" xmlns:r="http://schemas.openxmlformats.org/officeDocument/2006/relationships" xmlns:p="http://schemas.openxmlformats.org/presentationml/2006/main">
+  <p:cSld>
+    <p:spTree>
+      <p:nvGrpSpPr>
+        <p:cNvPr id="1" name=""/>
+        <p:cNvGrpSpPr/>
+        <p:nvPr/>
+      </p:nvGrpSpPr>
+      <p:grpSpPr>
+        <a:xfrm>
+          <a:off x="0" y="0"/>
+          <a:ext cx="0" cy="0"/>
+          <a:chOff x="0" y="0"/>
+          <a:chExt cx="0" cy="0"/>
+        </a:xfrm>
+      </p:grpSpPr>
+      <p:sp>
+        <p:nvSpPr>
+          <p:cNvPr id="2" name="Titel 1"/>
+          <p:cNvSpPr>
+            <a:spLocks noGrp="1"/>
+          </p:cNvSpPr>
+          <p:nvPr>
+            <p:ph type="title"/>
+          </p:nvPr>
+        </p:nvSpPr>
+        <p:spPr/>
+        <p:txBody>
+          <a:bodyPr/>
+          <a:lstStyle/>
+          <a:p>
+            <a:r>
+              <a:rPr lang="de-DE" dirty="0" smtClean="0"/>
+              <a:t>5. Benutzerschnittstelle</a:t>
+            </a:r>
+            <a:endParaRPr lang="de-DE" dirty="0"/>
+          </a:p>
+        </p:txBody>
+      </p:sp>
+      <p:sp>
+        <p:nvSpPr>
+          <p:cNvPr id="3" name="Inhaltsplatzhalter 2"/>
+          <p:cNvSpPr>
+            <a:spLocks noGrp="1"/>
+          </p:cNvSpPr>
+          <p:nvPr>
+            <p:ph idx="1"/>
+          </p:nvPr>
+        </p:nvSpPr>
+        <p:spPr/>
+        <p:txBody>
+          <a:bodyPr/>
+          <a:lstStyle/>
+          <a:p>
+            <a:r>
+              <a:rPr lang="de-DE" dirty="0" smtClean="0"/>
+              <a:t>Klassendiagramm</a:t>
+            </a:r>
+            <a:endParaRPr lang="de-DE" dirty="0"/>
+          </a:p>
+        </p:txBody>
+      </p:sp>
+      <p:sp>
+        <p:nvSpPr>
+          <p:cNvPr id="4" name="Fußzeilenplatzhalter 3"/>
+          <p:cNvSpPr>
+            <a:spLocks noGrp="1"/>
+          </p:cNvSpPr>
+          <p:nvPr>
+            <p:ph type="ftr" sz="quarter" idx="10"/>
+          </p:nvPr>
+        </p:nvSpPr>
+        <p:spPr/>
+        <p:txBody>
+          <a:bodyPr/>
+          <a:lstStyle/>
+          <a:p>
+            <a:pPr>
+              <a:defRPr/>
+            </a:pPr>
+            <a:r>
+              <a:rPr lang="de-DE" dirty="0" smtClean="0"/>
+              <a:t>Praxis der Softwareentwicklung: </a:t>
+            </a:r>
+            <a:r>
+              <a:rPr lang="de-DE" dirty="0" err="1" smtClean="0"/>
+              <a:t>Visualizing</a:t>
+            </a:r>
+            <a:r>
+              <a:rPr lang="de-DE" dirty="0" smtClean="0"/>
+              <a:t> Trends. Was verrät uns </a:t>
+            </a:r>
+            <a:r>
+              <a:rPr lang="de-DE" dirty="0" err="1" smtClean="0"/>
+              <a:t>Twitter</a:t>
+            </a:r>
+            <a:r>
+              <a:rPr lang="de-DE" dirty="0" smtClean="0"/>
+              <a:t>?</a:t>
+            </a:r>
+            <a:br>
+              <a:rPr lang="de-DE" dirty="0" smtClean="0"/>
+            </a:br>
+            <a:r>
+              <a:rPr lang="de-DE" dirty="0" smtClean="0"/>
+              <a:t>Einführung               Datenbank              </a:t>
+            </a:r>
+            <a:r>
+              <a:rPr lang="de-DE" dirty="0" err="1" smtClean="0"/>
+              <a:t>Crawler</a:t>
+            </a:r>
+            <a:r>
+              <a:rPr lang="de-DE" dirty="0" smtClean="0"/>
+              <a:t>               </a:t>
+            </a:r>
+            <a:r>
+              <a:rPr lang="de-DE" dirty="0" err="1" smtClean="0"/>
+              <a:t>Kategorisierer</a:t>
+            </a:r>
+            <a:r>
+              <a:rPr lang="de-DE" dirty="0" smtClean="0"/>
+              <a:t>               </a:t>
+            </a:r>
+            <a:r>
+              <a:rPr lang="de-DE" b="1" dirty="0" smtClean="0"/>
+              <a:t>Benutzerschnittstelle</a:t>
+            </a:r>
+            <a:r>
+              <a:rPr lang="de-DE" dirty="0" smtClean="0"/>
+              <a:t>               Datenfluss</a:t>
+            </a:r>
+            <a:endParaRPr lang="de-DE" dirty="0"/>
+          </a:p>
+        </p:txBody>
+      </p:sp>
+      <p:pic>
+        <p:nvPicPr>
+          <p:cNvPr id="6" name="Grafik 5" descr="TwitterGUI_Erweiterung_pres2.png"/>
+          <p:cNvPicPr>
+            <a:picLocks noChangeAspect="1"/>
+          </p:cNvPicPr>
+          <p:nvPr/>
+        </p:nvPicPr>
+        <p:blipFill>
+          <a:blip r:embed="rId2" cstate="print"/>
+          <a:stretch>
+            <a:fillRect/>
+          </a:stretch>
+        </p:blipFill>
+        <p:spPr>
+          <a:xfrm>
+            <a:off x="251520" y="1052736"/>
+            <a:ext cx="8663158" cy="8001895"/>
+          </a:xfrm>
+          <a:prstGeom prst="rect">
+            <a:avLst/>
+          </a:prstGeom>
+        </p:spPr>
+      </p:pic>
+    </p:spTree>
+  </p:cSld>
+  <p:clrMapOvr>
+    <a:masterClrMapping/>
+  </p:clrMapOvr>
+  <p:timing>
+    <p:tnLst>
+      <p:par>
+        <p:cTn id="1" dur="indefinite" restart="never" nodeType="tmRoot">
+          <p:childTnLst>
+            <p:seq concurrent="1" nextAc="seek">
+              <p:cTn id="2" dur="indefinite" nodeType="mainSeq">
+                <p:childTnLst>
+                  <p:par>
+                    <p:cTn id="3" fill="hold">
+                      <p:stCondLst>
+                        <p:cond delay="indefinite"/>
+                      </p:stCondLst>
+                      <p:childTnLst>
+                        <p:par>
+                          <p:cTn id="4" fill="hold">
+                            <p:stCondLst>
+                              <p:cond delay="0"/>
+                            </p:stCondLst>
+                            <p:childTnLst>
+                              <p:par>
+                                <p:cTn id="5" presetID="1" presetClass="entr" presetSubtype="0" fill="hold" grpId="0" nodeType="clickEffect">
+                                  <p:stCondLst>
+                                    <p:cond delay="0"/>
+                                  </p:stCondLst>
+                                  <p:childTnLst>
+                                    <p:set>
+                                      <p:cBhvr>
+                                        <p:cTn id="6" dur="1" fill="hold">
+                                          <p:stCondLst>
+                                            <p:cond delay="0"/>
+                                          </p:stCondLst>
+                                        </p:cTn>
+                                        <p:tgtEl>
+                                          <p:spTgt spid="3">
+                                            <p:txEl>
+                                              <p:pRg st="0" end="0"/>
+                                            </p:txEl>
+                                          </p:spTgt>
+                                        </p:tgtEl>
+                                        <p:attrNameLst>
+                                          <p:attrName>style.visibility</p:attrName>
+                                        </p:attrNameLst>
+                                      </p:cBhvr>
+                                      <p:to>
+                                        <p:strVal val="visible"/>
+                                      </p:to>
+                                    </p:set>
+                                  </p:childTnLst>
+                                </p:cTn>
+                              </p:par>
+                              <p:par>
+                                <p:cTn id="7" presetID="1" presetClass="entr" presetSubtype="0" fill="hold" nodeType="withEffect">
+                                  <p:stCondLst>
+                                    <p:cond delay="0"/>
+                                  </p:stCondLst>
+                                  <p:childTnLst>
+                                    <p:set>
+                                      <p:cBhvr>
+                                        <p:cTn id="8" dur="1" fill="hold">
+                                          <p:stCondLst>
+                                            <p:cond delay="0"/>
+                                          </p:stCondLst>
+                                        </p:cTn>
+                                        <p:tgtEl>
+                                          <p:spTgt spid="6"/>
+                                        </p:tgtEl>
+                                        <p:attrNameLst>
+                                          <p:attrName>style.visibility</p:attrName>
+                                        </p:attrNameLst>
+                                      </p:cBhvr>
+                                      <p:to>
+                                        <p:strVal val="visible"/>
+                                      </p:to>
+                                    </p:set>
+                                  </p:childTnLst>
+                                </p:cTn>
+                              </p:par>
+                            </p:childTnLst>
+                          </p:cTn>
+                        </p:par>
+                      </p:childTnLst>
+                    </p:cTn>
+                  </p:par>
+                  <p:par>
+                    <p:cTn id="9" fill="hold">
+                      <p:stCondLst>
+                        <p:cond delay="indefinite"/>
+                      </p:stCondLst>
+                      <p:childTnLst>
+                        <p:par>
+                          <p:cTn id="10" fill="hold">
+                            <p:stCondLst>
+                              <p:cond delay="0"/>
+                            </p:stCondLst>
+                            <p:childTnLst>
+                              <p:par>
+                                <p:cTn id="11" presetID="64" presetClass="path" presetSubtype="0" accel="50000" decel="50000" fill="hold" nodeType="clickEffect">
+                                  <p:stCondLst>
+                                    <p:cond delay="0"/>
+                                  </p:stCondLst>
+                                  <p:childTnLst>
+                                    <p:animMotion origin="layout" path="M 4.72222E-6 4.44444E-6 L -0.00122 -0.40487 " pathEditMode="relative" rAng="0" ptsTypes="AA">
+                                      <p:cBhvr>
+                                        <p:cTn id="12" dur="2000" fill="hold"/>
+                                        <p:tgtEl>
+                                          <p:spTgt spid="6"/>
+                                        </p:tgtEl>
+                                        <p:attrNameLst>
+                                          <p:attrName>ppt_x</p:attrName>
+                                          <p:attrName>ppt_y</p:attrName>
+                                        </p:attrNameLst>
+                                      </p:cBhvr>
+                                      <p:rCtr x="-1" y="-203"/>
+                                    </p:animMotion>
+                                  </p:childTnLst>
+                                </p:cTn>
+                              </p:par>
+                            </p:childTnLst>
+                          </p:cTn>
+                        </p:par>
+                      </p:childTnLst>
+                    </p:cTn>
+                  </p:par>
+                </p:childTnLst>
+              </p:cTn>
+              <p:prevCondLst>
+                <p:cond evt="onPrev" delay="0">
+                  <p:tgtEl>
+                    <p:sldTgt/>
+                  </p:tgtEl>
+                </p:cond>
+              </p:prevCondLst>
+              <p:nextCondLst>
+                <p:cond evt="onNext" delay="0">
+                  <p:tgtEl>
+                    <p:sldTgt/>
+                  </p:tgtEl>
+                </p:cond>
+              </p:nextCondLst>
+            </p:seq>
+          </p:childTnLst>
+        </p:cTn>
+      </p:par>
+    </p:tnLst>
+    <p:bldLst>
+      <p:bldP spid="3" grpId="0" build="p"/>
+    </p:bldLst>
+  </p:timing>
+</p:sld>
+</file>
+
+<file path=ppt/slides/slide14.xml><?xml version="1.0" encoding="utf-8"?>
+<p:sld xmlns:a="http://schemas.openxmlformats.org/drawingml/2006/main" xmlns:r="http://schemas.openxmlformats.org/officeDocument/2006/relationships" xmlns:p="http://schemas.openxmlformats.org/presentationml/2006/main">
+  <p:cSld>
+    <p:spTree>
+      <p:nvGrpSpPr>
+        <p:cNvPr id="1" name=""/>
+        <p:cNvGrpSpPr/>
+        <p:nvPr/>
+      </p:nvGrpSpPr>
+      <p:grpSpPr>
+        <a:xfrm>
+          <a:off x="0" y="0"/>
+          <a:ext cx="0" cy="0"/>
+          <a:chOff x="0" y="0"/>
+          <a:chExt cx="0" cy="0"/>
+        </a:xfrm>
+      </p:grpSpPr>
+      <p:sp>
+        <p:nvSpPr>
+          <p:cNvPr id="2" name="Titel 1"/>
+          <p:cNvSpPr>
+            <a:spLocks noGrp="1"/>
+          </p:cNvSpPr>
+          <p:nvPr>
+            <p:ph type="title"/>
+          </p:nvPr>
+        </p:nvSpPr>
+        <p:spPr/>
+        <p:txBody>
+          <a:bodyPr/>
+          <a:lstStyle/>
+          <a:p>
+            <a:r>
+              <a:rPr lang="de-DE" dirty="0" smtClean="0"/>
+              <a:t>5. Benutzerschnittstelle</a:t>
+            </a:r>
+            <a:endParaRPr lang="de-DE" dirty="0"/>
+          </a:p>
+        </p:txBody>
+      </p:sp>
+      <p:sp>
+        <p:nvSpPr>
+          <p:cNvPr id="3" name="Inhaltsplatzhalter 2"/>
+          <p:cNvSpPr>
+            <a:spLocks noGrp="1"/>
+          </p:cNvSpPr>
+          <p:nvPr>
+            <p:ph idx="1"/>
+          </p:nvPr>
+        </p:nvSpPr>
+        <p:spPr/>
+        <p:txBody>
+          <a:bodyPr/>
+          <a:lstStyle/>
+          <a:p>
+            <a:r>
+              <a:rPr lang="de-DE" dirty="0" smtClean="0"/>
+              <a:t>Klassendiagramm</a:t>
+            </a:r>
+          </a:p>
+          <a:p>
+            <a:pPr lvl="1"/>
+            <a:r>
+              <a:rPr lang="de-DE" dirty="0" err="1" smtClean="0"/>
+              <a:t>standardMap</a:t>
+            </a:r>
+            <a:endParaRPr lang="de-DE" dirty="0" smtClean="0"/>
+          </a:p>
+          <a:p>
+            <a:pPr lvl="1"/>
+            <a:r>
+              <a:rPr lang="de-DE" dirty="0" err="1" smtClean="0"/>
+              <a:t>table</a:t>
+            </a:r>
+            <a:endParaRPr lang="de-DE" dirty="0" smtClean="0"/>
+          </a:p>
+          <a:p>
+            <a:pPr lvl="1"/>
+            <a:r>
+              <a:rPr lang="de-DE" dirty="0" err="1" smtClean="0"/>
+              <a:t>timeSliderMap</a:t>
+            </a:r>
+            <a:endParaRPr lang="de-DE" dirty="0" smtClean="0"/>
+          </a:p>
+          <a:p>
+            <a:pPr lvl="1"/>
+            <a:r>
+              <a:rPr lang="de-DE" dirty="0" err="1" smtClean="0"/>
+              <a:t>diffMap</a:t>
+            </a:r>
+            <a:endParaRPr lang="de-DE" dirty="0" smtClean="0"/>
+          </a:p>
+          <a:p>
+            <a:pPr lvl="1"/>
+            <a:endParaRPr lang="de-DE" dirty="0"/>
+          </a:p>
+        </p:txBody>
+      </p:sp>
+      <p:sp>
+        <p:nvSpPr>
+          <p:cNvPr id="4" name="Fußzeilenplatzhalter 3"/>
+          <p:cNvSpPr>
+            <a:spLocks noGrp="1"/>
+          </p:cNvSpPr>
+          <p:nvPr>
+            <p:ph type="ftr" sz="quarter" idx="10"/>
+          </p:nvPr>
+        </p:nvSpPr>
+        <p:spPr/>
+        <p:txBody>
+          <a:bodyPr/>
+          <a:lstStyle/>
+          <a:p>
+            <a:pPr>
+              <a:defRPr/>
+            </a:pPr>
+            <a:r>
+              <a:rPr lang="de-DE" dirty="0" smtClean="0"/>
+              <a:t>Praxis der Softwareentwicklung: </a:t>
+            </a:r>
+            <a:r>
+              <a:rPr lang="de-DE" dirty="0" err="1" smtClean="0"/>
+              <a:t>Visualizing</a:t>
+            </a:r>
+            <a:r>
+              <a:rPr lang="de-DE" dirty="0" smtClean="0"/>
+              <a:t> Trends. Was verrät uns </a:t>
+            </a:r>
+            <a:r>
+              <a:rPr lang="de-DE" dirty="0" err="1" smtClean="0"/>
+              <a:t>Twitter</a:t>
+            </a:r>
+            <a:r>
+              <a:rPr lang="de-DE" dirty="0" smtClean="0"/>
+              <a:t>?</a:t>
+            </a:r>
+            <a:br>
+              <a:rPr lang="de-DE" dirty="0" smtClean="0"/>
+            </a:br>
+            <a:r>
+              <a:rPr lang="de-DE" dirty="0" smtClean="0"/>
+              <a:t>Einführung               Datenbank              </a:t>
+            </a:r>
+            <a:r>
+              <a:rPr lang="de-DE" dirty="0" err="1" smtClean="0"/>
+              <a:t>Crawler</a:t>
+            </a:r>
+            <a:r>
+              <a:rPr lang="de-DE" dirty="0" smtClean="0"/>
+              <a:t>               </a:t>
+            </a:r>
+            <a:r>
+              <a:rPr lang="de-DE" dirty="0" err="1" smtClean="0"/>
+              <a:t>Kategorisierer</a:t>
+            </a:r>
+            <a:r>
+              <a:rPr lang="de-DE" dirty="0" smtClean="0"/>
+              <a:t>               </a:t>
+            </a:r>
+            <a:r>
+              <a:rPr lang="de-DE" b="1" dirty="0" smtClean="0"/>
+              <a:t>Benutzerschnittstelle</a:t>
+            </a:r>
+            <a:r>
+              <a:rPr lang="de-DE" dirty="0" smtClean="0"/>
+              <a:t>               Datenfluss</a:t>
+            </a:r>
+            <a:endParaRPr lang="de-DE" dirty="0"/>
+          </a:p>
+        </p:txBody>
+      </p:sp>
+      <p:pic>
+        <p:nvPicPr>
+          <p:cNvPr id="7" name="Grafik 6" descr="TwitterGUI_Erweiterung_pres3.png"/>
+          <p:cNvPicPr>
+            <a:picLocks noChangeAspect="1"/>
+          </p:cNvPicPr>
+          <p:nvPr/>
+        </p:nvPicPr>
+        <p:blipFill>
+          <a:blip r:embed="rId2" cstate="print"/>
+          <a:stretch>
+            <a:fillRect/>
+          </a:stretch>
+        </p:blipFill>
+        <p:spPr>
+          <a:xfrm>
+            <a:off x="107504" y="1844824"/>
+            <a:ext cx="8903354" cy="4440501"/>
+          </a:xfrm>
+          <a:prstGeom prst="rect">
+            <a:avLst/>
+          </a:prstGeom>
+        </p:spPr>
+      </p:pic>
+    </p:spTree>
+  </p:cSld>
+  <p:clrMapOvr>
+    <a:masterClrMapping/>
+  </p:clrMapOvr>
+  <p:timing>
+    <p:tnLst>
+      <p:par>
+        <p:cTn id="1" dur="indefinite" restart="never" nodeType="tmRoot">
+          <p:childTnLst>
+            <p:seq concurrent="1" nextAc="seek">
+              <p:cTn id="2" dur="indefinite" nodeType="mainSeq">
+                <p:childTnLst>
+                  <p:par>
+                    <p:cTn id="3" fill="hold">
+                      <p:stCondLst>
+                        <p:cond delay="indefinite"/>
+                        <p:cond evt="onBegin" delay="0">
+                          <p:tn val="2"/>
+                        </p:cond>
+                      </p:stCondLst>
+                      <p:childTnLst>
+                        <p:par>
+                          <p:cTn id="4" fill="hold">
+                            <p:stCondLst>
+                              <p:cond delay="0"/>
+                            </p:stCondLst>
+                            <p:childTnLst>
+                              <p:par>
+                                <p:cTn id="5" presetID="1" presetClass="entr" presetSubtype="0" fill="hold" nodeType="withEffect">
+                                  <p:stCondLst>
+                                    <p:cond delay="0"/>
+                                  </p:stCondLst>
+                                  <p:childTnLst>
+                                    <p:set>
+                                      <p:cBhvr>
+                                        <p:cTn id="6" dur="1" fill="hold">
+                                          <p:stCondLst>
+                                            <p:cond delay="0"/>
+                                          </p:stCondLst>
+                                        </p:cTn>
+                                        <p:tgtEl>
+                                          <p:spTgt spid="3">
+                                            <p:txEl>
+                                              <p:pRg st="0" end="0"/>
+                                            </p:txEl>
+                                          </p:spTgt>
+                                        </p:tgtEl>
+                                        <p:attrNameLst>
+                                          <p:attrName>style.visibility</p:attrName>
+                                        </p:attrNameLst>
+                                      </p:cBhvr>
+                                      <p:to>
+                                        <p:strVal val="visible"/>
+                                      </p:to>
+                                    </p:set>
+                                  </p:childTnLst>
+                                </p:cTn>
+                              </p:par>
+                            </p:childTnLst>
+                          </p:cTn>
+                        </p:par>
+                      </p:childTnLst>
+                    </p:cTn>
+                  </p:par>
+                  <p:par>
+                    <p:cTn id="7" fill="hold">
+                      <p:stCondLst>
+                        <p:cond delay="indefinite"/>
+                      </p:stCondLst>
+                      <p:childTnLst>
+                        <p:par>
+                          <p:cTn id="8" fill="hold">
+                            <p:stCondLst>
+                              <p:cond delay="0"/>
+                            </p:stCondLst>
+                            <p:childTnLst>
+                              <p:par>
+                                <p:cTn id="9" presetID="1" presetClass="entr" presetSubtype="0" fill="hold" nodeType="clickEffect">
+                                  <p:stCondLst>
+                                    <p:cond delay="0"/>
+                                  </p:stCondLst>
+                                  <p:childTnLst>
+                                    <p:set>
+                                      <p:cBhvr>
+                                        <p:cTn id="10" dur="1" fill="hold">
+                                          <p:stCondLst>
+                                            <p:cond delay="0"/>
+                                          </p:stCondLst>
+                                        </p:cTn>
+                                        <p:tgtEl>
+                                          <p:spTgt spid="3">
+                                            <p:txEl>
+                                              <p:pRg st="1" end="1"/>
+                                            </p:txEl>
+                                          </p:spTgt>
+                                        </p:tgtEl>
+                                        <p:attrNameLst>
+                                          <p:attrName>style.visibility</p:attrName>
+                                        </p:attrNameLst>
+                                      </p:cBhvr>
+                                      <p:to>
+                                        <p:strVal val="visible"/>
+                                      </p:to>
+                                    </p:set>
+                                  </p:childTnLst>
+                                </p:cTn>
+                              </p:par>
+                              <p:par>
+                                <p:cTn id="11" presetID="1" presetClass="entr" presetSubtype="0" fill="hold" nodeType="withEffect">
+                                  <p:stCondLst>
+                                    <p:cond delay="0"/>
+                                  </p:stCondLst>
+                                  <p:childTnLst>
+                                    <p:set>
+                                      <p:cBhvr>
+                                        <p:cTn id="12" dur="1" fill="hold">
+                                          <p:stCondLst>
+                                            <p:cond delay="0"/>
+                                          </p:stCondLst>
+                                        </p:cTn>
+                                        <p:tgtEl>
+                                          <p:spTgt spid="7"/>
+                                        </p:tgtEl>
+                                        <p:attrNameLst>
+                                          <p:attrName>style.visibility</p:attrName>
+                                        </p:attrNameLst>
+                                      </p:cBhvr>
+                                      <p:to>
+                                        <p:strVal val="visible"/>
+                                      </p:to>
+                                    </p:set>
+                                  </p:childTnLst>
+                                </p:cTn>
+                              </p:par>
+                            </p:childTnLst>
+                          </p:cTn>
+                        </p:par>
+                      </p:childTnLst>
+                    </p:cTn>
+                  </p:par>
+                  <p:par>
+                    <p:cTn id="13" fill="hold">
+                      <p:stCondLst>
+                        <p:cond delay="indefinite"/>
+                      </p:stCondLst>
+                      <p:childTnLst>
+                        <p:par>
+                          <p:cTn id="14" fill="hold">
+                            <p:stCondLst>
+                              <p:cond delay="0"/>
+                            </p:stCondLst>
+                            <p:childTnLst>
+                              <p:par>
+                                <p:cTn id="15" presetID="1" presetClass="entr" presetSubtype="0" fill="hold" nodeType="clickEffect">
+                                  <p:stCondLst>
+                                    <p:cond delay="0"/>
+                                  </p:stCondLst>
+                                  <p:childTnLst>
+                                    <p:set>
+                                      <p:cBhvr>
+                                        <p:cTn id="16" dur="1" fill="hold">
+                                          <p:stCondLst>
+                                            <p:cond delay="0"/>
+                                          </p:stCondLst>
+                                        </p:cTn>
+                                        <p:tgtEl>
+                                          <p:spTgt spid="3">
+                                            <p:txEl>
+                                              <p:pRg st="2" end="2"/>
+                                            </p:txEl>
+                                          </p:spTgt>
+                                        </p:tgtEl>
+                                        <p:attrNameLst>
+                                          <p:attrName>style.visibility</p:attrName>
+                                        </p:attrNameLst>
+                                      </p:cBhvr>
+                                      <p:to>
+                                        <p:strVal val="visible"/>
+                                      </p:to>
+                                    </p:set>
+                                  </p:childTnLst>
+                                </p:cTn>
+                              </p:par>
+                              <p:par>
+                                <p:cTn id="17" presetID="6" presetClass="emph" presetSubtype="0" fill="hold" nodeType="withEffect">
+                                  <p:stCondLst>
+                                    <p:cond delay="0"/>
+                                  </p:stCondLst>
+                                  <p:childTnLst>
+                                    <p:animScale>
+                                      <p:cBhvr>
+                                        <p:cTn id="18" dur="1000" fill="hold"/>
+                                        <p:tgtEl>
+                                          <p:spTgt spid="7"/>
+                                        </p:tgtEl>
+                                      </p:cBhvr>
+                                      <p:by x="70000" y="70000"/>
+                                    </p:animScale>
+                                  </p:childTnLst>
+                                </p:cTn>
+                              </p:par>
+                              <p:par>
+                                <p:cTn id="19" presetID="49" presetClass="path" presetSubtype="0" accel="50000" decel="50000" fill="hold" nodeType="withEffect">
+                                  <p:stCondLst>
+                                    <p:cond delay="0"/>
+                                  </p:stCondLst>
+                                  <p:childTnLst>
+                                    <p:animMotion origin="layout" path="M -1.11111E-6 -2.59259E-6 L 0.13524 0.0963 " pathEditMode="relative" rAng="0" ptsTypes="AA">
+                                      <p:cBhvr>
+                                        <p:cTn id="20" dur="2000" fill="hold"/>
+                                        <p:tgtEl>
+                                          <p:spTgt spid="7"/>
+                                        </p:tgtEl>
+                                        <p:attrNameLst>
+                                          <p:attrName>ppt_x</p:attrName>
+                                          <p:attrName>ppt_y</p:attrName>
+                                        </p:attrNameLst>
+                                      </p:cBhvr>
+                                      <p:rCtr x="68" y="48"/>
+                                    </p:animMotion>
+                                  </p:childTnLst>
+                                </p:cTn>
+                              </p:par>
+                            </p:childTnLst>
+                          </p:cTn>
+                        </p:par>
+                      </p:childTnLst>
+                    </p:cTn>
+                  </p:par>
+                  <p:par>
+                    <p:cTn id="21" fill="hold">
+                      <p:stCondLst>
+                        <p:cond delay="indefinite"/>
+                      </p:stCondLst>
+                      <p:childTnLst>
+                        <p:par>
+                          <p:cTn id="22" fill="hold">
+                            <p:stCondLst>
+                              <p:cond delay="0"/>
+                            </p:stCondLst>
+                            <p:childTnLst>
+                              <p:par>
+                                <p:cTn id="23" presetID="1" presetClass="entr" presetSubtype="0" fill="hold" nodeType="clickEffect">
+                                  <p:stCondLst>
+                                    <p:cond delay="0"/>
+                                  </p:stCondLst>
+                                  <p:childTnLst>
+                                    <p:set>
+                                      <p:cBhvr>
+                                        <p:cTn id="24" dur="1" fill="hold">
+                                          <p:stCondLst>
+                                            <p:cond delay="0"/>
+                                          </p:stCondLst>
+                                        </p:cTn>
+                                        <p:tgtEl>
+                                          <p:spTgt spid="3">
+                                            <p:txEl>
+                                              <p:pRg st="3" end="3"/>
+                                            </p:txEl>
+                                          </p:spTgt>
+                                        </p:tgtEl>
+                                        <p:attrNameLst>
+                                          <p:attrName>style.visibility</p:attrName>
+                                        </p:attrNameLst>
+                                      </p:cBhvr>
+                                      <p:to>
+                                        <p:strVal val="visible"/>
+                                      </p:to>
+                                    </p:set>
+                                  </p:childTnLst>
+                                </p:cTn>
+                              </p:par>
+                            </p:childTnLst>
+                          </p:cTn>
+                        </p:par>
+                      </p:childTnLst>
+                    </p:cTn>
+                  </p:par>
+                  <p:par>
+                    <p:cTn id="25" fill="hold">
+                      <p:stCondLst>
+                        <p:cond delay="indefinite"/>
+                      </p:stCondLst>
+                      <p:childTnLst>
+                        <p:par>
+                          <p:cTn id="26" fill="hold">
+                            <p:stCondLst>
+                              <p:cond delay="0"/>
+                            </p:stCondLst>
+                            <p:childTnLst>
+                              <p:par>
+                                <p:cTn id="27" presetID="1" presetClass="entr" presetSubtype="0" fill="hold" nodeType="clickEffect">
+                                  <p:stCondLst>
+                                    <p:cond delay="0"/>
+                                  </p:stCondLst>
+                                  <p:childTnLst>
+                                    <p:set>
+                                      <p:cBhvr>
+                                        <p:cTn id="28" dur="1" fill="hold">
+                                          <p:stCondLst>
+                                            <p:cond delay="0"/>
+                                          </p:stCondLst>
+                                        </p:cTn>
+                                        <p:tgtEl>
+                                          <p:spTgt spid="3">
+                                            <p:txEl>
+                                              <p:pRg st="4" end="4"/>
+                                            </p:txEl>
+                                          </p:spTgt>
+                                        </p:tgtEl>
+                                        <p:attrNameLst>
+                                          <p:attrName>style.visibility</p:attrName>
+                                        </p:attrNameLst>
+                                      </p:cBhvr>
+                                      <p:to>
+                                        <p:strVal val="visible"/>
+                                      </p:to>
+                                    </p:set>
+                                  </p:childTnLst>
+                                </p:cTn>
+                              </p:par>
+                            </p:childTnLst>
+                          </p:cTn>
+                        </p:par>
+                      </p:childTnLst>
+                    </p:cTn>
+                  </p:par>
+                </p:childTnLst>
+              </p:cTn>
+              <p:prevCondLst>
+                <p:cond evt="onPrev" delay="0">
+                  <p:tgtEl>
+                    <p:sldTgt/>
+                  </p:tgtEl>
+                </p:cond>
+              </p:prevCondLst>
+              <p:nextCondLst>
+                <p:cond evt="onNext" delay="0">
+                  <p:tgtEl>
+                    <p:sldTgt/>
+                  </p:tgtEl>
+                </p:cond>
+              </p:nextCondLst>
+            </p:seq>
+          </p:childTnLst>
+        </p:cTn>
+      </p:par>
+    </p:tnLst>
+  </p:timing>
+</p:sld>
+</file>
+
+<file path=ppt/slides/slide15.xml><?xml version="1.0" encoding="utf-8"?>
+<p:sld xmlns:a="http://schemas.openxmlformats.org/drawingml/2006/main" xmlns:r="http://schemas.openxmlformats.org/officeDocument/2006/relationships" xmlns:p="http://schemas.openxmlformats.org/presentationml/2006/main">
+  <p:cSld>
+    <p:spTree>
+      <p:nvGrpSpPr>
+        <p:cNvPr id="1" name=""/>
+        <p:cNvGrpSpPr/>
+        <p:nvPr/>
+      </p:nvGrpSpPr>
+      <p:grpSpPr>
+        <a:xfrm>
+          <a:off x="0" y="0"/>
+          <a:ext cx="0" cy="0"/>
+          <a:chOff x="0" y="0"/>
+          <a:chExt cx="0" cy="0"/>
+        </a:xfrm>
+      </p:grpSpPr>
+      <p:sp>
+        <p:nvSpPr>
+          <p:cNvPr id="2" name="Titel 1"/>
+          <p:cNvSpPr>
+            <a:spLocks noGrp="1"/>
+          </p:cNvSpPr>
+          <p:nvPr>
+            <p:ph type="title"/>
+          </p:nvPr>
+        </p:nvSpPr>
+        <p:spPr/>
+        <p:txBody>
+          <a:bodyPr/>
+          <a:lstStyle/>
+          <a:p>
+            <a:r>
+              <a:rPr lang="de-DE" dirty="0" smtClean="0"/>
+              <a:t>5. Benutzerschnittstelle</a:t>
+            </a:r>
+            <a:endParaRPr lang="de-DE" dirty="0"/>
+          </a:p>
+        </p:txBody>
+      </p:sp>
+      <p:sp>
+        <p:nvSpPr>
+          <p:cNvPr id="3" name="Inhaltsplatzhalter 2"/>
+          <p:cNvSpPr>
+            <a:spLocks noGrp="1"/>
+          </p:cNvSpPr>
+          <p:nvPr>
+            <p:ph idx="1"/>
+          </p:nvPr>
+        </p:nvSpPr>
+        <p:spPr/>
+        <p:txBody>
+          <a:bodyPr/>
+          <a:lstStyle/>
+          <a:p>
+            <a:r>
+              <a:rPr lang="de-DE" dirty="0" smtClean="0"/>
+              <a:t>Start der GUI</a:t>
+            </a:r>
+            <a:endParaRPr lang="de-DE" dirty="0"/>
+          </a:p>
+        </p:txBody>
+      </p:sp>
+      <p:sp>
+        <p:nvSpPr>
+          <p:cNvPr id="4" name="Fußzeilenplatzhalter 3"/>
+          <p:cNvSpPr>
+            <a:spLocks noGrp="1"/>
+          </p:cNvSpPr>
+          <p:nvPr>
+            <p:ph type="ftr" sz="quarter" idx="10"/>
+          </p:nvPr>
+        </p:nvSpPr>
+        <p:spPr/>
+        <p:txBody>
+          <a:bodyPr/>
+          <a:lstStyle/>
+          <a:p>
+            <a:pPr>
+              <a:defRPr/>
+            </a:pPr>
+            <a:r>
+              <a:rPr lang="de-DE" dirty="0" smtClean="0"/>
+              <a:t>Praxis der Softwareentwicklung: </a:t>
+            </a:r>
+            <a:r>
+              <a:rPr lang="de-DE" dirty="0" err="1" smtClean="0"/>
+              <a:t>Visualizing</a:t>
+            </a:r>
+            <a:r>
+              <a:rPr lang="de-DE" dirty="0" smtClean="0"/>
+              <a:t> Trends. Was verrät uns </a:t>
+            </a:r>
+            <a:r>
+              <a:rPr lang="de-DE" dirty="0" err="1" smtClean="0"/>
+              <a:t>Twitter</a:t>
+            </a:r>
+            <a:r>
+              <a:rPr lang="de-DE" dirty="0" smtClean="0"/>
+              <a:t>?</a:t>
+            </a:r>
+            <a:br>
+              <a:rPr lang="de-DE" dirty="0" smtClean="0"/>
+            </a:br>
+            <a:r>
+              <a:rPr lang="de-DE" dirty="0" smtClean="0"/>
+              <a:t>Einführung               Datenbank              </a:t>
+            </a:r>
+            <a:r>
+              <a:rPr lang="de-DE" dirty="0" err="1" smtClean="0"/>
+              <a:t>Crawler</a:t>
+            </a:r>
+            <a:r>
+              <a:rPr lang="de-DE" dirty="0" smtClean="0"/>
+              <a:t>               </a:t>
+            </a:r>
+            <a:r>
+              <a:rPr lang="de-DE" dirty="0" err="1" smtClean="0"/>
+              <a:t>Kategorisierer</a:t>
+            </a:r>
+            <a:r>
+              <a:rPr lang="de-DE" dirty="0" smtClean="0"/>
+              <a:t>               </a:t>
+            </a:r>
+            <a:r>
+              <a:rPr lang="de-DE" b="1" dirty="0" smtClean="0"/>
+              <a:t>Benutzerschnittstelle</a:t>
+            </a:r>
+            <a:r>
+              <a:rPr lang="de-DE" dirty="0" smtClean="0"/>
+              <a:t>               Datenfluss</a:t>
+            </a:r>
+            <a:endParaRPr lang="de-DE" dirty="0"/>
+          </a:p>
+        </p:txBody>
+      </p:sp>
+      <p:pic>
+        <p:nvPicPr>
+          <p:cNvPr id="5" name="Grafik 4" descr="GUISequenz_Start_pres.png"/>
+          <p:cNvPicPr>
+            <a:picLocks noChangeAspect="1"/>
+          </p:cNvPicPr>
+          <p:nvPr/>
+        </p:nvPicPr>
+        <p:blipFill>
+          <a:blip r:embed="rId2" cstate="print"/>
+          <a:stretch>
+            <a:fillRect/>
+          </a:stretch>
+        </p:blipFill>
+        <p:spPr>
+          <a:xfrm>
+            <a:off x="251520" y="1556792"/>
+            <a:ext cx="8568952" cy="7989643"/>
+          </a:xfrm>
+          <a:prstGeom prst="rect">
+            <a:avLst/>
+          </a:prstGeom>
+        </p:spPr>
+      </p:pic>
+    </p:spTree>
+  </p:cSld>
+  <p:clrMapOvr>
+    <a:masterClrMapping/>
+  </p:clrMapOvr>
+  <p:timing>
+    <p:tnLst>
+      <p:par>
+        <p:cTn id="1" dur="indefinite" restart="never" nodeType="tmRoot">
+          <p:childTnLst>
+            <p:seq concurrent="1" nextAc="seek">
+              <p:cTn id="2" dur="indefinite" nodeType="mainSeq">
+                <p:childTnLst>
+                  <p:par>
+                    <p:cTn id="3" fill="hold">
+                      <p:stCondLst>
+                        <p:cond delay="indefinite"/>
+                      </p:stCondLst>
+                      <p:childTnLst>
+                        <p:par>
+                          <p:cTn id="4" fill="hold">
+                            <p:stCondLst>
+                              <p:cond delay="0"/>
+                            </p:stCondLst>
+                            <p:childTnLst>
+                              <p:par>
+                                <p:cTn id="5" presetID="1" presetClass="entr" presetSubtype="0" fill="hold" nodeType="clickEffect">
+                                  <p:stCondLst>
+                                    <p:cond delay="0"/>
+                                  </p:stCondLst>
+                                  <p:childTnLst>
+                                    <p:set>
+                                      <p:cBhvr>
+                                        <p:cTn id="6" dur="1" fill="hold">
+                                          <p:stCondLst>
+                                            <p:cond delay="0"/>
+                                          </p:stCondLst>
+                                        </p:cTn>
+                                        <p:tgtEl>
+                                          <p:spTgt spid="3">
+                                            <p:txEl>
+                                              <p:pRg st="0" end="0"/>
+                                            </p:txEl>
+                                          </p:spTgt>
+                                        </p:tgtEl>
+                                        <p:attrNameLst>
+                                          <p:attrName>style.visibility</p:attrName>
+                                        </p:attrNameLst>
+                                      </p:cBhvr>
+                                      <p:to>
+                                        <p:strVal val="visible"/>
+                                      </p:to>
+                                    </p:set>
+                                  </p:childTnLst>
+                                </p:cTn>
+                              </p:par>
+                              <p:par>
+                                <p:cTn id="7" presetID="1" presetClass="entr" presetSubtype="0" fill="hold" nodeType="withEffect">
+                                  <p:stCondLst>
+                                    <p:cond delay="0"/>
+                                  </p:stCondLst>
+                                  <p:childTnLst>
+                                    <p:set>
+                                      <p:cBhvr>
+                                        <p:cTn id="8" dur="1" fill="hold">
+                                          <p:stCondLst>
+                                            <p:cond delay="0"/>
+                                          </p:stCondLst>
+                                        </p:cTn>
+                                        <p:tgtEl>
+                                          <p:spTgt spid="5"/>
+                                        </p:tgtEl>
+                                        <p:attrNameLst>
+                                          <p:attrName>style.visibility</p:attrName>
+                                        </p:attrNameLst>
+                                      </p:cBhvr>
+                                      <p:to>
+                                        <p:strVal val="visible"/>
+                                      </p:to>
+                                    </p:set>
+                                  </p:childTnLst>
+                                </p:cTn>
+                              </p:par>
+                            </p:childTnLst>
+                          </p:cTn>
+                        </p:par>
+                      </p:childTnLst>
+                    </p:cTn>
+                  </p:par>
+                  <p:par>
+                    <p:cTn id="9" fill="hold">
+                      <p:stCondLst>
+                        <p:cond delay="indefinite"/>
+                      </p:stCondLst>
+                      <p:childTnLst>
+                        <p:par>
+                          <p:cTn id="10" fill="hold">
+                            <p:stCondLst>
+                              <p:cond delay="0"/>
+                            </p:stCondLst>
+                            <p:childTnLst>
+                              <p:par>
+                                <p:cTn id="11" presetID="64" presetClass="path" presetSubtype="0" accel="50000" decel="50000" fill="hold" nodeType="clickEffect">
+                                  <p:stCondLst>
+                                    <p:cond delay="0"/>
+                                  </p:stCondLst>
+                                  <p:childTnLst>
+                                    <p:animMotion origin="layout" path="M 3.05556E-6 -7.40741E-7 L 0.00399 -0.4669 " pathEditMode="relative" rAng="0" ptsTypes="AA">
+                                      <p:cBhvr>
+                                        <p:cTn id="12" dur="2000" fill="hold"/>
+                                        <p:tgtEl>
+                                          <p:spTgt spid="5"/>
+                                        </p:tgtEl>
+                                        <p:attrNameLst>
+                                          <p:attrName>ppt_x</p:attrName>
+                                          <p:attrName>ppt_y</p:attrName>
+                                        </p:attrNameLst>
+                                      </p:cBhvr>
+                                      <p:rCtr x="2" y="-234"/>
+                                    </p:animMotion>
+                                  </p:childTnLst>
+                                </p:cTn>
+                              </p:par>
+                            </p:childTnLst>
+                          </p:cTn>
+                        </p:par>
+                      </p:childTnLst>
+                    </p:cTn>
+                  </p:par>
+                </p:childTnLst>
+              </p:cTn>
+              <p:prevCondLst>
+                <p:cond evt="onPrev" delay="0">
+                  <p:tgtEl>
+                    <p:sldTgt/>
+                  </p:tgtEl>
+                </p:cond>
+              </p:prevCondLst>
+              <p:nextCondLst>
+                <p:cond evt="onNext" delay="0">
+                  <p:tgtEl>
+                    <p:sldTgt/>
+                  </p:tgtEl>
+                </p:cond>
+              </p:nextCondLst>
+            </p:seq>
+          </p:childTnLst>
+        </p:cTn>
+      </p:par>
+    </p:tnLst>
+  </p:timing>
+</p:sld>
+</file>
+
+<file path=ppt/slides/slide16.xml><?xml version="1.0" encoding="utf-8"?>
+<p:sld xmlns:a="http://schemas.openxmlformats.org/drawingml/2006/main" xmlns:r="http://schemas.openxmlformats.org/officeDocument/2006/relationships" xmlns:p="http://schemas.openxmlformats.org/presentationml/2006/main">
+  <p:cSld>
+    <p:spTree>
+      <p:nvGrpSpPr>
+        <p:cNvPr id="1" name=""/>
+        <p:cNvGrpSpPr/>
+        <p:nvPr/>
+      </p:nvGrpSpPr>
+      <p:grpSpPr>
+        <a:xfrm>
+          <a:off x="0" y="0"/>
+          <a:ext cx="0" cy="0"/>
+          <a:chOff x="0" y="0"/>
+          <a:chExt cx="0" cy="0"/>
+        </a:xfrm>
+      </p:grpSpPr>
+      <p:sp>
+        <p:nvSpPr>
+          <p:cNvPr id="2" name="Titel 1"/>
+          <p:cNvSpPr>
+            <a:spLocks noGrp="1"/>
+          </p:cNvSpPr>
+          <p:nvPr>
+            <p:ph type="title"/>
+          </p:nvPr>
+        </p:nvSpPr>
+        <p:spPr/>
+        <p:txBody>
+          <a:bodyPr/>
+          <a:lstStyle/>
+          <a:p>
+            <a:r>
+              <a:rPr lang="de-DE" dirty="0" smtClean="0"/>
+              <a:t>5. Benutzerschnittstelle</a:t>
+            </a:r>
+            <a:endParaRPr lang="de-DE" dirty="0"/>
+          </a:p>
+        </p:txBody>
+      </p:sp>
+      <p:sp>
+        <p:nvSpPr>
+          <p:cNvPr id="3" name="Inhaltsplatzhalter 2"/>
+          <p:cNvSpPr>
+            <a:spLocks noGrp="1"/>
+          </p:cNvSpPr>
+          <p:nvPr>
+            <p:ph idx="1"/>
+          </p:nvPr>
+        </p:nvSpPr>
+        <p:spPr/>
+        <p:txBody>
+          <a:bodyPr/>
+          <a:lstStyle/>
+          <a:p>
+            <a:r>
+              <a:rPr lang="de-DE" dirty="0" smtClean="0"/>
+              <a:t>Start der GUI</a:t>
+            </a:r>
+          </a:p>
+          <a:p>
+            <a:r>
+              <a:rPr lang="de-DE" dirty="0" smtClean="0"/>
+              <a:t>Datenanfrage</a:t>
+            </a:r>
+            <a:endParaRPr lang="de-DE" dirty="0"/>
+          </a:p>
+        </p:txBody>
+      </p:sp>
+      <p:sp>
+        <p:nvSpPr>
+          <p:cNvPr id="4" name="Fußzeilenplatzhalter 3"/>
+          <p:cNvSpPr>
+            <a:spLocks noGrp="1"/>
+          </p:cNvSpPr>
+          <p:nvPr>
+            <p:ph type="ftr" sz="quarter" idx="10"/>
+          </p:nvPr>
+        </p:nvSpPr>
+        <p:spPr/>
+        <p:txBody>
+          <a:bodyPr/>
+          <a:lstStyle/>
+          <a:p>
+            <a:pPr>
+              <a:defRPr/>
+            </a:pPr>
+            <a:r>
+              <a:rPr lang="de-DE" dirty="0" smtClean="0"/>
+              <a:t>Praxis der Softwareentwicklung: </a:t>
+            </a:r>
+            <a:r>
+              <a:rPr lang="de-DE" dirty="0" err="1" smtClean="0"/>
+              <a:t>Visualizing</a:t>
+            </a:r>
+            <a:r>
+              <a:rPr lang="de-DE" dirty="0" smtClean="0"/>
+              <a:t> Trends. Was verrät uns </a:t>
+            </a:r>
+            <a:r>
+              <a:rPr lang="de-DE" dirty="0" err="1" smtClean="0"/>
+              <a:t>Twitter</a:t>
+            </a:r>
+            <a:r>
+              <a:rPr lang="de-DE" dirty="0" smtClean="0"/>
+              <a:t>?</a:t>
+            </a:r>
+            <a:br>
+              <a:rPr lang="de-DE" dirty="0" smtClean="0"/>
+            </a:br>
+            <a:r>
+              <a:rPr lang="de-DE" dirty="0" smtClean="0"/>
+              <a:t>Einführung               Datenbank              </a:t>
+            </a:r>
+            <a:r>
+              <a:rPr lang="de-DE" dirty="0" err="1" smtClean="0"/>
+              <a:t>Crawler</a:t>
+            </a:r>
+            <a:r>
+              <a:rPr lang="de-DE" dirty="0" smtClean="0"/>
+              <a:t>               </a:t>
+            </a:r>
+            <a:r>
+              <a:rPr lang="de-DE" dirty="0" err="1" smtClean="0"/>
+              <a:t>Kategorisierer</a:t>
+            </a:r>
+            <a:r>
+              <a:rPr lang="de-DE" dirty="0" smtClean="0"/>
+              <a:t>               </a:t>
+            </a:r>
+            <a:r>
+              <a:rPr lang="de-DE" b="1" dirty="0" smtClean="0"/>
+              <a:t>Benutzerschnittstelle</a:t>
+            </a:r>
+            <a:r>
+              <a:rPr lang="de-DE" dirty="0" smtClean="0"/>
+              <a:t>               Datenfluss</a:t>
+            </a:r>
+            <a:endParaRPr lang="de-DE" dirty="0"/>
+          </a:p>
+        </p:txBody>
+      </p:sp>
+      <p:graphicFrame>
+        <p:nvGraphicFramePr>
+          <p:cNvPr id="8" name="Diagramm 7"/>
+          <p:cNvGraphicFramePr/>
+          <p:nvPr/>
+        </p:nvGraphicFramePr>
+        <p:xfrm>
+          <a:off x="1187624" y="980728"/>
+          <a:ext cx="7560840" cy="5184576"/>
+        </p:xfrm>
+        <a:graphic>
+          <a:graphicData uri="http://schemas.openxmlformats.org/drawingml/2006/diagram">
+            <dgm:relIds xmlns:dgm="http://schemas.openxmlformats.org/drawingml/2006/diagram" xmlns:r="http://schemas.openxmlformats.org/officeDocument/2006/relationships" r:dm="rId2" r:lo="rId3" r:qs="rId4" r:cs="rId5"/>
+          </a:graphicData>
+        </a:graphic>
+      </p:graphicFrame>
+    </p:spTree>
+  </p:cSld>
+  <p:clrMapOvr>
+    <a:masterClrMapping/>
+  </p:clrMapOvr>
+  <p:timing>
+    <p:tnLst>
+      <p:par>
+        <p:cTn id="1" dur="indefinite" restart="never" nodeType="tmRoot">
+          <p:childTnLst>
+            <p:seq concurrent="1" nextAc="seek">
+              <p:cTn id="2" dur="indefinite" nodeType="mainSeq">
+                <p:childTnLst>
+                  <p:par>
+                    <p:cTn id="3" fill="hold">
+                      <p:stCondLst>
+                        <p:cond delay="indefinite"/>
+                        <p:cond evt="onBegin" delay="0">
+                          <p:tn val="2"/>
+                        </p:cond>
+                      </p:stCondLst>
+                      <p:childTnLst>
+                        <p:par>
+                          <p:cTn id="4" fill="hold">
+                            <p:stCondLst>
+                              <p:cond delay="0"/>
+                            </p:stCondLst>
+                            <p:childTnLst>
+                              <p:par>
+                                <p:cTn id="5" presetID="1" presetClass="entr" presetSubtype="0" fill="hold" nodeType="withEffect">
+                                  <p:stCondLst>
+                                    <p:cond delay="0"/>
+                                  </p:stCondLst>
+                                  <p:childTnLst>
+                                    <p:set>
+                                      <p:cBhvr>
+                                        <p:cTn id="6" dur="1" fill="hold">
+                                          <p:stCondLst>
+                                            <p:cond delay="0"/>
+                                          </p:stCondLst>
+                                        </p:cTn>
+                                        <p:tgtEl>
+                                          <p:spTgt spid="3">
+                                            <p:txEl>
+                                              <p:pRg st="0" end="0"/>
+                                            </p:txEl>
+                                          </p:spTgt>
+                                        </p:tgtEl>
+                                        <p:attrNameLst>
+                                          <p:attrName>style.visibility</p:attrName>
+                                        </p:attrNameLst>
+                                      </p:cBhvr>
+                                      <p:to>
+                                        <p:strVal val="visible"/>
+                                      </p:to>
+                                    </p:set>
+                                  </p:childTnLst>
+                                </p:cTn>
+                              </p:par>
+                            </p:childTnLst>
+                          </p:cTn>
+                        </p:par>
+                      </p:childTnLst>
+                    </p:cTn>
+                  </p:par>
+                  <p:par>
+                    <p:cTn id="7" fill="hold">
+                      <p:stCondLst>
+                        <p:cond delay="indefinite"/>
+                      </p:stCondLst>
+                      <p:childTnLst>
+                        <p:par>
+                          <p:cTn id="8" fill="hold">
+                            <p:stCondLst>
+                              <p:cond delay="0"/>
+                            </p:stCondLst>
+                            <p:childTnLst>
+                              <p:par>
+                                <p:cTn id="9" presetID="1" presetClass="entr" presetSubtype="0" fill="hold" nodeType="clickEffect">
+                                  <p:stCondLst>
+                                    <p:cond delay="0"/>
+                                  </p:stCondLst>
+                                  <p:childTnLst>
+                                    <p:set>
+                                      <p:cBhvr>
+                                        <p:cTn id="10" dur="1" fill="hold">
+                                          <p:stCondLst>
+                                            <p:cond delay="0"/>
+                                          </p:stCondLst>
+                                        </p:cTn>
+                                        <p:tgtEl>
+                                          <p:spTgt spid="3">
+                                            <p:txEl>
+                                              <p:pRg st="1" end="1"/>
+                                            </p:txEl>
+                                          </p:spTgt>
+                                        </p:tgtEl>
+                                        <p:attrNameLst>
+                                          <p:attrName>style.visibility</p:attrName>
+                                        </p:attrNameLst>
+                                      </p:cBhvr>
+                                      <p:to>
+                                        <p:strVal val="visible"/>
+                                      </p:to>
+                                    </p:set>
+                                  </p:childTnLst>
+                                </p:cTn>
+                              </p:par>
+                            </p:childTnLst>
+                          </p:cTn>
+                        </p:par>
+                      </p:childTnLst>
+                    </p:cTn>
+                  </p:par>
+                  <p:par>
+                    <p:cTn id="11" fill="hold">
+                      <p:stCondLst>
+                        <p:cond delay="indefinite"/>
+                      </p:stCondLst>
+                      <p:childTnLst>
+                        <p:par>
+                          <p:cTn id="12" fill="hold">
+                            <p:stCondLst>
+                              <p:cond delay="0"/>
+                            </p:stCondLst>
+                            <p:childTnLst>
+                              <p:par>
+                                <p:cTn id="13" presetID="1" presetClass="entr" presetSubtype="0" fill="hold" grpId="0" nodeType="clickEffect">
+                                  <p:stCondLst>
+                                    <p:cond delay="0"/>
+                                  </p:stCondLst>
+                                  <p:childTnLst>
+                                    <p:set>
+                                      <p:cBhvr>
+                                        <p:cTn id="14" dur="1" fill="hold">
+                                          <p:stCondLst>
+                                            <p:cond delay="0"/>
+                                          </p:stCondLst>
+                                        </p:cTn>
+                                        <p:tgtEl>
+                                          <p:spTgt spid="8"/>
+                                        </p:tgtEl>
+                                        <p:attrNameLst>
+                                          <p:attrName>style.visibility</p:attrName>
+                                        </p:attrNameLst>
+                                      </p:cBhvr>
+                                      <p:to>
+                                        <p:strVal val="visible"/>
+                                      </p:to>
+                                    </p:set>
+                                  </p:childTnLst>
+                                </p:cTn>
+                              </p:par>
+                            </p:childTnLst>
+                          </p:cTn>
+                        </p:par>
+                      </p:childTnLst>
+                    </p:cTn>
+                  </p:par>
+                </p:childTnLst>
+              </p:cTn>
+              <p:prevCondLst>
+                <p:cond evt="onPrev" delay="0">
+                  <p:tgtEl>
+                    <p:sldTgt/>
+                  </p:tgtEl>
+                </p:cond>
+              </p:prevCondLst>
+              <p:nextCondLst>
+                <p:cond evt="onNext" delay="0">
+                  <p:tgtEl>
+                    <p:sldTgt/>
+                  </p:tgtEl>
+                </p:cond>
+              </p:nextCondLst>
+            </p:seq>
+          </p:childTnLst>
+        </p:cTn>
+      </p:par>
+    </p:tnLst>
+    <p:bldLst>
+      <p:bldGraphic spid="8" grpId="0">
+        <p:bldAsOne/>
+      </p:bldGraphic>
+    </p:bldLst>
+  </p:timing>
+</p:sld>
+</file>
+
+<file path=ppt/slides/slide17.xml><?xml version="1.0" encoding="utf-8"?>
+<p:sld xmlns:a="http://schemas.openxmlformats.org/drawingml/2006/main" xmlns:r="http://schemas.openxmlformats.org/officeDocument/2006/relationships" xmlns:p="http://schemas.openxmlformats.org/presentationml/2006/main">
+  <p:cSld>
+    <p:spTree>
+      <p:nvGrpSpPr>
+        <p:cNvPr id="1" name=""/>
+        <p:cNvGrpSpPr/>
+        <p:nvPr/>
+      </p:nvGrpSpPr>
+      <p:grpSpPr>
+        <a:xfrm>
+          <a:off x="0" y="0"/>
+          <a:ext cx="0" cy="0"/>
+          <a:chOff x="0" y="0"/>
+          <a:chExt cx="0" cy="0"/>
+        </a:xfrm>
+      </p:grpSpPr>
+      <p:sp>
+        <p:nvSpPr>
+          <p:cNvPr id="2" name="Titel 1"/>
+          <p:cNvSpPr>
+            <a:spLocks noGrp="1"/>
+          </p:cNvSpPr>
+          <p:nvPr>
+            <p:ph type="title"/>
+          </p:nvPr>
+        </p:nvSpPr>
+        <p:spPr/>
+        <p:txBody>
+          <a:bodyPr/>
+          <a:lstStyle/>
+          <a:p>
+            <a:r>
+              <a:rPr lang="de-DE" dirty="0" smtClean="0"/>
+              <a:t>5. Benutzerschnittstelle</a:t>
+            </a:r>
+            <a:endParaRPr lang="de-DE" dirty="0"/>
+          </a:p>
+        </p:txBody>
+      </p:sp>
+      <p:sp>
+        <p:nvSpPr>
+          <p:cNvPr id="3" name="Inhaltsplatzhalter 2"/>
+          <p:cNvSpPr>
+            <a:spLocks noGrp="1"/>
+          </p:cNvSpPr>
+          <p:nvPr>
+            <p:ph idx="1"/>
+          </p:nvPr>
+        </p:nvSpPr>
+        <p:spPr/>
+        <p:txBody>
+          <a:bodyPr/>
+          <a:lstStyle/>
+          <a:p>
+            <a:r>
+              <a:rPr lang="de-DE" dirty="0" smtClean="0"/>
+              <a:t>Start der GUI</a:t>
+            </a:r>
+          </a:p>
+          <a:p>
+            <a:r>
+              <a:rPr lang="de-DE" dirty="0" smtClean="0"/>
+              <a:t>Datenanfrage</a:t>
+            </a:r>
+            <a:endParaRPr lang="de-DE" dirty="0"/>
+          </a:p>
+        </p:txBody>
+      </p:sp>
+      <p:sp>
+        <p:nvSpPr>
+          <p:cNvPr id="4" name="Fußzeilenplatzhalter 3"/>
+          <p:cNvSpPr>
+            <a:spLocks noGrp="1"/>
+          </p:cNvSpPr>
+          <p:nvPr>
+            <p:ph type="ftr" sz="quarter" idx="10"/>
+          </p:nvPr>
+        </p:nvSpPr>
+        <p:spPr/>
+        <p:txBody>
+          <a:bodyPr/>
+          <a:lstStyle/>
+          <a:p>
+            <a:pPr>
+              <a:defRPr/>
+            </a:pPr>
+            <a:r>
+              <a:rPr lang="de-DE" dirty="0" smtClean="0"/>
+              <a:t>Praxis der Softwareentwicklung: </a:t>
+            </a:r>
+            <a:r>
+              <a:rPr lang="de-DE" dirty="0" err="1" smtClean="0"/>
+              <a:t>Visualizing</a:t>
+            </a:r>
+            <a:r>
+              <a:rPr lang="de-DE" dirty="0" smtClean="0"/>
+              <a:t> Trends. Was verrät uns </a:t>
+            </a:r>
+            <a:r>
+              <a:rPr lang="de-DE" dirty="0" err="1" smtClean="0"/>
+              <a:t>Twitter</a:t>
+            </a:r>
+            <a:r>
+              <a:rPr lang="de-DE" dirty="0" smtClean="0"/>
+              <a:t>?</a:t>
+            </a:r>
+            <a:br>
+              <a:rPr lang="de-DE" dirty="0" smtClean="0"/>
+            </a:br>
+            <a:r>
+              <a:rPr lang="de-DE" dirty="0" smtClean="0"/>
+              <a:t>Einführung               Datenbank              </a:t>
+            </a:r>
+            <a:r>
+              <a:rPr lang="de-DE" dirty="0" err="1" smtClean="0"/>
+              <a:t>Crawler</a:t>
+            </a:r>
+            <a:r>
+              <a:rPr lang="de-DE" dirty="0" smtClean="0"/>
+              <a:t>               </a:t>
+            </a:r>
+            <a:r>
+              <a:rPr lang="de-DE" dirty="0" err="1" smtClean="0"/>
+              <a:t>Kategorisierer</a:t>
+            </a:r>
+            <a:r>
+              <a:rPr lang="de-DE" dirty="0" smtClean="0"/>
+              <a:t>               </a:t>
+            </a:r>
+            <a:r>
+              <a:rPr lang="de-DE" b="1" dirty="0" smtClean="0"/>
+              <a:t>Benutzerschnittstelle</a:t>
+            </a:r>
+            <a:r>
+              <a:rPr lang="de-DE" dirty="0" smtClean="0"/>
+              <a:t>               Datenfluss</a:t>
+            </a:r>
+            <a:endParaRPr lang="de-DE" dirty="0"/>
+          </a:p>
+        </p:txBody>
+      </p:sp>
+      <p:pic>
+        <p:nvPicPr>
+          <p:cNvPr id="5" name="Grafik 4" descr="TwitterGUI_Erweiterung_SequenzDiagramm_pres.png"/>
+          <p:cNvPicPr>
+            <a:picLocks noChangeAspect="1"/>
+          </p:cNvPicPr>
+          <p:nvPr/>
+        </p:nvPicPr>
+        <p:blipFill>
+          <a:blip r:embed="rId2" cstate="print"/>
+          <a:stretch>
+            <a:fillRect/>
+          </a:stretch>
+        </p:blipFill>
+        <p:spPr>
+          <a:xfrm>
+            <a:off x="107504" y="2420888"/>
+            <a:ext cx="8892480" cy="2841235"/>
+          </a:xfrm>
+          <a:prstGeom prst="rect">
+            <a:avLst/>
+          </a:prstGeom>
+        </p:spPr>
+      </p:pic>
+    </p:spTree>
+  </p:cSld>
+  <p:clrMapOvr>
+    <a:masterClrMapping/>
+  </p:clrMapOvr>
+  <p:timing>
+    <p:tnLst>
+      <p:par>
+        <p:cTn id="1" dur="indefinite" restart="never" nodeType="tmRoot">
+          <p:childTnLst>
+            <p:seq concurrent="1" nextAc="seek">
+              <p:cTn id="2" dur="indefinite" nodeType="mainSeq">
+                <p:childTnLst>
+                  <p:par>
+                    <p:cTn id="3" fill="hold">
+                      <p:stCondLst>
+                        <p:cond delay="indefinite"/>
+                        <p:cond evt="onBegin" delay="0">
+                          <p:tn val="2"/>
+                        </p:cond>
+                      </p:stCondLst>
+                      <p:childTnLst>
+                        <p:par>
+                          <p:cTn id="4" fill="hold">
+                            <p:stCondLst>
+                              <p:cond delay="0"/>
+                            </p:stCondLst>
+                            <p:childTnLst>
+                              <p:par>
+                                <p:cTn id="5" presetID="1" presetClass="entr" presetSubtype="0" fill="hold" nodeType="withEffect">
+                                  <p:stCondLst>
+                                    <p:cond delay="0"/>
+                                  </p:stCondLst>
+                                  <p:childTnLst>
+                                    <p:set>
+                                      <p:cBhvr>
+                                        <p:cTn id="6" dur="1" fill="hold">
+                                          <p:stCondLst>
+                                            <p:cond delay="0"/>
+                                          </p:stCondLst>
+                                        </p:cTn>
+                                        <p:tgtEl>
+                                          <p:spTgt spid="3">
+                                            <p:txEl>
+                                              <p:pRg st="0" end="0"/>
+                                            </p:txEl>
+                                          </p:spTgt>
+                                        </p:tgtEl>
+                                        <p:attrNameLst>
+                                          <p:attrName>style.visibility</p:attrName>
+                                        </p:attrNameLst>
+                                      </p:cBhvr>
+                                      <p:to>
+                                        <p:strVal val="visible"/>
+                                      </p:to>
+                                    </p:set>
+                                  </p:childTnLst>
+                                </p:cTn>
+                              </p:par>
+                            </p:childTnLst>
+                          </p:cTn>
+                        </p:par>
+                      </p:childTnLst>
+                    </p:cTn>
+                  </p:par>
+                  <p:par>
+                    <p:cTn id="7" fill="hold">
+                      <p:stCondLst>
+                        <p:cond delay="indefinite"/>
+                      </p:stCondLst>
+                      <p:childTnLst>
+                        <p:par>
+                          <p:cTn id="8" fill="hold">
+                            <p:stCondLst>
+                              <p:cond delay="0"/>
+                            </p:stCondLst>
+                            <p:childTnLst>
+                              <p:par>
+                                <p:cTn id="9" presetID="1" presetClass="entr" presetSubtype="0" fill="hold" nodeType="clickEffect">
+                                  <p:stCondLst>
+                                    <p:cond delay="0"/>
+                                  </p:stCondLst>
+                                  <p:childTnLst>
+                                    <p:set>
+                                      <p:cBhvr>
+                                        <p:cTn id="10" dur="1" fill="hold">
+                                          <p:stCondLst>
+                                            <p:cond delay="0"/>
+                                          </p:stCondLst>
+                                        </p:cTn>
+                                        <p:tgtEl>
+                                          <p:spTgt spid="3">
+                                            <p:txEl>
+                                              <p:pRg st="1" end="1"/>
+                                            </p:txEl>
+                                          </p:spTgt>
+                                        </p:tgtEl>
+                                        <p:attrNameLst>
+                                          <p:attrName>style.visibility</p:attrName>
+                                        </p:attrNameLst>
+                                      </p:cBhvr>
+                                      <p:to>
+                                        <p:strVal val="visible"/>
+                                      </p:to>
+                                    </p:set>
+                                  </p:childTnLst>
+                                </p:cTn>
+                              </p:par>
+                              <p:par>
+                                <p:cTn id="11" presetID="1" presetClass="entr" presetSubtype="0" fill="hold" nodeType="withEffect">
+                                  <p:stCondLst>
+                                    <p:cond delay="0"/>
+                                  </p:stCondLst>
+                                  <p:childTnLst>
+                                    <p:set>
+                                      <p:cBhvr>
+                                        <p:cTn id="12" dur="1" fill="hold">
+                                          <p:stCondLst>
+                                            <p:cond delay="0"/>
+                                          </p:stCondLst>
+                                        </p:cTn>
+                                        <p:tgtEl>
+                                          <p:spTgt spid="5"/>
+                                        </p:tgtEl>
+                                        <p:attrNameLst>
+                                          <p:attrName>style.visibility</p:attrName>
+                                        </p:attrNameLst>
+                                      </p:cBhvr>
+                                      <p:to>
+                                        <p:strVal val="visible"/>
+                                      </p:to>
+                                    </p:set>
+                                  </p:childTnLst>
+                                </p:cTn>
+                              </p:par>
+                            </p:childTnLst>
+                          </p:cTn>
+                        </p:par>
+                      </p:childTnLst>
+                    </p:cTn>
+                  </p:par>
+                </p:childTnLst>
+              </p:cTn>
+              <p:prevCondLst>
+                <p:cond evt="onPrev" delay="0">
+                  <p:tgtEl>
+                    <p:sldTgt/>
+                  </p:tgtEl>
+                </p:cond>
+              </p:prevCondLst>
+              <p:nextCondLst>
+                <p:cond evt="onNext" delay="0">
+                  <p:tgtEl>
+                    <p:sldTgt/>
+                  </p:tgtEl>
+                </p:cond>
+              </p:nextCondLst>
+            </p:seq>
+          </p:childTnLst>
+        </p:cTn>
+      </p:par>
+    </p:tnLst>
+  </p:timing>
+</p:sld>
+</file>
+
+<file path=ppt/slides/slide18.xml><?xml version="1.0" encoding="utf-8"?>
 <p:sld xmlns:a="http://schemas.openxmlformats.org/drawingml/2006/main" xmlns:r="http://schemas.openxmlformats.org/officeDocument/2006/relationships" xmlns:p="http://schemas.openxmlformats.org/presentationml/2006/main">
   <p:cSld>
     <p:spTree>
@@ -19816,7 +24934,7 @@
 </p:sld>
 </file>
 
-<file path=ppt/slides/slide13.xml><?xml version="1.0" encoding="utf-8"?>
+<file path=ppt/slides/slide19.xml><?xml version="1.0" encoding="utf-8"?>
 <p:sld xmlns:a="http://schemas.openxmlformats.org/drawingml/2006/main" xmlns:r="http://schemas.openxmlformats.org/officeDocument/2006/relationships" xmlns:p="http://schemas.openxmlformats.org/presentationml/2006/main">
   <p:cSld>
     <p:spTree>
@@ -19939,7 +25057,7 @@
           <a:blip r:embed="rId2" cstate="print">
             <a:extLst>
               <a:ext uri="{28A0092B-C50C-407E-A947-70E740481C1C}">
-                <a14:useLocalDpi xmlns:a14="http://schemas.microsoft.com/office/drawing/2010/main" xmlns="" val="0"/>
+                <a14:useLocalDpi xmlns="" xmlns:a14="http://schemas.microsoft.com/office/drawing/2010/main" val="0"/>
               </a:ext>
             </a:extLst>
           </a:blip>
@@ -20981,43 +26099,36 @@
               <a:rPr lang="de-DE" dirty="0" smtClean="0"/>
               <a:t>Accounts</a:t>
             </a:r>
+          </a:p>
+          <a:p>
+            <a:pPr lvl="1"/>
+            <a:r>
+              <a:rPr lang="de-DE" dirty="0" err="1" smtClean="0"/>
+              <a:t>Location</a:t>
+            </a:r>
             <a:endParaRPr lang="de-DE" dirty="0" smtClean="0"/>
           </a:p>
           <a:p>
             <a:pPr lvl="1"/>
             <a:r>
               <a:rPr lang="de-DE" dirty="0" err="1" smtClean="0"/>
-              <a:t>Location</a:t>
+              <a:t>Category</a:t>
             </a:r>
             <a:endParaRPr lang="de-DE" dirty="0" smtClean="0"/>
           </a:p>
           <a:p>
             <a:pPr lvl="1"/>
             <a:r>
-              <a:rPr lang="de-DE" dirty="0" err="1" smtClean="0"/>
-              <a:t>Category</a:t>
-            </a:r>
-            <a:endParaRPr lang="de-DE" dirty="0" smtClean="0"/>
+              <a:rPr lang="de-DE" dirty="0" smtClean="0"/>
+              <a:t>Page</a:t>
+            </a:r>
           </a:p>
           <a:p>
             <a:pPr lvl="1"/>
             <a:r>
               <a:rPr lang="de-DE" dirty="0" smtClean="0"/>
-              <a:t>P</a:t>
-            </a:r>
-            <a:r>
-              <a:rPr lang="de-DE" dirty="0" smtClean="0"/>
-              <a:t>age</a:t>
-            </a:r>
-            <a:endParaRPr lang="de-DE" dirty="0" smtClean="0"/>
-          </a:p>
-          <a:p>
-            <a:pPr lvl="1"/>
-            <a:r>
-              <a:rPr lang="de-DE" dirty="0" smtClean="0"/>
               <a:t>Day</a:t>
             </a:r>
-            <a:endParaRPr lang="de-DE" dirty="0" smtClean="0"/>
           </a:p>
           <a:p>
             <a:pPr lvl="1"/>
@@ -22018,7 +27129,6 @@
               <a:rPr lang="de-DE" dirty="0" smtClean="0"/>
               <a:t>DMOZ-Daten</a:t>
             </a:r>
-            <a:endParaRPr lang="de-DE" dirty="0" smtClean="0"/>
           </a:p>
         </p:txBody>
       </p:sp>
@@ -22789,9 +27899,111 @@
   <p:timing>
     <p:tnLst>
       <p:par>
-        <p:cTn id="1" dur="indefinite" restart="never" nodeType="tmRoot"/>
+        <p:cTn id="1" dur="indefinite" restart="never" nodeType="tmRoot">
+          <p:childTnLst>
+            <p:seq concurrent="1" nextAc="seek">
+              <p:cTn id="2" dur="indefinite" nodeType="mainSeq">
+                <p:childTnLst>
+                  <p:par>
+                    <p:cTn id="3" fill="hold">
+                      <p:stCondLst>
+                        <p:cond delay="indefinite"/>
+                      </p:stCondLst>
+                      <p:childTnLst>
+                        <p:par>
+                          <p:cTn id="4" fill="hold">
+                            <p:stCondLst>
+                              <p:cond delay="0"/>
+                            </p:stCondLst>
+                            <p:childTnLst>
+                              <p:par>
+                                <p:cTn id="5" presetID="1" presetClass="entr" presetSubtype="0" fill="hold" grpId="0" nodeType="clickEffect">
+                                  <p:stCondLst>
+                                    <p:cond delay="0"/>
+                                  </p:stCondLst>
+                                  <p:childTnLst>
+                                    <p:set>
+                                      <p:cBhvr>
+                                        <p:cTn id="6" dur="1" fill="hold">
+                                          <p:stCondLst>
+                                            <p:cond delay="0"/>
+                                          </p:stCondLst>
+                                        </p:cTn>
+                                        <p:tgtEl>
+                                          <p:spTgt spid="3">
+                                            <p:txEl>
+                                              <p:pRg st="0" end="0"/>
+                                            </p:txEl>
+                                          </p:spTgt>
+                                        </p:tgtEl>
+                                        <p:attrNameLst>
+                                          <p:attrName>style.visibility</p:attrName>
+                                        </p:attrNameLst>
+                                      </p:cBhvr>
+                                      <p:to>
+                                        <p:strVal val="visible"/>
+                                      </p:to>
+                                    </p:set>
+                                  </p:childTnLst>
+                                </p:cTn>
+                              </p:par>
+                              <p:par>
+                                <p:cTn id="7" presetID="1" presetClass="entr" presetSubtype="0" fill="hold" nodeType="withEffect">
+                                  <p:stCondLst>
+                                    <p:cond delay="0"/>
+                                  </p:stCondLst>
+                                  <p:childTnLst>
+                                    <p:set>
+                                      <p:cBhvr>
+                                        <p:cTn id="8" dur="1" fill="hold">
+                                          <p:stCondLst>
+                                            <p:cond delay="0"/>
+                                          </p:stCondLst>
+                                        </p:cTn>
+                                        <p:tgtEl>
+                                          <p:spTgt spid="6"/>
+                                        </p:tgtEl>
+                                        <p:attrNameLst>
+                                          <p:attrName>style.visibility</p:attrName>
+                                        </p:attrNameLst>
+                                      </p:cBhvr>
+                                      <p:to>
+                                        <p:strVal val="visible"/>
+                                      </p:to>
+                                    </p:set>
+                                  </p:childTnLst>
+                                </p:cTn>
+                              </p:par>
+                            </p:childTnLst>
+                          </p:cTn>
+                        </p:par>
+                      </p:childTnLst>
+                    </p:cTn>
+                  </p:par>
+                </p:childTnLst>
+              </p:cTn>
+              <p:prevCondLst>
+                <p:cond evt="onPrev" delay="0">
+                  <p:tgtEl>
+                    <p:sldTgt/>
+                  </p:tgtEl>
+                </p:cond>
+              </p:prevCondLst>
+              <p:nextCondLst>
+                <p:cond evt="onNext" delay="0">
+                  <p:tgtEl>
+                    <p:sldTgt/>
+                  </p:tgtEl>
+                </p:cond>
+              </p:nextCondLst>
+            </p:seq>
+          </p:childTnLst>
+        </p:cTn>
       </p:par>
     </p:tnLst>
+    <p:bldLst>
+      <p:bldP spid="3" grpId="0" build="p"/>
+    </p:bldLst>
   </p:timing>
 </p:sld>
 </file>
@@ -23927,33 +29139,15 @@
                                   </p:childTnLst>
                                 </p:cTn>
                               </p:par>
-                            </p:childTnLst>
-                          </p:cTn>
-                        </p:par>
-                      </p:childTnLst>
-                    </p:cTn>
-                  </p:par>
-                  <p:par>
-                    <p:cTn id="11" fill="hold">
-                      <p:stCondLst>
-                        <p:cond delay="indefinite"/>
-                      </p:stCondLst>
-                      <p:childTnLst>
-                        <p:par>
-                          <p:cTn id="12" fill="hold">
-                            <p:stCondLst>
-                              <p:cond delay="0"/>
-                            </p:stCondLst>
-                            <p:childTnLst>
                               <p:par>
-                                <p:cTn id="13" presetID="1" presetClass="entr" presetSubtype="0" fill="hold" nodeType="clickEffect">
+                                <p:cTn id="11" presetID="1" presetClass="entr" presetSubtype="0" fill="hold" nodeType="withEffect">
                                   <p:stCondLst>
                                     <p:cond delay="0"/>
                                   </p:stCondLst>
                                   <p:childTnLst>
                                     <p:set>
                                       <p:cBhvr>
-                                        <p:cTn id="14" dur="1" fill="hold">
+                                        <p:cTn id="12" dur="1" fill="hold">
                                           <p:stCondLst>
                                             <p:cond delay="0"/>
                                           </p:stCondLst>

--- a/doc/entwurf/präsentation/pres_entwurf.pptx
+++ b/doc/entwurf/präsentation/pres_entwurf.pptx
@@ -160,7 +160,7 @@
   </p:defaultTextStyle>
   <p:extLst>
     <p:ext uri="{EFAFB233-063F-42B5-8137-9DF3F51BA10A}">
-      <p15:sldGuideLst xmlns="" xmlns:p15="http://schemas.microsoft.com/office/powerpoint/2012/main">
+      <p15:sldGuideLst xmlns:p15="http://schemas.microsoft.com/office/powerpoint/2012/main" xmlns="">
         <p15:guide id="1" orient="horz" pos="2160">
           <p15:clr>
             <a:srgbClr val="A4A3A4"/>
@@ -174,7 +174,7 @@
       </p15:sldGuideLst>
     </p:ext>
     <p:ext uri="{2D200454-40CA-4A62-9FC3-DE9A4176ACB9}">
-      <p15:notesGuideLst xmlns="" xmlns:p15="http://schemas.microsoft.com/office/powerpoint/2012/main"/>
+      <p15:notesGuideLst xmlns:p15="http://schemas.microsoft.com/office/powerpoint/2012/main" xmlns=""/>
     </p:ext>
   </p:extLst>
 </p:presentation>
@@ -5438,7 +5438,7 @@
           </a:r>
           <a:r>
             <a:rPr lang="de-DE" dirty="0" err="1" smtClean="0"/>
-            <a:t>Openstreetmap</a:t>
+            <a:t>OpenStreetMap</a:t>
           </a:r>
           <a:endParaRPr lang="de-DE" dirty="0"/>
         </a:p>
@@ -6456,6 +6456,13 @@
         </dgm:presLayoutVars>
       </dgm:prSet>
       <dgm:spPr/>
+      <dgm:t>
+        <a:bodyPr/>
+        <a:lstStyle/>
+        <a:p>
+          <a:endParaRPr lang="de-DE"/>
+        </a:p>
+      </dgm:t>
     </dgm:pt>
     <dgm:pt modelId="{525AC2B9-A9B3-421F-8295-DDDAEF106982}" type="pres">
       <dgm:prSet presAssocID="{2B66A1F6-12D1-4DDD-9B5C-5D8ED978AECC}" presName="node" presStyleLbl="node1" presStyleIdx="0" presStyleCnt="5">
@@ -6464,6 +6471,13 @@
         </dgm:presLayoutVars>
       </dgm:prSet>
       <dgm:spPr/>
+      <dgm:t>
+        <a:bodyPr/>
+        <a:lstStyle/>
+        <a:p>
+          <a:endParaRPr lang="de-DE"/>
+        </a:p>
+      </dgm:t>
     </dgm:pt>
     <dgm:pt modelId="{98EF8E6B-C524-489F-AD3D-B2FA182CAA53}" type="pres">
       <dgm:prSet presAssocID="{2B66A1F6-12D1-4DDD-9B5C-5D8ED978AECC}" presName="spNode" presStyleCnt="0"/>
@@ -6472,6 +6486,13 @@
     <dgm:pt modelId="{F7855BF3-22A8-429C-B4D1-32076FE04AE0}" type="pres">
       <dgm:prSet presAssocID="{9A60A16F-A66C-4ED2-9A40-6E30423E9BF5}" presName="sibTrans" presStyleLbl="sibTrans1D1" presStyleIdx="0" presStyleCnt="5"/>
       <dgm:spPr/>
+      <dgm:t>
+        <a:bodyPr/>
+        <a:lstStyle/>
+        <a:p>
+          <a:endParaRPr lang="de-DE"/>
+        </a:p>
+      </dgm:t>
     </dgm:pt>
     <dgm:pt modelId="{D81CD727-4EB5-457B-AA0A-B207EB369262}" type="pres">
       <dgm:prSet presAssocID="{0C3ACD0E-FE3E-4458-84C9-2C40F787C9E0}" presName="node" presStyleLbl="node1" presStyleIdx="1" presStyleCnt="5">
@@ -6480,6 +6501,13 @@
         </dgm:presLayoutVars>
       </dgm:prSet>
       <dgm:spPr/>
+      <dgm:t>
+        <a:bodyPr/>
+        <a:lstStyle/>
+        <a:p>
+          <a:endParaRPr lang="de-DE"/>
+        </a:p>
+      </dgm:t>
     </dgm:pt>
     <dgm:pt modelId="{DA00E07C-FBAC-4209-97F3-F7B9DE23205B}" type="pres">
       <dgm:prSet presAssocID="{0C3ACD0E-FE3E-4458-84C9-2C40F787C9E0}" presName="spNode" presStyleCnt="0"/>
@@ -6488,6 +6516,13 @@
     <dgm:pt modelId="{05D4ACD9-016A-4612-B7BA-E29F5EC598F2}" type="pres">
       <dgm:prSet presAssocID="{9225B7DA-BB33-4A44-A21B-3D73446A352E}" presName="sibTrans" presStyleLbl="sibTrans1D1" presStyleIdx="1" presStyleCnt="5"/>
       <dgm:spPr/>
+      <dgm:t>
+        <a:bodyPr/>
+        <a:lstStyle/>
+        <a:p>
+          <a:endParaRPr lang="de-DE"/>
+        </a:p>
+      </dgm:t>
     </dgm:pt>
     <dgm:pt modelId="{64A0B913-B6DA-40A5-87B2-80D3211482C0}" type="pres">
       <dgm:prSet presAssocID="{80F6A064-E0C0-445B-837A-BF62EBC510F1}" presName="node" presStyleLbl="node1" presStyleIdx="2" presStyleCnt="5">
@@ -6496,6 +6531,13 @@
         </dgm:presLayoutVars>
       </dgm:prSet>
       <dgm:spPr/>
+      <dgm:t>
+        <a:bodyPr/>
+        <a:lstStyle/>
+        <a:p>
+          <a:endParaRPr lang="de-DE"/>
+        </a:p>
+      </dgm:t>
     </dgm:pt>
     <dgm:pt modelId="{2CFE9CC4-1423-465A-85FA-7B312F7EDD28}" type="pres">
       <dgm:prSet presAssocID="{80F6A064-E0C0-445B-837A-BF62EBC510F1}" presName="spNode" presStyleCnt="0"/>
@@ -6504,6 +6546,13 @@
     <dgm:pt modelId="{34FCCFF9-3C73-4A16-9E5C-054DD6F53C32}" type="pres">
       <dgm:prSet presAssocID="{00023D41-C998-4F73-B719-2AA493E23450}" presName="sibTrans" presStyleLbl="sibTrans1D1" presStyleIdx="2" presStyleCnt="5"/>
       <dgm:spPr/>
+      <dgm:t>
+        <a:bodyPr/>
+        <a:lstStyle/>
+        <a:p>
+          <a:endParaRPr lang="de-DE"/>
+        </a:p>
+      </dgm:t>
     </dgm:pt>
     <dgm:pt modelId="{6AC99B47-2CB9-468A-A1B6-25538D41966B}" type="pres">
       <dgm:prSet presAssocID="{6AC6B8CA-4567-4603-9CBB-067A92FC918B}" presName="node" presStyleLbl="node1" presStyleIdx="3" presStyleCnt="5">
@@ -6512,6 +6561,13 @@
         </dgm:presLayoutVars>
       </dgm:prSet>
       <dgm:spPr/>
+      <dgm:t>
+        <a:bodyPr/>
+        <a:lstStyle/>
+        <a:p>
+          <a:endParaRPr lang="de-DE"/>
+        </a:p>
+      </dgm:t>
     </dgm:pt>
     <dgm:pt modelId="{B4F23715-E6CD-43DB-9349-EC9B9683AA94}" type="pres">
       <dgm:prSet presAssocID="{6AC6B8CA-4567-4603-9CBB-067A92FC918B}" presName="spNode" presStyleCnt="0"/>
@@ -6520,6 +6576,13 @@
     <dgm:pt modelId="{02B029A9-3839-40BE-86FD-924212B8FE47}" type="pres">
       <dgm:prSet presAssocID="{4C573742-A7BE-4E0C-8C5C-646F44DF24E2}" presName="sibTrans" presStyleLbl="sibTrans1D1" presStyleIdx="3" presStyleCnt="5"/>
       <dgm:spPr/>
+      <dgm:t>
+        <a:bodyPr/>
+        <a:lstStyle/>
+        <a:p>
+          <a:endParaRPr lang="de-DE"/>
+        </a:p>
+      </dgm:t>
     </dgm:pt>
     <dgm:pt modelId="{780F3454-400F-4740-B57A-513D9F9B6B4E}" type="pres">
       <dgm:prSet presAssocID="{00CC421B-497A-4F76-A442-1E9E52125F05}" presName="node" presStyleLbl="node1" presStyleIdx="4" presStyleCnt="5">
@@ -6528,6 +6591,13 @@
         </dgm:presLayoutVars>
       </dgm:prSet>
       <dgm:spPr/>
+      <dgm:t>
+        <a:bodyPr/>
+        <a:lstStyle/>
+        <a:p>
+          <a:endParaRPr lang="de-DE"/>
+        </a:p>
+      </dgm:t>
     </dgm:pt>
     <dgm:pt modelId="{2BD21919-AF81-4455-87D7-FEB7023DAA44}" type="pres">
       <dgm:prSet presAssocID="{00CC421B-497A-4F76-A442-1E9E52125F05}" presName="spNode" presStyleCnt="0"/>
@@ -6536,25 +6606,32 @@
     <dgm:pt modelId="{B65EF14B-FA96-4748-A635-8BC6E9A10AA7}" type="pres">
       <dgm:prSet presAssocID="{CEA9F828-BE57-453A-A54E-A6EC33AFBCCD}" presName="sibTrans" presStyleLbl="sibTrans1D1" presStyleIdx="4" presStyleCnt="5"/>
       <dgm:spPr/>
+      <dgm:t>
+        <a:bodyPr/>
+        <a:lstStyle/>
+        <a:p>
+          <a:endParaRPr lang="de-DE"/>
+        </a:p>
+      </dgm:t>
     </dgm:pt>
   </dgm:ptLst>
   <dgm:cxnLst>
+    <dgm:cxn modelId="{DDD5AC35-7B06-4665-826C-B106F4C9FC5D}" srcId="{3B5F74FA-ED2F-4EA2-82BC-7E9048CFDC9F}" destId="{6AC6B8CA-4567-4603-9CBB-067A92FC918B}" srcOrd="3" destOrd="0" parTransId="{699C2746-D394-40EB-A4D4-67E9BF777AE9}" sibTransId="{4C573742-A7BE-4E0C-8C5C-646F44DF24E2}"/>
+    <dgm:cxn modelId="{27652898-4788-4532-8B35-8E71ED80781E}" type="presOf" srcId="{0C3ACD0E-FE3E-4458-84C9-2C40F787C9E0}" destId="{D81CD727-4EB5-457B-AA0A-B207EB369262}" srcOrd="0" destOrd="0" presId="urn:microsoft.com/office/officeart/2005/8/layout/cycle5"/>
+    <dgm:cxn modelId="{E78FAEEE-33FB-4382-8E5B-AD00BE7939B7}" type="presOf" srcId="{9225B7DA-BB33-4A44-A21B-3D73446A352E}" destId="{05D4ACD9-016A-4612-B7BA-E29F5EC598F2}" srcOrd="0" destOrd="0" presId="urn:microsoft.com/office/officeart/2005/8/layout/cycle5"/>
+    <dgm:cxn modelId="{E63A397D-77E4-48F1-8416-55B4A08D5E52}" type="presOf" srcId="{9A60A16F-A66C-4ED2-9A40-6E30423E9BF5}" destId="{F7855BF3-22A8-429C-B4D1-32076FE04AE0}" srcOrd="0" destOrd="0" presId="urn:microsoft.com/office/officeart/2005/8/layout/cycle5"/>
+    <dgm:cxn modelId="{5A2A68D8-6F07-403D-8CA9-F6D2664DFB69}" srcId="{3B5F74FA-ED2F-4EA2-82BC-7E9048CFDC9F}" destId="{0C3ACD0E-FE3E-4458-84C9-2C40F787C9E0}" srcOrd="1" destOrd="0" parTransId="{61672426-A5FC-46BF-AEF9-A15B553291C5}" sibTransId="{9225B7DA-BB33-4A44-A21B-3D73446A352E}"/>
+    <dgm:cxn modelId="{05A257C9-FF54-4F8F-8A67-5C24CECF24FD}" srcId="{3B5F74FA-ED2F-4EA2-82BC-7E9048CFDC9F}" destId="{00CC421B-497A-4F76-A442-1E9E52125F05}" srcOrd="4" destOrd="0" parTransId="{C6E25FDA-5BC3-4561-BC2C-A26F1CF16EDB}" sibTransId="{CEA9F828-BE57-453A-A54E-A6EC33AFBCCD}"/>
+    <dgm:cxn modelId="{C9B954CF-064D-4233-8436-EA768FAAD9C3}" type="presOf" srcId="{6AC6B8CA-4567-4603-9CBB-067A92FC918B}" destId="{6AC99B47-2CB9-468A-A1B6-25538D41966B}" srcOrd="0" destOrd="0" presId="urn:microsoft.com/office/officeart/2005/8/layout/cycle5"/>
+    <dgm:cxn modelId="{A3A9C847-8016-4C56-87CF-0D758AC0FD37}" type="presOf" srcId="{2B66A1F6-12D1-4DDD-9B5C-5D8ED978AECC}" destId="{525AC2B9-A9B3-421F-8295-DDDAEF106982}" srcOrd="0" destOrd="0" presId="urn:microsoft.com/office/officeart/2005/8/layout/cycle5"/>
+    <dgm:cxn modelId="{C4B3AAC6-396C-4177-8CC8-C9B450993F9C}" type="presOf" srcId="{80F6A064-E0C0-445B-837A-BF62EBC510F1}" destId="{64A0B913-B6DA-40A5-87B2-80D3211482C0}" srcOrd="0" destOrd="0" presId="urn:microsoft.com/office/officeart/2005/8/layout/cycle5"/>
+    <dgm:cxn modelId="{78C2E60F-DCA1-42FA-BC34-6C82F1FB010D}" type="presOf" srcId="{4C573742-A7BE-4E0C-8C5C-646F44DF24E2}" destId="{02B029A9-3839-40BE-86FD-924212B8FE47}" srcOrd="0" destOrd="0" presId="urn:microsoft.com/office/officeart/2005/8/layout/cycle5"/>
+    <dgm:cxn modelId="{615CB036-1AE7-4CDB-9C9A-9ACD651743DF}" type="presOf" srcId="{00023D41-C998-4F73-B719-2AA493E23450}" destId="{34FCCFF9-3C73-4A16-9E5C-054DD6F53C32}" srcOrd="0" destOrd="0" presId="urn:microsoft.com/office/officeart/2005/8/layout/cycle5"/>
     <dgm:cxn modelId="{21A4F764-8C5C-4AB0-B558-F7714DE7A985}" srcId="{3B5F74FA-ED2F-4EA2-82BC-7E9048CFDC9F}" destId="{2B66A1F6-12D1-4DDD-9B5C-5D8ED978AECC}" srcOrd="0" destOrd="0" parTransId="{B59F34F6-B3D7-4E9E-B83C-897B55D721B3}" sibTransId="{9A60A16F-A66C-4ED2-9A40-6E30423E9BF5}"/>
-    <dgm:cxn modelId="{C4B3AAC6-396C-4177-8CC8-C9B450993F9C}" type="presOf" srcId="{80F6A064-E0C0-445B-837A-BF62EBC510F1}" destId="{64A0B913-B6DA-40A5-87B2-80D3211482C0}" srcOrd="0" destOrd="0" presId="urn:microsoft.com/office/officeart/2005/8/layout/cycle5"/>
-    <dgm:cxn modelId="{05A257C9-FF54-4F8F-8A67-5C24CECF24FD}" srcId="{3B5F74FA-ED2F-4EA2-82BC-7E9048CFDC9F}" destId="{00CC421B-497A-4F76-A442-1E9E52125F05}" srcOrd="4" destOrd="0" parTransId="{C6E25FDA-5BC3-4561-BC2C-A26F1CF16EDB}" sibTransId="{CEA9F828-BE57-453A-A54E-A6EC33AFBCCD}"/>
-    <dgm:cxn modelId="{A3A9C847-8016-4C56-87CF-0D758AC0FD37}" type="presOf" srcId="{2B66A1F6-12D1-4DDD-9B5C-5D8ED978AECC}" destId="{525AC2B9-A9B3-421F-8295-DDDAEF106982}" srcOrd="0" destOrd="0" presId="urn:microsoft.com/office/officeart/2005/8/layout/cycle5"/>
-    <dgm:cxn modelId="{E63A397D-77E4-48F1-8416-55B4A08D5E52}" type="presOf" srcId="{9A60A16F-A66C-4ED2-9A40-6E30423E9BF5}" destId="{F7855BF3-22A8-429C-B4D1-32076FE04AE0}" srcOrd="0" destOrd="0" presId="urn:microsoft.com/office/officeart/2005/8/layout/cycle5"/>
+    <dgm:cxn modelId="{5C2501FD-A2B5-4BE5-8BA1-0ED27A11D482}" type="presOf" srcId="{CEA9F828-BE57-453A-A54E-A6EC33AFBCCD}" destId="{B65EF14B-FA96-4748-A635-8BC6E9A10AA7}" srcOrd="0" destOrd="0" presId="urn:microsoft.com/office/officeart/2005/8/layout/cycle5"/>
     <dgm:cxn modelId="{FA8EE4FA-C377-4F2B-9065-F5B70902B4BC}" type="presOf" srcId="{00CC421B-497A-4F76-A442-1E9E52125F05}" destId="{780F3454-400F-4740-B57A-513D9F9B6B4E}" srcOrd="0" destOrd="0" presId="urn:microsoft.com/office/officeart/2005/8/layout/cycle5"/>
-    <dgm:cxn modelId="{DDD5AC35-7B06-4665-826C-B106F4C9FC5D}" srcId="{3B5F74FA-ED2F-4EA2-82BC-7E9048CFDC9F}" destId="{6AC6B8CA-4567-4603-9CBB-067A92FC918B}" srcOrd="3" destOrd="0" parTransId="{699C2746-D394-40EB-A4D4-67E9BF777AE9}" sibTransId="{4C573742-A7BE-4E0C-8C5C-646F44DF24E2}"/>
     <dgm:cxn modelId="{9AD102B5-0B5A-4C7F-A795-EBFC810ED24A}" srcId="{3B5F74FA-ED2F-4EA2-82BC-7E9048CFDC9F}" destId="{80F6A064-E0C0-445B-837A-BF62EBC510F1}" srcOrd="2" destOrd="0" parTransId="{89BEC3ED-D3D4-4C7F-8F79-7C275ABDFD6B}" sibTransId="{00023D41-C998-4F73-B719-2AA493E23450}"/>
-    <dgm:cxn modelId="{27652898-4788-4532-8B35-8E71ED80781E}" type="presOf" srcId="{0C3ACD0E-FE3E-4458-84C9-2C40F787C9E0}" destId="{D81CD727-4EB5-457B-AA0A-B207EB369262}" srcOrd="0" destOrd="0" presId="urn:microsoft.com/office/officeart/2005/8/layout/cycle5"/>
-    <dgm:cxn modelId="{615CB036-1AE7-4CDB-9C9A-9ACD651743DF}" type="presOf" srcId="{00023D41-C998-4F73-B719-2AA493E23450}" destId="{34FCCFF9-3C73-4A16-9E5C-054DD6F53C32}" srcOrd="0" destOrd="0" presId="urn:microsoft.com/office/officeart/2005/8/layout/cycle5"/>
-    <dgm:cxn modelId="{C9B954CF-064D-4233-8436-EA768FAAD9C3}" type="presOf" srcId="{6AC6B8CA-4567-4603-9CBB-067A92FC918B}" destId="{6AC99B47-2CB9-468A-A1B6-25538D41966B}" srcOrd="0" destOrd="0" presId="urn:microsoft.com/office/officeart/2005/8/layout/cycle5"/>
-    <dgm:cxn modelId="{5A2A68D8-6F07-403D-8CA9-F6D2664DFB69}" srcId="{3B5F74FA-ED2F-4EA2-82BC-7E9048CFDC9F}" destId="{0C3ACD0E-FE3E-4458-84C9-2C40F787C9E0}" srcOrd="1" destOrd="0" parTransId="{61672426-A5FC-46BF-AEF9-A15B553291C5}" sibTransId="{9225B7DA-BB33-4A44-A21B-3D73446A352E}"/>
-    <dgm:cxn modelId="{E78FAEEE-33FB-4382-8E5B-AD00BE7939B7}" type="presOf" srcId="{9225B7DA-BB33-4A44-A21B-3D73446A352E}" destId="{05D4ACD9-016A-4612-B7BA-E29F5EC598F2}" srcOrd="0" destOrd="0" presId="urn:microsoft.com/office/officeart/2005/8/layout/cycle5"/>
     <dgm:cxn modelId="{D5954684-5473-46B4-8FCD-A8D73043C354}" type="presOf" srcId="{3B5F74FA-ED2F-4EA2-82BC-7E9048CFDC9F}" destId="{303A1F29-5640-4A40-958F-C8B65201F37F}" srcOrd="0" destOrd="0" presId="urn:microsoft.com/office/officeart/2005/8/layout/cycle5"/>
-    <dgm:cxn modelId="{78C2E60F-DCA1-42FA-BC34-6C82F1FB010D}" type="presOf" srcId="{4C573742-A7BE-4E0C-8C5C-646F44DF24E2}" destId="{02B029A9-3839-40BE-86FD-924212B8FE47}" srcOrd="0" destOrd="0" presId="urn:microsoft.com/office/officeart/2005/8/layout/cycle5"/>
-    <dgm:cxn modelId="{5C2501FD-A2B5-4BE5-8BA1-0ED27A11D482}" type="presOf" srcId="{CEA9F828-BE57-453A-A54E-A6EC33AFBCCD}" destId="{B65EF14B-FA96-4748-A635-8BC6E9A10AA7}" srcOrd="0" destOrd="0" presId="urn:microsoft.com/office/officeart/2005/8/layout/cycle5"/>
     <dgm:cxn modelId="{DE0BAF8D-DA01-4B4B-AFA9-2920FC6741A3}" type="presParOf" srcId="{303A1F29-5640-4A40-958F-C8B65201F37F}" destId="{525AC2B9-A9B3-421F-8295-DDDAEF106982}" srcOrd="0" destOrd="0" presId="urn:microsoft.com/office/officeart/2005/8/layout/cycle5"/>
     <dgm:cxn modelId="{B5083E2E-AF46-481E-AFB2-07096A4FF496}" type="presParOf" srcId="{303A1F29-5640-4A40-958F-C8B65201F37F}" destId="{98EF8E6B-C524-489F-AD3D-B2FA182CAA53}" srcOrd="1" destOrd="0" presId="urn:microsoft.com/office/officeart/2005/8/layout/cycle5"/>
     <dgm:cxn modelId="{9578BFC9-411D-47F5-87ED-BFEBC3B4FF2A}" type="presParOf" srcId="{303A1F29-5640-4A40-958F-C8B65201F37F}" destId="{F7855BF3-22A8-429C-B4D1-32076FE04AE0}" srcOrd="2" destOrd="0" presId="urn:microsoft.com/office/officeart/2005/8/layout/cycle5"/>
@@ -7504,8 +7581,8 @@
       </dsp:nvSpPr>
       <dsp:spPr>
         <a:xfrm>
-          <a:off x="0" y="200951"/>
-          <a:ext cx="2687960" cy="421200"/>
+          <a:off x="0" y="236956"/>
+          <a:ext cx="2831976" cy="421200"/>
         </a:xfrm>
         <a:prstGeom prst="roundRect">
           <a:avLst/>
@@ -7570,8 +7647,8 @@
         </a:p>
       </dsp:txBody>
       <dsp:txXfrm>
-        <a:off x="0" y="200951"/>
-        <a:ext cx="2687960" cy="421200"/>
+        <a:off x="0" y="236956"/>
+        <a:ext cx="2831976" cy="421200"/>
       </dsp:txXfrm>
     </dsp:sp>
     <dsp:sp modelId="{D4F89B54-BF57-4BF6-BD94-017C167A7257}">
@@ -7581,8 +7658,8 @@
       </dsp:nvSpPr>
       <dsp:spPr>
         <a:xfrm>
-          <a:off x="0" y="673992"/>
-          <a:ext cx="2687960" cy="421200"/>
+          <a:off x="0" y="709996"/>
+          <a:ext cx="2831976" cy="421200"/>
         </a:xfrm>
         <a:prstGeom prst="roundRect">
           <a:avLst/>
@@ -7645,14 +7722,14 @@
           </a:r>
           <a:r>
             <a:rPr lang="de-DE" sz="1800" kern="1200" dirty="0" err="1" smtClean="0"/>
-            <a:t>Openstreetmap</a:t>
+            <a:t>OpenStreetMap</a:t>
           </a:r>
           <a:endParaRPr lang="de-DE" sz="1800" kern="1200" dirty="0"/>
         </a:p>
       </dsp:txBody>
       <dsp:txXfrm>
-        <a:off x="0" y="673992"/>
-        <a:ext cx="2687960" cy="421200"/>
+        <a:off x="0" y="709996"/>
+        <a:ext cx="2831976" cy="421200"/>
       </dsp:txXfrm>
     </dsp:sp>
   </dsp:spTree>
@@ -17969,7 +18046,7 @@
     </p:spTree>
     <p:extLst>
       <p:ext uri="{BB962C8B-B14F-4D97-AF65-F5344CB8AC3E}">
-        <p14:creationId xmlns="" xmlns:p14="http://schemas.microsoft.com/office/powerpoint/2010/main" val="1350081241"/>
+        <p14:creationId xmlns:p14="http://schemas.microsoft.com/office/powerpoint/2010/main" xmlns="" val="1350081241"/>
       </p:ext>
     </p:extLst>
   </p:cSld>
@@ -18297,7 +18374,7 @@
     </p:spTree>
     <p:extLst>
       <p:ext uri="{BB962C8B-B14F-4D97-AF65-F5344CB8AC3E}">
-        <p14:creationId xmlns="" xmlns:p14="http://schemas.microsoft.com/office/powerpoint/2010/main" val="2076992510"/>
+        <p14:creationId xmlns:p14="http://schemas.microsoft.com/office/powerpoint/2010/main" xmlns="" val="2076992510"/>
       </p:ext>
     </p:extLst>
   </p:cSld>
@@ -18530,7 +18607,7 @@
     </p:spTree>
     <p:extLst>
       <p:ext uri="{BB962C8B-B14F-4D97-AF65-F5344CB8AC3E}">
-        <p14:creationId xmlns="" xmlns:p14="http://schemas.microsoft.com/office/powerpoint/2010/main" val="3847813400"/>
+        <p14:creationId xmlns:p14="http://schemas.microsoft.com/office/powerpoint/2010/main" xmlns="" val="3847813400"/>
       </p:ext>
     </p:extLst>
   </p:cSld>
@@ -18569,7 +18646,7 @@
           <a:blip r:embed="rId2" cstate="print">
             <a:extLst>
               <a:ext uri="{28A0092B-C50C-407E-A947-70E740481C1C}">
-                <a14:useLocalDpi xmlns="" xmlns:a14="http://schemas.microsoft.com/office/drawing/2010/main" val="0"/>
+                <a14:useLocalDpi xmlns:a14="http://schemas.microsoft.com/office/drawing/2010/main" xmlns="" val="0"/>
               </a:ext>
             </a:extLst>
           </a:blip>
@@ -18982,7 +19059,7 @@
             <a:fld id="{80E101DA-C805-49D6-936E-EF17408DE37B}" type="datetime1">
               <a:rPr lang="de-DE" smtClean="0"/>
               <a:pPr/>
-              <a:t>05.01.2015</a:t>
+              <a:t>06.01.2015</a:t>
             </a:fld>
             <a:endParaRPr lang="de-DE" dirty="0"/>
           </a:p>
@@ -19162,7 +19239,7 @@
             <a:fld id="{2B68D019-5134-4866-8BCC-6AD2983F956C}" type="datetime1">
               <a:rPr lang="de-DE" smtClean="0"/>
               <a:pPr/>
-              <a:t>05.01.2015</a:t>
+              <a:t>06.01.2015</a:t>
             </a:fld>
             <a:endParaRPr lang="de-DE" dirty="0"/>
           </a:p>
@@ -19871,7 +19948,7 @@
             <a:fld id="{503864FC-C1F6-4F60-90E2-4C82285A7CB6}" type="datetime1">
               <a:rPr lang="de-DE" smtClean="0"/>
               <a:pPr/>
-              <a:t>05.01.2015</a:t>
+              <a:t>06.01.2015</a:t>
             </a:fld>
             <a:endParaRPr lang="de-DE" dirty="0"/>
           </a:p>
@@ -20298,7 +20375,7 @@
             <a:fld id="{DFFFF499-D2C2-429B-A38D-874884AC2B44}" type="datetime1">
               <a:rPr lang="de-DE" smtClean="0"/>
               <a:pPr/>
-              <a:t>05.01.2015</a:t>
+              <a:t>06.01.2015</a:t>
             </a:fld>
             <a:endParaRPr lang="de-DE" dirty="0"/>
           </a:p>
@@ -20416,7 +20493,7 @@
             <a:fld id="{92EEC2FF-F6B1-4953-8BD6-DF423CDA3B5D}" type="datetime1">
               <a:rPr lang="de-DE" smtClean="0"/>
               <a:pPr/>
-              <a:t>05.01.2015</a:t>
+              <a:t>06.01.2015</a:t>
             </a:fld>
             <a:endParaRPr lang="de-DE" dirty="0"/>
           </a:p>
@@ -20511,7 +20588,7 @@
             <a:fld id="{CC0FF657-D1DB-4306-82A3-A2011C94EF85}" type="datetime1">
               <a:rPr lang="de-DE" smtClean="0"/>
               <a:pPr/>
-              <a:t>05.01.2015</a:t>
+              <a:t>06.01.2015</a:t>
             </a:fld>
             <a:endParaRPr lang="de-DE" dirty="0"/>
           </a:p>
@@ -20788,7 +20865,7 @@
             <a:fld id="{7B39ADCC-593E-41F1-8EDC-3499514C881E}" type="datetime1">
               <a:rPr lang="de-DE" smtClean="0"/>
               <a:pPr/>
-              <a:t>05.01.2015</a:t>
+              <a:t>06.01.2015</a:t>
             </a:fld>
             <a:endParaRPr lang="de-DE" dirty="0"/>
           </a:p>
@@ -21045,7 +21122,7 @@
             <a:fld id="{2517161F-0686-4A32-B5C2-6110D54CBF61}" type="datetime1">
               <a:rPr lang="de-DE" smtClean="0"/>
               <a:pPr/>
-              <a:t>05.01.2015</a:t>
+              <a:t>06.01.2015</a:t>
             </a:fld>
             <a:endParaRPr lang="de-DE" dirty="0"/>
           </a:p>
@@ -21456,7 +21533,7 @@
             <a:fld id="{C01FFB54-A4C6-43F5-85F0-3FD9312F6439}" type="datetime1">
               <a:rPr lang="de-DE" smtClean="0"/>
               <a:pPr/>
-              <a:t>05.01.2015</a:t>
+              <a:t>06.01.2015</a:t>
             </a:fld>
             <a:endParaRPr lang="de-DE" dirty="0"/>
           </a:p>
@@ -22223,12 +22300,12 @@
               <a:t> initialisieren: </a:t>
             </a:r>
             <a:r>
-              <a:rPr lang="de-DE" dirty="0" err="1" smtClean="0"/>
-              <a:t>Kateggorien</a:t>
-            </a:r>
-            <a:r>
               <a:rPr lang="de-DE" dirty="0" smtClean="0"/>
-              <a:t> aus </a:t>
+              <a:t>Kategorien </a:t>
+            </a:r>
+            <a:r>
+              <a:rPr lang="de-DE" dirty="0" smtClean="0"/>
+              <a:t>aus </a:t>
             </a:r>
             <a:r>
               <a:rPr lang="de-DE" dirty="0" err="1" smtClean="0"/>
@@ -22463,29 +22540,6 @@
       </p:sp>
       <p:sp>
         <p:nvSpPr>
-          <p:cNvPr id="3" name="Inhaltsplatzhalter 2"/>
-          <p:cNvSpPr>
-            <a:spLocks noGrp="1"/>
-          </p:cNvSpPr>
-          <p:nvPr>
-            <p:ph idx="1"/>
-          </p:nvPr>
-        </p:nvSpPr>
-        <p:spPr/>
-        <p:txBody>
-          <a:bodyPr/>
-          <a:lstStyle/>
-          <a:p>
-            <a:r>
-              <a:rPr lang="de-DE" dirty="0" smtClean="0"/>
-              <a:t>GUI-Oberfläche</a:t>
-            </a:r>
-            <a:endParaRPr lang="de-DE" dirty="0"/>
-          </a:p>
-        </p:txBody>
-      </p:sp>
-      <p:sp>
-        <p:nvSpPr>
           <p:cNvPr id="4" name="Fußzeilenplatzhalter 3"/>
           <p:cNvSpPr>
             <a:spLocks noGrp="1"/>
@@ -22557,6 +22611,29 @@
           </a:p>
         </p:txBody>
       </p:sp>
+      <p:pic>
+        <p:nvPicPr>
+          <p:cNvPr id="6" name="Inhaltsplatzhalter 5" descr="gui.png"/>
+          <p:cNvPicPr>
+            <a:picLocks noGrp="1" noChangeAspect="1"/>
+          </p:cNvPicPr>
+          <p:nvPr>
+            <p:ph idx="1"/>
+          </p:nvPr>
+        </p:nvPicPr>
+        <p:blipFill>
+          <a:blip r:embed="rId2" cstate="print"/>
+          <a:stretch>
+            <a:fillRect/>
+          </a:stretch>
+        </p:blipFill>
+        <p:spPr>
+          <a:xfrm>
+            <a:off x="238060" y="1196752"/>
+            <a:ext cx="8582412" cy="4910033"/>
+          </a:xfrm>
+        </p:spPr>
+      </p:pic>
     </p:spTree>
   </p:cSld>
   <p:clrMapOvr>
@@ -22565,7 +22642,75 @@
   <p:timing>
     <p:tnLst>
       <p:par>
-        <p:cTn id="1" dur="indefinite" restart="never" nodeType="tmRoot"/>
+        <p:cTn id="1" dur="indefinite" restart="never" nodeType="tmRoot">
+          <p:childTnLst>
+            <p:seq concurrent="1" nextAc="seek">
+              <p:cTn id="2" dur="indefinite" nodeType="mainSeq">
+                <p:childTnLst>
+                  <p:par>
+                    <p:cTn id="3" fill="hold">
+                      <p:stCondLst>
+                        <p:cond delay="indefinite"/>
+                      </p:stCondLst>
+                      <p:childTnLst>
+                        <p:par>
+                          <p:cTn id="4" fill="hold">
+                            <p:stCondLst>
+                              <p:cond delay="0"/>
+                            </p:stCondLst>
+                            <p:childTnLst>
+                              <p:par>
+                                <p:cTn id="5" presetID="1" presetClass="entr" presetSubtype="0" fill="hold" nodeType="clickEffect">
+                                  <p:stCondLst>
+                                    <p:cond delay="0"/>
+                                  </p:stCondLst>
+                                  <p:childTnLst>
+                                    <p:set>
+                                      <p:cBhvr>
+                                        <p:cTn id="6" dur="1" fill="hold">
+                                          <p:stCondLst>
+                                            <p:cond delay="0"/>
+                                          </p:stCondLst>
+                                        </p:cTn>
+                                        <p:tgtEl>
+                                          <p:spTgt spid="6"/>
+                                        </p:tgtEl>
+                                        <p:attrNameLst>
+                                          <p:attrName>style.visibility</p:attrName>
+                                        </p:attrNameLst>
+                                      </p:cBhvr>
+                                      <p:to>
+                                        <p:strVal val="visible"/>
+                                      </p:to>
+                                    </p:set>
+                                  </p:childTnLst>
+                                </p:cTn>
+                              </p:par>
+                            </p:childTnLst>
+                          </p:cTn>
+                        </p:par>
+                      </p:childTnLst>
+                    </p:cTn>
+                  </p:par>
+                </p:childTnLst>
+              </p:cTn>
+              <p:prevCondLst>
+                <p:cond evt="onPrev" delay="0">
+                  <p:tgtEl>
+                    <p:sldTgt/>
+                  </p:tgtEl>
+                </p:cond>
+              </p:prevCondLst>
+              <p:nextCondLst>
+                <p:cond evt="onNext" delay="0">
+                  <p:tgtEl>
+                    <p:sldTgt/>
+                  </p:tgtEl>
+                </p:cond>
+              </p:nextCondLst>
+            </p:seq>
+          </p:childTnLst>
+        </p:cTn>
       </p:par>
     </p:tnLst>
   </p:timing>
@@ -22708,6 +22853,30 @@
           </a:p>
         </p:txBody>
       </p:sp>
+      <p:pic>
+        <p:nvPicPr>
+          <p:cNvPr id="6" name="Grafik 5" descr="GUIPackage_pres.png"/>
+          <p:cNvPicPr>
+            <a:picLocks noChangeAspect="1"/>
+          </p:cNvPicPr>
+          <p:nvPr/>
+        </p:nvPicPr>
+        <p:blipFill>
+          <a:blip r:embed="rId2" cstate="print"/>
+          <a:stretch>
+            <a:fillRect/>
+          </a:stretch>
+        </p:blipFill>
+        <p:spPr>
+          <a:xfrm>
+            <a:off x="251520" y="1580750"/>
+            <a:ext cx="8676456" cy="4656562"/>
+          </a:xfrm>
+          <a:prstGeom prst="rect">
+            <a:avLst/>
+          </a:prstGeom>
+        </p:spPr>
+      </p:pic>
     </p:spTree>
   </p:cSld>
   <p:clrMapOvr>
@@ -22716,7 +22885,106 @@
   <p:timing>
     <p:tnLst>
       <p:par>
-        <p:cTn id="1" dur="indefinite" restart="never" nodeType="tmRoot"/>
+        <p:cTn id="1" dur="indefinite" restart="never" nodeType="tmRoot">
+          <p:childTnLst>
+            <p:seq concurrent="1" nextAc="seek">
+              <p:cTn id="2" dur="indefinite" nodeType="mainSeq">
+                <p:childTnLst>
+                  <p:par>
+                    <p:cTn id="3" fill="hold">
+                      <p:stCondLst>
+                        <p:cond delay="indefinite"/>
+                      </p:stCondLst>
+                      <p:childTnLst>
+                        <p:par>
+                          <p:cTn id="4" fill="hold">
+                            <p:stCondLst>
+                              <p:cond delay="0"/>
+                            </p:stCondLst>
+                            <p:childTnLst>
+                              <p:par>
+                                <p:cTn id="5" presetID="1" presetClass="entr" presetSubtype="0" fill="hold" nodeType="clickEffect">
+                                  <p:stCondLst>
+                                    <p:cond delay="0"/>
+                                  </p:stCondLst>
+                                  <p:childTnLst>
+                                    <p:set>
+                                      <p:cBhvr>
+                                        <p:cTn id="6" dur="1" fill="hold">
+                                          <p:stCondLst>
+                                            <p:cond delay="0"/>
+                                          </p:stCondLst>
+                                        </p:cTn>
+                                        <p:tgtEl>
+                                          <p:spTgt spid="3">
+                                            <p:txEl>
+                                              <p:pRg st="0" end="0"/>
+                                            </p:txEl>
+                                          </p:spTgt>
+                                        </p:tgtEl>
+                                        <p:attrNameLst>
+                                          <p:attrName>style.visibility</p:attrName>
+                                        </p:attrNameLst>
+                                      </p:cBhvr>
+                                      <p:to>
+                                        <p:strVal val="visible"/>
+                                      </p:to>
+                                    </p:set>
+                                  </p:childTnLst>
+                                </p:cTn>
+                              </p:par>
+                              <p:par>
+                                <p:cTn id="7" presetID="1" presetClass="entr" presetSubtype="0" fill="hold" nodeType="withEffect">
+                                  <p:stCondLst>
+                                    <p:cond delay="0"/>
+                                  </p:stCondLst>
+                                  <p:childTnLst>
+                                    <p:set>
+                                      <p:cBhvr>
+                                        <p:cTn id="8" dur="1" fill="hold">
+                                          <p:stCondLst>
+                                            <p:cond delay="0"/>
+                                          </p:stCondLst>
+                                        </p:cTn>
+                                        <p:tgtEl>
+                                          <p:spTgt spid="6"/>
+                                        </p:tgtEl>
+                                        <p:attrNameLst>
+                                          <p:attrName>style.visibility</p:attrName>
+                                        </p:attrNameLst>
+                                      </p:cBhvr>
+                                      <p:to>
+                                        <p:strVal val="visible"/>
+                                      </p:to>
+                                    </p:set>
+                                  </p:childTnLst>
+                                </p:cTn>
+                              </p:par>
+                            </p:childTnLst>
+                          </p:cTn>
+                        </p:par>
+                      </p:childTnLst>
+                    </p:cTn>
+                  </p:par>
+                </p:childTnLst>
+              </p:cTn>
+              <p:prevCondLst>
+                <p:cond evt="onPrev" delay="0">
+                  <p:tgtEl>
+                    <p:sldTgt/>
+                  </p:tgtEl>
+                </p:cond>
+              </p:prevCondLst>
+              <p:nextCondLst>
+                <p:cond evt="onNext" delay="0">
+                  <p:tgtEl>
+                    <p:sldTgt/>
+                  </p:tgtEl>
+                </p:cond>
+              </p:nextCondLst>
+            </p:seq>
+          </p:childTnLst>
+        </p:cTn>
       </p:par>
     </p:tnLst>
   </p:timing>
@@ -24474,33 +24742,15 @@
                                   </p:childTnLst>
                                 </p:cTn>
                               </p:par>
-                            </p:childTnLst>
-                          </p:cTn>
-                        </p:par>
-                      </p:childTnLst>
-                    </p:cTn>
-                  </p:par>
-                  <p:par>
-                    <p:cTn id="7" fill="hold">
-                      <p:stCondLst>
-                        <p:cond delay="indefinite"/>
-                      </p:stCondLst>
-                      <p:childTnLst>
-                        <p:par>
-                          <p:cTn id="8" fill="hold">
-                            <p:stCondLst>
-                              <p:cond delay="0"/>
-                            </p:stCondLst>
-                            <p:childTnLst>
                               <p:par>
-                                <p:cTn id="9" presetID="1" presetClass="entr" presetSubtype="0" fill="hold" nodeType="clickEffect">
+                                <p:cTn id="7" presetID="1" presetClass="entr" presetSubtype="0" fill="hold" nodeType="withEffect">
                                   <p:stCondLst>
                                     <p:cond delay="0"/>
                                   </p:stCondLst>
                                   <p:childTnLst>
                                     <p:set>
                                       <p:cBhvr>
-                                        <p:cTn id="10" dur="1" fill="hold">
+                                        <p:cTn id="8" dur="1" fill="hold">
                                           <p:stCondLst>
                                             <p:cond delay="0"/>
                                           </p:stCondLst>
@@ -24523,8 +24773,26 @@
                                   </p:childTnLst>
                                 </p:cTn>
                               </p:par>
+                            </p:childTnLst>
+                          </p:cTn>
+                        </p:par>
+                      </p:childTnLst>
+                    </p:cTn>
+                  </p:par>
+                  <p:par>
+                    <p:cTn id="9" fill="hold">
+                      <p:stCondLst>
+                        <p:cond delay="indefinite"/>
+                      </p:stCondLst>
+                      <p:childTnLst>
+                        <p:par>
+                          <p:cTn id="10" fill="hold">
+                            <p:stCondLst>
+                              <p:cond delay="0"/>
+                            </p:stCondLst>
+                            <p:childTnLst>
                               <p:par>
-                                <p:cTn id="11" presetID="1" presetClass="entr" presetSubtype="0" fill="hold" nodeType="withEffect">
+                                <p:cTn id="11" presetID="1" presetClass="entr" presetSubtype="0" fill="hold" nodeType="clickEffect">
                                   <p:stCondLst>
                                     <p:cond delay="0"/>
                                   </p:stCondLst>
@@ -25057,7 +25325,7 @@
           <a:blip r:embed="rId2" cstate="print">
             <a:extLst>
               <a:ext uri="{28A0092B-C50C-407E-A947-70E740481C1C}">
-                <a14:useLocalDpi xmlns="" xmlns:a14="http://schemas.microsoft.com/office/drawing/2010/main" val="0"/>
+                <a14:useLocalDpi xmlns:a14="http://schemas.microsoft.com/office/drawing/2010/main" xmlns="" val="0"/>
               </a:ext>
             </a:extLst>
           </a:blip>
@@ -25791,8 +26059,8 @@
           <p:nvPr/>
         </p:nvGraphicFramePr>
         <p:xfrm>
-          <a:off x="6228184" y="5085184"/>
-          <a:ext cx="2687960" cy="1296144"/>
+          <a:off x="6084168" y="4869160"/>
+          <a:ext cx="2831976" cy="1368152"/>
         </p:xfrm>
         <a:graphic>
           <a:graphicData uri="http://schemas.openxmlformats.org/drawingml/2006/diagram">
@@ -26126,23 +26394,24 @@
           <a:p>
             <a:pPr lvl="1"/>
             <a:r>
+              <a:rPr lang="de-DE" dirty="0" err="1" smtClean="0"/>
+              <a:t>Account</a:t>
+            </a:r>
+            <a:r>
               <a:rPr lang="de-DE" dirty="0" smtClean="0"/>
-              <a:t>Day</a:t>
-            </a:r>
+              <a:t> – </a:t>
+            </a:r>
+            <a:r>
+              <a:rPr lang="de-DE" dirty="0" err="1" smtClean="0"/>
+              <a:t>Category</a:t>
+            </a:r>
+            <a:endParaRPr lang="de-DE" dirty="0" smtClean="0"/>
           </a:p>
           <a:p>
             <a:pPr lvl="1"/>
             <a:r>
-              <a:rPr lang="de-DE" dirty="0" err="1" smtClean="0"/>
-              <a:t>Account</a:t>
-            </a:r>
-            <a:r>
               <a:rPr lang="de-DE" dirty="0" smtClean="0"/>
-              <a:t> – </a:t>
-            </a:r>
-            <a:r>
-              <a:rPr lang="de-DE" dirty="0" err="1" smtClean="0"/>
-              <a:t>Category</a:t>
+              <a:t>Day</a:t>
             </a:r>
             <a:endParaRPr lang="de-DE" dirty="0" smtClean="0"/>
           </a:p>
@@ -27088,7 +27357,15 @@
             <a:pPr lvl="1"/>
             <a:r>
               <a:rPr lang="de-DE" dirty="0" smtClean="0"/>
-              <a:t>Über Länder und Kalenderdaten Aggregierte Daten</a:t>
+              <a:t>Über Länder und Kalenderdaten </a:t>
+            </a:r>
+            <a:r>
+              <a:rPr lang="de-DE" dirty="0" smtClean="0"/>
+              <a:t>aggregierte </a:t>
+            </a:r>
+            <a:r>
+              <a:rPr lang="de-DE" dirty="0" smtClean="0"/>
+              <a:t>Daten</a:t>
             </a:r>
           </a:p>
           <a:p>
@@ -27151,15 +27428,47 @@
               <a:defRPr/>
             </a:pPr>
             <a:r>
-              <a:rPr lang="de-DE" smtClean="0"/>
-              <a:t>Praxis der Softwareentwicklung: Visualizing Trends. Was verrät uns Twitter?</a:t>
+              <a:rPr lang="de-DE" dirty="0" smtClean="0"/>
+              <a:t>Praxis der Softwareentwicklung: </a:t>
+            </a:r>
+            <a:r>
+              <a:rPr lang="de-DE" dirty="0" err="1" smtClean="0"/>
+              <a:t>Visualizing</a:t>
+            </a:r>
+            <a:r>
+              <a:rPr lang="de-DE" dirty="0" smtClean="0"/>
+              <a:t> Trends. Was verrät uns </a:t>
+            </a:r>
+            <a:r>
+              <a:rPr lang="de-DE" dirty="0" err="1" smtClean="0"/>
+              <a:t>Twitter</a:t>
+            </a:r>
+            <a:r>
+              <a:rPr lang="de-DE" dirty="0" smtClean="0"/>
+              <a:t>?</a:t>
             </a:r>
             <a:br>
-              <a:rPr lang="de-DE" smtClean="0"/>
+              <a:rPr lang="de-DE" dirty="0" smtClean="0"/>
             </a:br>
             <a:r>
-              <a:rPr lang="de-DE" smtClean="0"/>
-              <a:t>Einführung               Datenbank              Crawler               Kategorisierer               Benutzerschnittstelle               Datenfluss</a:t>
+              <a:rPr lang="de-DE" dirty="0" smtClean="0"/>
+              <a:t>Einführung               Datenbank              </a:t>
+            </a:r>
+            <a:r>
+              <a:rPr lang="de-DE" b="1" dirty="0" err="1" smtClean="0"/>
+              <a:t>Crawler</a:t>
+            </a:r>
+            <a:r>
+              <a:rPr lang="de-DE" dirty="0" smtClean="0"/>
+              <a:t>               </a:t>
+            </a:r>
+            <a:r>
+              <a:rPr lang="de-DE" dirty="0" err="1" smtClean="0"/>
+              <a:t>Kategorisierer</a:t>
+            </a:r>
+            <a:r>
+              <a:rPr lang="de-DE" dirty="0" smtClean="0"/>
+              <a:t>               Benutzerschnittstelle               Datenfluss</a:t>
             </a:r>
             <a:endParaRPr lang="de-DE" dirty="0"/>
           </a:p>

--- a/doc/entwurf/präsentation/pres_entwurf.pptx
+++ b/doc/entwurf/präsentation/pres_entwurf.pptx
@@ -19059,7 +19059,7 @@
             <a:fld id="{80E101DA-C805-49D6-936E-EF17408DE37B}" type="datetime1">
               <a:rPr lang="de-DE" smtClean="0"/>
               <a:pPr/>
-              <a:t>06.01.2015</a:t>
+              <a:t>08.01.2015</a:t>
             </a:fld>
             <a:endParaRPr lang="de-DE" dirty="0"/>
           </a:p>
@@ -19239,7 +19239,7 @@
             <a:fld id="{2B68D019-5134-4866-8BCC-6AD2983F956C}" type="datetime1">
               <a:rPr lang="de-DE" smtClean="0"/>
               <a:pPr/>
-              <a:t>06.01.2015</a:t>
+              <a:t>08.01.2015</a:t>
             </a:fld>
             <a:endParaRPr lang="de-DE" dirty="0"/>
           </a:p>
@@ -19948,7 +19948,7 @@
             <a:fld id="{503864FC-C1F6-4F60-90E2-4C82285A7CB6}" type="datetime1">
               <a:rPr lang="de-DE" smtClean="0"/>
               <a:pPr/>
-              <a:t>06.01.2015</a:t>
+              <a:t>08.01.2015</a:t>
             </a:fld>
             <a:endParaRPr lang="de-DE" dirty="0"/>
           </a:p>
@@ -20375,7 +20375,7 @@
             <a:fld id="{DFFFF499-D2C2-429B-A38D-874884AC2B44}" type="datetime1">
               <a:rPr lang="de-DE" smtClean="0"/>
               <a:pPr/>
-              <a:t>06.01.2015</a:t>
+              <a:t>08.01.2015</a:t>
             </a:fld>
             <a:endParaRPr lang="de-DE" dirty="0"/>
           </a:p>
@@ -20493,7 +20493,7 @@
             <a:fld id="{92EEC2FF-F6B1-4953-8BD6-DF423CDA3B5D}" type="datetime1">
               <a:rPr lang="de-DE" smtClean="0"/>
               <a:pPr/>
-              <a:t>06.01.2015</a:t>
+              <a:t>08.01.2015</a:t>
             </a:fld>
             <a:endParaRPr lang="de-DE" dirty="0"/>
           </a:p>
@@ -20588,7 +20588,7 @@
             <a:fld id="{CC0FF657-D1DB-4306-82A3-A2011C94EF85}" type="datetime1">
               <a:rPr lang="de-DE" smtClean="0"/>
               <a:pPr/>
-              <a:t>06.01.2015</a:t>
+              <a:t>08.01.2015</a:t>
             </a:fld>
             <a:endParaRPr lang="de-DE" dirty="0"/>
           </a:p>
@@ -20865,7 +20865,7 @@
             <a:fld id="{7B39ADCC-593E-41F1-8EDC-3499514C881E}" type="datetime1">
               <a:rPr lang="de-DE" smtClean="0"/>
               <a:pPr/>
-              <a:t>06.01.2015</a:t>
+              <a:t>08.01.2015</a:t>
             </a:fld>
             <a:endParaRPr lang="de-DE" dirty="0"/>
           </a:p>
@@ -21122,7 +21122,7 @@
             <a:fld id="{2517161F-0686-4A32-B5C2-6110D54CBF61}" type="datetime1">
               <a:rPr lang="de-DE" smtClean="0"/>
               <a:pPr/>
-              <a:t>06.01.2015</a:t>
+              <a:t>08.01.2015</a:t>
             </a:fld>
             <a:endParaRPr lang="de-DE" dirty="0"/>
           </a:p>
@@ -21533,7 +21533,7 @@
             <a:fld id="{C01FFB54-A4C6-43F5-85F0-3FD9312F6439}" type="datetime1">
               <a:rPr lang="de-DE" smtClean="0"/>
               <a:pPr/>
-              <a:t>06.01.2015</a:t>
+              <a:t>08.01.2015</a:t>
             </a:fld>
             <a:endParaRPr lang="de-DE" dirty="0"/>
           </a:p>
@@ -22297,23 +22297,15 @@
             </a:r>
             <a:r>
               <a:rPr lang="de-DE" dirty="0" smtClean="0"/>
-              <a:t> initialisieren: </a:t>
+              <a:t> initialisieren: Kategorien aus </a:t>
             </a:r>
             <a:r>
               <a:rPr lang="de-DE" dirty="0" smtClean="0"/>
-              <a:t>Kategorien </a:t>
+              <a:t>Datenbank </a:t>
             </a:r>
             <a:r>
               <a:rPr lang="de-DE" dirty="0" smtClean="0"/>
-              <a:t>aus </a:t>
-            </a:r>
-            <a:r>
-              <a:rPr lang="de-DE" dirty="0" err="1" smtClean="0"/>
-              <a:t>Datebank</a:t>
-            </a:r>
-            <a:r>
-              <a:rPr lang="de-DE" dirty="0" smtClean="0"/>
-              <a:t> laden</a:t>
+              <a:t>laden</a:t>
             </a:r>
             <a:endParaRPr lang="de-DE" dirty="0"/>
           </a:p>
@@ -23143,8 +23135,8 @@
         </p:blipFill>
         <p:spPr>
           <a:xfrm>
-            <a:off x="251520" y="1052736"/>
-            <a:ext cx="8663158" cy="8001895"/>
+            <a:off x="755576" y="1188463"/>
+            <a:ext cx="7632848" cy="8649249"/>
           </a:xfrm>
           <a:prstGeom prst="rect">
             <a:avLst/>
@@ -23258,7 +23250,7 @@
                                     <p:cond delay="0"/>
                                   </p:stCondLst>
                                   <p:childTnLst>
-                                    <p:animMotion origin="layout" path="M 4.72222E-6 4.44444E-6 L -0.00122 -0.40487 " pathEditMode="relative" rAng="0" ptsTypes="AA">
+                                    <p:animMotion origin="layout" path="M 0 4.81481E-6 L 0 -0.52454 " pathEditMode="relative" rAng="0" ptsTypes="AA">
                                       <p:cBhvr>
                                         <p:cTn id="12" dur="2000" fill="hold"/>
                                         <p:tgtEl>
@@ -23269,7 +23261,7 @@
                                           <p:attrName>ppt_y</p:attrName>
                                         </p:attrNameLst>
                                       </p:cBhvr>
-                                      <p:rCtr x="-1" y="-203"/>
+                                      <p:rCtr x="0" y="-262"/>
                                     </p:animMotion>
                                   </p:childTnLst>
                                 </p:cTn>
@@ -23496,7 +23488,7 @@
         <p:spPr>
           <a:xfrm>
             <a:off x="107504" y="1844824"/>
-            <a:ext cx="8903354" cy="4440501"/>
+            <a:ext cx="8903353" cy="4440501"/>
           </a:xfrm>
           <a:prstGeom prst="rect">
             <a:avLst/>
@@ -24009,7 +24001,7 @@
         <p:spPr>
           <a:xfrm>
             <a:off x="251520" y="1556792"/>
-            <a:ext cx="8568952" cy="7989643"/>
+            <a:ext cx="8568952" cy="6935621"/>
           </a:xfrm>
           <a:prstGeom prst="rect">
             <a:avLst/>
@@ -24123,7 +24115,7 @@
                                     <p:cond delay="0"/>
                                   </p:stCondLst>
                                   <p:childTnLst>
-                                    <p:animMotion origin="layout" path="M 3.05556E-6 -7.40741E-7 L 0.00399 -0.4669 " pathEditMode="relative" rAng="0" ptsTypes="AA">
+                                    <p:animMotion origin="layout" path="M 3.05556E-6 1.11111E-6 L -0.00382 -0.32708 " pathEditMode="relative" rAng="0" ptsTypes="AA">
                                       <p:cBhvr>
                                         <p:cTn id="12" dur="2000" fill="hold"/>
                                         <p:tgtEl>
@@ -24134,7 +24126,7 @@
                                           <p:attrName>ppt_y</p:attrName>
                                         </p:attrNameLst>
                                       </p:cBhvr>
-                                      <p:rCtr x="2" y="-234"/>
+                                      <p:rCtr x="-2" y="-164"/>
                                     </p:animMotion>
                                   </p:childTnLst>
                                 </p:cTn>
@@ -26413,7 +26405,6 @@
               <a:rPr lang="de-DE" dirty="0" smtClean="0"/>
               <a:t>Day</a:t>
             </a:r>
-            <a:endParaRPr lang="de-DE" dirty="0" smtClean="0"/>
           </a:p>
           <a:p>
             <a:pPr lvl="1"/>
@@ -27357,15 +27348,11 @@
             <a:pPr lvl="1"/>
             <a:r>
               <a:rPr lang="de-DE" dirty="0" smtClean="0"/>
-              <a:t>Über Länder und Kalenderdaten </a:t>
+              <a:t>Über Accounts und Kalenderdaten </a:t>
             </a:r>
             <a:r>
               <a:rPr lang="de-DE" dirty="0" smtClean="0"/>
-              <a:t>aggregierte </a:t>
-            </a:r>
-            <a:r>
-              <a:rPr lang="de-DE" dirty="0" smtClean="0"/>
-              <a:t>Daten</a:t>
+              <a:t>aggregierte Daten</a:t>
             </a:r>
           </a:p>
           <a:p>
@@ -27379,7 +27366,11 @@
             <a:pPr lvl="1"/>
             <a:r>
               <a:rPr lang="de-DE" dirty="0" smtClean="0"/>
-              <a:t>Über Länder </a:t>
+              <a:t>Über </a:t>
+            </a:r>
+            <a:r>
+              <a:rPr lang="de-DE" dirty="0" smtClean="0"/>
+              <a:t>Accounts </a:t>
             </a:r>
             <a:r>
               <a:rPr lang="de-DE" dirty="0" err="1" smtClean="0"/>
